--- a/aim2/Presentation2.pptx
+++ b/aim2/Presentation2.pptx
@@ -6,9 +6,11 @@
   </p:sldMasterIdLst>
   <p:sldIdLst>
     <p:sldId id="258" r:id="rId2"/>
-    <p:sldId id="263" r:id="rId3"/>
-    <p:sldId id="262" r:id="rId4"/>
-    <p:sldId id="261" r:id="rId5"/>
+    <p:sldId id="264" r:id="rId3"/>
+    <p:sldId id="263" r:id="rId4"/>
+    <p:sldId id="262" r:id="rId5"/>
+    <p:sldId id="261" r:id="rId6"/>
+    <p:sldId id="265" r:id="rId7"/>
   </p:sldIdLst>
   <p:sldSz cx="24384000" cy="13716000"/>
   <p:notesSz cx="6858000" cy="9144000"/>
@@ -1035,6 +1037,925 @@
 </file>
 
 <file path=ppt/diagrams/colors2.xml><?xml version="1.0" encoding="utf-8"?>
+<dgm:colorsDef xmlns:dgm="http://schemas.openxmlformats.org/drawingml/2006/diagram" xmlns:a="http://schemas.openxmlformats.org/drawingml/2006/main" uniqueId="urn:microsoft.com/office/officeart/2005/8/colors/colorful1">
+  <dgm:title val=""/>
+  <dgm:desc val=""/>
+  <dgm:catLst>
+    <dgm:cat type="colorful" pri="10100"/>
+  </dgm:catLst>
+  <dgm:styleLbl name="node0">
+    <dgm:fillClrLst meth="repeat">
+      <a:schemeClr val="accent1"/>
+    </dgm:fillClrLst>
+    <dgm:linClrLst meth="repeat">
+      <a:schemeClr val="lt1"/>
+    </dgm:linClrLst>
+    <dgm:effectClrLst/>
+    <dgm:txLinClrLst/>
+    <dgm:txFillClrLst/>
+    <dgm:txEffectClrLst/>
+  </dgm:styleLbl>
+  <dgm:styleLbl name="node1">
+    <dgm:fillClrLst meth="repeat">
+      <a:schemeClr val="accent2"/>
+      <a:schemeClr val="accent3"/>
+      <a:schemeClr val="accent4"/>
+      <a:schemeClr val="accent5"/>
+      <a:schemeClr val="accent6"/>
+    </dgm:fillClrLst>
+    <dgm:linClrLst meth="repeat">
+      <a:schemeClr val="lt1"/>
+    </dgm:linClrLst>
+    <dgm:effectClrLst/>
+    <dgm:txLinClrLst/>
+    <dgm:txFillClrLst/>
+    <dgm:txEffectClrLst/>
+  </dgm:styleLbl>
+  <dgm:styleLbl name="alignNode1">
+    <dgm:fillClrLst meth="repeat">
+      <a:schemeClr val="accent2"/>
+      <a:schemeClr val="accent3"/>
+      <a:schemeClr val="accent4"/>
+      <a:schemeClr val="accent5"/>
+      <a:schemeClr val="accent6"/>
+    </dgm:fillClrLst>
+    <dgm:linClrLst meth="repeat">
+      <a:schemeClr val="accent2"/>
+      <a:schemeClr val="accent3"/>
+      <a:schemeClr val="accent4"/>
+      <a:schemeClr val="accent5"/>
+      <a:schemeClr val="accent6"/>
+    </dgm:linClrLst>
+    <dgm:effectClrLst/>
+    <dgm:txLinClrLst/>
+    <dgm:txFillClrLst/>
+    <dgm:txEffectClrLst/>
+  </dgm:styleLbl>
+  <dgm:styleLbl name="lnNode1">
+    <dgm:fillClrLst meth="repeat">
+      <a:schemeClr val="accent2"/>
+      <a:schemeClr val="accent3"/>
+      <a:schemeClr val="accent4"/>
+      <a:schemeClr val="accent5"/>
+      <a:schemeClr val="accent6"/>
+    </dgm:fillClrLst>
+    <dgm:linClrLst meth="repeat">
+      <a:schemeClr val="lt1"/>
+    </dgm:linClrLst>
+    <dgm:effectClrLst/>
+    <dgm:txLinClrLst/>
+    <dgm:txFillClrLst/>
+    <dgm:txEffectClrLst/>
+  </dgm:styleLbl>
+  <dgm:styleLbl name="vennNode1">
+    <dgm:fillClrLst meth="repeat">
+      <a:schemeClr val="accent2">
+        <a:alpha val="50000"/>
+      </a:schemeClr>
+      <a:schemeClr val="accent3">
+        <a:alpha val="50000"/>
+      </a:schemeClr>
+      <a:schemeClr val="accent4">
+        <a:alpha val="50000"/>
+      </a:schemeClr>
+      <a:schemeClr val="accent5">
+        <a:alpha val="50000"/>
+      </a:schemeClr>
+      <a:schemeClr val="accent6">
+        <a:alpha val="50000"/>
+      </a:schemeClr>
+    </dgm:fillClrLst>
+    <dgm:linClrLst meth="repeat">
+      <a:schemeClr val="lt1"/>
+    </dgm:linClrLst>
+    <dgm:effectClrLst/>
+    <dgm:txLinClrLst/>
+    <dgm:txFillClrLst/>
+    <dgm:txEffectClrLst/>
+  </dgm:styleLbl>
+  <dgm:styleLbl name="node2">
+    <dgm:fillClrLst>
+      <a:schemeClr val="accent2"/>
+    </dgm:fillClrLst>
+    <dgm:linClrLst meth="repeat">
+      <a:schemeClr val="lt1"/>
+    </dgm:linClrLst>
+    <dgm:effectClrLst/>
+    <dgm:txLinClrLst/>
+    <dgm:txFillClrLst/>
+    <dgm:txEffectClrLst/>
+  </dgm:styleLbl>
+  <dgm:styleLbl name="node3">
+    <dgm:fillClrLst>
+      <a:schemeClr val="accent3"/>
+    </dgm:fillClrLst>
+    <dgm:linClrLst meth="repeat">
+      <a:schemeClr val="lt1"/>
+    </dgm:linClrLst>
+    <dgm:effectClrLst/>
+    <dgm:txLinClrLst/>
+    <dgm:txFillClrLst/>
+    <dgm:txEffectClrLst/>
+  </dgm:styleLbl>
+  <dgm:styleLbl name="node4">
+    <dgm:fillClrLst>
+      <a:schemeClr val="accent4"/>
+    </dgm:fillClrLst>
+    <dgm:linClrLst meth="repeat">
+      <a:schemeClr val="lt1"/>
+    </dgm:linClrLst>
+    <dgm:effectClrLst/>
+    <dgm:txLinClrLst/>
+    <dgm:txFillClrLst/>
+    <dgm:txEffectClrLst/>
+  </dgm:styleLbl>
+  <dgm:styleLbl name="fgImgPlace1">
+    <dgm:fillClrLst meth="repeat">
+      <a:schemeClr val="accent2">
+        <a:tint val="50000"/>
+      </a:schemeClr>
+      <a:schemeClr val="accent3">
+        <a:tint val="50000"/>
+      </a:schemeClr>
+      <a:schemeClr val="accent4">
+        <a:tint val="50000"/>
+      </a:schemeClr>
+      <a:schemeClr val="accent5">
+        <a:tint val="50000"/>
+      </a:schemeClr>
+      <a:schemeClr val="accent6">
+        <a:tint val="50000"/>
+      </a:schemeClr>
+    </dgm:fillClrLst>
+    <dgm:linClrLst meth="repeat">
+      <a:schemeClr val="lt1"/>
+    </dgm:linClrLst>
+    <dgm:effectClrLst/>
+    <dgm:txLinClrLst/>
+    <dgm:txFillClrLst meth="repeat">
+      <a:schemeClr val="lt1"/>
+    </dgm:txFillClrLst>
+    <dgm:txEffectClrLst/>
+  </dgm:styleLbl>
+  <dgm:styleLbl name="alignImgPlace1">
+    <dgm:fillClrLst>
+      <a:schemeClr val="accent1">
+        <a:tint val="50000"/>
+      </a:schemeClr>
+      <a:schemeClr val="accent2">
+        <a:tint val="20000"/>
+      </a:schemeClr>
+    </dgm:fillClrLst>
+    <dgm:linClrLst meth="repeat">
+      <a:schemeClr val="lt1"/>
+    </dgm:linClrLst>
+    <dgm:effectClrLst/>
+    <dgm:txLinClrLst/>
+    <dgm:txFillClrLst meth="repeat">
+      <a:schemeClr val="lt1"/>
+    </dgm:txFillClrLst>
+    <dgm:txEffectClrLst/>
+  </dgm:styleLbl>
+  <dgm:styleLbl name="bgImgPlace1">
+    <dgm:fillClrLst>
+      <a:schemeClr val="accent1">
+        <a:tint val="50000"/>
+      </a:schemeClr>
+      <a:schemeClr val="accent2">
+        <a:tint val="20000"/>
+      </a:schemeClr>
+    </dgm:fillClrLst>
+    <dgm:linClrLst meth="repeat">
+      <a:schemeClr val="lt1"/>
+    </dgm:linClrLst>
+    <dgm:effectClrLst/>
+    <dgm:txLinClrLst/>
+    <dgm:txFillClrLst meth="repeat">
+      <a:schemeClr val="lt1"/>
+    </dgm:txFillClrLst>
+    <dgm:txEffectClrLst/>
+  </dgm:styleLbl>
+  <dgm:styleLbl name="sibTrans2D1">
+    <dgm:fillClrLst meth="repeat">
+      <a:schemeClr val="accent2"/>
+      <a:schemeClr val="accent3"/>
+      <a:schemeClr val="accent4"/>
+      <a:schemeClr val="accent5"/>
+      <a:schemeClr val="accent6"/>
+    </dgm:fillClrLst>
+    <dgm:linClrLst meth="cycle">
+      <a:schemeClr val="lt1"/>
+    </dgm:linClrLst>
+    <dgm:effectClrLst/>
+    <dgm:txLinClrLst/>
+    <dgm:txFillClrLst/>
+    <dgm:txEffectClrLst/>
+  </dgm:styleLbl>
+  <dgm:styleLbl name="fgSibTrans2D1">
+    <dgm:fillClrLst meth="repeat">
+      <a:schemeClr val="accent2"/>
+      <a:schemeClr val="accent3"/>
+      <a:schemeClr val="accent4"/>
+      <a:schemeClr val="accent5"/>
+      <a:schemeClr val="accent6"/>
+    </dgm:fillClrLst>
+    <dgm:linClrLst meth="cycle">
+      <a:schemeClr val="lt1"/>
+    </dgm:linClrLst>
+    <dgm:effectClrLst/>
+    <dgm:txLinClrLst/>
+    <dgm:txFillClrLst meth="repeat">
+      <a:schemeClr val="lt1"/>
+    </dgm:txFillClrLst>
+    <dgm:txEffectClrLst/>
+  </dgm:styleLbl>
+  <dgm:styleLbl name="bgSibTrans2D1">
+    <dgm:fillClrLst meth="repeat">
+      <a:schemeClr val="accent2"/>
+      <a:schemeClr val="accent3"/>
+      <a:schemeClr val="accent4"/>
+      <a:schemeClr val="accent5"/>
+      <a:schemeClr val="accent6"/>
+    </dgm:fillClrLst>
+    <dgm:linClrLst meth="cycle">
+      <a:schemeClr val="lt1"/>
+    </dgm:linClrLst>
+    <dgm:effectClrLst/>
+    <dgm:txLinClrLst/>
+    <dgm:txFillClrLst meth="repeat">
+      <a:schemeClr val="lt1"/>
+    </dgm:txFillClrLst>
+    <dgm:txEffectClrLst/>
+  </dgm:styleLbl>
+  <dgm:styleLbl name="sibTrans1D1">
+    <dgm:fillClrLst meth="repeat">
+      <a:schemeClr val="accent2"/>
+      <a:schemeClr val="accent3"/>
+      <a:schemeClr val="accent4"/>
+      <a:schemeClr val="accent5"/>
+      <a:schemeClr val="accent6"/>
+    </dgm:fillClrLst>
+    <dgm:linClrLst meth="repeat">
+      <a:schemeClr val="accent2"/>
+      <a:schemeClr val="accent3"/>
+      <a:schemeClr val="accent4"/>
+      <a:schemeClr val="accent5"/>
+      <a:schemeClr val="accent6"/>
+    </dgm:linClrLst>
+    <dgm:effectClrLst/>
+    <dgm:txLinClrLst/>
+    <dgm:txFillClrLst meth="repeat">
+      <a:schemeClr val="tx1"/>
+    </dgm:txFillClrLst>
+    <dgm:txEffectClrLst/>
+  </dgm:styleLbl>
+  <dgm:styleLbl name="callout">
+    <dgm:fillClrLst meth="repeat">
+      <a:schemeClr val="accent2"/>
+    </dgm:fillClrLst>
+    <dgm:linClrLst meth="repeat">
+      <a:schemeClr val="accent2">
+        <a:tint val="50000"/>
+      </a:schemeClr>
+    </dgm:linClrLst>
+    <dgm:effectClrLst/>
+    <dgm:txLinClrLst/>
+    <dgm:txFillClrLst meth="repeat">
+      <a:schemeClr val="tx1"/>
+    </dgm:txFillClrLst>
+    <dgm:txEffectClrLst/>
+  </dgm:styleLbl>
+  <dgm:styleLbl name="asst0">
+    <dgm:fillClrLst meth="repeat">
+      <a:schemeClr val="accent1"/>
+    </dgm:fillClrLst>
+    <dgm:linClrLst meth="repeat">
+      <a:schemeClr val="lt1"/>
+    </dgm:linClrLst>
+    <dgm:effectClrLst/>
+    <dgm:txLinClrLst/>
+    <dgm:txFillClrLst/>
+    <dgm:txEffectClrLst/>
+  </dgm:styleLbl>
+  <dgm:styleLbl name="asst1">
+    <dgm:fillClrLst meth="repeat">
+      <a:schemeClr val="accent2"/>
+    </dgm:fillClrLst>
+    <dgm:linClrLst meth="repeat">
+      <a:schemeClr val="lt1"/>
+    </dgm:linClrLst>
+    <dgm:effectClrLst/>
+    <dgm:txLinClrLst/>
+    <dgm:txFillClrLst/>
+    <dgm:txEffectClrLst/>
+  </dgm:styleLbl>
+  <dgm:styleLbl name="asst2">
+    <dgm:fillClrLst>
+      <a:schemeClr val="accent3"/>
+    </dgm:fillClrLst>
+    <dgm:linClrLst meth="repeat">
+      <a:schemeClr val="lt1"/>
+    </dgm:linClrLst>
+    <dgm:effectClrLst/>
+    <dgm:txLinClrLst/>
+    <dgm:txFillClrLst/>
+    <dgm:txEffectClrLst/>
+  </dgm:styleLbl>
+  <dgm:styleLbl name="asst3">
+    <dgm:fillClrLst>
+      <a:schemeClr val="accent4"/>
+    </dgm:fillClrLst>
+    <dgm:linClrLst meth="repeat">
+      <a:schemeClr val="lt1"/>
+    </dgm:linClrLst>
+    <dgm:effectClrLst/>
+    <dgm:txLinClrLst/>
+    <dgm:txFillClrLst/>
+    <dgm:txEffectClrLst/>
+  </dgm:styleLbl>
+  <dgm:styleLbl name="asst4">
+    <dgm:fillClrLst>
+      <a:schemeClr val="accent5"/>
+    </dgm:fillClrLst>
+    <dgm:linClrLst meth="repeat">
+      <a:schemeClr val="lt1"/>
+    </dgm:linClrLst>
+    <dgm:effectClrLst/>
+    <dgm:txLinClrLst/>
+    <dgm:txFillClrLst/>
+    <dgm:txEffectClrLst/>
+  </dgm:styleLbl>
+  <dgm:styleLbl name="parChTrans2D1">
+    <dgm:fillClrLst meth="repeat">
+      <a:schemeClr val="accent2"/>
+    </dgm:fillClrLst>
+    <dgm:linClrLst meth="repeat">
+      <a:schemeClr val="lt1"/>
+    </dgm:linClrLst>
+    <dgm:effectClrLst/>
+    <dgm:txLinClrLst/>
+    <dgm:txFillClrLst meth="repeat">
+      <a:schemeClr val="lt1"/>
+    </dgm:txFillClrLst>
+    <dgm:txEffectClrLst/>
+  </dgm:styleLbl>
+  <dgm:styleLbl name="parChTrans2D2">
+    <dgm:fillClrLst meth="repeat">
+      <a:schemeClr val="accent3"/>
+    </dgm:fillClrLst>
+    <dgm:linClrLst meth="repeat">
+      <a:schemeClr val="lt1"/>
+    </dgm:linClrLst>
+    <dgm:effectClrLst/>
+    <dgm:txLinClrLst/>
+    <dgm:txFillClrLst/>
+    <dgm:txEffectClrLst/>
+  </dgm:styleLbl>
+  <dgm:styleLbl name="parChTrans2D3">
+    <dgm:fillClrLst meth="repeat">
+      <a:schemeClr val="accent4"/>
+    </dgm:fillClrLst>
+    <dgm:linClrLst meth="repeat">
+      <a:schemeClr val="lt1"/>
+    </dgm:linClrLst>
+    <dgm:effectClrLst/>
+    <dgm:txLinClrLst/>
+    <dgm:txFillClrLst/>
+    <dgm:txEffectClrLst/>
+  </dgm:styleLbl>
+  <dgm:styleLbl name="parChTrans2D4">
+    <dgm:fillClrLst meth="repeat">
+      <a:schemeClr val="accent5"/>
+    </dgm:fillClrLst>
+    <dgm:linClrLst meth="repeat">
+      <a:schemeClr val="lt1"/>
+    </dgm:linClrLst>
+    <dgm:effectClrLst/>
+    <dgm:txLinClrLst/>
+    <dgm:txFillClrLst meth="repeat">
+      <a:schemeClr val="lt1"/>
+    </dgm:txFillClrLst>
+    <dgm:txEffectClrLst/>
+  </dgm:styleLbl>
+  <dgm:styleLbl name="parChTrans1D1">
+    <dgm:fillClrLst meth="repeat">
+      <a:schemeClr val="accent2"/>
+    </dgm:fillClrLst>
+    <dgm:linClrLst meth="repeat">
+      <a:schemeClr val="accent1"/>
+    </dgm:linClrLst>
+    <dgm:effectClrLst/>
+    <dgm:txLinClrLst/>
+    <dgm:txFillClrLst meth="repeat">
+      <a:schemeClr val="tx1"/>
+    </dgm:txFillClrLst>
+    <dgm:txEffectClrLst/>
+  </dgm:styleLbl>
+  <dgm:styleLbl name="parChTrans1D2">
+    <dgm:fillClrLst meth="repeat">
+      <a:schemeClr val="accent3">
+        <a:tint val="90000"/>
+      </a:schemeClr>
+    </dgm:fillClrLst>
+    <dgm:linClrLst meth="repeat">
+      <a:schemeClr val="accent2"/>
+    </dgm:linClrLst>
+    <dgm:effectClrLst/>
+    <dgm:txLinClrLst/>
+    <dgm:txFillClrLst meth="repeat">
+      <a:schemeClr val="tx1"/>
+    </dgm:txFillClrLst>
+    <dgm:txEffectClrLst/>
+  </dgm:styleLbl>
+  <dgm:styleLbl name="parChTrans1D3">
+    <dgm:fillClrLst meth="repeat">
+      <a:schemeClr val="accent4">
+        <a:tint val="70000"/>
+      </a:schemeClr>
+    </dgm:fillClrLst>
+    <dgm:linClrLst meth="repeat">
+      <a:schemeClr val="accent3"/>
+    </dgm:linClrLst>
+    <dgm:effectClrLst/>
+    <dgm:txLinClrLst/>
+    <dgm:txFillClrLst meth="repeat">
+      <a:schemeClr val="tx1"/>
+    </dgm:txFillClrLst>
+    <dgm:txEffectClrLst/>
+  </dgm:styleLbl>
+  <dgm:styleLbl name="parChTrans1D4">
+    <dgm:fillClrLst meth="repeat">
+      <a:schemeClr val="accent5">
+        <a:tint val="50000"/>
+      </a:schemeClr>
+    </dgm:fillClrLst>
+    <dgm:linClrLst meth="repeat">
+      <a:schemeClr val="accent4"/>
+    </dgm:linClrLst>
+    <dgm:effectClrLst/>
+    <dgm:txLinClrLst/>
+    <dgm:txFillClrLst meth="repeat">
+      <a:schemeClr val="tx1"/>
+    </dgm:txFillClrLst>
+    <dgm:txEffectClrLst/>
+  </dgm:styleLbl>
+  <dgm:styleLbl name="fgAcc1">
+    <dgm:fillClrLst meth="repeat">
+      <a:schemeClr val="lt1">
+        <a:alpha val="90000"/>
+      </a:schemeClr>
+    </dgm:fillClrLst>
+    <dgm:linClrLst meth="repeat">
+      <a:schemeClr val="accent2"/>
+      <a:schemeClr val="accent3"/>
+      <a:schemeClr val="accent4"/>
+      <a:schemeClr val="accent5"/>
+      <a:schemeClr val="accent6"/>
+    </dgm:linClrLst>
+    <dgm:effectClrLst/>
+    <dgm:txLinClrLst/>
+    <dgm:txFillClrLst meth="repeat">
+      <a:schemeClr val="dk1"/>
+    </dgm:txFillClrLst>
+    <dgm:txEffectClrLst/>
+  </dgm:styleLbl>
+  <dgm:styleLbl name="conFgAcc1">
+    <dgm:fillClrLst meth="repeat">
+      <a:schemeClr val="lt1">
+        <a:alpha val="90000"/>
+      </a:schemeClr>
+    </dgm:fillClrLst>
+    <dgm:linClrLst meth="repeat">
+      <a:schemeClr val="accent2"/>
+      <a:schemeClr val="accent3"/>
+      <a:schemeClr val="accent4"/>
+      <a:schemeClr val="accent5"/>
+      <a:schemeClr val="accent6"/>
+    </dgm:linClrLst>
+    <dgm:effectClrLst/>
+    <dgm:txLinClrLst/>
+    <dgm:txFillClrLst meth="repeat">
+      <a:schemeClr val="dk1"/>
+    </dgm:txFillClrLst>
+    <dgm:txEffectClrLst/>
+  </dgm:styleLbl>
+  <dgm:styleLbl name="alignAcc1">
+    <dgm:fillClrLst meth="repeat">
+      <a:schemeClr val="lt1">
+        <a:alpha val="90000"/>
+      </a:schemeClr>
+    </dgm:fillClrLst>
+    <dgm:linClrLst meth="repeat">
+      <a:schemeClr val="accent2"/>
+      <a:schemeClr val="accent3"/>
+      <a:schemeClr val="accent4"/>
+      <a:schemeClr val="accent5"/>
+      <a:schemeClr val="accent6"/>
+    </dgm:linClrLst>
+    <dgm:effectClrLst/>
+    <dgm:txLinClrLst/>
+    <dgm:txFillClrLst meth="repeat">
+      <a:schemeClr val="dk1"/>
+    </dgm:txFillClrLst>
+    <dgm:txEffectClrLst/>
+  </dgm:styleLbl>
+  <dgm:styleLbl name="trAlignAcc1">
+    <dgm:fillClrLst meth="repeat">
+      <a:schemeClr val="lt1">
+        <a:alpha val="40000"/>
+      </a:schemeClr>
+    </dgm:fillClrLst>
+    <dgm:linClrLst meth="repeat">
+      <a:schemeClr val="accent1"/>
+    </dgm:linClrLst>
+    <dgm:effectClrLst/>
+    <dgm:txLinClrLst/>
+    <dgm:txFillClrLst meth="repeat">
+      <a:schemeClr val="dk1"/>
+    </dgm:txFillClrLst>
+    <dgm:txEffectClrLst/>
+  </dgm:styleLbl>
+  <dgm:styleLbl name="bgAcc1">
+    <dgm:fillClrLst meth="repeat">
+      <a:schemeClr val="lt1">
+        <a:alpha val="90000"/>
+      </a:schemeClr>
+    </dgm:fillClrLst>
+    <dgm:linClrLst meth="repeat">
+      <a:schemeClr val="accent2"/>
+      <a:schemeClr val="accent3"/>
+      <a:schemeClr val="accent4"/>
+      <a:schemeClr val="accent5"/>
+      <a:schemeClr val="accent6"/>
+    </dgm:linClrLst>
+    <dgm:effectClrLst/>
+    <dgm:txLinClrLst/>
+    <dgm:txFillClrLst meth="repeat">
+      <a:schemeClr val="dk1"/>
+    </dgm:txFillClrLst>
+    <dgm:txEffectClrLst/>
+  </dgm:styleLbl>
+  <dgm:styleLbl name="solidFgAcc1">
+    <dgm:fillClrLst meth="repeat">
+      <a:schemeClr val="lt1"/>
+    </dgm:fillClrLst>
+    <dgm:linClrLst meth="repeat">
+      <a:schemeClr val="accent2"/>
+      <a:schemeClr val="accent3"/>
+      <a:schemeClr val="accent4"/>
+      <a:schemeClr val="accent5"/>
+      <a:schemeClr val="accent6"/>
+    </dgm:linClrLst>
+    <dgm:effectClrLst/>
+    <dgm:txLinClrLst/>
+    <dgm:txFillClrLst meth="repeat">
+      <a:schemeClr val="dk1"/>
+    </dgm:txFillClrLst>
+    <dgm:txEffectClrLst/>
+  </dgm:styleLbl>
+  <dgm:styleLbl name="solidAlignAcc1">
+    <dgm:fillClrLst meth="repeat">
+      <a:schemeClr val="lt1"/>
+    </dgm:fillClrLst>
+    <dgm:linClrLst meth="repeat">
+      <a:schemeClr val="accent2"/>
+      <a:schemeClr val="accent3"/>
+      <a:schemeClr val="accent4"/>
+      <a:schemeClr val="accent5"/>
+      <a:schemeClr val="accent6"/>
+    </dgm:linClrLst>
+    <dgm:effectClrLst/>
+    <dgm:txLinClrLst/>
+    <dgm:txFillClrLst meth="repeat">
+      <a:schemeClr val="dk1"/>
+    </dgm:txFillClrLst>
+    <dgm:txEffectClrLst/>
+  </dgm:styleLbl>
+  <dgm:styleLbl name="solidBgAcc1">
+    <dgm:fillClrLst meth="repeat">
+      <a:schemeClr val="lt1"/>
+    </dgm:fillClrLst>
+    <dgm:linClrLst meth="repeat">
+      <a:schemeClr val="accent2"/>
+      <a:schemeClr val="accent3"/>
+      <a:schemeClr val="accent4"/>
+      <a:schemeClr val="accent5"/>
+      <a:schemeClr val="accent6"/>
+    </dgm:linClrLst>
+    <dgm:effectClrLst/>
+    <dgm:txLinClrLst/>
+    <dgm:txFillClrLst meth="repeat">
+      <a:schemeClr val="dk1"/>
+    </dgm:txFillClrLst>
+    <dgm:txEffectClrLst/>
+  </dgm:styleLbl>
+  <dgm:styleLbl name="fgAccFollowNode1">
+    <dgm:fillClrLst meth="repeat">
+      <a:schemeClr val="accent2">
+        <a:tint val="40000"/>
+        <a:alpha val="90000"/>
+      </a:schemeClr>
+      <a:schemeClr val="accent3">
+        <a:tint val="40000"/>
+        <a:alpha val="90000"/>
+      </a:schemeClr>
+      <a:schemeClr val="accent4">
+        <a:tint val="40000"/>
+        <a:alpha val="90000"/>
+      </a:schemeClr>
+      <a:schemeClr val="accent5">
+        <a:tint val="40000"/>
+        <a:alpha val="90000"/>
+      </a:schemeClr>
+      <a:schemeClr val="accent6">
+        <a:tint val="40000"/>
+        <a:alpha val="90000"/>
+      </a:schemeClr>
+    </dgm:fillClrLst>
+    <dgm:linClrLst meth="repeat">
+      <a:schemeClr val="accent2">
+        <a:tint val="40000"/>
+        <a:alpha val="90000"/>
+      </a:schemeClr>
+      <a:schemeClr val="accent3">
+        <a:tint val="40000"/>
+        <a:alpha val="90000"/>
+      </a:schemeClr>
+      <a:schemeClr val="accent4">
+        <a:tint val="40000"/>
+        <a:alpha val="90000"/>
+      </a:schemeClr>
+      <a:schemeClr val="accent5">
+        <a:tint val="40000"/>
+        <a:alpha val="90000"/>
+      </a:schemeClr>
+      <a:schemeClr val="accent6">
+        <a:tint val="40000"/>
+        <a:alpha val="90000"/>
+      </a:schemeClr>
+    </dgm:linClrLst>
+    <dgm:effectClrLst/>
+    <dgm:txLinClrLst/>
+    <dgm:txFillClrLst meth="repeat">
+      <a:schemeClr val="dk1"/>
+    </dgm:txFillClrLst>
+    <dgm:txEffectClrLst/>
+  </dgm:styleLbl>
+  <dgm:styleLbl name="alignAccFollowNode1">
+    <dgm:fillClrLst meth="repeat">
+      <a:schemeClr val="accent2">
+        <a:tint val="40000"/>
+        <a:alpha val="90000"/>
+      </a:schemeClr>
+      <a:schemeClr val="accent3">
+        <a:tint val="40000"/>
+        <a:alpha val="90000"/>
+      </a:schemeClr>
+      <a:schemeClr val="accent4">
+        <a:tint val="40000"/>
+        <a:alpha val="90000"/>
+      </a:schemeClr>
+      <a:schemeClr val="accent5">
+        <a:tint val="40000"/>
+        <a:alpha val="90000"/>
+      </a:schemeClr>
+      <a:schemeClr val="accent6">
+        <a:tint val="40000"/>
+        <a:alpha val="90000"/>
+      </a:schemeClr>
+    </dgm:fillClrLst>
+    <dgm:linClrLst meth="repeat">
+      <a:schemeClr val="accent2">
+        <a:tint val="40000"/>
+        <a:alpha val="90000"/>
+      </a:schemeClr>
+      <a:schemeClr val="accent3">
+        <a:tint val="40000"/>
+        <a:alpha val="90000"/>
+      </a:schemeClr>
+      <a:schemeClr val="accent4">
+        <a:tint val="40000"/>
+        <a:alpha val="90000"/>
+      </a:schemeClr>
+      <a:schemeClr val="accent5">
+        <a:tint val="40000"/>
+        <a:alpha val="90000"/>
+      </a:schemeClr>
+      <a:schemeClr val="accent6">
+        <a:tint val="40000"/>
+        <a:alpha val="90000"/>
+      </a:schemeClr>
+    </dgm:linClrLst>
+    <dgm:effectClrLst/>
+    <dgm:txLinClrLst/>
+    <dgm:txFillClrLst meth="repeat">
+      <a:schemeClr val="dk1"/>
+    </dgm:txFillClrLst>
+    <dgm:txEffectClrLst/>
+  </dgm:styleLbl>
+  <dgm:styleLbl name="bgAccFollowNode1">
+    <dgm:fillClrLst meth="repeat">
+      <a:schemeClr val="accent2">
+        <a:tint val="40000"/>
+        <a:alpha val="90000"/>
+      </a:schemeClr>
+      <a:schemeClr val="accent3">
+        <a:tint val="40000"/>
+        <a:alpha val="90000"/>
+      </a:schemeClr>
+      <a:schemeClr val="accent4">
+        <a:tint val="40000"/>
+        <a:alpha val="90000"/>
+      </a:schemeClr>
+      <a:schemeClr val="accent5">
+        <a:tint val="40000"/>
+        <a:alpha val="90000"/>
+      </a:schemeClr>
+      <a:schemeClr val="accent6">
+        <a:tint val="40000"/>
+        <a:alpha val="90000"/>
+      </a:schemeClr>
+    </dgm:fillClrLst>
+    <dgm:linClrLst meth="repeat">
+      <a:schemeClr val="accent2">
+        <a:tint val="40000"/>
+        <a:alpha val="90000"/>
+      </a:schemeClr>
+      <a:schemeClr val="accent3">
+        <a:tint val="40000"/>
+        <a:alpha val="90000"/>
+      </a:schemeClr>
+      <a:schemeClr val="accent4">
+        <a:tint val="40000"/>
+        <a:alpha val="90000"/>
+      </a:schemeClr>
+      <a:schemeClr val="accent5">
+        <a:tint val="40000"/>
+        <a:alpha val="90000"/>
+      </a:schemeClr>
+      <a:schemeClr val="accent6">
+        <a:tint val="40000"/>
+        <a:alpha val="90000"/>
+      </a:schemeClr>
+    </dgm:linClrLst>
+    <dgm:effectClrLst/>
+    <dgm:txLinClrLst/>
+    <dgm:txFillClrLst meth="repeat">
+      <a:schemeClr val="dk1"/>
+    </dgm:txFillClrLst>
+    <dgm:txEffectClrLst/>
+  </dgm:styleLbl>
+  <dgm:styleLbl name="fgAcc0">
+    <dgm:fillClrLst meth="repeat">
+      <a:schemeClr val="lt1">
+        <a:alpha val="90000"/>
+      </a:schemeClr>
+    </dgm:fillClrLst>
+    <dgm:linClrLst>
+      <a:schemeClr val="accent1"/>
+    </dgm:linClrLst>
+    <dgm:effectClrLst/>
+    <dgm:txLinClrLst/>
+    <dgm:txFillClrLst meth="repeat">
+      <a:schemeClr val="dk1"/>
+    </dgm:txFillClrLst>
+    <dgm:txEffectClrLst/>
+  </dgm:styleLbl>
+  <dgm:styleLbl name="fgAcc2">
+    <dgm:fillClrLst meth="repeat">
+      <a:schemeClr val="lt1">
+        <a:alpha val="90000"/>
+      </a:schemeClr>
+    </dgm:fillClrLst>
+    <dgm:linClrLst>
+      <a:schemeClr val="accent2"/>
+    </dgm:linClrLst>
+    <dgm:effectClrLst/>
+    <dgm:txLinClrLst/>
+    <dgm:txFillClrLst meth="repeat">
+      <a:schemeClr val="dk1"/>
+    </dgm:txFillClrLst>
+    <dgm:txEffectClrLst/>
+  </dgm:styleLbl>
+  <dgm:styleLbl name="fgAcc3">
+    <dgm:fillClrLst meth="repeat">
+      <a:schemeClr val="lt1">
+        <a:alpha val="90000"/>
+      </a:schemeClr>
+    </dgm:fillClrLst>
+    <dgm:linClrLst>
+      <a:schemeClr val="accent3"/>
+    </dgm:linClrLst>
+    <dgm:effectClrLst/>
+    <dgm:txLinClrLst/>
+    <dgm:txFillClrLst meth="repeat">
+      <a:schemeClr val="dk1"/>
+    </dgm:txFillClrLst>
+    <dgm:txEffectClrLst/>
+  </dgm:styleLbl>
+  <dgm:styleLbl name="fgAcc4">
+    <dgm:fillClrLst meth="repeat">
+      <a:schemeClr val="lt1">
+        <a:alpha val="90000"/>
+      </a:schemeClr>
+    </dgm:fillClrLst>
+    <dgm:linClrLst>
+      <a:schemeClr val="accent4"/>
+    </dgm:linClrLst>
+    <dgm:effectClrLst/>
+    <dgm:txLinClrLst/>
+    <dgm:txFillClrLst meth="repeat">
+      <a:schemeClr val="dk1"/>
+    </dgm:txFillClrLst>
+    <dgm:txEffectClrLst/>
+  </dgm:styleLbl>
+  <dgm:styleLbl name="bgShp">
+    <dgm:fillClrLst meth="repeat">
+      <a:schemeClr val="accent2">
+        <a:tint val="40000"/>
+      </a:schemeClr>
+    </dgm:fillClrLst>
+    <dgm:linClrLst meth="repeat">
+      <a:schemeClr val="dk1"/>
+    </dgm:linClrLst>
+    <dgm:effectClrLst/>
+    <dgm:txLinClrLst/>
+    <dgm:txFillClrLst meth="repeat">
+      <a:schemeClr val="dk1"/>
+    </dgm:txFillClrLst>
+    <dgm:txEffectClrLst/>
+  </dgm:styleLbl>
+  <dgm:styleLbl name="dkBgShp">
+    <dgm:fillClrLst meth="repeat">
+      <a:schemeClr val="accent2">
+        <a:shade val="90000"/>
+      </a:schemeClr>
+    </dgm:fillClrLst>
+    <dgm:linClrLst meth="repeat">
+      <a:schemeClr val="dk1"/>
+    </dgm:linClrLst>
+    <dgm:effectClrLst/>
+    <dgm:txLinClrLst/>
+    <dgm:txFillClrLst meth="repeat">
+      <a:schemeClr val="lt1"/>
+    </dgm:txFillClrLst>
+    <dgm:txEffectClrLst/>
+  </dgm:styleLbl>
+  <dgm:styleLbl name="trBgShp">
+    <dgm:fillClrLst meth="repeat">
+      <a:schemeClr val="accent1">
+        <a:tint val="50000"/>
+        <a:alpha val="40000"/>
+      </a:schemeClr>
+    </dgm:fillClrLst>
+    <dgm:linClrLst meth="repeat">
+      <a:schemeClr val="accent2"/>
+    </dgm:linClrLst>
+    <dgm:effectClrLst/>
+    <dgm:txLinClrLst/>
+    <dgm:txFillClrLst meth="repeat">
+      <a:schemeClr val="lt1"/>
+    </dgm:txFillClrLst>
+    <dgm:txEffectClrLst/>
+  </dgm:styleLbl>
+  <dgm:styleLbl name="fgShp">
+    <dgm:fillClrLst meth="repeat">
+      <a:schemeClr val="accent2">
+        <a:tint val="40000"/>
+      </a:schemeClr>
+    </dgm:fillClrLst>
+    <dgm:linClrLst meth="repeat">
+      <a:schemeClr val="lt1"/>
+    </dgm:linClrLst>
+    <dgm:effectClrLst/>
+    <dgm:txLinClrLst/>
+    <dgm:txFillClrLst meth="repeat">
+      <a:schemeClr val="dk1"/>
+    </dgm:txFillClrLst>
+    <dgm:txEffectClrLst/>
+  </dgm:styleLbl>
+  <dgm:styleLbl name="revTx">
+    <dgm:fillClrLst meth="repeat">
+      <a:schemeClr val="lt1">
+        <a:alpha val="0"/>
+      </a:schemeClr>
+    </dgm:fillClrLst>
+    <dgm:linClrLst meth="repeat">
+      <a:schemeClr val="dk1">
+        <a:alpha val="0"/>
+      </a:schemeClr>
+    </dgm:linClrLst>
+    <dgm:effectClrLst/>
+    <dgm:txLinClrLst/>
+    <dgm:txFillClrLst meth="repeat">
+      <a:schemeClr val="tx1"/>
+    </dgm:txFillClrLst>
+    <dgm:txEffectClrLst/>
+  </dgm:styleLbl>
+</dgm:colorsDef>
+</file>
+
+<file path=ppt/diagrams/colors3.xml><?xml version="1.0" encoding="utf-8"?>
 <dgm:colorsDef xmlns:dgm="http://schemas.openxmlformats.org/drawingml/2006/diagram" xmlns:a="http://schemas.openxmlformats.org/drawingml/2006/main" uniqueId="urn:microsoft.com/office/officeart/2005/8/colors/accent1_2">
   <dgm:title val=""/>
   <dgm:desc val=""/>
@@ -1781,7 +2702,7 @@
 </dgm:colorsDef>
 </file>
 
-<file path=ppt/diagrams/colors3.xml><?xml version="1.0" encoding="utf-8"?>
+<file path=ppt/diagrams/colors4.xml><?xml version="1.0" encoding="utf-8"?>
 <dgm:colorsDef xmlns:dgm="http://schemas.openxmlformats.org/drawingml/2006/diagram" xmlns:a="http://schemas.openxmlformats.org/drawingml/2006/main" uniqueId="urn:microsoft.com/office/officeart/2005/8/colors/colorful1">
   <dgm:title val=""/>
   <dgm:desc val=""/>
@@ -2700,7 +3621,7 @@
 </dgm:colorsDef>
 </file>
 
-<file path=ppt/diagrams/colors4.xml><?xml version="1.0" encoding="utf-8"?>
+<file path=ppt/diagrams/colors5.xml><?xml version="1.0" encoding="utf-8"?>
 <dgm:colorsDef xmlns:dgm="http://schemas.openxmlformats.org/drawingml/2006/diagram" xmlns:a="http://schemas.openxmlformats.org/drawingml/2006/main" uniqueId="urn:microsoft.com/office/officeart/2005/8/colors/colorful1">
   <dgm:title val=""/>
   <dgm:desc val=""/>
@@ -4006,6 +4927,384 @@
 </file>
 
 <file path=ppt/diagrams/data2.xml><?xml version="1.0" encoding="utf-8"?>
+<dgm:dataModel xmlns:dgm="http://schemas.openxmlformats.org/drawingml/2006/diagram" xmlns:a="http://schemas.openxmlformats.org/drawingml/2006/main">
+  <dgm:ptLst>
+    <dgm:pt modelId="{3B7EC136-7F91-4145-B259-05A3CB4DDE7B}" type="doc">
+      <dgm:prSet loTypeId="urn:microsoft.com/office/officeart/2005/8/layout/hierarchy5" loCatId="" qsTypeId="urn:microsoft.com/office/officeart/2005/8/quickstyle/simple4" qsCatId="simple" csTypeId="urn:microsoft.com/office/officeart/2005/8/colors/colorful1" csCatId="colorful" phldr="1"/>
+      <dgm:spPr/>
+      <dgm:t>
+        <a:bodyPr/>
+        <a:lstStyle/>
+        <a:p>
+          <a:endParaRPr lang="en-US"/>
+        </a:p>
+      </dgm:t>
+    </dgm:pt>
+    <dgm:pt modelId="{4C49393E-5157-A046-877F-5D25F4F3106A}">
+      <dgm:prSet phldrT="[Text]" custT="1"/>
+      <dgm:spPr>
+        <a:solidFill>
+          <a:schemeClr val="bg1">
+            <a:lumMod val="85000"/>
+          </a:schemeClr>
+        </a:solidFill>
+        <a:ln>
+          <a:solidFill>
+            <a:schemeClr val="tx1"/>
+          </a:solidFill>
+        </a:ln>
+      </dgm:spPr>
+      <dgm:t>
+        <a:bodyPr/>
+        <a:lstStyle/>
+        <a:p>
+          <a:r>
+            <a:rPr lang="en-US" sz="4800" b="1" i="0" dirty="0">
+              <a:solidFill>
+                <a:schemeClr val="tx1"/>
+              </a:solidFill>
+              <a:latin typeface="Times" pitchFamily="2" charset="0"/>
+            </a:rPr>
+            <a:t>Average Effect </a:t>
+          </a:r>
+        </a:p>
+        <a:p>
+          <a:r>
+            <a:rPr lang="en-US" sz="4800" b="1" i="0" dirty="0">
+              <a:solidFill>
+                <a:schemeClr val="tx1"/>
+              </a:solidFill>
+              <a:latin typeface="Times" pitchFamily="2" charset="0"/>
+            </a:rPr>
+            <a:t>of EA: 16.7%</a:t>
+          </a:r>
+        </a:p>
+      </dgm:t>
+    </dgm:pt>
+    <dgm:pt modelId="{25269390-165E-DD4F-873E-4E14BDA00308}" type="parTrans" cxnId="{1347F4CA-3DF0-C54A-9235-3C563B750BF4}">
+      <dgm:prSet/>
+      <dgm:spPr/>
+      <dgm:t>
+        <a:bodyPr/>
+        <a:lstStyle/>
+        <a:p>
+          <a:endParaRPr lang="en-US" sz="1600" b="0" i="0">
+            <a:solidFill>
+              <a:schemeClr val="tx1"/>
+            </a:solidFill>
+            <a:latin typeface="Times" pitchFamily="2" charset="0"/>
+          </a:endParaRPr>
+        </a:p>
+      </dgm:t>
+    </dgm:pt>
+    <dgm:pt modelId="{B79B8117-AFA6-FD4A-9071-550BD787B7EF}" type="sibTrans" cxnId="{1347F4CA-3DF0-C54A-9235-3C563B750BF4}">
+      <dgm:prSet/>
+      <dgm:spPr/>
+      <dgm:t>
+        <a:bodyPr/>
+        <a:lstStyle/>
+        <a:p>
+          <a:endParaRPr lang="en-US" sz="1600" b="0" i="0">
+            <a:solidFill>
+              <a:schemeClr val="tx1"/>
+            </a:solidFill>
+            <a:latin typeface="Times" pitchFamily="2" charset="0"/>
+          </a:endParaRPr>
+        </a:p>
+      </dgm:t>
+    </dgm:pt>
+    <dgm:pt modelId="{68FCC35D-E4B4-044E-B7B0-952CEB548505}">
+      <dgm:prSet phldrT="[Text]" custT="1"/>
+      <dgm:spPr>
+        <a:solidFill>
+          <a:schemeClr val="accent2">
+            <a:lumMod val="60000"/>
+            <a:lumOff val="40000"/>
+          </a:schemeClr>
+        </a:solidFill>
+        <a:ln w="9525">
+          <a:solidFill>
+            <a:scrgbClr r="0" g="0" b="0"/>
+          </a:solidFill>
+        </a:ln>
+      </dgm:spPr>
+      <dgm:t>
+        <a:bodyPr/>
+        <a:lstStyle/>
+        <a:p>
+          <a:pPr>
+            <a:lnSpc>
+              <a:spcPct val="114000"/>
+            </a:lnSpc>
+          </a:pPr>
+          <a:r>
+            <a:rPr lang="en-US" sz="4800" dirty="0">
+              <a:solidFill>
+                <a:schemeClr val="tx1"/>
+              </a:solidFill>
+              <a:latin typeface="Times" pitchFamily="2" charset="0"/>
+            </a:rPr>
+            <a:t>Male</a:t>
+          </a:r>
+          <a:br>
+            <a:rPr lang="en-US" sz="4800" dirty="0">
+              <a:solidFill>
+                <a:schemeClr val="tx1"/>
+              </a:solidFill>
+              <a:latin typeface="Times" pitchFamily="2" charset="0"/>
+            </a:rPr>
+          </a:br>
+          <a:r>
+            <a:rPr lang="en-US" sz="4800" b="1" dirty="0">
+              <a:solidFill>
+                <a:schemeClr val="tx1"/>
+              </a:solidFill>
+              <a:latin typeface="Times" pitchFamily="2" charset="0"/>
+            </a:rPr>
+            <a:t>Effect of EA: 17.7%</a:t>
+          </a:r>
+        </a:p>
+      </dgm:t>
+    </dgm:pt>
+    <dgm:pt modelId="{5235D558-B74B-4941-AA97-47D08CFC2090}" type="parTrans" cxnId="{0A7A5A98-28D9-034F-BE04-1D05C48B3490}">
+      <dgm:prSet/>
+      <dgm:spPr>
+        <a:ln w="95250">
+          <a:tailEnd type="stealth"/>
+        </a:ln>
+      </dgm:spPr>
+      <dgm:t>
+        <a:bodyPr/>
+        <a:lstStyle/>
+        <a:p>
+          <a:endParaRPr lang="en-US"/>
+        </a:p>
+      </dgm:t>
+    </dgm:pt>
+    <dgm:pt modelId="{4EB8AF32-6FD0-0A4A-B441-8320511DA8CD}" type="sibTrans" cxnId="{0A7A5A98-28D9-034F-BE04-1D05C48B3490}">
+      <dgm:prSet/>
+      <dgm:spPr/>
+      <dgm:t>
+        <a:bodyPr/>
+        <a:lstStyle/>
+        <a:p>
+          <a:endParaRPr lang="en-US"/>
+        </a:p>
+      </dgm:t>
+    </dgm:pt>
+    <dgm:pt modelId="{92EFADCE-9C6C-6144-8D02-D0736A4D41DC}">
+      <dgm:prSet phldrT="[Text]" custT="1"/>
+      <dgm:spPr>
+        <a:solidFill>
+          <a:schemeClr val="accent1">
+            <a:lumMod val="60000"/>
+            <a:lumOff val="40000"/>
+          </a:schemeClr>
+        </a:solidFill>
+        <a:ln w="9525">
+          <a:solidFill>
+            <a:scrgbClr r="0" g="0" b="0"/>
+          </a:solidFill>
+        </a:ln>
+      </dgm:spPr>
+      <dgm:t>
+        <a:bodyPr/>
+        <a:lstStyle/>
+        <a:p>
+          <a:pPr>
+            <a:lnSpc>
+              <a:spcPct val="114000"/>
+            </a:lnSpc>
+          </a:pPr>
+          <a:r>
+            <a:rPr lang="en-US" sz="4800" dirty="0">
+              <a:solidFill>
+                <a:schemeClr val="tx1"/>
+              </a:solidFill>
+              <a:latin typeface="Times" pitchFamily="2" charset="0"/>
+            </a:rPr>
+            <a:t>Female</a:t>
+          </a:r>
+          <a:br>
+            <a:rPr lang="en-US" sz="4800" dirty="0">
+              <a:solidFill>
+                <a:schemeClr val="tx1"/>
+              </a:solidFill>
+              <a:latin typeface="Times" pitchFamily="2" charset="0"/>
+            </a:rPr>
+          </a:br>
+          <a:r>
+            <a:rPr lang="en-US" sz="4800" b="1" dirty="0">
+              <a:solidFill>
+                <a:schemeClr val="tx1"/>
+              </a:solidFill>
+              <a:latin typeface="Times" pitchFamily="2" charset="0"/>
+            </a:rPr>
+            <a:t>Effect of EA: 15.6%</a:t>
+          </a:r>
+        </a:p>
+      </dgm:t>
+    </dgm:pt>
+    <dgm:pt modelId="{A744D08C-29B7-1E4F-9654-F044FD70A9C8}" type="parTrans" cxnId="{A4CA9338-C6E0-EA41-9152-2736CD1BBC81}">
+      <dgm:prSet/>
+      <dgm:spPr>
+        <a:ln w="95250">
+          <a:tailEnd type="stealth"/>
+        </a:ln>
+      </dgm:spPr>
+      <dgm:t>
+        <a:bodyPr/>
+        <a:lstStyle/>
+        <a:p>
+          <a:endParaRPr lang="en-US"/>
+        </a:p>
+      </dgm:t>
+    </dgm:pt>
+    <dgm:pt modelId="{0E91B3B4-9FF5-A044-8BEA-6D33186B6DC5}" type="sibTrans" cxnId="{A4CA9338-C6E0-EA41-9152-2736CD1BBC81}">
+      <dgm:prSet/>
+      <dgm:spPr/>
+      <dgm:t>
+        <a:bodyPr/>
+        <a:lstStyle/>
+        <a:p>
+          <a:endParaRPr lang="en-US"/>
+        </a:p>
+      </dgm:t>
+    </dgm:pt>
+    <dgm:pt modelId="{CDA57C07-1499-474E-9778-FAE35078ABA6}" type="pres">
+      <dgm:prSet presAssocID="{3B7EC136-7F91-4145-B259-05A3CB4DDE7B}" presName="mainComposite" presStyleCnt="0">
+        <dgm:presLayoutVars>
+          <dgm:chPref val="1"/>
+          <dgm:dir/>
+          <dgm:animOne val="branch"/>
+          <dgm:animLvl val="lvl"/>
+          <dgm:resizeHandles val="exact"/>
+        </dgm:presLayoutVars>
+      </dgm:prSet>
+      <dgm:spPr/>
+    </dgm:pt>
+    <dgm:pt modelId="{E9190892-77A1-AF43-B082-26B9AAF1D25C}" type="pres">
+      <dgm:prSet presAssocID="{3B7EC136-7F91-4145-B259-05A3CB4DDE7B}" presName="hierFlow" presStyleCnt="0"/>
+      <dgm:spPr/>
+    </dgm:pt>
+    <dgm:pt modelId="{24DA5173-09A6-414B-92C1-2DBF47417192}" type="pres">
+      <dgm:prSet presAssocID="{3B7EC136-7F91-4145-B259-05A3CB4DDE7B}" presName="hierChild1" presStyleCnt="0">
+        <dgm:presLayoutVars>
+          <dgm:chPref val="1"/>
+          <dgm:animOne val="branch"/>
+          <dgm:animLvl val="lvl"/>
+        </dgm:presLayoutVars>
+      </dgm:prSet>
+      <dgm:spPr/>
+    </dgm:pt>
+    <dgm:pt modelId="{4C1160FF-5C88-8344-A913-326115301C1D}" type="pres">
+      <dgm:prSet presAssocID="{4C49393E-5157-A046-877F-5D25F4F3106A}" presName="Name17" presStyleCnt="0"/>
+      <dgm:spPr/>
+    </dgm:pt>
+    <dgm:pt modelId="{92090FF3-CD1B-814F-8EC3-4601205833BA}" type="pres">
+      <dgm:prSet presAssocID="{4C49393E-5157-A046-877F-5D25F4F3106A}" presName="level1Shape" presStyleLbl="node0" presStyleIdx="0" presStyleCnt="1" custScaleX="62489" custScaleY="68548">
+        <dgm:presLayoutVars>
+          <dgm:chPref val="3"/>
+        </dgm:presLayoutVars>
+      </dgm:prSet>
+      <dgm:spPr/>
+    </dgm:pt>
+    <dgm:pt modelId="{52458D3E-637C-0048-8ABD-90BDD101B8D7}" type="pres">
+      <dgm:prSet presAssocID="{4C49393E-5157-A046-877F-5D25F4F3106A}" presName="hierChild2" presStyleCnt="0"/>
+      <dgm:spPr/>
+    </dgm:pt>
+    <dgm:pt modelId="{9A113751-2DF8-544E-BCEB-FE4C0FCB602D}" type="pres">
+      <dgm:prSet presAssocID="{5235D558-B74B-4941-AA97-47D08CFC2090}" presName="Name25" presStyleLbl="parChTrans1D2" presStyleIdx="0" presStyleCnt="2"/>
+      <dgm:spPr/>
+    </dgm:pt>
+    <dgm:pt modelId="{97A4D63B-A218-724D-BEFA-29346C1708FF}" type="pres">
+      <dgm:prSet presAssocID="{5235D558-B74B-4941-AA97-47D08CFC2090}" presName="connTx" presStyleLbl="parChTrans1D2" presStyleIdx="0" presStyleCnt="2"/>
+      <dgm:spPr/>
+    </dgm:pt>
+    <dgm:pt modelId="{749B8EB3-78B2-F144-918B-233918270A55}" type="pres">
+      <dgm:prSet presAssocID="{68FCC35D-E4B4-044E-B7B0-952CEB548505}" presName="Name30" presStyleCnt="0"/>
+      <dgm:spPr/>
+    </dgm:pt>
+    <dgm:pt modelId="{68A09276-F314-4148-AEC0-49A0FBE44A10}" type="pres">
+      <dgm:prSet presAssocID="{68FCC35D-E4B4-044E-B7B0-952CEB548505}" presName="level2Shape" presStyleLbl="node2" presStyleIdx="0" presStyleCnt="2" custScaleX="80255" custScaleY="70276" custLinFactNeighborX="-15260" custLinFactNeighborY="0"/>
+      <dgm:spPr/>
+    </dgm:pt>
+    <dgm:pt modelId="{66CC284A-507F-0443-88C8-F1F584D3A6AF}" type="pres">
+      <dgm:prSet presAssocID="{68FCC35D-E4B4-044E-B7B0-952CEB548505}" presName="hierChild3" presStyleCnt="0"/>
+      <dgm:spPr/>
+    </dgm:pt>
+    <dgm:pt modelId="{7A13C9F5-7044-0143-941F-B42FFD6803D4}" type="pres">
+      <dgm:prSet presAssocID="{A744D08C-29B7-1E4F-9654-F044FD70A9C8}" presName="Name25" presStyleLbl="parChTrans1D2" presStyleIdx="1" presStyleCnt="2"/>
+      <dgm:spPr/>
+    </dgm:pt>
+    <dgm:pt modelId="{69E49CCE-9F3D-2A4B-AB19-58465313D82B}" type="pres">
+      <dgm:prSet presAssocID="{A744D08C-29B7-1E4F-9654-F044FD70A9C8}" presName="connTx" presStyleLbl="parChTrans1D2" presStyleIdx="1" presStyleCnt="2"/>
+      <dgm:spPr/>
+    </dgm:pt>
+    <dgm:pt modelId="{13CB5ED5-1172-F944-867F-418CCAD79BA1}" type="pres">
+      <dgm:prSet presAssocID="{92EFADCE-9C6C-6144-8D02-D0736A4D41DC}" presName="Name30" presStyleCnt="0"/>
+      <dgm:spPr/>
+    </dgm:pt>
+    <dgm:pt modelId="{798334F8-D8C2-5B49-AB80-BEC006505C1A}" type="pres">
+      <dgm:prSet presAssocID="{92EFADCE-9C6C-6144-8D02-D0736A4D41DC}" presName="level2Shape" presStyleLbl="node2" presStyleIdx="1" presStyleCnt="2" custScaleX="80568" custScaleY="70276" custLinFactNeighborX="-15260" custLinFactNeighborY="0"/>
+      <dgm:spPr/>
+    </dgm:pt>
+    <dgm:pt modelId="{9853EDB1-AF41-2645-AD5E-8CF9083E9074}" type="pres">
+      <dgm:prSet presAssocID="{92EFADCE-9C6C-6144-8D02-D0736A4D41DC}" presName="hierChild3" presStyleCnt="0"/>
+      <dgm:spPr/>
+    </dgm:pt>
+    <dgm:pt modelId="{7F9C773E-FA12-5D40-955F-F51763DACD83}" type="pres">
+      <dgm:prSet presAssocID="{3B7EC136-7F91-4145-B259-05A3CB4DDE7B}" presName="bgShapesFlow" presStyleCnt="0"/>
+      <dgm:spPr/>
+    </dgm:pt>
+  </dgm:ptLst>
+  <dgm:cxnLst>
+    <dgm:cxn modelId="{9A3E6805-1CC4-B94B-8ADA-F72A1CD26D7B}" type="presOf" srcId="{4C49393E-5157-A046-877F-5D25F4F3106A}" destId="{92090FF3-CD1B-814F-8EC3-4601205833BA}" srcOrd="0" destOrd="0" presId="urn:microsoft.com/office/officeart/2005/8/layout/hierarchy5"/>
+    <dgm:cxn modelId="{0FF9F015-CE24-2040-A8C4-4B83F88DFACA}" type="presOf" srcId="{92EFADCE-9C6C-6144-8D02-D0736A4D41DC}" destId="{798334F8-D8C2-5B49-AB80-BEC006505C1A}" srcOrd="0" destOrd="0" presId="urn:microsoft.com/office/officeart/2005/8/layout/hierarchy5"/>
+    <dgm:cxn modelId="{1A3C021A-FB55-9544-865D-EC7E966CDBC3}" type="presOf" srcId="{3B7EC136-7F91-4145-B259-05A3CB4DDE7B}" destId="{CDA57C07-1499-474E-9778-FAE35078ABA6}" srcOrd="0" destOrd="0" presId="urn:microsoft.com/office/officeart/2005/8/layout/hierarchy5"/>
+    <dgm:cxn modelId="{0C0F6927-2ACC-F941-AAE0-6AA530B862ED}" type="presOf" srcId="{5235D558-B74B-4941-AA97-47D08CFC2090}" destId="{97A4D63B-A218-724D-BEFA-29346C1708FF}" srcOrd="1" destOrd="0" presId="urn:microsoft.com/office/officeart/2005/8/layout/hierarchy5"/>
+    <dgm:cxn modelId="{663E0D35-797E-C54A-B49E-A20D0209E70E}" type="presOf" srcId="{5235D558-B74B-4941-AA97-47D08CFC2090}" destId="{9A113751-2DF8-544E-BCEB-FE4C0FCB602D}" srcOrd="0" destOrd="0" presId="urn:microsoft.com/office/officeart/2005/8/layout/hierarchy5"/>
+    <dgm:cxn modelId="{A4CA9338-C6E0-EA41-9152-2736CD1BBC81}" srcId="{4C49393E-5157-A046-877F-5D25F4F3106A}" destId="{92EFADCE-9C6C-6144-8D02-D0736A4D41DC}" srcOrd="1" destOrd="0" parTransId="{A744D08C-29B7-1E4F-9654-F044FD70A9C8}" sibTransId="{0E91B3B4-9FF5-A044-8BEA-6D33186B6DC5}"/>
+    <dgm:cxn modelId="{93D41E6D-2B75-0940-8B1F-B470DDA74AD5}" type="presOf" srcId="{68FCC35D-E4B4-044E-B7B0-952CEB548505}" destId="{68A09276-F314-4148-AEC0-49A0FBE44A10}" srcOrd="0" destOrd="0" presId="urn:microsoft.com/office/officeart/2005/8/layout/hierarchy5"/>
+    <dgm:cxn modelId="{89AD656E-ECFD-4C43-B384-20368C46A7C6}" type="presOf" srcId="{A744D08C-29B7-1E4F-9654-F044FD70A9C8}" destId="{69E49CCE-9F3D-2A4B-AB19-58465313D82B}" srcOrd="1" destOrd="0" presId="urn:microsoft.com/office/officeart/2005/8/layout/hierarchy5"/>
+    <dgm:cxn modelId="{0A7A5A98-28D9-034F-BE04-1D05C48B3490}" srcId="{4C49393E-5157-A046-877F-5D25F4F3106A}" destId="{68FCC35D-E4B4-044E-B7B0-952CEB548505}" srcOrd="0" destOrd="0" parTransId="{5235D558-B74B-4941-AA97-47D08CFC2090}" sibTransId="{4EB8AF32-6FD0-0A4A-B441-8320511DA8CD}"/>
+    <dgm:cxn modelId="{1347F4CA-3DF0-C54A-9235-3C563B750BF4}" srcId="{3B7EC136-7F91-4145-B259-05A3CB4DDE7B}" destId="{4C49393E-5157-A046-877F-5D25F4F3106A}" srcOrd="0" destOrd="0" parTransId="{25269390-165E-DD4F-873E-4E14BDA00308}" sibTransId="{B79B8117-AFA6-FD4A-9071-550BD787B7EF}"/>
+    <dgm:cxn modelId="{9E6065F1-41CA-9843-A3E2-9E4A6363DC47}" type="presOf" srcId="{A744D08C-29B7-1E4F-9654-F044FD70A9C8}" destId="{7A13C9F5-7044-0143-941F-B42FFD6803D4}" srcOrd="0" destOrd="0" presId="urn:microsoft.com/office/officeart/2005/8/layout/hierarchy5"/>
+    <dgm:cxn modelId="{FEA489B3-94C8-F047-BCC0-E5F2F4689AE4}" type="presParOf" srcId="{CDA57C07-1499-474E-9778-FAE35078ABA6}" destId="{E9190892-77A1-AF43-B082-26B9AAF1D25C}" srcOrd="0" destOrd="0" presId="urn:microsoft.com/office/officeart/2005/8/layout/hierarchy5"/>
+    <dgm:cxn modelId="{CA0D3162-A14F-4B4D-9900-A6033E39BDA3}" type="presParOf" srcId="{E9190892-77A1-AF43-B082-26B9AAF1D25C}" destId="{24DA5173-09A6-414B-92C1-2DBF47417192}" srcOrd="0" destOrd="0" presId="urn:microsoft.com/office/officeart/2005/8/layout/hierarchy5"/>
+    <dgm:cxn modelId="{E1E033F2-BEE4-1347-9EF4-DAED58709087}" type="presParOf" srcId="{24DA5173-09A6-414B-92C1-2DBF47417192}" destId="{4C1160FF-5C88-8344-A913-326115301C1D}" srcOrd="0" destOrd="0" presId="urn:microsoft.com/office/officeart/2005/8/layout/hierarchy5"/>
+    <dgm:cxn modelId="{9FECE218-A19D-FC41-A34D-696E66663F5C}" type="presParOf" srcId="{4C1160FF-5C88-8344-A913-326115301C1D}" destId="{92090FF3-CD1B-814F-8EC3-4601205833BA}" srcOrd="0" destOrd="0" presId="urn:microsoft.com/office/officeart/2005/8/layout/hierarchy5"/>
+    <dgm:cxn modelId="{E22ABAD9-D08D-D74B-B1EB-2978D348DD4E}" type="presParOf" srcId="{4C1160FF-5C88-8344-A913-326115301C1D}" destId="{52458D3E-637C-0048-8ABD-90BDD101B8D7}" srcOrd="1" destOrd="0" presId="urn:microsoft.com/office/officeart/2005/8/layout/hierarchy5"/>
+    <dgm:cxn modelId="{200B48CF-927C-B942-AD13-F779D5FF53EB}" type="presParOf" srcId="{52458D3E-637C-0048-8ABD-90BDD101B8D7}" destId="{9A113751-2DF8-544E-BCEB-FE4C0FCB602D}" srcOrd="0" destOrd="0" presId="urn:microsoft.com/office/officeart/2005/8/layout/hierarchy5"/>
+    <dgm:cxn modelId="{50A5C9E2-18F2-364C-9A80-031B2EEFF3D9}" type="presParOf" srcId="{9A113751-2DF8-544E-BCEB-FE4C0FCB602D}" destId="{97A4D63B-A218-724D-BEFA-29346C1708FF}" srcOrd="0" destOrd="0" presId="urn:microsoft.com/office/officeart/2005/8/layout/hierarchy5"/>
+    <dgm:cxn modelId="{D814D5F8-40B2-9944-9BF6-4FE834214BA7}" type="presParOf" srcId="{52458D3E-637C-0048-8ABD-90BDD101B8D7}" destId="{749B8EB3-78B2-F144-918B-233918270A55}" srcOrd="1" destOrd="0" presId="urn:microsoft.com/office/officeart/2005/8/layout/hierarchy5"/>
+    <dgm:cxn modelId="{71C2751F-0DE4-3840-9829-69ABF24C9118}" type="presParOf" srcId="{749B8EB3-78B2-F144-918B-233918270A55}" destId="{68A09276-F314-4148-AEC0-49A0FBE44A10}" srcOrd="0" destOrd="0" presId="urn:microsoft.com/office/officeart/2005/8/layout/hierarchy5"/>
+    <dgm:cxn modelId="{A3D5401A-ECE8-C74A-8FF2-A25EEAE7EF7C}" type="presParOf" srcId="{749B8EB3-78B2-F144-918B-233918270A55}" destId="{66CC284A-507F-0443-88C8-F1F584D3A6AF}" srcOrd="1" destOrd="0" presId="urn:microsoft.com/office/officeart/2005/8/layout/hierarchy5"/>
+    <dgm:cxn modelId="{0469D823-18BC-9E40-888E-1DDAFE531360}" type="presParOf" srcId="{52458D3E-637C-0048-8ABD-90BDD101B8D7}" destId="{7A13C9F5-7044-0143-941F-B42FFD6803D4}" srcOrd="2" destOrd="0" presId="urn:microsoft.com/office/officeart/2005/8/layout/hierarchy5"/>
+    <dgm:cxn modelId="{A1069890-E44B-6E4A-B852-88275D2842F9}" type="presParOf" srcId="{7A13C9F5-7044-0143-941F-B42FFD6803D4}" destId="{69E49CCE-9F3D-2A4B-AB19-58465313D82B}" srcOrd="0" destOrd="0" presId="urn:microsoft.com/office/officeart/2005/8/layout/hierarchy5"/>
+    <dgm:cxn modelId="{E19A857D-70CD-FF4A-A55B-C89C5B5F9FF4}" type="presParOf" srcId="{52458D3E-637C-0048-8ABD-90BDD101B8D7}" destId="{13CB5ED5-1172-F944-867F-418CCAD79BA1}" srcOrd="3" destOrd="0" presId="urn:microsoft.com/office/officeart/2005/8/layout/hierarchy5"/>
+    <dgm:cxn modelId="{0E566437-ADD6-1947-92E5-F0E7D737B152}" type="presParOf" srcId="{13CB5ED5-1172-F944-867F-418CCAD79BA1}" destId="{798334F8-D8C2-5B49-AB80-BEC006505C1A}" srcOrd="0" destOrd="0" presId="urn:microsoft.com/office/officeart/2005/8/layout/hierarchy5"/>
+    <dgm:cxn modelId="{CB2DA3C1-9162-6C45-BE5C-E79AD34838D1}" type="presParOf" srcId="{13CB5ED5-1172-F944-867F-418CCAD79BA1}" destId="{9853EDB1-AF41-2645-AD5E-8CF9083E9074}" srcOrd="1" destOrd="0" presId="urn:microsoft.com/office/officeart/2005/8/layout/hierarchy5"/>
+    <dgm:cxn modelId="{8B578ED1-6DC8-A34D-BB02-A8DB9EDB1BC4}" type="presParOf" srcId="{CDA57C07-1499-474E-9778-FAE35078ABA6}" destId="{7F9C773E-FA12-5D40-955F-F51763DACD83}" srcOrd="1" destOrd="0" presId="urn:microsoft.com/office/officeart/2005/8/layout/hierarchy5"/>
+  </dgm:cxnLst>
+  <dgm:bg/>
+  <dgm:whole>
+    <a:ln w="41275">
+      <a:noFill/>
+    </a:ln>
+  </dgm:whole>
+  <dgm:extLst>
+    <a:ext uri="http://schemas.microsoft.com/office/drawing/2008/diagram">
+      <dsp:dataModelExt xmlns:dsp="http://schemas.microsoft.com/office/drawing/2008/diagram" relId="rId6" minVer="http://schemas.openxmlformats.org/drawingml/2006/diagram"/>
+    </a:ext>
+    <a:ext uri="{C62137D5-CB1D-491B-B009-E17868A290BF}">
+      <dgm14:recolorImg xmlns:dgm14="http://schemas.microsoft.com/office/drawing/2010/diagram" val="1"/>
+    </a:ext>
+  </dgm:extLst>
+</dgm:dataModel>
+</file>
+
+<file path=ppt/diagrams/data3.xml><?xml version="1.0" encoding="utf-8"?>
 <dgm:dataModel xmlns:dgm="http://schemas.openxmlformats.org/drawingml/2006/diagram" xmlns:a="http://schemas.openxmlformats.org/drawingml/2006/main">
   <dgm:ptLst>
     <dgm:pt modelId="{841059B6-9C32-7147-9374-311C5636B463}" type="doc">
@@ -5083,7 +6382,7 @@
 </dgm:dataModel>
 </file>
 
-<file path=ppt/diagrams/data3.xml><?xml version="1.0" encoding="utf-8"?>
+<file path=ppt/diagrams/data4.xml><?xml version="1.0" encoding="utf-8"?>
 <dgm:dataModel xmlns:dgm="http://schemas.openxmlformats.org/drawingml/2006/diagram" xmlns:a="http://schemas.openxmlformats.org/drawingml/2006/main">
   <dgm:ptLst>
     <dgm:pt modelId="{3B7EC136-7F91-4145-B259-05A3CB4DDE7B}" type="doc">
@@ -5577,7 +6876,7 @@
 </dgm:dataModel>
 </file>
 
-<file path=ppt/diagrams/data4.xml><?xml version="1.0" encoding="utf-8"?>
+<file path=ppt/diagrams/data5.xml><?xml version="1.0" encoding="utf-8"?>
 <dgm:dataModel xmlns:dgm="http://schemas.openxmlformats.org/drawingml/2006/diagram" xmlns:a="http://schemas.openxmlformats.org/drawingml/2006/main">
   <dgm:ptLst>
     <dgm:pt modelId="{3B7EC136-7F91-4145-B259-05A3CB4DDE7B}" type="doc">
@@ -6639,6 +7938,454 @@
 </file>
 
 <file path=ppt/diagrams/drawing2.xml><?xml version="1.0" encoding="utf-8"?>
+<dsp:drawing xmlns:dgm="http://schemas.openxmlformats.org/drawingml/2006/diagram" xmlns:dsp="http://schemas.microsoft.com/office/drawing/2008/diagram" xmlns:a="http://schemas.openxmlformats.org/drawingml/2006/main">
+  <dsp:spTree>
+    <dsp:nvGrpSpPr>
+      <dsp:cNvPr id="0" name=""/>
+      <dsp:cNvGrpSpPr/>
+    </dsp:nvGrpSpPr>
+    <dsp:grpSpPr/>
+    <dsp:sp modelId="{92090FF3-CD1B-814F-8EC3-4601205833BA}">
+      <dsp:nvSpPr>
+        <dsp:cNvPr id="0" name=""/>
+        <dsp:cNvSpPr/>
+      </dsp:nvSpPr>
+      <dsp:spPr>
+        <a:xfrm>
+          <a:off x="1158653" y="2962654"/>
+          <a:ext cx="5063744" cy="2777365"/>
+        </a:xfrm>
+        <a:prstGeom prst="roundRect">
+          <a:avLst>
+            <a:gd name="adj" fmla="val 10000"/>
+          </a:avLst>
+        </a:prstGeom>
+        <a:solidFill>
+          <a:schemeClr val="bg1">
+            <a:lumMod val="85000"/>
+          </a:schemeClr>
+        </a:solidFill>
+        <a:ln>
+          <a:solidFill>
+            <a:schemeClr val="tx1"/>
+          </a:solidFill>
+        </a:ln>
+        <a:effectLst/>
+      </dsp:spPr>
+      <dsp:style>
+        <a:lnRef idx="0">
+          <a:scrgbClr r="0" g="0" b="0"/>
+        </a:lnRef>
+        <a:fillRef idx="3">
+          <a:scrgbClr r="0" g="0" b="0"/>
+        </a:fillRef>
+        <a:effectRef idx="2">
+          <a:scrgbClr r="0" g="0" b="0"/>
+        </a:effectRef>
+        <a:fontRef idx="minor">
+          <a:schemeClr val="lt1"/>
+        </a:fontRef>
+      </dsp:style>
+      <dsp:txBody>
+        <a:bodyPr spcFirstLastPara="0" vert="horz" wrap="square" lIns="30480" tIns="30480" rIns="30480" bIns="30480" numCol="1" spcCol="1270" anchor="ctr" anchorCtr="0">
+          <a:noAutofit/>
+        </a:bodyPr>
+        <a:lstStyle/>
+        <a:p>
+          <a:pPr marL="0" lvl="0" indent="0" algn="ctr" defTabSz="2133600">
+            <a:lnSpc>
+              <a:spcPct val="90000"/>
+            </a:lnSpc>
+            <a:spcBef>
+              <a:spcPct val="0"/>
+            </a:spcBef>
+            <a:spcAft>
+              <a:spcPct val="35000"/>
+            </a:spcAft>
+            <a:buNone/>
+          </a:pPr>
+          <a:r>
+            <a:rPr lang="en-US" sz="4800" b="1" i="0" kern="1200" dirty="0">
+              <a:solidFill>
+                <a:schemeClr val="tx1"/>
+              </a:solidFill>
+              <a:latin typeface="Times" pitchFamily="2" charset="0"/>
+            </a:rPr>
+            <a:t>Average Effect </a:t>
+          </a:r>
+        </a:p>
+        <a:p>
+          <a:pPr marL="0" lvl="0" indent="0" algn="ctr" defTabSz="2133600">
+            <a:lnSpc>
+              <a:spcPct val="90000"/>
+            </a:lnSpc>
+            <a:spcBef>
+              <a:spcPct val="0"/>
+            </a:spcBef>
+            <a:spcAft>
+              <a:spcPct val="35000"/>
+            </a:spcAft>
+            <a:buNone/>
+          </a:pPr>
+          <a:r>
+            <a:rPr lang="en-US" sz="4800" b="1" i="0" kern="1200" dirty="0">
+              <a:solidFill>
+                <a:schemeClr val="tx1"/>
+              </a:solidFill>
+              <a:latin typeface="Times" pitchFamily="2" charset="0"/>
+            </a:rPr>
+            <a:t>of EA: 16.7%</a:t>
+          </a:r>
+        </a:p>
+      </dsp:txBody>
+      <dsp:txXfrm>
+        <a:off x="1239999" y="3044000"/>
+        <a:ext cx="4901052" cy="2614673"/>
+      </dsp:txXfrm>
+    </dsp:sp>
+    <dsp:sp modelId="{9A113751-2DF8-544E-BCEB-FE4C0FCB602D}">
+      <dsp:nvSpPr>
+        <dsp:cNvPr id="0" name=""/>
+        <dsp:cNvSpPr/>
+      </dsp:nvSpPr>
+      <dsp:spPr>
+        <a:xfrm rot="19154868">
+          <a:off x="5901569" y="3445652"/>
+          <a:ext cx="2646441" cy="83802"/>
+        </a:xfrm>
+        <a:custGeom>
+          <a:avLst/>
+          <a:gdLst/>
+          <a:ahLst/>
+          <a:cxnLst/>
+          <a:rect l="0" t="0" r="0" b="0"/>
+          <a:pathLst>
+            <a:path>
+              <a:moveTo>
+                <a:pt x="0" y="41901"/>
+              </a:moveTo>
+              <a:lnTo>
+                <a:pt x="2646441" y="41901"/>
+              </a:lnTo>
+            </a:path>
+          </a:pathLst>
+        </a:custGeom>
+        <a:noFill/>
+        <a:ln w="95250" cap="flat" cmpd="sng" algn="ctr">
+          <a:solidFill>
+            <a:scrgbClr r="0" g="0" b="0"/>
+          </a:solidFill>
+          <a:prstDash val="solid"/>
+          <a:miter lim="800000"/>
+          <a:tailEnd type="stealth"/>
+        </a:ln>
+        <a:effectLst/>
+      </dsp:spPr>
+      <dsp:style>
+        <a:lnRef idx="1">
+          <a:scrgbClr r="0" g="0" b="0"/>
+        </a:lnRef>
+        <a:fillRef idx="0">
+          <a:scrgbClr r="0" g="0" b="0"/>
+        </a:fillRef>
+        <a:effectRef idx="0">
+          <a:scrgbClr r="0" g="0" b="0"/>
+        </a:effectRef>
+        <a:fontRef idx="minor"/>
+      </dsp:style>
+      <dsp:txBody>
+        <a:bodyPr spcFirstLastPara="0" vert="horz" wrap="square" lIns="12700" tIns="0" rIns="12700" bIns="0" numCol="1" spcCol="1270" anchor="ctr" anchorCtr="0">
+          <a:noAutofit/>
+        </a:bodyPr>
+        <a:lstStyle/>
+        <a:p>
+          <a:pPr marL="0" lvl="0" indent="0" algn="ctr" defTabSz="400050">
+            <a:lnSpc>
+              <a:spcPct val="90000"/>
+            </a:lnSpc>
+            <a:spcBef>
+              <a:spcPct val="0"/>
+            </a:spcBef>
+            <a:spcAft>
+              <a:spcPct val="35000"/>
+            </a:spcAft>
+            <a:buNone/>
+          </a:pPr>
+          <a:endParaRPr lang="en-US" sz="900" kern="1200"/>
+        </a:p>
+      </dsp:txBody>
+      <dsp:txXfrm>
+        <a:off x="7158628" y="3421392"/>
+        <a:ext cx="132322" cy="132322"/>
+      </dsp:txXfrm>
+    </dsp:sp>
+    <dsp:sp modelId="{68A09276-F314-4148-AEC0-49A0FBE44A10}">
+      <dsp:nvSpPr>
+        <dsp:cNvPr id="0" name=""/>
+        <dsp:cNvSpPr/>
+      </dsp:nvSpPr>
+      <dsp:spPr>
+        <a:xfrm>
+          <a:off x="8227182" y="1200080"/>
+          <a:ext cx="6503397" cy="2847378"/>
+        </a:xfrm>
+        <a:prstGeom prst="roundRect">
+          <a:avLst>
+            <a:gd name="adj" fmla="val 10000"/>
+          </a:avLst>
+        </a:prstGeom>
+        <a:solidFill>
+          <a:schemeClr val="accent2">
+            <a:lumMod val="60000"/>
+            <a:lumOff val="40000"/>
+          </a:schemeClr>
+        </a:solidFill>
+        <a:ln w="9525">
+          <a:solidFill>
+            <a:scrgbClr r="0" g="0" b="0"/>
+          </a:solidFill>
+        </a:ln>
+        <a:effectLst/>
+      </dsp:spPr>
+      <dsp:style>
+        <a:lnRef idx="0">
+          <a:scrgbClr r="0" g="0" b="0"/>
+        </a:lnRef>
+        <a:fillRef idx="3">
+          <a:scrgbClr r="0" g="0" b="0"/>
+        </a:fillRef>
+        <a:effectRef idx="2">
+          <a:scrgbClr r="0" g="0" b="0"/>
+        </a:effectRef>
+        <a:fontRef idx="minor">
+          <a:schemeClr val="lt1"/>
+        </a:fontRef>
+      </dsp:style>
+      <dsp:txBody>
+        <a:bodyPr spcFirstLastPara="0" vert="horz" wrap="square" lIns="30480" tIns="30480" rIns="30480" bIns="30480" numCol="1" spcCol="1270" anchor="ctr" anchorCtr="0">
+          <a:noAutofit/>
+        </a:bodyPr>
+        <a:lstStyle/>
+        <a:p>
+          <a:pPr marL="0" lvl="0" indent="0" algn="ctr" defTabSz="2133600">
+            <a:lnSpc>
+              <a:spcPct val="114000"/>
+            </a:lnSpc>
+            <a:spcBef>
+              <a:spcPct val="0"/>
+            </a:spcBef>
+            <a:spcAft>
+              <a:spcPct val="35000"/>
+            </a:spcAft>
+            <a:buNone/>
+          </a:pPr>
+          <a:r>
+            <a:rPr lang="en-US" sz="4800" kern="1200" dirty="0">
+              <a:solidFill>
+                <a:schemeClr val="tx1"/>
+              </a:solidFill>
+              <a:latin typeface="Times" pitchFamily="2" charset="0"/>
+            </a:rPr>
+            <a:t>Male</a:t>
+          </a:r>
+          <a:br>
+            <a:rPr lang="en-US" sz="4800" kern="1200" dirty="0">
+              <a:solidFill>
+                <a:schemeClr val="tx1"/>
+              </a:solidFill>
+              <a:latin typeface="Times" pitchFamily="2" charset="0"/>
+            </a:rPr>
+          </a:br>
+          <a:r>
+            <a:rPr lang="en-US" sz="4800" b="1" kern="1200" dirty="0">
+              <a:solidFill>
+                <a:schemeClr val="tx1"/>
+              </a:solidFill>
+              <a:latin typeface="Times" pitchFamily="2" charset="0"/>
+            </a:rPr>
+            <a:t>Effect of EA: 17.7%</a:t>
+          </a:r>
+        </a:p>
+      </dsp:txBody>
+      <dsp:txXfrm>
+        <a:off x="8310579" y="1283477"/>
+        <a:ext cx="6336603" cy="2680584"/>
+      </dsp:txXfrm>
+    </dsp:sp>
+    <dsp:sp modelId="{7A13C9F5-7044-0143-941F-B42FFD6803D4}">
+      <dsp:nvSpPr>
+        <dsp:cNvPr id="0" name=""/>
+        <dsp:cNvSpPr/>
+      </dsp:nvSpPr>
+      <dsp:spPr>
+        <a:xfrm rot="2445132">
+          <a:off x="5901569" y="5173219"/>
+          <a:ext cx="2646441" cy="83802"/>
+        </a:xfrm>
+        <a:custGeom>
+          <a:avLst/>
+          <a:gdLst/>
+          <a:ahLst/>
+          <a:cxnLst/>
+          <a:rect l="0" t="0" r="0" b="0"/>
+          <a:pathLst>
+            <a:path>
+              <a:moveTo>
+                <a:pt x="0" y="41901"/>
+              </a:moveTo>
+              <a:lnTo>
+                <a:pt x="2646441" y="41901"/>
+              </a:lnTo>
+            </a:path>
+          </a:pathLst>
+        </a:custGeom>
+        <a:noFill/>
+        <a:ln w="95250" cap="flat" cmpd="sng" algn="ctr">
+          <a:solidFill>
+            <a:scrgbClr r="0" g="0" b="0"/>
+          </a:solidFill>
+          <a:prstDash val="solid"/>
+          <a:miter lim="800000"/>
+          <a:tailEnd type="stealth"/>
+        </a:ln>
+        <a:effectLst/>
+      </dsp:spPr>
+      <dsp:style>
+        <a:lnRef idx="1">
+          <a:scrgbClr r="0" g="0" b="0"/>
+        </a:lnRef>
+        <a:fillRef idx="0">
+          <a:scrgbClr r="0" g="0" b="0"/>
+        </a:fillRef>
+        <a:effectRef idx="0">
+          <a:scrgbClr r="0" g="0" b="0"/>
+        </a:effectRef>
+        <a:fontRef idx="minor"/>
+      </dsp:style>
+      <dsp:txBody>
+        <a:bodyPr spcFirstLastPara="0" vert="horz" wrap="square" lIns="12700" tIns="0" rIns="12700" bIns="0" numCol="1" spcCol="1270" anchor="ctr" anchorCtr="0">
+          <a:noAutofit/>
+        </a:bodyPr>
+        <a:lstStyle/>
+        <a:p>
+          <a:pPr marL="0" lvl="0" indent="0" algn="ctr" defTabSz="400050">
+            <a:lnSpc>
+              <a:spcPct val="90000"/>
+            </a:lnSpc>
+            <a:spcBef>
+              <a:spcPct val="0"/>
+            </a:spcBef>
+            <a:spcAft>
+              <a:spcPct val="35000"/>
+            </a:spcAft>
+            <a:buNone/>
+          </a:pPr>
+          <a:endParaRPr lang="en-US" sz="900" kern="1200"/>
+        </a:p>
+      </dsp:txBody>
+      <dsp:txXfrm>
+        <a:off x="7158628" y="5148960"/>
+        <a:ext cx="132322" cy="132322"/>
+      </dsp:txXfrm>
+    </dsp:sp>
+    <dsp:sp modelId="{798334F8-D8C2-5B49-AB80-BEC006505C1A}">
+      <dsp:nvSpPr>
+        <dsp:cNvPr id="0" name=""/>
+        <dsp:cNvSpPr/>
+      </dsp:nvSpPr>
+      <dsp:spPr>
+        <a:xfrm>
+          <a:off x="8227182" y="4655215"/>
+          <a:ext cx="6528760" cy="2847378"/>
+        </a:xfrm>
+        <a:prstGeom prst="roundRect">
+          <a:avLst>
+            <a:gd name="adj" fmla="val 10000"/>
+          </a:avLst>
+        </a:prstGeom>
+        <a:solidFill>
+          <a:schemeClr val="accent1">
+            <a:lumMod val="60000"/>
+            <a:lumOff val="40000"/>
+          </a:schemeClr>
+        </a:solidFill>
+        <a:ln w="9525">
+          <a:solidFill>
+            <a:scrgbClr r="0" g="0" b="0"/>
+          </a:solidFill>
+        </a:ln>
+        <a:effectLst/>
+      </dsp:spPr>
+      <dsp:style>
+        <a:lnRef idx="0">
+          <a:scrgbClr r="0" g="0" b="0"/>
+        </a:lnRef>
+        <a:fillRef idx="3">
+          <a:scrgbClr r="0" g="0" b="0"/>
+        </a:fillRef>
+        <a:effectRef idx="2">
+          <a:scrgbClr r="0" g="0" b="0"/>
+        </a:effectRef>
+        <a:fontRef idx="minor">
+          <a:schemeClr val="lt1"/>
+        </a:fontRef>
+      </dsp:style>
+      <dsp:txBody>
+        <a:bodyPr spcFirstLastPara="0" vert="horz" wrap="square" lIns="30480" tIns="30480" rIns="30480" bIns="30480" numCol="1" spcCol="1270" anchor="ctr" anchorCtr="0">
+          <a:noAutofit/>
+        </a:bodyPr>
+        <a:lstStyle/>
+        <a:p>
+          <a:pPr marL="0" lvl="0" indent="0" algn="ctr" defTabSz="2133600">
+            <a:lnSpc>
+              <a:spcPct val="114000"/>
+            </a:lnSpc>
+            <a:spcBef>
+              <a:spcPct val="0"/>
+            </a:spcBef>
+            <a:spcAft>
+              <a:spcPct val="35000"/>
+            </a:spcAft>
+            <a:buNone/>
+          </a:pPr>
+          <a:r>
+            <a:rPr lang="en-US" sz="4800" kern="1200" dirty="0">
+              <a:solidFill>
+                <a:schemeClr val="tx1"/>
+              </a:solidFill>
+              <a:latin typeface="Times" pitchFamily="2" charset="0"/>
+            </a:rPr>
+            <a:t>Female</a:t>
+          </a:r>
+          <a:br>
+            <a:rPr lang="en-US" sz="4800" kern="1200" dirty="0">
+              <a:solidFill>
+                <a:schemeClr val="tx1"/>
+              </a:solidFill>
+              <a:latin typeface="Times" pitchFamily="2" charset="0"/>
+            </a:rPr>
+          </a:br>
+          <a:r>
+            <a:rPr lang="en-US" sz="4800" b="1" kern="1200" dirty="0">
+              <a:solidFill>
+                <a:schemeClr val="tx1"/>
+              </a:solidFill>
+              <a:latin typeface="Times" pitchFamily="2" charset="0"/>
+            </a:rPr>
+            <a:t>Effect of EA: 15.6%</a:t>
+          </a:r>
+        </a:p>
+      </dsp:txBody>
+      <dsp:txXfrm>
+        <a:off x="8310579" y="4738612"/>
+        <a:ext cx="6361966" cy="2680584"/>
+      </dsp:txXfrm>
+    </dsp:sp>
+  </dsp:spTree>
+</dsp:drawing>
+</file>
+
+<file path=ppt/diagrams/drawing3.xml><?xml version="1.0" encoding="utf-8"?>
 <dsp:drawing xmlns:dgm="http://schemas.openxmlformats.org/drawingml/2006/diagram" xmlns:dsp="http://schemas.microsoft.com/office/drawing/2008/diagram" xmlns:a="http://schemas.openxmlformats.org/drawingml/2006/main">
   <dsp:spTree>
     <dsp:nvGrpSpPr>
@@ -8540,7 +10287,7 @@
 </dsp:drawing>
 </file>
 
-<file path=ppt/diagrams/drawing3.xml><?xml version="1.0" encoding="utf-8"?>
+<file path=ppt/diagrams/drawing4.xml><?xml version="1.0" encoding="utf-8"?>
 <dsp:drawing xmlns:dgm="http://schemas.openxmlformats.org/drawingml/2006/diagram" xmlns:dsp="http://schemas.microsoft.com/office/drawing/2008/diagram" xmlns:a="http://schemas.openxmlformats.org/drawingml/2006/main">
   <dsp:spTree>
     <dsp:nvGrpSpPr>
@@ -9155,7 +10902,7 @@
 </dsp:drawing>
 </file>
 
-<file path=ppt/diagrams/drawing4.xml><?xml version="1.0" encoding="utf-8"?>
+<file path=ppt/diagrams/drawing5.xml><?xml version="1.0" encoding="utf-8"?>
 <dsp:drawing xmlns:dgm="http://schemas.openxmlformats.org/drawingml/2006/diagram" xmlns:dsp="http://schemas.microsoft.com/office/drawing/2008/diagram" xmlns:a="http://schemas.openxmlformats.org/drawingml/2006/main">
   <dsp:spTree>
     <dsp:nvGrpSpPr>
@@ -10575,326 +12322,6 @@
 </file>
 
 <file path=ppt/diagrams/layout2.xml><?xml version="1.0" encoding="utf-8"?>
-<dgm:layoutDef xmlns:dgm="http://schemas.openxmlformats.org/drawingml/2006/diagram" xmlns:a="http://schemas.openxmlformats.org/drawingml/2006/main" uniqueId="urn:microsoft.com/office/officeart/2005/8/layout/hierarchy2">
-  <dgm:title val=""/>
-  <dgm:desc val=""/>
-  <dgm:catLst>
-    <dgm:cat type="hierarchy" pri="5000"/>
-  </dgm:catLst>
-  <dgm:sampData>
-    <dgm:dataModel>
-      <dgm:ptLst>
-        <dgm:pt modelId="0" type="doc"/>
-        <dgm:pt modelId="1">
-          <dgm:prSet phldr="1"/>
-        </dgm:pt>
-        <dgm:pt modelId="2">
-          <dgm:prSet phldr="1"/>
-        </dgm:pt>
-        <dgm:pt modelId="21">
-          <dgm:prSet phldr="1"/>
-        </dgm:pt>
-        <dgm:pt modelId="22">
-          <dgm:prSet phldr="1"/>
-        </dgm:pt>
-        <dgm:pt modelId="3">
-          <dgm:prSet phldr="1"/>
-        </dgm:pt>
-        <dgm:pt modelId="31">
-          <dgm:prSet phldr="1"/>
-        </dgm:pt>
-      </dgm:ptLst>
-      <dgm:cxnLst>
-        <dgm:cxn modelId="4" srcId="0" destId="1" srcOrd="0" destOrd="0"/>
-        <dgm:cxn modelId="5" srcId="1" destId="2" srcOrd="0" destOrd="0"/>
-        <dgm:cxn modelId="6" srcId="1" destId="3" srcOrd="1" destOrd="0"/>
-        <dgm:cxn modelId="23" srcId="2" destId="21" srcOrd="0" destOrd="0"/>
-        <dgm:cxn modelId="24" srcId="2" destId="22" srcOrd="1" destOrd="0"/>
-        <dgm:cxn modelId="33" srcId="3" destId="31" srcOrd="0" destOrd="0"/>
-      </dgm:cxnLst>
-      <dgm:bg/>
-      <dgm:whole/>
-    </dgm:dataModel>
-  </dgm:sampData>
-  <dgm:styleData>
-    <dgm:dataModel>
-      <dgm:ptLst>
-        <dgm:pt modelId="0" type="doc"/>
-        <dgm:pt modelId="1"/>
-        <dgm:pt modelId="11"/>
-        <dgm:pt modelId="12"/>
-      </dgm:ptLst>
-      <dgm:cxnLst>
-        <dgm:cxn modelId="2" srcId="0" destId="1" srcOrd="0" destOrd="0"/>
-        <dgm:cxn modelId="13" srcId="1" destId="11" srcOrd="0" destOrd="0"/>
-        <dgm:cxn modelId="14" srcId="1" destId="12" srcOrd="1" destOrd="0"/>
-      </dgm:cxnLst>
-      <dgm:bg/>
-      <dgm:whole/>
-    </dgm:dataModel>
-  </dgm:styleData>
-  <dgm:clrData>
-    <dgm:dataModel>
-      <dgm:ptLst>
-        <dgm:pt modelId="0" type="doc"/>
-        <dgm:pt modelId="1"/>
-        <dgm:pt modelId="2"/>
-        <dgm:pt modelId="21"/>
-        <dgm:pt modelId="211"/>
-        <dgm:pt modelId="3"/>
-        <dgm:pt modelId="31"/>
-        <dgm:pt modelId="311"/>
-      </dgm:ptLst>
-      <dgm:cxnLst>
-        <dgm:cxn modelId="4" srcId="0" destId="1" srcOrd="0" destOrd="0"/>
-        <dgm:cxn modelId="5" srcId="1" destId="2" srcOrd="0" destOrd="0"/>
-        <dgm:cxn modelId="6" srcId="1" destId="3" srcOrd="1" destOrd="0"/>
-        <dgm:cxn modelId="23" srcId="2" destId="21" srcOrd="0" destOrd="0"/>
-        <dgm:cxn modelId="24" srcId="21" destId="211" srcOrd="0" destOrd="0"/>
-        <dgm:cxn modelId="33" srcId="3" destId="31" srcOrd="0" destOrd="0"/>
-        <dgm:cxn modelId="34" srcId="31" destId="311" srcOrd="0" destOrd="0"/>
-      </dgm:cxnLst>
-      <dgm:bg/>
-      <dgm:whole/>
-    </dgm:dataModel>
-  </dgm:clrData>
-  <dgm:layoutNode name="diagram">
-    <dgm:varLst>
-      <dgm:chPref val="1"/>
-      <dgm:dir/>
-      <dgm:animOne val="branch"/>
-      <dgm:animLvl val="lvl"/>
-      <dgm:resizeHandles val="exact"/>
-    </dgm:varLst>
-    <dgm:choose name="Name0">
-      <dgm:if name="Name1" func="var" arg="dir" op="equ" val="norm">
-        <dgm:alg type="hierChild">
-          <dgm:param type="linDir" val="fromT"/>
-          <dgm:param type="chAlign" val="l"/>
-        </dgm:alg>
-      </dgm:if>
-      <dgm:else name="Name2">
-        <dgm:alg type="hierChild">
-          <dgm:param type="linDir" val="fromT"/>
-          <dgm:param type="chAlign" val="r"/>
-        </dgm:alg>
-      </dgm:else>
-    </dgm:choose>
-    <dgm:shape xmlns:r="http://schemas.openxmlformats.org/officeDocument/2006/relationships" r:blip="">
-      <dgm:adjLst/>
-    </dgm:shape>
-    <dgm:presOf/>
-    <dgm:constrLst>
-      <dgm:constr type="h" for="des" ptType="node" refType="h"/>
-      <dgm:constr type="w" for="des" ptType="node" refType="h" refFor="des" refPtType="node" fact="2"/>
-      <dgm:constr type="sibSp" refType="h" refFor="des" refPtType="node" op="equ" fact="0.15"/>
-      <dgm:constr type="sibSp" for="des" forName="level2hierChild" refType="h" refFor="des" refPtType="node" op="equ" fact="0.15"/>
-      <dgm:constr type="sibSp" for="des" forName="level3hierChild" refType="h" refFor="des" refPtType="node" op="equ" fact="0.15"/>
-      <dgm:constr type="sp" for="des" forName="root1" refType="w" refFor="des" refPtType="node" fact="0.4"/>
-      <dgm:constr type="sp" for="des" forName="root2" refType="sp" refFor="des" refForName="root1" op="equ"/>
-      <dgm:constr type="primFontSz" for="des" ptType="node" op="equ" val="65"/>
-      <dgm:constr type="primFontSz" for="des" forName="connTx" op="equ" val="55"/>
-      <dgm:constr type="primFontSz" for="des" forName="connTx" refType="primFontSz" refFor="des" refPtType="node" op="lte" fact="0.8"/>
-    </dgm:constrLst>
-    <dgm:ruleLst/>
-    <dgm:forEach name="Name3" axis="ch">
-      <dgm:forEach name="Name4" axis="self" ptType="node">
-        <dgm:layoutNode name="root1">
-          <dgm:choose name="Name5">
-            <dgm:if name="Name6" func="var" arg="dir" op="equ" val="norm">
-              <dgm:alg type="hierRoot">
-                <dgm:param type="hierAlign" val="lCtrCh"/>
-              </dgm:alg>
-            </dgm:if>
-            <dgm:else name="Name7">
-              <dgm:alg type="hierRoot">
-                <dgm:param type="hierAlign" val="rCtrCh"/>
-              </dgm:alg>
-            </dgm:else>
-          </dgm:choose>
-          <dgm:shape xmlns:r="http://schemas.openxmlformats.org/officeDocument/2006/relationships" r:blip="">
-            <dgm:adjLst/>
-          </dgm:shape>
-          <dgm:presOf/>
-          <dgm:constrLst/>
-          <dgm:ruleLst/>
-          <dgm:layoutNode name="LevelOneTextNode" styleLbl="node0">
-            <dgm:varLst>
-              <dgm:chPref val="3"/>
-            </dgm:varLst>
-            <dgm:alg type="tx"/>
-            <dgm:shape xmlns:r="http://schemas.openxmlformats.org/officeDocument/2006/relationships" type="roundRect" r:blip="">
-              <dgm:adjLst>
-                <dgm:adj idx="1" val="0.1"/>
-              </dgm:adjLst>
-            </dgm:shape>
-            <dgm:presOf axis="self"/>
-            <dgm:constrLst>
-              <dgm:constr type="tMarg" refType="primFontSz" fact="0.05"/>
-              <dgm:constr type="bMarg" refType="primFontSz" fact="0.05"/>
-              <dgm:constr type="lMarg" refType="primFontSz" fact="0.05"/>
-              <dgm:constr type="rMarg" refType="primFontSz" fact="0.05"/>
-            </dgm:constrLst>
-            <dgm:ruleLst>
-              <dgm:rule type="primFontSz" val="5" fact="NaN" max="NaN"/>
-            </dgm:ruleLst>
-          </dgm:layoutNode>
-          <dgm:layoutNode name="level2hierChild">
-            <dgm:choose name="Name8">
-              <dgm:if name="Name9" func="var" arg="dir" op="equ" val="norm">
-                <dgm:alg type="hierChild">
-                  <dgm:param type="linDir" val="fromT"/>
-                  <dgm:param type="chAlign" val="l"/>
-                </dgm:alg>
-              </dgm:if>
-              <dgm:else name="Name10">
-                <dgm:alg type="hierChild">
-                  <dgm:param type="linDir" val="fromT"/>
-                  <dgm:param type="chAlign" val="r"/>
-                </dgm:alg>
-              </dgm:else>
-            </dgm:choose>
-            <dgm:shape xmlns:r="http://schemas.openxmlformats.org/officeDocument/2006/relationships" r:blip="">
-              <dgm:adjLst/>
-            </dgm:shape>
-            <dgm:presOf/>
-            <dgm:constrLst/>
-            <dgm:ruleLst/>
-            <dgm:forEach name="repeat" axis="ch">
-              <dgm:forEach name="Name11" axis="self" ptType="parTrans" cnt="1">
-                <dgm:layoutNode name="conn2-1">
-                  <dgm:choose name="Name12">
-                    <dgm:if name="Name13" func="var" arg="dir" op="equ" val="norm">
-                      <dgm:alg type="conn">
-                        <dgm:param type="dim" val="1D"/>
-                        <dgm:param type="begPts" val="midR"/>
-                        <dgm:param type="endPts" val="midL"/>
-                        <dgm:param type="endSty" val="noArr"/>
-                      </dgm:alg>
-                    </dgm:if>
-                    <dgm:else name="Name14">
-                      <dgm:alg type="conn">
-                        <dgm:param type="dim" val="1D"/>
-                        <dgm:param type="begPts" val="midL"/>
-                        <dgm:param type="endPts" val="midR"/>
-                        <dgm:param type="endSty" val="noArr"/>
-                      </dgm:alg>
-                    </dgm:else>
-                  </dgm:choose>
-                  <dgm:shape xmlns:r="http://schemas.openxmlformats.org/officeDocument/2006/relationships" type="conn" r:blip="">
-                    <dgm:adjLst/>
-                  </dgm:shape>
-                  <dgm:presOf axis="self"/>
-                  <dgm:constrLst>
-                    <dgm:constr type="w" val="1"/>
-                    <dgm:constr type="h" val="5"/>
-                    <dgm:constr type="connDist"/>
-                    <dgm:constr type="begPad"/>
-                    <dgm:constr type="endPad"/>
-                    <dgm:constr type="userA" for="ch" refType="connDist"/>
-                  </dgm:constrLst>
-                  <dgm:ruleLst/>
-                  <dgm:layoutNode name="connTx">
-                    <dgm:alg type="tx">
-                      <dgm:param type="autoTxRot" val="grav"/>
-                    </dgm:alg>
-                    <dgm:shape xmlns:r="http://schemas.openxmlformats.org/officeDocument/2006/relationships" type="rect" r:blip="" hideGeom="1">
-                      <dgm:adjLst/>
-                    </dgm:shape>
-                    <dgm:presOf axis="self"/>
-                    <dgm:constrLst>
-                      <dgm:constr type="userA"/>
-                      <dgm:constr type="w" refType="userA" fact="0.05"/>
-                      <dgm:constr type="h" refType="userA" fact="0.05"/>
-                      <dgm:constr type="lMarg" val="1"/>
-                      <dgm:constr type="rMarg" val="1"/>
-                      <dgm:constr type="tMarg"/>
-                      <dgm:constr type="bMarg"/>
-                    </dgm:constrLst>
-                    <dgm:ruleLst>
-                      <dgm:rule type="h" val="NaN" fact="0.25" max="NaN"/>
-                      <dgm:rule type="w" val="NaN" fact="0.8" max="NaN"/>
-                      <dgm:rule type="primFontSz" val="5" fact="NaN" max="NaN"/>
-                    </dgm:ruleLst>
-                  </dgm:layoutNode>
-                </dgm:layoutNode>
-              </dgm:forEach>
-              <dgm:forEach name="Name15" axis="self" ptType="node">
-                <dgm:layoutNode name="root2">
-                  <dgm:choose name="Name16">
-                    <dgm:if name="Name17" func="var" arg="dir" op="equ" val="norm">
-                      <dgm:alg type="hierRoot">
-                        <dgm:param type="hierAlign" val="lCtrCh"/>
-                      </dgm:alg>
-                    </dgm:if>
-                    <dgm:else name="Name18">
-                      <dgm:alg type="hierRoot">
-                        <dgm:param type="hierAlign" val="rCtrCh"/>
-                      </dgm:alg>
-                    </dgm:else>
-                  </dgm:choose>
-                  <dgm:shape xmlns:r="http://schemas.openxmlformats.org/officeDocument/2006/relationships" r:blip="">
-                    <dgm:adjLst/>
-                  </dgm:shape>
-                  <dgm:presOf/>
-                  <dgm:constrLst/>
-                  <dgm:ruleLst/>
-                  <dgm:layoutNode name="LevelTwoTextNode">
-                    <dgm:varLst>
-                      <dgm:chPref val="3"/>
-                    </dgm:varLst>
-                    <dgm:alg type="tx"/>
-                    <dgm:shape xmlns:r="http://schemas.openxmlformats.org/officeDocument/2006/relationships" type="roundRect" r:blip="">
-                      <dgm:adjLst>
-                        <dgm:adj idx="1" val="0.1"/>
-                      </dgm:adjLst>
-                    </dgm:shape>
-                    <dgm:presOf axis="self"/>
-                    <dgm:constrLst>
-                      <dgm:constr type="tMarg" refType="primFontSz" fact="0.05"/>
-                      <dgm:constr type="bMarg" refType="primFontSz" fact="0.05"/>
-                      <dgm:constr type="lMarg" refType="primFontSz" fact="0.05"/>
-                      <dgm:constr type="rMarg" refType="primFontSz" fact="0.05"/>
-                    </dgm:constrLst>
-                    <dgm:ruleLst>
-                      <dgm:rule type="primFontSz" val="5" fact="NaN" max="NaN"/>
-                    </dgm:ruleLst>
-                  </dgm:layoutNode>
-                  <dgm:layoutNode name="level3hierChild">
-                    <dgm:choose name="Name19">
-                      <dgm:if name="Name20" func="var" arg="dir" op="equ" val="norm">
-                        <dgm:alg type="hierChild">
-                          <dgm:param type="linDir" val="fromT"/>
-                          <dgm:param type="chAlign" val="l"/>
-                        </dgm:alg>
-                      </dgm:if>
-                      <dgm:else name="Name21">
-                        <dgm:alg type="hierChild">
-                          <dgm:param type="linDir" val="fromT"/>
-                          <dgm:param type="chAlign" val="r"/>
-                        </dgm:alg>
-                      </dgm:else>
-                    </dgm:choose>
-                    <dgm:shape xmlns:r="http://schemas.openxmlformats.org/officeDocument/2006/relationships" r:blip="">
-                      <dgm:adjLst/>
-                    </dgm:shape>
-                    <dgm:presOf/>
-                    <dgm:constrLst/>
-                    <dgm:ruleLst/>
-                    <dgm:forEach name="Name22" ref="repeat"/>
-                  </dgm:layoutNode>
-                </dgm:layoutNode>
-              </dgm:forEach>
-            </dgm:forEach>
-          </dgm:layoutNode>
-        </dgm:layoutNode>
-      </dgm:forEach>
-    </dgm:forEach>
-  </dgm:layoutNode>
-</dgm:layoutDef>
-</file>
-
-<file path=ppt/diagrams/layout3.xml><?xml version="1.0" encoding="utf-8"?>
 <dgm:layoutDef xmlns:dgm="http://schemas.openxmlformats.org/drawingml/2006/diagram" xmlns:a="http://schemas.openxmlformats.org/drawingml/2006/main" uniqueId="urn:microsoft.com/office/officeart/2005/8/layout/hierarchy5">
   <dgm:title val=""/>
   <dgm:desc val=""/>
@@ -11468,7 +12895,901 @@
 </dgm:layoutDef>
 </file>
 
+<file path=ppt/diagrams/layout3.xml><?xml version="1.0" encoding="utf-8"?>
+<dgm:layoutDef xmlns:dgm="http://schemas.openxmlformats.org/drawingml/2006/diagram" xmlns:a="http://schemas.openxmlformats.org/drawingml/2006/main" uniqueId="urn:microsoft.com/office/officeart/2005/8/layout/hierarchy2">
+  <dgm:title val=""/>
+  <dgm:desc val=""/>
+  <dgm:catLst>
+    <dgm:cat type="hierarchy" pri="5000"/>
+  </dgm:catLst>
+  <dgm:sampData>
+    <dgm:dataModel>
+      <dgm:ptLst>
+        <dgm:pt modelId="0" type="doc"/>
+        <dgm:pt modelId="1">
+          <dgm:prSet phldr="1"/>
+        </dgm:pt>
+        <dgm:pt modelId="2">
+          <dgm:prSet phldr="1"/>
+        </dgm:pt>
+        <dgm:pt modelId="21">
+          <dgm:prSet phldr="1"/>
+        </dgm:pt>
+        <dgm:pt modelId="22">
+          <dgm:prSet phldr="1"/>
+        </dgm:pt>
+        <dgm:pt modelId="3">
+          <dgm:prSet phldr="1"/>
+        </dgm:pt>
+        <dgm:pt modelId="31">
+          <dgm:prSet phldr="1"/>
+        </dgm:pt>
+      </dgm:ptLst>
+      <dgm:cxnLst>
+        <dgm:cxn modelId="4" srcId="0" destId="1" srcOrd="0" destOrd="0"/>
+        <dgm:cxn modelId="5" srcId="1" destId="2" srcOrd="0" destOrd="0"/>
+        <dgm:cxn modelId="6" srcId="1" destId="3" srcOrd="1" destOrd="0"/>
+        <dgm:cxn modelId="23" srcId="2" destId="21" srcOrd="0" destOrd="0"/>
+        <dgm:cxn modelId="24" srcId="2" destId="22" srcOrd="1" destOrd="0"/>
+        <dgm:cxn modelId="33" srcId="3" destId="31" srcOrd="0" destOrd="0"/>
+      </dgm:cxnLst>
+      <dgm:bg/>
+      <dgm:whole/>
+    </dgm:dataModel>
+  </dgm:sampData>
+  <dgm:styleData>
+    <dgm:dataModel>
+      <dgm:ptLst>
+        <dgm:pt modelId="0" type="doc"/>
+        <dgm:pt modelId="1"/>
+        <dgm:pt modelId="11"/>
+        <dgm:pt modelId="12"/>
+      </dgm:ptLst>
+      <dgm:cxnLst>
+        <dgm:cxn modelId="2" srcId="0" destId="1" srcOrd="0" destOrd="0"/>
+        <dgm:cxn modelId="13" srcId="1" destId="11" srcOrd="0" destOrd="0"/>
+        <dgm:cxn modelId="14" srcId="1" destId="12" srcOrd="1" destOrd="0"/>
+      </dgm:cxnLst>
+      <dgm:bg/>
+      <dgm:whole/>
+    </dgm:dataModel>
+  </dgm:styleData>
+  <dgm:clrData>
+    <dgm:dataModel>
+      <dgm:ptLst>
+        <dgm:pt modelId="0" type="doc"/>
+        <dgm:pt modelId="1"/>
+        <dgm:pt modelId="2"/>
+        <dgm:pt modelId="21"/>
+        <dgm:pt modelId="211"/>
+        <dgm:pt modelId="3"/>
+        <dgm:pt modelId="31"/>
+        <dgm:pt modelId="311"/>
+      </dgm:ptLst>
+      <dgm:cxnLst>
+        <dgm:cxn modelId="4" srcId="0" destId="1" srcOrd="0" destOrd="0"/>
+        <dgm:cxn modelId="5" srcId="1" destId="2" srcOrd="0" destOrd="0"/>
+        <dgm:cxn modelId="6" srcId="1" destId="3" srcOrd="1" destOrd="0"/>
+        <dgm:cxn modelId="23" srcId="2" destId="21" srcOrd="0" destOrd="0"/>
+        <dgm:cxn modelId="24" srcId="21" destId="211" srcOrd="0" destOrd="0"/>
+        <dgm:cxn modelId="33" srcId="3" destId="31" srcOrd="0" destOrd="0"/>
+        <dgm:cxn modelId="34" srcId="31" destId="311" srcOrd="0" destOrd="0"/>
+      </dgm:cxnLst>
+      <dgm:bg/>
+      <dgm:whole/>
+    </dgm:dataModel>
+  </dgm:clrData>
+  <dgm:layoutNode name="diagram">
+    <dgm:varLst>
+      <dgm:chPref val="1"/>
+      <dgm:dir/>
+      <dgm:animOne val="branch"/>
+      <dgm:animLvl val="lvl"/>
+      <dgm:resizeHandles val="exact"/>
+    </dgm:varLst>
+    <dgm:choose name="Name0">
+      <dgm:if name="Name1" func="var" arg="dir" op="equ" val="norm">
+        <dgm:alg type="hierChild">
+          <dgm:param type="linDir" val="fromT"/>
+          <dgm:param type="chAlign" val="l"/>
+        </dgm:alg>
+      </dgm:if>
+      <dgm:else name="Name2">
+        <dgm:alg type="hierChild">
+          <dgm:param type="linDir" val="fromT"/>
+          <dgm:param type="chAlign" val="r"/>
+        </dgm:alg>
+      </dgm:else>
+    </dgm:choose>
+    <dgm:shape xmlns:r="http://schemas.openxmlformats.org/officeDocument/2006/relationships" r:blip="">
+      <dgm:adjLst/>
+    </dgm:shape>
+    <dgm:presOf/>
+    <dgm:constrLst>
+      <dgm:constr type="h" for="des" ptType="node" refType="h"/>
+      <dgm:constr type="w" for="des" ptType="node" refType="h" refFor="des" refPtType="node" fact="2"/>
+      <dgm:constr type="sibSp" refType="h" refFor="des" refPtType="node" op="equ" fact="0.15"/>
+      <dgm:constr type="sibSp" for="des" forName="level2hierChild" refType="h" refFor="des" refPtType="node" op="equ" fact="0.15"/>
+      <dgm:constr type="sibSp" for="des" forName="level3hierChild" refType="h" refFor="des" refPtType="node" op="equ" fact="0.15"/>
+      <dgm:constr type="sp" for="des" forName="root1" refType="w" refFor="des" refPtType="node" fact="0.4"/>
+      <dgm:constr type="sp" for="des" forName="root2" refType="sp" refFor="des" refForName="root1" op="equ"/>
+      <dgm:constr type="primFontSz" for="des" ptType="node" op="equ" val="65"/>
+      <dgm:constr type="primFontSz" for="des" forName="connTx" op="equ" val="55"/>
+      <dgm:constr type="primFontSz" for="des" forName="connTx" refType="primFontSz" refFor="des" refPtType="node" op="lte" fact="0.8"/>
+    </dgm:constrLst>
+    <dgm:ruleLst/>
+    <dgm:forEach name="Name3" axis="ch">
+      <dgm:forEach name="Name4" axis="self" ptType="node">
+        <dgm:layoutNode name="root1">
+          <dgm:choose name="Name5">
+            <dgm:if name="Name6" func="var" arg="dir" op="equ" val="norm">
+              <dgm:alg type="hierRoot">
+                <dgm:param type="hierAlign" val="lCtrCh"/>
+              </dgm:alg>
+            </dgm:if>
+            <dgm:else name="Name7">
+              <dgm:alg type="hierRoot">
+                <dgm:param type="hierAlign" val="rCtrCh"/>
+              </dgm:alg>
+            </dgm:else>
+          </dgm:choose>
+          <dgm:shape xmlns:r="http://schemas.openxmlformats.org/officeDocument/2006/relationships" r:blip="">
+            <dgm:adjLst/>
+          </dgm:shape>
+          <dgm:presOf/>
+          <dgm:constrLst/>
+          <dgm:ruleLst/>
+          <dgm:layoutNode name="LevelOneTextNode" styleLbl="node0">
+            <dgm:varLst>
+              <dgm:chPref val="3"/>
+            </dgm:varLst>
+            <dgm:alg type="tx"/>
+            <dgm:shape xmlns:r="http://schemas.openxmlformats.org/officeDocument/2006/relationships" type="roundRect" r:blip="">
+              <dgm:adjLst>
+                <dgm:adj idx="1" val="0.1"/>
+              </dgm:adjLst>
+            </dgm:shape>
+            <dgm:presOf axis="self"/>
+            <dgm:constrLst>
+              <dgm:constr type="tMarg" refType="primFontSz" fact="0.05"/>
+              <dgm:constr type="bMarg" refType="primFontSz" fact="0.05"/>
+              <dgm:constr type="lMarg" refType="primFontSz" fact="0.05"/>
+              <dgm:constr type="rMarg" refType="primFontSz" fact="0.05"/>
+            </dgm:constrLst>
+            <dgm:ruleLst>
+              <dgm:rule type="primFontSz" val="5" fact="NaN" max="NaN"/>
+            </dgm:ruleLst>
+          </dgm:layoutNode>
+          <dgm:layoutNode name="level2hierChild">
+            <dgm:choose name="Name8">
+              <dgm:if name="Name9" func="var" arg="dir" op="equ" val="norm">
+                <dgm:alg type="hierChild">
+                  <dgm:param type="linDir" val="fromT"/>
+                  <dgm:param type="chAlign" val="l"/>
+                </dgm:alg>
+              </dgm:if>
+              <dgm:else name="Name10">
+                <dgm:alg type="hierChild">
+                  <dgm:param type="linDir" val="fromT"/>
+                  <dgm:param type="chAlign" val="r"/>
+                </dgm:alg>
+              </dgm:else>
+            </dgm:choose>
+            <dgm:shape xmlns:r="http://schemas.openxmlformats.org/officeDocument/2006/relationships" r:blip="">
+              <dgm:adjLst/>
+            </dgm:shape>
+            <dgm:presOf/>
+            <dgm:constrLst/>
+            <dgm:ruleLst/>
+            <dgm:forEach name="repeat" axis="ch">
+              <dgm:forEach name="Name11" axis="self" ptType="parTrans" cnt="1">
+                <dgm:layoutNode name="conn2-1">
+                  <dgm:choose name="Name12">
+                    <dgm:if name="Name13" func="var" arg="dir" op="equ" val="norm">
+                      <dgm:alg type="conn">
+                        <dgm:param type="dim" val="1D"/>
+                        <dgm:param type="begPts" val="midR"/>
+                        <dgm:param type="endPts" val="midL"/>
+                        <dgm:param type="endSty" val="noArr"/>
+                      </dgm:alg>
+                    </dgm:if>
+                    <dgm:else name="Name14">
+                      <dgm:alg type="conn">
+                        <dgm:param type="dim" val="1D"/>
+                        <dgm:param type="begPts" val="midL"/>
+                        <dgm:param type="endPts" val="midR"/>
+                        <dgm:param type="endSty" val="noArr"/>
+                      </dgm:alg>
+                    </dgm:else>
+                  </dgm:choose>
+                  <dgm:shape xmlns:r="http://schemas.openxmlformats.org/officeDocument/2006/relationships" type="conn" r:blip="">
+                    <dgm:adjLst/>
+                  </dgm:shape>
+                  <dgm:presOf axis="self"/>
+                  <dgm:constrLst>
+                    <dgm:constr type="w" val="1"/>
+                    <dgm:constr type="h" val="5"/>
+                    <dgm:constr type="connDist"/>
+                    <dgm:constr type="begPad"/>
+                    <dgm:constr type="endPad"/>
+                    <dgm:constr type="userA" for="ch" refType="connDist"/>
+                  </dgm:constrLst>
+                  <dgm:ruleLst/>
+                  <dgm:layoutNode name="connTx">
+                    <dgm:alg type="tx">
+                      <dgm:param type="autoTxRot" val="grav"/>
+                    </dgm:alg>
+                    <dgm:shape xmlns:r="http://schemas.openxmlformats.org/officeDocument/2006/relationships" type="rect" r:blip="" hideGeom="1">
+                      <dgm:adjLst/>
+                    </dgm:shape>
+                    <dgm:presOf axis="self"/>
+                    <dgm:constrLst>
+                      <dgm:constr type="userA"/>
+                      <dgm:constr type="w" refType="userA" fact="0.05"/>
+                      <dgm:constr type="h" refType="userA" fact="0.05"/>
+                      <dgm:constr type="lMarg" val="1"/>
+                      <dgm:constr type="rMarg" val="1"/>
+                      <dgm:constr type="tMarg"/>
+                      <dgm:constr type="bMarg"/>
+                    </dgm:constrLst>
+                    <dgm:ruleLst>
+                      <dgm:rule type="h" val="NaN" fact="0.25" max="NaN"/>
+                      <dgm:rule type="w" val="NaN" fact="0.8" max="NaN"/>
+                      <dgm:rule type="primFontSz" val="5" fact="NaN" max="NaN"/>
+                    </dgm:ruleLst>
+                  </dgm:layoutNode>
+                </dgm:layoutNode>
+              </dgm:forEach>
+              <dgm:forEach name="Name15" axis="self" ptType="node">
+                <dgm:layoutNode name="root2">
+                  <dgm:choose name="Name16">
+                    <dgm:if name="Name17" func="var" arg="dir" op="equ" val="norm">
+                      <dgm:alg type="hierRoot">
+                        <dgm:param type="hierAlign" val="lCtrCh"/>
+                      </dgm:alg>
+                    </dgm:if>
+                    <dgm:else name="Name18">
+                      <dgm:alg type="hierRoot">
+                        <dgm:param type="hierAlign" val="rCtrCh"/>
+                      </dgm:alg>
+                    </dgm:else>
+                  </dgm:choose>
+                  <dgm:shape xmlns:r="http://schemas.openxmlformats.org/officeDocument/2006/relationships" r:blip="">
+                    <dgm:adjLst/>
+                  </dgm:shape>
+                  <dgm:presOf/>
+                  <dgm:constrLst/>
+                  <dgm:ruleLst/>
+                  <dgm:layoutNode name="LevelTwoTextNode">
+                    <dgm:varLst>
+                      <dgm:chPref val="3"/>
+                    </dgm:varLst>
+                    <dgm:alg type="tx"/>
+                    <dgm:shape xmlns:r="http://schemas.openxmlformats.org/officeDocument/2006/relationships" type="roundRect" r:blip="">
+                      <dgm:adjLst>
+                        <dgm:adj idx="1" val="0.1"/>
+                      </dgm:adjLst>
+                    </dgm:shape>
+                    <dgm:presOf axis="self"/>
+                    <dgm:constrLst>
+                      <dgm:constr type="tMarg" refType="primFontSz" fact="0.05"/>
+                      <dgm:constr type="bMarg" refType="primFontSz" fact="0.05"/>
+                      <dgm:constr type="lMarg" refType="primFontSz" fact="0.05"/>
+                      <dgm:constr type="rMarg" refType="primFontSz" fact="0.05"/>
+                    </dgm:constrLst>
+                    <dgm:ruleLst>
+                      <dgm:rule type="primFontSz" val="5" fact="NaN" max="NaN"/>
+                    </dgm:ruleLst>
+                  </dgm:layoutNode>
+                  <dgm:layoutNode name="level3hierChild">
+                    <dgm:choose name="Name19">
+                      <dgm:if name="Name20" func="var" arg="dir" op="equ" val="norm">
+                        <dgm:alg type="hierChild">
+                          <dgm:param type="linDir" val="fromT"/>
+                          <dgm:param type="chAlign" val="l"/>
+                        </dgm:alg>
+                      </dgm:if>
+                      <dgm:else name="Name21">
+                        <dgm:alg type="hierChild">
+                          <dgm:param type="linDir" val="fromT"/>
+                          <dgm:param type="chAlign" val="r"/>
+                        </dgm:alg>
+                      </dgm:else>
+                    </dgm:choose>
+                    <dgm:shape xmlns:r="http://schemas.openxmlformats.org/officeDocument/2006/relationships" r:blip="">
+                      <dgm:adjLst/>
+                    </dgm:shape>
+                    <dgm:presOf/>
+                    <dgm:constrLst/>
+                    <dgm:ruleLst/>
+                    <dgm:forEach name="Name22" ref="repeat"/>
+                  </dgm:layoutNode>
+                </dgm:layoutNode>
+              </dgm:forEach>
+            </dgm:forEach>
+          </dgm:layoutNode>
+        </dgm:layoutNode>
+      </dgm:forEach>
+    </dgm:forEach>
+  </dgm:layoutNode>
+</dgm:layoutDef>
+</file>
+
 <file path=ppt/diagrams/layout4.xml><?xml version="1.0" encoding="utf-8"?>
+<dgm:layoutDef xmlns:dgm="http://schemas.openxmlformats.org/drawingml/2006/diagram" xmlns:a="http://schemas.openxmlformats.org/drawingml/2006/main" uniqueId="urn:microsoft.com/office/officeart/2005/8/layout/hierarchy5">
+  <dgm:title val=""/>
+  <dgm:desc val=""/>
+  <dgm:catLst>
+    <dgm:cat type="hierarchy" pri="6000"/>
+  </dgm:catLst>
+  <dgm:sampData>
+    <dgm:dataModel>
+      <dgm:ptLst>
+        <dgm:pt modelId="0" type="doc"/>
+        <dgm:pt modelId="1">
+          <dgm:prSet phldr="1"/>
+        </dgm:pt>
+        <dgm:pt modelId="2">
+          <dgm:prSet phldr="1"/>
+        </dgm:pt>
+        <dgm:pt modelId="21">
+          <dgm:prSet phldr="1"/>
+        </dgm:pt>
+        <dgm:pt modelId="22">
+          <dgm:prSet phldr="1"/>
+        </dgm:pt>
+        <dgm:pt modelId="3">
+          <dgm:prSet phldr="1"/>
+        </dgm:pt>
+        <dgm:pt modelId="31">
+          <dgm:prSet phldr="1"/>
+        </dgm:pt>
+        <dgm:pt modelId="4">
+          <dgm:prSet phldr="1"/>
+        </dgm:pt>
+        <dgm:pt modelId="5">
+          <dgm:prSet phldr="1"/>
+        </dgm:pt>
+        <dgm:pt modelId="6">
+          <dgm:prSet phldr="1"/>
+        </dgm:pt>
+      </dgm:ptLst>
+      <dgm:cxnLst>
+        <dgm:cxn modelId="7" srcId="0" destId="1" srcOrd="0" destOrd="0"/>
+        <dgm:cxn modelId="8" srcId="1" destId="2" srcOrd="0" destOrd="0"/>
+        <dgm:cxn modelId="9" srcId="1" destId="3" srcOrd="1" destOrd="0"/>
+        <dgm:cxn modelId="23" srcId="2" destId="21" srcOrd="0" destOrd="0"/>
+        <dgm:cxn modelId="24" srcId="2" destId="22" srcOrd="1" destOrd="0"/>
+        <dgm:cxn modelId="33" srcId="3" destId="31" srcOrd="0" destOrd="0"/>
+        <dgm:cxn modelId="10" srcId="0" destId="4" srcOrd="1" destOrd="0"/>
+        <dgm:cxn modelId="11" srcId="0" destId="5" srcOrd="2" destOrd="0"/>
+        <dgm:cxn modelId="12" srcId="0" destId="6" srcOrd="3" destOrd="0"/>
+      </dgm:cxnLst>
+      <dgm:bg/>
+      <dgm:whole/>
+    </dgm:dataModel>
+  </dgm:sampData>
+  <dgm:styleData>
+    <dgm:dataModel>
+      <dgm:ptLst>
+        <dgm:pt modelId="0" type="doc"/>
+        <dgm:pt modelId="1"/>
+        <dgm:pt modelId="11"/>
+        <dgm:pt modelId="12"/>
+        <dgm:pt modelId="2"/>
+        <dgm:pt modelId="3"/>
+      </dgm:ptLst>
+      <dgm:cxnLst>
+        <dgm:cxn modelId="4" srcId="0" destId="1" srcOrd="0" destOrd="0"/>
+        <dgm:cxn modelId="13" srcId="1" destId="11" srcOrd="0" destOrd="0"/>
+        <dgm:cxn modelId="14" srcId="1" destId="12" srcOrd="1" destOrd="0"/>
+        <dgm:cxn modelId="5" srcId="0" destId="2" srcOrd="1" destOrd="0"/>
+        <dgm:cxn modelId="6" srcId="0" destId="3" srcOrd="2" destOrd="0"/>
+      </dgm:cxnLst>
+      <dgm:bg/>
+      <dgm:whole/>
+    </dgm:dataModel>
+  </dgm:styleData>
+  <dgm:clrData>
+    <dgm:dataModel>
+      <dgm:ptLst>
+        <dgm:pt modelId="0" type="doc"/>
+        <dgm:pt modelId="1"/>
+        <dgm:pt modelId="2"/>
+        <dgm:pt modelId="21"/>
+        <dgm:pt modelId="211"/>
+        <dgm:pt modelId="3"/>
+        <dgm:pt modelId="31"/>
+        <dgm:pt modelId="311"/>
+        <dgm:pt modelId="4"/>
+        <dgm:pt modelId="5"/>
+        <dgm:pt modelId="6"/>
+        <dgm:pt modelId="7"/>
+      </dgm:ptLst>
+      <dgm:cxnLst>
+        <dgm:cxn modelId="8" srcId="0" destId="1" srcOrd="0" destOrd="0"/>
+        <dgm:cxn modelId="9" srcId="1" destId="2" srcOrd="0" destOrd="0"/>
+        <dgm:cxn modelId="10" srcId="1" destId="3" srcOrd="1" destOrd="0"/>
+        <dgm:cxn modelId="23" srcId="2" destId="21" srcOrd="0" destOrd="0"/>
+        <dgm:cxn modelId="24" srcId="21" destId="211" srcOrd="0" destOrd="0"/>
+        <dgm:cxn modelId="33" srcId="3" destId="31" srcOrd="0" destOrd="0"/>
+        <dgm:cxn modelId="34" srcId="31" destId="311" srcOrd="0" destOrd="0"/>
+        <dgm:cxn modelId="11" srcId="0" destId="4" srcOrd="1" destOrd="0"/>
+        <dgm:cxn modelId="12" srcId="0" destId="5" srcOrd="2" destOrd="0"/>
+        <dgm:cxn modelId="13" srcId="0" destId="6" srcOrd="3" destOrd="0"/>
+        <dgm:cxn modelId="14" srcId="0" destId="7" srcOrd="4" destOrd="0"/>
+      </dgm:cxnLst>
+      <dgm:bg/>
+      <dgm:whole/>
+    </dgm:dataModel>
+  </dgm:clrData>
+  <dgm:layoutNode name="mainComposite">
+    <dgm:varLst>
+      <dgm:chPref val="1"/>
+      <dgm:dir/>
+      <dgm:animOne val="branch"/>
+      <dgm:animLvl val="lvl"/>
+      <dgm:resizeHandles val="exact"/>
+    </dgm:varLst>
+    <dgm:alg type="composite"/>
+    <dgm:presOf/>
+    <dgm:shape xmlns:r="http://schemas.openxmlformats.org/officeDocument/2006/relationships" r:blip="">
+      <dgm:adjLst/>
+    </dgm:shape>
+    <dgm:choose name="Name0">
+      <dgm:if name="Name1" axis="ch" ptType="node" func="cnt" op="gte" val="2">
+        <dgm:choose name="Name2">
+          <dgm:if name="Name3" func="var" arg="dir" op="equ" val="norm">
+            <dgm:constrLst>
+              <dgm:constr type="l" for="ch" forName="hierFlow"/>
+              <dgm:constr type="t" for="ch" forName="hierFlow" refType="h" fact="0.3"/>
+              <dgm:constr type="r" for="ch" forName="hierFlow" refType="w" fact="0.98"/>
+              <dgm:constr type="b" for="ch" forName="hierFlow" refType="h" fact="0.96"/>
+              <dgm:constr type="l" for="ch" forName="bgShapesFlow"/>
+              <dgm:constr type="t" for="ch" forName="bgShapesFlow"/>
+              <dgm:constr type="r" for="ch" forName="bgShapesFlow" refType="w"/>
+              <dgm:constr type="b" for="ch" forName="bgShapesFlow" refType="h"/>
+              <dgm:constr type="h" for="des" forName="level1Shape" refType="h"/>
+              <dgm:constr type="w" for="des" forName="level1Shape" refType="h" refFor="des" refForName="level1Shape" fact="2"/>
+              <dgm:constr type="w" for="des" forName="level2Shape" refType="w" refFor="des" refForName="level1Shape" op="equ"/>
+              <dgm:constr type="h" for="des" forName="level2Shape" refType="h" refFor="des" refForName="level1Shape" op="equ"/>
+              <dgm:constr type="sp" for="des" refType="w" refFor="des" refForName="level1Shape" op="equ" fact="0.4"/>
+              <dgm:constr type="sibSp" for="des" forName="hierChild1" refType="h" refFor="des" refForName="level1Shape" op="equ" fact="0.15"/>
+              <dgm:constr type="sibSp" for="des" forName="hierChild2" refType="sibSp" refFor="des" refForName="hierChild1" op="equ"/>
+              <dgm:constr type="sibSp" for="des" forName="hierChild3" refType="sibSp" refFor="des" refForName="hierChild1" op="equ"/>
+              <dgm:constr type="userA" for="des" refType="w" refFor="des" refForName="level1Shape" op="equ"/>
+              <dgm:constr type="userB" for="des" refType="sp" refFor="des" op="equ"/>
+              <dgm:constr type="w" for="des" forName="firstBuf" refType="w" refFor="des" refForName="level1Shape" fact="0.1"/>
+            </dgm:constrLst>
+          </dgm:if>
+          <dgm:else name="Name4">
+            <dgm:constrLst>
+              <dgm:constr type="l" for="ch" forName="hierFlow" refType="w" fact="0.02"/>
+              <dgm:constr type="t" for="ch" forName="hierFlow" refType="h" fact="0.3"/>
+              <dgm:constr type="r" for="ch" forName="hierFlow" refType="w"/>
+              <dgm:constr type="b" for="ch" forName="hierFlow" refType="h" fact="0.96"/>
+              <dgm:constr type="l" for="ch" forName="bgShapesFlow"/>
+              <dgm:constr type="t" for="ch" forName="bgShapesFlow"/>
+              <dgm:constr type="r" for="ch" forName="bgShapesFlow" refType="w"/>
+              <dgm:constr type="b" for="ch" forName="bgShapesFlow" refType="h"/>
+              <dgm:constr type="h" for="des" forName="level1Shape" refType="h"/>
+              <dgm:constr type="w" for="des" forName="level1Shape" refType="h" refFor="des" refForName="level1Shape" fact="2"/>
+              <dgm:constr type="w" for="des" forName="level2Shape" refType="w" refFor="des" refForName="level1Shape" op="equ"/>
+              <dgm:constr type="h" for="des" forName="level2Shape" refType="h" refFor="des" refForName="level1Shape" op="equ"/>
+              <dgm:constr type="sp" for="des" refType="w" refFor="des" refForName="level1Shape" op="equ" fact="0.4"/>
+              <dgm:constr type="sibSp" for="des" forName="hierChild1" refType="h" refFor="des" refForName="level1Shape" op="equ" fact="0.15"/>
+              <dgm:constr type="sibSp" for="des" forName="hierChild2" refType="sibSp" refFor="des" refForName="hierChild1" op="equ"/>
+              <dgm:constr type="sibSp" for="des" forName="hierChild3" refType="sibSp" refFor="des" refForName="hierChild1" op="equ"/>
+              <dgm:constr type="userA" for="des" refType="w" refFor="des" refForName="level1Shape" op="equ"/>
+              <dgm:constr type="userB" for="des" refType="sp" refFor="des" op="equ"/>
+              <dgm:constr type="w" for="des" forName="firstBuf" refType="w" refFor="des" refForName="level1Shape" fact="0.1"/>
+            </dgm:constrLst>
+          </dgm:else>
+        </dgm:choose>
+      </dgm:if>
+      <dgm:else name="Name5">
+        <dgm:constrLst>
+          <dgm:constr type="l" for="ch" forName="hierFlow"/>
+          <dgm:constr type="t" for="ch" forName="hierFlow"/>
+          <dgm:constr type="r" for="ch" forName="hierFlow" refType="w"/>
+          <dgm:constr type="b" for="ch" forName="hierFlow" refType="h"/>
+          <dgm:constr type="l" for="ch" forName="bgShapesFlow"/>
+          <dgm:constr type="t" for="ch" forName="bgShapesFlow"/>
+          <dgm:constr type="r" for="ch" forName="bgShapesFlow" refType="w"/>
+          <dgm:constr type="b" for="ch" forName="bgShapesFlow" refType="h"/>
+          <dgm:constr type="h" for="des" forName="level1Shape" refType="h"/>
+          <dgm:constr type="w" for="des" forName="level1Shape" refType="h" refFor="des" refForName="level1Shape" fact="2"/>
+          <dgm:constr type="w" for="des" forName="level2Shape" refType="w" refFor="des" refForName="level1Shape" op="equ"/>
+          <dgm:constr type="h" for="des" forName="level2Shape" refType="h" refFor="des" refForName="level1Shape" op="equ"/>
+          <dgm:constr type="sp" for="des" refType="w" refFor="des" refForName="level1Shape" op="equ" fact="0.4"/>
+          <dgm:constr type="sibSp" for="des" forName="hierChild1" refType="h" refFor="des" refForName="level1Shape" op="equ" fact="0.15"/>
+          <dgm:constr type="sibSp" for="des" forName="hierChild2" refType="sibSp" refFor="des" refForName="hierChild1" op="equ"/>
+          <dgm:constr type="sibSp" for="des" forName="hierChild3" refType="sibSp" refFor="des" refForName="hierChild1" op="equ"/>
+          <dgm:constr type="userA" for="des" refType="w" refFor="des" refForName="level1Shape" op="equ"/>
+          <dgm:constr type="userB" for="des" refType="sp" refFor="des" op="equ"/>
+          <dgm:constr type="w" for="des" forName="firstBuf" refType="w" refFor="des" refForName="level1Shape" fact="0.1"/>
+        </dgm:constrLst>
+      </dgm:else>
+    </dgm:choose>
+    <dgm:ruleLst/>
+    <dgm:layoutNode name="hierFlow">
+      <dgm:choose name="Name6">
+        <dgm:if name="Name7" func="var" arg="dir" op="equ" val="norm">
+          <dgm:alg type="lin">
+            <dgm:param type="linDir" val="fromL"/>
+            <dgm:param type="nodeVertAlign" val="mid"/>
+            <dgm:param type="vertAlign" val="mid"/>
+            <dgm:param type="nodeHorzAlign" val="l"/>
+            <dgm:param type="horzAlign" val="l"/>
+            <dgm:param type="fallback" val="2D"/>
+          </dgm:alg>
+        </dgm:if>
+        <dgm:else name="Name8">
+          <dgm:alg type="lin">
+            <dgm:param type="linDir" val="fromR"/>
+            <dgm:param type="nodeVertAlign" val="mid"/>
+            <dgm:param type="vertAlign" val="mid"/>
+            <dgm:param type="nodeHorzAlign" val="r"/>
+            <dgm:param type="horzAlign" val="r"/>
+            <dgm:param type="fallback" val="2D"/>
+          </dgm:alg>
+        </dgm:else>
+      </dgm:choose>
+      <dgm:shape xmlns:r="http://schemas.openxmlformats.org/officeDocument/2006/relationships" r:blip="">
+        <dgm:adjLst/>
+      </dgm:shape>
+      <dgm:presOf/>
+      <dgm:constrLst>
+        <dgm:constr type="primFontSz" for="des" ptType="node" op="equ" val="65"/>
+        <dgm:constr type="primFontSz" for="des" forName="connTx" op="equ" val="55"/>
+        <dgm:constr type="primFontSz" for="des" forName="connTx" refType="primFontSz" refFor="des" refPtType="node" op="lte" fact="0.8"/>
+      </dgm:constrLst>
+      <dgm:ruleLst/>
+      <dgm:choose name="Name9">
+        <dgm:if name="Name10" axis="ch" ptType="node" func="cnt" op="gte" val="2">
+          <dgm:layoutNode name="firstBuf">
+            <dgm:alg type="sp"/>
+            <dgm:shape xmlns:r="http://schemas.openxmlformats.org/officeDocument/2006/relationships" r:blip="">
+              <dgm:adjLst/>
+            </dgm:shape>
+            <dgm:presOf/>
+            <dgm:constrLst/>
+            <dgm:ruleLst/>
+          </dgm:layoutNode>
+        </dgm:if>
+        <dgm:else name="Name11"/>
+      </dgm:choose>
+      <dgm:layoutNode name="hierChild1">
+        <dgm:varLst>
+          <dgm:chPref val="1"/>
+          <dgm:animOne val="branch"/>
+          <dgm:animLvl val="lvl"/>
+        </dgm:varLst>
+        <dgm:choose name="Name12">
+          <dgm:if name="Name13" func="var" arg="dir" op="equ" val="norm">
+            <dgm:alg type="hierChild">
+              <dgm:param type="linDir" val="fromT"/>
+              <dgm:param type="chAlign" val="l"/>
+            </dgm:alg>
+          </dgm:if>
+          <dgm:else name="Name14">
+            <dgm:alg type="hierChild">
+              <dgm:param type="linDir" val="fromT"/>
+              <dgm:param type="chAlign" val="r"/>
+            </dgm:alg>
+          </dgm:else>
+        </dgm:choose>
+        <dgm:shape xmlns:r="http://schemas.openxmlformats.org/officeDocument/2006/relationships" r:blip="">
+          <dgm:adjLst/>
+        </dgm:shape>
+        <dgm:presOf/>
+        <dgm:constrLst/>
+        <dgm:ruleLst/>
+        <dgm:forEach name="Name15" axis="ch" cnt="3">
+          <dgm:forEach name="Name16" axis="self" ptType="node">
+            <dgm:layoutNode name="Name17">
+              <dgm:choose name="Name18">
+                <dgm:if name="Name19" func="var" arg="dir" op="equ" val="norm">
+                  <dgm:alg type="hierRoot">
+                    <dgm:param type="hierAlign" val="lCtrCh"/>
+                  </dgm:alg>
+                </dgm:if>
+                <dgm:else name="Name20">
+                  <dgm:alg type="hierRoot">
+                    <dgm:param type="hierAlign" val="rCtrCh"/>
+                  </dgm:alg>
+                </dgm:else>
+              </dgm:choose>
+              <dgm:shape xmlns:r="http://schemas.openxmlformats.org/officeDocument/2006/relationships" r:blip="">
+                <dgm:adjLst/>
+              </dgm:shape>
+              <dgm:presOf/>
+              <dgm:constrLst/>
+              <dgm:ruleLst/>
+              <dgm:layoutNode name="level1Shape" styleLbl="node0">
+                <dgm:varLst>
+                  <dgm:chPref val="3"/>
+                </dgm:varLst>
+                <dgm:alg type="tx"/>
+                <dgm:shape xmlns:r="http://schemas.openxmlformats.org/officeDocument/2006/relationships" type="roundRect" r:blip="">
+                  <dgm:adjLst>
+                    <dgm:adj idx="1" val="0.1"/>
+                  </dgm:adjLst>
+                </dgm:shape>
+                <dgm:presOf axis="self"/>
+                <dgm:constrLst>
+                  <dgm:constr type="tMarg" refType="primFontSz" fact="0.05"/>
+                  <dgm:constr type="bMarg" refType="primFontSz" fact="0.05"/>
+                  <dgm:constr type="lMarg" refType="primFontSz" fact="0.05"/>
+                  <dgm:constr type="rMarg" refType="primFontSz" fact="0.05"/>
+                </dgm:constrLst>
+                <dgm:ruleLst>
+                  <dgm:rule type="primFontSz" val="5" fact="NaN" max="NaN"/>
+                </dgm:ruleLst>
+              </dgm:layoutNode>
+              <dgm:layoutNode name="hierChild2">
+                <dgm:choose name="Name21">
+                  <dgm:if name="Name22" func="var" arg="dir" op="equ" val="norm">
+                    <dgm:alg type="hierChild">
+                      <dgm:param type="linDir" val="fromT"/>
+                      <dgm:param type="chAlign" val="l"/>
+                    </dgm:alg>
+                  </dgm:if>
+                  <dgm:else name="Name23">
+                    <dgm:alg type="hierChild">
+                      <dgm:param type="linDir" val="fromT"/>
+                      <dgm:param type="chAlign" val="r"/>
+                    </dgm:alg>
+                  </dgm:else>
+                </dgm:choose>
+                <dgm:shape xmlns:r="http://schemas.openxmlformats.org/officeDocument/2006/relationships" r:blip="">
+                  <dgm:adjLst/>
+                </dgm:shape>
+                <dgm:presOf/>
+                <dgm:constrLst/>
+                <dgm:ruleLst/>
+                <dgm:forEach name="repeat" axis="ch">
+                  <dgm:forEach name="Name24" axis="self" ptType="parTrans" cnt="1">
+                    <dgm:layoutNode name="Name25">
+                      <dgm:choose name="Name26">
+                        <dgm:if name="Name27" func="var" arg="dir" op="equ" val="norm">
+                          <dgm:alg type="conn">
+                            <dgm:param type="dim" val="1D"/>
+                            <dgm:param type="begPts" val="midR"/>
+                            <dgm:param type="endPts" val="midL"/>
+                            <dgm:param type="endSty" val="noArr"/>
+                          </dgm:alg>
+                        </dgm:if>
+                        <dgm:else name="Name28">
+                          <dgm:alg type="conn">
+                            <dgm:param type="dim" val="1D"/>
+                            <dgm:param type="begPts" val="midL"/>
+                            <dgm:param type="endPts" val="midR"/>
+                            <dgm:param type="endSty" val="noArr"/>
+                          </dgm:alg>
+                        </dgm:else>
+                      </dgm:choose>
+                      <dgm:shape xmlns:r="http://schemas.openxmlformats.org/officeDocument/2006/relationships" type="conn" r:blip="">
+                        <dgm:adjLst/>
+                      </dgm:shape>
+                      <dgm:presOf axis="self"/>
+                      <dgm:constrLst>
+                        <dgm:constr type="w" val="1"/>
+                        <dgm:constr type="h" val="5"/>
+                        <dgm:constr type="connDist"/>
+                        <dgm:constr type="begPad"/>
+                        <dgm:constr type="endPad"/>
+                        <dgm:constr type="userA" for="ch" refType="connDist"/>
+                      </dgm:constrLst>
+                      <dgm:ruleLst/>
+                      <dgm:layoutNode name="connTx">
+                        <dgm:alg type="tx">
+                          <dgm:param type="autoTxRot" val="grav"/>
+                        </dgm:alg>
+                        <dgm:shape xmlns:r="http://schemas.openxmlformats.org/officeDocument/2006/relationships" type="rect" r:blip="" hideGeom="1">
+                          <dgm:adjLst/>
+                        </dgm:shape>
+                        <dgm:presOf axis="self"/>
+                        <dgm:constrLst>
+                          <dgm:constr type="userA"/>
+                          <dgm:constr type="w" refType="userA" fact="0.05"/>
+                          <dgm:constr type="h" refType="userA" fact="0.05"/>
+                          <dgm:constr type="lMarg" val="1"/>
+                          <dgm:constr type="rMarg" val="1"/>
+                          <dgm:constr type="tMarg"/>
+                          <dgm:constr type="bMarg"/>
+                        </dgm:constrLst>
+                        <dgm:ruleLst>
+                          <dgm:rule type="h" val="NaN" fact="0.25" max="NaN"/>
+                          <dgm:rule type="w" val="NaN" fact="0.8" max="NaN"/>
+                          <dgm:rule type="primFontSz" val="5" fact="NaN" max="NaN"/>
+                        </dgm:ruleLst>
+                      </dgm:layoutNode>
+                    </dgm:layoutNode>
+                  </dgm:forEach>
+                  <dgm:forEach name="Name29" axis="self" ptType="node">
+                    <dgm:layoutNode name="Name30">
+                      <dgm:choose name="Name31">
+                        <dgm:if name="Name32" func="var" arg="dir" op="equ" val="norm">
+                          <dgm:alg type="hierRoot">
+                            <dgm:param type="hierAlign" val="lCtrCh"/>
+                          </dgm:alg>
+                        </dgm:if>
+                        <dgm:else name="Name33">
+                          <dgm:alg type="hierRoot">
+                            <dgm:param type="hierAlign" val="rCtrCh"/>
+                          </dgm:alg>
+                        </dgm:else>
+                      </dgm:choose>
+                      <dgm:shape xmlns:r="http://schemas.openxmlformats.org/officeDocument/2006/relationships" r:blip="">
+                        <dgm:adjLst/>
+                      </dgm:shape>
+                      <dgm:presOf/>
+                      <dgm:constrLst/>
+                      <dgm:ruleLst/>
+                      <dgm:layoutNode name="level2Shape">
+                        <dgm:alg type="tx"/>
+                        <dgm:shape xmlns:r="http://schemas.openxmlformats.org/officeDocument/2006/relationships" type="roundRect" r:blip="">
+                          <dgm:adjLst>
+                            <dgm:adj idx="1" val="0.1"/>
+                          </dgm:adjLst>
+                        </dgm:shape>
+                        <dgm:presOf axis="self"/>
+                        <dgm:constrLst>
+                          <dgm:constr type="tMarg" refType="primFontSz" fact="0.05"/>
+                          <dgm:constr type="bMarg" refType="primFontSz" fact="0.05"/>
+                          <dgm:constr type="lMarg" refType="primFontSz" fact="0.05"/>
+                          <dgm:constr type="rMarg" refType="primFontSz" fact="0.05"/>
+                        </dgm:constrLst>
+                        <dgm:ruleLst>
+                          <dgm:rule type="primFontSz" val="5" fact="NaN" max="NaN"/>
+                        </dgm:ruleLst>
+                      </dgm:layoutNode>
+                      <dgm:layoutNode name="hierChild3">
+                        <dgm:choose name="Name34">
+                          <dgm:if name="Name35" func="var" arg="dir" op="equ" val="norm">
+                            <dgm:alg type="hierChild">
+                              <dgm:param type="linDir" val="fromT"/>
+                              <dgm:param type="chAlign" val="l"/>
+                            </dgm:alg>
+                          </dgm:if>
+                          <dgm:else name="Name36">
+                            <dgm:alg type="hierChild">
+                              <dgm:param type="linDir" val="fromT"/>
+                              <dgm:param type="chAlign" val="r"/>
+                            </dgm:alg>
+                          </dgm:else>
+                        </dgm:choose>
+                        <dgm:shape xmlns:r="http://schemas.openxmlformats.org/officeDocument/2006/relationships" r:blip="">
+                          <dgm:adjLst/>
+                        </dgm:shape>
+                        <dgm:presOf/>
+                        <dgm:constrLst/>
+                        <dgm:ruleLst/>
+                        <dgm:forEach name="Name37" ref="repeat"/>
+                      </dgm:layoutNode>
+                    </dgm:layoutNode>
+                  </dgm:forEach>
+                </dgm:forEach>
+              </dgm:layoutNode>
+            </dgm:layoutNode>
+          </dgm:forEach>
+        </dgm:forEach>
+      </dgm:layoutNode>
+    </dgm:layoutNode>
+    <dgm:layoutNode name="bgShapesFlow">
+      <dgm:choose name="Name38">
+        <dgm:if name="Name39" func="var" arg="dir" op="equ" val="norm">
+          <dgm:alg type="lin">
+            <dgm:param type="linDir" val="fromL"/>
+            <dgm:param type="nodeVertAlign" val="mid"/>
+            <dgm:param type="vertAlign" val="mid"/>
+            <dgm:param type="nodeHorzAlign" val="l"/>
+            <dgm:param type="horzAlign" val="l"/>
+          </dgm:alg>
+        </dgm:if>
+        <dgm:else name="Name40">
+          <dgm:alg type="lin">
+            <dgm:param type="linDir" val="fromR"/>
+            <dgm:param type="nodeVertAlign" val="mid"/>
+            <dgm:param type="vertAlign" val="mid"/>
+            <dgm:param type="nodeHorzAlign" val="r"/>
+            <dgm:param type="horzAlign" val="r"/>
+          </dgm:alg>
+        </dgm:else>
+      </dgm:choose>
+      <dgm:shape xmlns:r="http://schemas.openxmlformats.org/officeDocument/2006/relationships" r:blip="">
+        <dgm:adjLst/>
+      </dgm:shape>
+      <dgm:presOf/>
+      <dgm:constrLst>
+        <dgm:constr type="w" for="ch" forName="rectComp" refType="w"/>
+        <dgm:constr type="h" for="ch" forName="rectComp" refType="h"/>
+        <dgm:constr type="h" for="des" forName="bgRect" refType="h"/>
+        <dgm:constr type="primFontSz" for="des" forName="bgRectTx" op="equ" val="65"/>
+      </dgm:constrLst>
+      <dgm:ruleLst/>
+      <dgm:forEach name="Name41" axis="ch" ptType="node" st="2">
+        <dgm:layoutNode name="rectComp">
+          <dgm:alg type="composite"/>
+          <dgm:shape xmlns:r="http://schemas.openxmlformats.org/officeDocument/2006/relationships" r:blip="">
+            <dgm:adjLst/>
+          </dgm:shape>
+          <dgm:presOf/>
+          <dgm:constrLst>
+            <dgm:constr type="userA"/>
+            <dgm:constr type="l" for="ch" forName="bgRect"/>
+            <dgm:constr type="t" for="ch" forName="bgRect"/>
+            <dgm:constr type="w" for="ch" forName="bgRect" refType="userA" fact="1.2"/>
+            <dgm:constr type="l" for="ch" forName="bgRectTx"/>
+            <dgm:constr type="t" for="ch" forName="bgRectTx"/>
+            <dgm:constr type="h" for="ch" forName="bgRectTx" refType="h" refFor="ch" refForName="bgRect" fact="0.3"/>
+            <dgm:constr type="w" for="ch" forName="bgRectTx" refType="w" refFor="ch" refForName="bgRect" op="equ"/>
+          </dgm:constrLst>
+          <dgm:ruleLst/>
+          <dgm:layoutNode name="bgRect" styleLbl="bgShp">
+            <dgm:alg type="sp"/>
+            <dgm:shape xmlns:r="http://schemas.openxmlformats.org/officeDocument/2006/relationships" type="roundRect" r:blip="" zOrderOff="-999">
+              <dgm:adjLst>
+                <dgm:adj idx="1" val="0.1"/>
+              </dgm:adjLst>
+            </dgm:shape>
+            <dgm:presOf axis="desOrSelf" ptType="node"/>
+            <dgm:constrLst/>
+            <dgm:ruleLst/>
+          </dgm:layoutNode>
+          <dgm:layoutNode name="bgRectTx" styleLbl="bgShp">
+            <dgm:varLst>
+              <dgm:bulletEnabled val="1"/>
+            </dgm:varLst>
+            <dgm:alg type="tx"/>
+            <dgm:shape xmlns:r="http://schemas.openxmlformats.org/officeDocument/2006/relationships" type="rect" r:blip="" zOrderOff="-999" hideGeom="1">
+              <dgm:adjLst/>
+            </dgm:shape>
+            <dgm:presOf axis="desOrSelf" ptType="node"/>
+            <dgm:constrLst/>
+            <dgm:ruleLst>
+              <dgm:rule type="primFontSz" val="5" fact="NaN" max="NaN"/>
+            </dgm:ruleLst>
+          </dgm:layoutNode>
+        </dgm:layoutNode>
+        <dgm:choose name="Name42">
+          <dgm:if name="Name43" axis="self" ptType="node" func="revPos" op="gte" val="2">
+            <dgm:layoutNode name="spComp">
+              <dgm:alg type="composite"/>
+              <dgm:shape xmlns:r="http://schemas.openxmlformats.org/officeDocument/2006/relationships" r:blip="">
+                <dgm:adjLst/>
+              </dgm:shape>
+              <dgm:presOf/>
+              <dgm:constrLst>
+                <dgm:constr type="userA"/>
+                <dgm:constr type="userB"/>
+                <dgm:constr type="l" for="ch" forName="hSp"/>
+                <dgm:constr type="t" for="ch" forName="hSp"/>
+                <dgm:constr type="w" for="ch" forName="hSp" refType="userB"/>
+                <dgm:constr type="wOff" for="ch" forName="hSp" refType="userA" fact="-0.2"/>
+              </dgm:constrLst>
+              <dgm:ruleLst/>
+              <dgm:layoutNode name="hSp">
+                <dgm:alg type="sp"/>
+                <dgm:shape xmlns:r="http://schemas.openxmlformats.org/officeDocument/2006/relationships" r:blip="">
+                  <dgm:adjLst/>
+                </dgm:shape>
+                <dgm:presOf/>
+                <dgm:constrLst/>
+                <dgm:ruleLst/>
+              </dgm:layoutNode>
+            </dgm:layoutNode>
+          </dgm:if>
+          <dgm:else name="Name44"/>
+        </dgm:choose>
+      </dgm:forEach>
+    </dgm:layoutNode>
+  </dgm:layoutNode>
+</dgm:layoutDef>
+</file>
+
+<file path=ppt/diagrams/layout5.xml><?xml version="1.0" encoding="utf-8"?>
 <dgm:layoutDef xmlns:dgm="http://schemas.openxmlformats.org/drawingml/2006/diagram" xmlns:a="http://schemas.openxmlformats.org/drawingml/2006/main" uniqueId="urn:microsoft.com/office/officeart/2005/8/layout/hierarchy5">
   <dgm:title val=""/>
   <dgm:desc val=""/>
@@ -13077,6 +15398,1040 @@
 </file>
 
 <file path=ppt/diagrams/quickStyle2.xml><?xml version="1.0" encoding="utf-8"?>
+<dgm:styleDef xmlns:dgm="http://schemas.openxmlformats.org/drawingml/2006/diagram" xmlns:a="http://schemas.openxmlformats.org/drawingml/2006/main" uniqueId="urn:microsoft.com/office/officeart/2005/8/quickstyle/simple4">
+  <dgm:title val=""/>
+  <dgm:desc val=""/>
+  <dgm:catLst>
+    <dgm:cat type="simple" pri="10400"/>
+  </dgm:catLst>
+  <dgm:scene3d>
+    <a:camera prst="orthographicFront"/>
+    <a:lightRig rig="threePt" dir="t"/>
+  </dgm:scene3d>
+  <dgm:styleLbl name="node0">
+    <dgm:scene3d>
+      <a:camera prst="orthographicFront"/>
+      <a:lightRig rig="threePt" dir="t"/>
+    </dgm:scene3d>
+    <dgm:sp3d/>
+    <dgm:txPr/>
+    <dgm:style>
+      <a:lnRef idx="0">
+        <a:scrgbClr r="0" g="0" b="0"/>
+      </a:lnRef>
+      <a:fillRef idx="3">
+        <a:scrgbClr r="0" g="0" b="0"/>
+      </a:fillRef>
+      <a:effectRef idx="2">
+        <a:scrgbClr r="0" g="0" b="0"/>
+      </a:effectRef>
+      <a:fontRef idx="minor">
+        <a:schemeClr val="lt1"/>
+      </a:fontRef>
+    </dgm:style>
+  </dgm:styleLbl>
+  <dgm:styleLbl name="lnNode1">
+    <dgm:scene3d>
+      <a:camera prst="orthographicFront"/>
+      <a:lightRig rig="threePt" dir="t"/>
+    </dgm:scene3d>
+    <dgm:sp3d/>
+    <dgm:txPr/>
+    <dgm:style>
+      <a:lnRef idx="1">
+        <a:scrgbClr r="0" g="0" b="0"/>
+      </a:lnRef>
+      <a:fillRef idx="3">
+        <a:scrgbClr r="0" g="0" b="0"/>
+      </a:fillRef>
+      <a:effectRef idx="2">
+        <a:scrgbClr r="0" g="0" b="0"/>
+      </a:effectRef>
+      <a:fontRef idx="minor">
+        <a:schemeClr val="lt1"/>
+      </a:fontRef>
+    </dgm:style>
+  </dgm:styleLbl>
+  <dgm:styleLbl name="vennNode1">
+    <dgm:scene3d>
+      <a:camera prst="orthographicFront"/>
+      <a:lightRig rig="threePt" dir="t"/>
+    </dgm:scene3d>
+    <dgm:sp3d/>
+    <dgm:txPr/>
+    <dgm:style>
+      <a:lnRef idx="0">
+        <a:scrgbClr r="0" g="0" b="0"/>
+      </a:lnRef>
+      <a:fillRef idx="3">
+        <a:scrgbClr r="0" g="0" b="0"/>
+      </a:fillRef>
+      <a:effectRef idx="0">
+        <a:scrgbClr r="0" g="0" b="0"/>
+      </a:effectRef>
+      <a:fontRef idx="minor">
+        <a:schemeClr val="tx1"/>
+      </a:fontRef>
+    </dgm:style>
+  </dgm:styleLbl>
+  <dgm:styleLbl name="alignNode1">
+    <dgm:scene3d>
+      <a:camera prst="orthographicFront"/>
+      <a:lightRig rig="threePt" dir="t"/>
+    </dgm:scene3d>
+    <dgm:sp3d/>
+    <dgm:txPr/>
+    <dgm:style>
+      <a:lnRef idx="1">
+        <a:scrgbClr r="0" g="0" b="0"/>
+      </a:lnRef>
+      <a:fillRef idx="3">
+        <a:scrgbClr r="0" g="0" b="0"/>
+      </a:fillRef>
+      <a:effectRef idx="2">
+        <a:scrgbClr r="0" g="0" b="0"/>
+      </a:effectRef>
+      <a:fontRef idx="minor">
+        <a:schemeClr val="lt1"/>
+      </a:fontRef>
+    </dgm:style>
+  </dgm:styleLbl>
+  <dgm:styleLbl name="node1">
+    <dgm:scene3d>
+      <a:camera prst="orthographicFront"/>
+      <a:lightRig rig="threePt" dir="t"/>
+    </dgm:scene3d>
+    <dgm:sp3d/>
+    <dgm:txPr/>
+    <dgm:style>
+      <a:lnRef idx="0">
+        <a:scrgbClr r="0" g="0" b="0"/>
+      </a:lnRef>
+      <a:fillRef idx="3">
+        <a:scrgbClr r="0" g="0" b="0"/>
+      </a:fillRef>
+      <a:effectRef idx="2">
+        <a:scrgbClr r="0" g="0" b="0"/>
+      </a:effectRef>
+      <a:fontRef idx="minor">
+        <a:schemeClr val="lt1"/>
+      </a:fontRef>
+    </dgm:style>
+  </dgm:styleLbl>
+  <dgm:styleLbl name="node2">
+    <dgm:scene3d>
+      <a:camera prst="orthographicFront"/>
+      <a:lightRig rig="threePt" dir="t"/>
+    </dgm:scene3d>
+    <dgm:sp3d/>
+    <dgm:txPr/>
+    <dgm:style>
+      <a:lnRef idx="0">
+        <a:scrgbClr r="0" g="0" b="0"/>
+      </a:lnRef>
+      <a:fillRef idx="3">
+        <a:scrgbClr r="0" g="0" b="0"/>
+      </a:fillRef>
+      <a:effectRef idx="2">
+        <a:scrgbClr r="0" g="0" b="0"/>
+      </a:effectRef>
+      <a:fontRef idx="minor">
+        <a:schemeClr val="lt1"/>
+      </a:fontRef>
+    </dgm:style>
+  </dgm:styleLbl>
+  <dgm:styleLbl name="node3">
+    <dgm:scene3d>
+      <a:camera prst="orthographicFront"/>
+      <a:lightRig rig="threePt" dir="t"/>
+    </dgm:scene3d>
+    <dgm:sp3d/>
+    <dgm:txPr/>
+    <dgm:style>
+      <a:lnRef idx="0">
+        <a:scrgbClr r="0" g="0" b="0"/>
+      </a:lnRef>
+      <a:fillRef idx="3">
+        <a:scrgbClr r="0" g="0" b="0"/>
+      </a:fillRef>
+      <a:effectRef idx="2">
+        <a:scrgbClr r="0" g="0" b="0"/>
+      </a:effectRef>
+      <a:fontRef idx="minor">
+        <a:schemeClr val="lt1"/>
+      </a:fontRef>
+    </dgm:style>
+  </dgm:styleLbl>
+  <dgm:styleLbl name="node4">
+    <dgm:scene3d>
+      <a:camera prst="orthographicFront"/>
+      <a:lightRig rig="threePt" dir="t"/>
+    </dgm:scene3d>
+    <dgm:sp3d/>
+    <dgm:txPr/>
+    <dgm:style>
+      <a:lnRef idx="0">
+        <a:scrgbClr r="0" g="0" b="0"/>
+      </a:lnRef>
+      <a:fillRef idx="3">
+        <a:scrgbClr r="0" g="0" b="0"/>
+      </a:fillRef>
+      <a:effectRef idx="2">
+        <a:scrgbClr r="0" g="0" b="0"/>
+      </a:effectRef>
+      <a:fontRef idx="minor">
+        <a:schemeClr val="lt1"/>
+      </a:fontRef>
+    </dgm:style>
+  </dgm:styleLbl>
+  <dgm:styleLbl name="fgImgPlace1">
+    <dgm:scene3d>
+      <a:camera prst="orthographicFront"/>
+      <a:lightRig rig="threePt" dir="t"/>
+    </dgm:scene3d>
+    <dgm:sp3d/>
+    <dgm:txPr/>
+    <dgm:style>
+      <a:lnRef idx="0">
+        <a:scrgbClr r="0" g="0" b="0"/>
+      </a:lnRef>
+      <a:fillRef idx="1">
+        <a:scrgbClr r="0" g="0" b="0"/>
+      </a:fillRef>
+      <a:effectRef idx="2">
+        <a:scrgbClr r="0" g="0" b="0"/>
+      </a:effectRef>
+      <a:fontRef idx="minor"/>
+    </dgm:style>
+  </dgm:styleLbl>
+  <dgm:styleLbl name="alignImgPlace1">
+    <dgm:scene3d>
+      <a:camera prst="orthographicFront"/>
+      <a:lightRig rig="threePt" dir="t"/>
+    </dgm:scene3d>
+    <dgm:sp3d/>
+    <dgm:txPr/>
+    <dgm:style>
+      <a:lnRef idx="0">
+        <a:scrgbClr r="0" g="0" b="0"/>
+      </a:lnRef>
+      <a:fillRef idx="1">
+        <a:scrgbClr r="0" g="0" b="0"/>
+      </a:fillRef>
+      <a:effectRef idx="2">
+        <a:scrgbClr r="0" g="0" b="0"/>
+      </a:effectRef>
+      <a:fontRef idx="minor"/>
+    </dgm:style>
+  </dgm:styleLbl>
+  <dgm:styleLbl name="bgImgPlace1">
+    <dgm:scene3d>
+      <a:camera prst="orthographicFront"/>
+      <a:lightRig rig="threePt" dir="t"/>
+    </dgm:scene3d>
+    <dgm:sp3d/>
+    <dgm:txPr/>
+    <dgm:style>
+      <a:lnRef idx="0">
+        <a:scrgbClr r="0" g="0" b="0"/>
+      </a:lnRef>
+      <a:fillRef idx="1">
+        <a:scrgbClr r="0" g="0" b="0"/>
+      </a:fillRef>
+      <a:effectRef idx="2">
+        <a:scrgbClr r="0" g="0" b="0"/>
+      </a:effectRef>
+      <a:fontRef idx="minor"/>
+    </dgm:style>
+  </dgm:styleLbl>
+  <dgm:styleLbl name="sibTrans2D1">
+    <dgm:scene3d>
+      <a:camera prst="orthographicFront"/>
+      <a:lightRig rig="threePt" dir="t"/>
+    </dgm:scene3d>
+    <dgm:sp3d/>
+    <dgm:txPr/>
+    <dgm:style>
+      <a:lnRef idx="0">
+        <a:scrgbClr r="0" g="0" b="0"/>
+      </a:lnRef>
+      <a:fillRef idx="3">
+        <a:scrgbClr r="0" g="0" b="0"/>
+      </a:fillRef>
+      <a:effectRef idx="2">
+        <a:scrgbClr r="0" g="0" b="0"/>
+      </a:effectRef>
+      <a:fontRef idx="minor">
+        <a:schemeClr val="lt1"/>
+      </a:fontRef>
+    </dgm:style>
+  </dgm:styleLbl>
+  <dgm:styleLbl name="fgSibTrans2D1">
+    <dgm:scene3d>
+      <a:camera prst="orthographicFront"/>
+      <a:lightRig rig="threePt" dir="t"/>
+    </dgm:scene3d>
+    <dgm:sp3d/>
+    <dgm:txPr/>
+    <dgm:style>
+      <a:lnRef idx="0">
+        <a:scrgbClr r="0" g="0" b="0"/>
+      </a:lnRef>
+      <a:fillRef idx="3">
+        <a:scrgbClr r="0" g="0" b="0"/>
+      </a:fillRef>
+      <a:effectRef idx="2">
+        <a:scrgbClr r="0" g="0" b="0"/>
+      </a:effectRef>
+      <a:fontRef idx="minor">
+        <a:schemeClr val="lt1"/>
+      </a:fontRef>
+    </dgm:style>
+  </dgm:styleLbl>
+  <dgm:styleLbl name="bgSibTrans2D1">
+    <dgm:scene3d>
+      <a:camera prst="orthographicFront"/>
+      <a:lightRig rig="threePt" dir="t"/>
+    </dgm:scene3d>
+    <dgm:sp3d/>
+    <dgm:txPr/>
+    <dgm:style>
+      <a:lnRef idx="0">
+        <a:scrgbClr r="0" g="0" b="0"/>
+      </a:lnRef>
+      <a:fillRef idx="3">
+        <a:scrgbClr r="0" g="0" b="0"/>
+      </a:fillRef>
+      <a:effectRef idx="2">
+        <a:scrgbClr r="0" g="0" b="0"/>
+      </a:effectRef>
+      <a:fontRef idx="minor">
+        <a:schemeClr val="lt1"/>
+      </a:fontRef>
+    </dgm:style>
+  </dgm:styleLbl>
+  <dgm:styleLbl name="sibTrans1D1">
+    <dgm:scene3d>
+      <a:camera prst="orthographicFront"/>
+      <a:lightRig rig="threePt" dir="t"/>
+    </dgm:scene3d>
+    <dgm:sp3d/>
+    <dgm:txPr/>
+    <dgm:style>
+      <a:lnRef idx="1">
+        <a:scrgbClr r="0" g="0" b="0"/>
+      </a:lnRef>
+      <a:fillRef idx="0">
+        <a:scrgbClr r="0" g="0" b="0"/>
+      </a:fillRef>
+      <a:effectRef idx="0">
+        <a:scrgbClr r="0" g="0" b="0"/>
+      </a:effectRef>
+      <a:fontRef idx="minor"/>
+    </dgm:style>
+  </dgm:styleLbl>
+  <dgm:styleLbl name="callout">
+    <dgm:scene3d>
+      <a:camera prst="orthographicFront"/>
+      <a:lightRig rig="threePt" dir="t"/>
+    </dgm:scene3d>
+    <dgm:sp3d/>
+    <dgm:txPr/>
+    <dgm:style>
+      <a:lnRef idx="2">
+        <a:scrgbClr r="0" g="0" b="0"/>
+      </a:lnRef>
+      <a:fillRef idx="1">
+        <a:scrgbClr r="0" g="0" b="0"/>
+      </a:fillRef>
+      <a:effectRef idx="1">
+        <a:scrgbClr r="0" g="0" b="0"/>
+      </a:effectRef>
+      <a:fontRef idx="minor"/>
+    </dgm:style>
+  </dgm:styleLbl>
+  <dgm:styleLbl name="asst0">
+    <dgm:scene3d>
+      <a:camera prst="orthographicFront"/>
+      <a:lightRig rig="threePt" dir="t"/>
+    </dgm:scene3d>
+    <dgm:sp3d/>
+    <dgm:txPr/>
+    <dgm:style>
+      <a:lnRef idx="0">
+        <a:scrgbClr r="0" g="0" b="0"/>
+      </a:lnRef>
+      <a:fillRef idx="3">
+        <a:scrgbClr r="0" g="0" b="0"/>
+      </a:fillRef>
+      <a:effectRef idx="2">
+        <a:scrgbClr r="0" g="0" b="0"/>
+      </a:effectRef>
+      <a:fontRef idx="minor">
+        <a:schemeClr val="lt1"/>
+      </a:fontRef>
+    </dgm:style>
+  </dgm:styleLbl>
+  <dgm:styleLbl name="asst1">
+    <dgm:scene3d>
+      <a:camera prst="orthographicFront"/>
+      <a:lightRig rig="threePt" dir="t"/>
+    </dgm:scene3d>
+    <dgm:sp3d/>
+    <dgm:txPr/>
+    <dgm:style>
+      <a:lnRef idx="0">
+        <a:scrgbClr r="0" g="0" b="0"/>
+      </a:lnRef>
+      <a:fillRef idx="3">
+        <a:scrgbClr r="0" g="0" b="0"/>
+      </a:fillRef>
+      <a:effectRef idx="2">
+        <a:scrgbClr r="0" g="0" b="0"/>
+      </a:effectRef>
+      <a:fontRef idx="minor">
+        <a:schemeClr val="lt1"/>
+      </a:fontRef>
+    </dgm:style>
+  </dgm:styleLbl>
+  <dgm:styleLbl name="asst2">
+    <dgm:scene3d>
+      <a:camera prst="orthographicFront"/>
+      <a:lightRig rig="threePt" dir="t"/>
+    </dgm:scene3d>
+    <dgm:sp3d/>
+    <dgm:txPr/>
+    <dgm:style>
+      <a:lnRef idx="0">
+        <a:scrgbClr r="0" g="0" b="0"/>
+      </a:lnRef>
+      <a:fillRef idx="3">
+        <a:scrgbClr r="0" g="0" b="0"/>
+      </a:fillRef>
+      <a:effectRef idx="2">
+        <a:scrgbClr r="0" g="0" b="0"/>
+      </a:effectRef>
+      <a:fontRef idx="minor">
+        <a:schemeClr val="lt1"/>
+      </a:fontRef>
+    </dgm:style>
+  </dgm:styleLbl>
+  <dgm:styleLbl name="asst3">
+    <dgm:scene3d>
+      <a:camera prst="orthographicFront"/>
+      <a:lightRig rig="threePt" dir="t"/>
+    </dgm:scene3d>
+    <dgm:sp3d/>
+    <dgm:txPr/>
+    <dgm:style>
+      <a:lnRef idx="0">
+        <a:scrgbClr r="0" g="0" b="0"/>
+      </a:lnRef>
+      <a:fillRef idx="3">
+        <a:scrgbClr r="0" g="0" b="0"/>
+      </a:fillRef>
+      <a:effectRef idx="2">
+        <a:scrgbClr r="0" g="0" b="0"/>
+      </a:effectRef>
+      <a:fontRef idx="minor">
+        <a:schemeClr val="lt1"/>
+      </a:fontRef>
+    </dgm:style>
+  </dgm:styleLbl>
+  <dgm:styleLbl name="asst4">
+    <dgm:scene3d>
+      <a:camera prst="orthographicFront"/>
+      <a:lightRig rig="threePt" dir="t"/>
+    </dgm:scene3d>
+    <dgm:sp3d/>
+    <dgm:txPr/>
+    <dgm:style>
+      <a:lnRef idx="0">
+        <a:scrgbClr r="0" g="0" b="0"/>
+      </a:lnRef>
+      <a:fillRef idx="3">
+        <a:scrgbClr r="0" g="0" b="0"/>
+      </a:fillRef>
+      <a:effectRef idx="2">
+        <a:scrgbClr r="0" g="0" b="0"/>
+      </a:effectRef>
+      <a:fontRef idx="minor">
+        <a:schemeClr val="lt1"/>
+      </a:fontRef>
+    </dgm:style>
+  </dgm:styleLbl>
+  <dgm:styleLbl name="parChTrans2D1">
+    <dgm:scene3d>
+      <a:camera prst="orthographicFront"/>
+      <a:lightRig rig="threePt" dir="t"/>
+    </dgm:scene3d>
+    <dgm:sp3d/>
+    <dgm:txPr/>
+    <dgm:style>
+      <a:lnRef idx="0">
+        <a:scrgbClr r="0" g="0" b="0"/>
+      </a:lnRef>
+      <a:fillRef idx="3">
+        <a:scrgbClr r="0" g="0" b="0"/>
+      </a:fillRef>
+      <a:effectRef idx="2">
+        <a:scrgbClr r="0" g="0" b="0"/>
+      </a:effectRef>
+      <a:fontRef idx="minor">
+        <a:schemeClr val="lt1"/>
+      </a:fontRef>
+    </dgm:style>
+  </dgm:styleLbl>
+  <dgm:styleLbl name="parChTrans2D2">
+    <dgm:scene3d>
+      <a:camera prst="orthographicFront"/>
+      <a:lightRig rig="threePt" dir="t"/>
+    </dgm:scene3d>
+    <dgm:sp3d/>
+    <dgm:txPr/>
+    <dgm:style>
+      <a:lnRef idx="0">
+        <a:scrgbClr r="0" g="0" b="0"/>
+      </a:lnRef>
+      <a:fillRef idx="3">
+        <a:scrgbClr r="0" g="0" b="0"/>
+      </a:fillRef>
+      <a:effectRef idx="2">
+        <a:scrgbClr r="0" g="0" b="0"/>
+      </a:effectRef>
+      <a:fontRef idx="minor">
+        <a:schemeClr val="lt1"/>
+      </a:fontRef>
+    </dgm:style>
+  </dgm:styleLbl>
+  <dgm:styleLbl name="parChTrans2D3">
+    <dgm:scene3d>
+      <a:camera prst="orthographicFront"/>
+      <a:lightRig rig="threePt" dir="t"/>
+    </dgm:scene3d>
+    <dgm:sp3d/>
+    <dgm:txPr/>
+    <dgm:style>
+      <a:lnRef idx="1">
+        <a:scrgbClr r="0" g="0" b="0"/>
+      </a:lnRef>
+      <a:fillRef idx="3">
+        <a:scrgbClr r="0" g="0" b="0"/>
+      </a:fillRef>
+      <a:effectRef idx="2">
+        <a:scrgbClr r="0" g="0" b="0"/>
+      </a:effectRef>
+      <a:fontRef idx="minor">
+        <a:schemeClr val="lt1"/>
+      </a:fontRef>
+    </dgm:style>
+  </dgm:styleLbl>
+  <dgm:styleLbl name="parChTrans2D4">
+    <dgm:scene3d>
+      <a:camera prst="orthographicFront"/>
+      <a:lightRig rig="threePt" dir="t"/>
+    </dgm:scene3d>
+    <dgm:sp3d/>
+    <dgm:txPr/>
+    <dgm:style>
+      <a:lnRef idx="1">
+        <a:scrgbClr r="0" g="0" b="0"/>
+      </a:lnRef>
+      <a:fillRef idx="3">
+        <a:scrgbClr r="0" g="0" b="0"/>
+      </a:fillRef>
+      <a:effectRef idx="2">
+        <a:scrgbClr r="0" g="0" b="0"/>
+      </a:effectRef>
+      <a:fontRef idx="minor">
+        <a:schemeClr val="lt1"/>
+      </a:fontRef>
+    </dgm:style>
+  </dgm:styleLbl>
+  <dgm:styleLbl name="parChTrans1D1">
+    <dgm:scene3d>
+      <a:camera prst="orthographicFront"/>
+      <a:lightRig rig="threePt" dir="t"/>
+    </dgm:scene3d>
+    <dgm:sp3d/>
+    <dgm:txPr/>
+    <dgm:style>
+      <a:lnRef idx="1">
+        <a:scrgbClr r="0" g="0" b="0"/>
+      </a:lnRef>
+      <a:fillRef idx="0">
+        <a:scrgbClr r="0" g="0" b="0"/>
+      </a:fillRef>
+      <a:effectRef idx="0">
+        <a:scrgbClr r="0" g="0" b="0"/>
+      </a:effectRef>
+      <a:fontRef idx="minor"/>
+    </dgm:style>
+  </dgm:styleLbl>
+  <dgm:styleLbl name="parChTrans1D2">
+    <dgm:scene3d>
+      <a:camera prst="orthographicFront"/>
+      <a:lightRig rig="threePt" dir="t"/>
+    </dgm:scene3d>
+    <dgm:sp3d/>
+    <dgm:txPr/>
+    <dgm:style>
+      <a:lnRef idx="1">
+        <a:scrgbClr r="0" g="0" b="0"/>
+      </a:lnRef>
+      <a:fillRef idx="0">
+        <a:scrgbClr r="0" g="0" b="0"/>
+      </a:fillRef>
+      <a:effectRef idx="0">
+        <a:scrgbClr r="0" g="0" b="0"/>
+      </a:effectRef>
+      <a:fontRef idx="minor"/>
+    </dgm:style>
+  </dgm:styleLbl>
+  <dgm:styleLbl name="parChTrans1D3">
+    <dgm:scene3d>
+      <a:camera prst="orthographicFront"/>
+      <a:lightRig rig="threePt" dir="t"/>
+    </dgm:scene3d>
+    <dgm:sp3d/>
+    <dgm:txPr/>
+    <dgm:style>
+      <a:lnRef idx="1">
+        <a:scrgbClr r="0" g="0" b="0"/>
+      </a:lnRef>
+      <a:fillRef idx="0">
+        <a:scrgbClr r="0" g="0" b="0"/>
+      </a:fillRef>
+      <a:effectRef idx="0">
+        <a:scrgbClr r="0" g="0" b="0"/>
+      </a:effectRef>
+      <a:fontRef idx="minor"/>
+    </dgm:style>
+  </dgm:styleLbl>
+  <dgm:styleLbl name="parChTrans1D4">
+    <dgm:scene3d>
+      <a:camera prst="orthographicFront"/>
+      <a:lightRig rig="threePt" dir="t"/>
+    </dgm:scene3d>
+    <dgm:sp3d/>
+    <dgm:txPr/>
+    <dgm:style>
+      <a:lnRef idx="1">
+        <a:scrgbClr r="0" g="0" b="0"/>
+      </a:lnRef>
+      <a:fillRef idx="0">
+        <a:scrgbClr r="0" g="0" b="0"/>
+      </a:fillRef>
+      <a:effectRef idx="0">
+        <a:scrgbClr r="0" g="0" b="0"/>
+      </a:effectRef>
+      <a:fontRef idx="minor"/>
+    </dgm:style>
+  </dgm:styleLbl>
+  <dgm:styleLbl name="fgAcc1">
+    <dgm:scene3d>
+      <a:camera prst="orthographicFront"/>
+      <a:lightRig rig="threePt" dir="t"/>
+    </dgm:scene3d>
+    <dgm:sp3d/>
+    <dgm:txPr/>
+    <dgm:style>
+      <a:lnRef idx="1">
+        <a:scrgbClr r="0" g="0" b="0"/>
+      </a:lnRef>
+      <a:fillRef idx="1">
+        <a:scrgbClr r="0" g="0" b="0"/>
+      </a:fillRef>
+      <a:effectRef idx="0">
+        <a:scrgbClr r="0" g="0" b="0"/>
+      </a:effectRef>
+      <a:fontRef idx="minor"/>
+    </dgm:style>
+  </dgm:styleLbl>
+  <dgm:styleLbl name="conFgAcc1">
+    <dgm:scene3d>
+      <a:camera prst="orthographicFront"/>
+      <a:lightRig rig="threePt" dir="t"/>
+    </dgm:scene3d>
+    <dgm:sp3d/>
+    <dgm:txPr/>
+    <dgm:style>
+      <a:lnRef idx="1">
+        <a:scrgbClr r="0" g="0" b="0"/>
+      </a:lnRef>
+      <a:fillRef idx="1">
+        <a:scrgbClr r="0" g="0" b="0"/>
+      </a:fillRef>
+      <a:effectRef idx="0">
+        <a:scrgbClr r="0" g="0" b="0"/>
+      </a:effectRef>
+      <a:fontRef idx="minor"/>
+    </dgm:style>
+  </dgm:styleLbl>
+  <dgm:styleLbl name="alignAcc1">
+    <dgm:scene3d>
+      <a:camera prst="orthographicFront"/>
+      <a:lightRig rig="threePt" dir="t"/>
+    </dgm:scene3d>
+    <dgm:sp3d/>
+    <dgm:txPr/>
+    <dgm:style>
+      <a:lnRef idx="1">
+        <a:scrgbClr r="0" g="0" b="0"/>
+      </a:lnRef>
+      <a:fillRef idx="1">
+        <a:scrgbClr r="0" g="0" b="0"/>
+      </a:fillRef>
+      <a:effectRef idx="0">
+        <a:scrgbClr r="0" g="0" b="0"/>
+      </a:effectRef>
+      <a:fontRef idx="minor"/>
+    </dgm:style>
+  </dgm:styleLbl>
+  <dgm:styleLbl name="trAlignAcc1">
+    <dgm:scene3d>
+      <a:camera prst="orthographicFront"/>
+      <a:lightRig rig="threePt" dir="t"/>
+    </dgm:scene3d>
+    <dgm:sp3d/>
+    <dgm:txPr/>
+    <dgm:style>
+      <a:lnRef idx="1">
+        <a:scrgbClr r="0" g="0" b="0"/>
+      </a:lnRef>
+      <a:fillRef idx="1">
+        <a:scrgbClr r="0" g="0" b="0"/>
+      </a:fillRef>
+      <a:effectRef idx="0">
+        <a:scrgbClr r="0" g="0" b="0"/>
+      </a:effectRef>
+      <a:fontRef idx="minor"/>
+    </dgm:style>
+  </dgm:styleLbl>
+  <dgm:styleLbl name="bgAcc1">
+    <dgm:scene3d>
+      <a:camera prst="orthographicFront"/>
+      <a:lightRig rig="threePt" dir="t"/>
+    </dgm:scene3d>
+    <dgm:sp3d/>
+    <dgm:txPr/>
+    <dgm:style>
+      <a:lnRef idx="1">
+        <a:scrgbClr r="0" g="0" b="0"/>
+      </a:lnRef>
+      <a:fillRef idx="1">
+        <a:scrgbClr r="0" g="0" b="0"/>
+      </a:fillRef>
+      <a:effectRef idx="0">
+        <a:scrgbClr r="0" g="0" b="0"/>
+      </a:effectRef>
+      <a:fontRef idx="minor"/>
+    </dgm:style>
+  </dgm:styleLbl>
+  <dgm:styleLbl name="solidFgAcc1">
+    <dgm:scene3d>
+      <a:camera prst="orthographicFront"/>
+      <a:lightRig rig="threePt" dir="t"/>
+    </dgm:scene3d>
+    <dgm:sp3d/>
+    <dgm:txPr/>
+    <dgm:style>
+      <a:lnRef idx="1">
+        <a:scrgbClr r="0" g="0" b="0"/>
+      </a:lnRef>
+      <a:fillRef idx="1">
+        <a:scrgbClr r="0" g="0" b="0"/>
+      </a:fillRef>
+      <a:effectRef idx="0">
+        <a:scrgbClr r="0" g="0" b="0"/>
+      </a:effectRef>
+      <a:fontRef idx="minor"/>
+    </dgm:style>
+  </dgm:styleLbl>
+  <dgm:styleLbl name="solidAlignAcc1">
+    <dgm:scene3d>
+      <a:camera prst="orthographicFront"/>
+      <a:lightRig rig="threePt" dir="t"/>
+    </dgm:scene3d>
+    <dgm:sp3d/>
+    <dgm:txPr/>
+    <dgm:style>
+      <a:lnRef idx="1">
+        <a:scrgbClr r="0" g="0" b="0"/>
+      </a:lnRef>
+      <a:fillRef idx="1">
+        <a:scrgbClr r="0" g="0" b="0"/>
+      </a:fillRef>
+      <a:effectRef idx="0">
+        <a:scrgbClr r="0" g="0" b="0"/>
+      </a:effectRef>
+      <a:fontRef idx="minor"/>
+    </dgm:style>
+  </dgm:styleLbl>
+  <dgm:styleLbl name="solidBgAcc1">
+    <dgm:scene3d>
+      <a:camera prst="orthographicFront"/>
+      <a:lightRig rig="threePt" dir="t"/>
+    </dgm:scene3d>
+    <dgm:sp3d/>
+    <dgm:txPr/>
+    <dgm:style>
+      <a:lnRef idx="1">
+        <a:scrgbClr r="0" g="0" b="0"/>
+      </a:lnRef>
+      <a:fillRef idx="1">
+        <a:scrgbClr r="0" g="0" b="0"/>
+      </a:fillRef>
+      <a:effectRef idx="0">
+        <a:scrgbClr r="0" g="0" b="0"/>
+      </a:effectRef>
+      <a:fontRef idx="minor"/>
+    </dgm:style>
+  </dgm:styleLbl>
+  <dgm:styleLbl name="fgAccFollowNode1">
+    <dgm:scene3d>
+      <a:camera prst="orthographicFront"/>
+      <a:lightRig rig="threePt" dir="t"/>
+    </dgm:scene3d>
+    <dgm:sp3d/>
+    <dgm:txPr/>
+    <dgm:style>
+      <a:lnRef idx="1">
+        <a:scrgbClr r="0" g="0" b="0"/>
+      </a:lnRef>
+      <a:fillRef idx="1">
+        <a:scrgbClr r="0" g="0" b="0"/>
+      </a:fillRef>
+      <a:effectRef idx="0">
+        <a:scrgbClr r="0" g="0" b="0"/>
+      </a:effectRef>
+      <a:fontRef idx="minor"/>
+    </dgm:style>
+  </dgm:styleLbl>
+  <dgm:styleLbl name="alignAccFollowNode1">
+    <dgm:scene3d>
+      <a:camera prst="orthographicFront"/>
+      <a:lightRig rig="threePt" dir="t"/>
+    </dgm:scene3d>
+    <dgm:sp3d/>
+    <dgm:txPr/>
+    <dgm:style>
+      <a:lnRef idx="1">
+        <a:scrgbClr r="0" g="0" b="0"/>
+      </a:lnRef>
+      <a:fillRef idx="1">
+        <a:scrgbClr r="0" g="0" b="0"/>
+      </a:fillRef>
+      <a:effectRef idx="0">
+        <a:scrgbClr r="0" g="0" b="0"/>
+      </a:effectRef>
+      <a:fontRef idx="minor"/>
+    </dgm:style>
+  </dgm:styleLbl>
+  <dgm:styleLbl name="bgAccFollowNode1">
+    <dgm:scene3d>
+      <a:camera prst="orthographicFront"/>
+      <a:lightRig rig="threePt" dir="t"/>
+    </dgm:scene3d>
+    <dgm:sp3d/>
+    <dgm:txPr/>
+    <dgm:style>
+      <a:lnRef idx="1">
+        <a:scrgbClr r="0" g="0" b="0"/>
+      </a:lnRef>
+      <a:fillRef idx="1">
+        <a:scrgbClr r="0" g="0" b="0"/>
+      </a:fillRef>
+      <a:effectRef idx="0">
+        <a:scrgbClr r="0" g="0" b="0"/>
+      </a:effectRef>
+      <a:fontRef idx="minor"/>
+    </dgm:style>
+  </dgm:styleLbl>
+  <dgm:styleLbl name="fgAcc0">
+    <dgm:scene3d>
+      <a:camera prst="orthographicFront"/>
+      <a:lightRig rig="threePt" dir="t"/>
+    </dgm:scene3d>
+    <dgm:sp3d/>
+    <dgm:txPr/>
+    <dgm:style>
+      <a:lnRef idx="1">
+        <a:scrgbClr r="0" g="0" b="0"/>
+      </a:lnRef>
+      <a:fillRef idx="1">
+        <a:scrgbClr r="0" g="0" b="0"/>
+      </a:fillRef>
+      <a:effectRef idx="0">
+        <a:scrgbClr r="0" g="0" b="0"/>
+      </a:effectRef>
+      <a:fontRef idx="minor"/>
+    </dgm:style>
+  </dgm:styleLbl>
+  <dgm:styleLbl name="fgAcc2">
+    <dgm:scene3d>
+      <a:camera prst="orthographicFront"/>
+      <a:lightRig rig="threePt" dir="t"/>
+    </dgm:scene3d>
+    <dgm:sp3d/>
+    <dgm:txPr/>
+    <dgm:style>
+      <a:lnRef idx="1">
+        <a:scrgbClr r="0" g="0" b="0"/>
+      </a:lnRef>
+      <a:fillRef idx="1">
+        <a:scrgbClr r="0" g="0" b="0"/>
+      </a:fillRef>
+      <a:effectRef idx="0">
+        <a:scrgbClr r="0" g="0" b="0"/>
+      </a:effectRef>
+      <a:fontRef idx="minor"/>
+    </dgm:style>
+  </dgm:styleLbl>
+  <dgm:styleLbl name="fgAcc3">
+    <dgm:scene3d>
+      <a:camera prst="orthographicFront"/>
+      <a:lightRig rig="threePt" dir="t"/>
+    </dgm:scene3d>
+    <dgm:sp3d/>
+    <dgm:txPr/>
+    <dgm:style>
+      <a:lnRef idx="1">
+        <a:scrgbClr r="0" g="0" b="0"/>
+      </a:lnRef>
+      <a:fillRef idx="1">
+        <a:scrgbClr r="0" g="0" b="0"/>
+      </a:fillRef>
+      <a:effectRef idx="0">
+        <a:scrgbClr r="0" g="0" b="0"/>
+      </a:effectRef>
+      <a:fontRef idx="minor"/>
+    </dgm:style>
+  </dgm:styleLbl>
+  <dgm:styleLbl name="fgAcc4">
+    <dgm:scene3d>
+      <a:camera prst="orthographicFront"/>
+      <a:lightRig rig="threePt" dir="t"/>
+    </dgm:scene3d>
+    <dgm:sp3d/>
+    <dgm:txPr/>
+    <dgm:style>
+      <a:lnRef idx="1">
+        <a:scrgbClr r="0" g="0" b="0"/>
+      </a:lnRef>
+      <a:fillRef idx="1">
+        <a:scrgbClr r="0" g="0" b="0"/>
+      </a:fillRef>
+      <a:effectRef idx="0">
+        <a:scrgbClr r="0" g="0" b="0"/>
+      </a:effectRef>
+      <a:fontRef idx="minor"/>
+    </dgm:style>
+  </dgm:styleLbl>
+  <dgm:styleLbl name="bgShp">
+    <dgm:scene3d>
+      <a:camera prst="orthographicFront"/>
+      <a:lightRig rig="threePt" dir="t"/>
+    </dgm:scene3d>
+    <dgm:sp3d/>
+    <dgm:txPr/>
+    <dgm:style>
+      <a:lnRef idx="0">
+        <a:scrgbClr r="0" g="0" b="0"/>
+      </a:lnRef>
+      <a:fillRef idx="1">
+        <a:scrgbClr r="0" g="0" b="0"/>
+      </a:fillRef>
+      <a:effectRef idx="2">
+        <a:scrgbClr r="0" g="0" b="0"/>
+      </a:effectRef>
+      <a:fontRef idx="minor"/>
+    </dgm:style>
+  </dgm:styleLbl>
+  <dgm:styleLbl name="dkBgShp">
+    <dgm:scene3d>
+      <a:camera prst="orthographicFront"/>
+      <a:lightRig rig="threePt" dir="t"/>
+    </dgm:scene3d>
+    <dgm:sp3d/>
+    <dgm:txPr/>
+    <dgm:style>
+      <a:lnRef idx="0">
+        <a:scrgbClr r="0" g="0" b="0"/>
+      </a:lnRef>
+      <a:fillRef idx="1">
+        <a:scrgbClr r="0" g="0" b="0"/>
+      </a:fillRef>
+      <a:effectRef idx="2">
+        <a:scrgbClr r="0" g="0" b="0"/>
+      </a:effectRef>
+      <a:fontRef idx="minor"/>
+    </dgm:style>
+  </dgm:styleLbl>
+  <dgm:styleLbl name="trBgShp">
+    <dgm:scene3d>
+      <a:camera prst="orthographicFront"/>
+      <a:lightRig rig="threePt" dir="t"/>
+    </dgm:scene3d>
+    <dgm:sp3d/>
+    <dgm:txPr/>
+    <dgm:style>
+      <a:lnRef idx="0">
+        <a:scrgbClr r="0" g="0" b="0"/>
+      </a:lnRef>
+      <a:fillRef idx="1">
+        <a:scrgbClr r="0" g="0" b="0"/>
+      </a:fillRef>
+      <a:effectRef idx="0">
+        <a:scrgbClr r="0" g="0" b="0"/>
+      </a:effectRef>
+      <a:fontRef idx="minor"/>
+    </dgm:style>
+  </dgm:styleLbl>
+  <dgm:styleLbl name="fgShp">
+    <dgm:scene3d>
+      <a:camera prst="orthographicFront"/>
+      <a:lightRig rig="threePt" dir="t"/>
+    </dgm:scene3d>
+    <dgm:sp3d/>
+    <dgm:txPr/>
+    <dgm:style>
+      <a:lnRef idx="0">
+        <a:scrgbClr r="0" g="0" b="0"/>
+      </a:lnRef>
+      <a:fillRef idx="3">
+        <a:scrgbClr r="0" g="0" b="0"/>
+      </a:fillRef>
+      <a:effectRef idx="2">
+        <a:scrgbClr r="0" g="0" b="0"/>
+      </a:effectRef>
+      <a:fontRef idx="minor"/>
+    </dgm:style>
+  </dgm:styleLbl>
+  <dgm:styleLbl name="revTx">
+    <dgm:scene3d>
+      <a:camera prst="orthographicFront"/>
+      <a:lightRig rig="threePt" dir="t"/>
+    </dgm:scene3d>
+    <dgm:sp3d/>
+    <dgm:txPr/>
+    <dgm:style>
+      <a:lnRef idx="0">
+        <a:scrgbClr r="0" g="0" b="0"/>
+      </a:lnRef>
+      <a:fillRef idx="0">
+        <a:scrgbClr r="0" g="0" b="0"/>
+      </a:fillRef>
+      <a:effectRef idx="0">
+        <a:scrgbClr r="0" g="0" b="0"/>
+      </a:effectRef>
+      <a:fontRef idx="minor"/>
+    </dgm:style>
+  </dgm:styleLbl>
+</dgm:styleDef>
+</file>
+
+<file path=ppt/diagrams/quickStyle3.xml><?xml version="1.0" encoding="utf-8"?>
 <dgm:styleDef xmlns:dgm="http://schemas.openxmlformats.org/drawingml/2006/diagram" xmlns:a="http://schemas.openxmlformats.org/drawingml/2006/main" uniqueId="urn:microsoft.com/office/officeart/2005/8/quickstyle/simple1">
   <dgm:title val=""/>
   <dgm:desc val=""/>
@@ -14110,7 +17465,7 @@
 </dgm:styleDef>
 </file>
 
-<file path=ppt/diagrams/quickStyle3.xml><?xml version="1.0" encoding="utf-8"?>
+<file path=ppt/diagrams/quickStyle4.xml><?xml version="1.0" encoding="utf-8"?>
 <dgm:styleDef xmlns:dgm="http://schemas.openxmlformats.org/drawingml/2006/diagram" xmlns:a="http://schemas.openxmlformats.org/drawingml/2006/main" uniqueId="urn:microsoft.com/office/officeart/2005/8/quickstyle/simple4">
   <dgm:title val=""/>
   <dgm:desc val=""/>
@@ -15144,7 +18499,7 @@
 </dgm:styleDef>
 </file>
 
-<file path=ppt/diagrams/quickStyle4.xml><?xml version="1.0" encoding="utf-8"?>
+<file path=ppt/diagrams/quickStyle5.xml><?xml version="1.0" encoding="utf-8"?>
 <dgm:styleDef xmlns:dgm="http://schemas.openxmlformats.org/drawingml/2006/diagram" xmlns:a="http://schemas.openxmlformats.org/drawingml/2006/main" uniqueId="urn:microsoft.com/office/officeart/2005/8/quickstyle/simple4">
   <dgm:title val=""/>
   <dgm:desc val=""/>
@@ -16309,7 +19664,7 @@
           <a:p>
             <a:fld id="{FA504883-DD2C-8046-A0FC-F2BBEA5B9BFD}" type="datetimeFigureOut">
               <a:rPr lang="en-US" smtClean="0"/>
-              <a:t>10/10/21</a:t>
+              <a:t>11/2/21</a:t>
             </a:fld>
             <a:endParaRPr lang="en-US"/>
           </a:p>
@@ -16479,7 +19834,7 @@
           <a:p>
             <a:fld id="{FA504883-DD2C-8046-A0FC-F2BBEA5B9BFD}" type="datetimeFigureOut">
               <a:rPr lang="en-US" smtClean="0"/>
-              <a:t>10/10/21</a:t>
+              <a:t>11/2/21</a:t>
             </a:fld>
             <a:endParaRPr lang="en-US"/>
           </a:p>
@@ -16659,7 +20014,7 @@
           <a:p>
             <a:fld id="{FA504883-DD2C-8046-A0FC-F2BBEA5B9BFD}" type="datetimeFigureOut">
               <a:rPr lang="en-US" smtClean="0"/>
-              <a:t>10/10/21</a:t>
+              <a:t>11/2/21</a:t>
             </a:fld>
             <a:endParaRPr lang="en-US"/>
           </a:p>
@@ -16829,7 +20184,7 @@
           <a:p>
             <a:fld id="{FA504883-DD2C-8046-A0FC-F2BBEA5B9BFD}" type="datetimeFigureOut">
               <a:rPr lang="en-US" smtClean="0"/>
-              <a:t>10/10/21</a:t>
+              <a:t>11/2/21</a:t>
             </a:fld>
             <a:endParaRPr lang="en-US"/>
           </a:p>
@@ -17075,7 +20430,7 @@
           <a:p>
             <a:fld id="{FA504883-DD2C-8046-A0FC-F2BBEA5B9BFD}" type="datetimeFigureOut">
               <a:rPr lang="en-US" smtClean="0"/>
-              <a:t>10/10/21</a:t>
+              <a:t>11/2/21</a:t>
             </a:fld>
             <a:endParaRPr lang="en-US"/>
           </a:p>
@@ -17307,7 +20662,7 @@
           <a:p>
             <a:fld id="{FA504883-DD2C-8046-A0FC-F2BBEA5B9BFD}" type="datetimeFigureOut">
               <a:rPr lang="en-US" smtClean="0"/>
-              <a:t>10/10/21</a:t>
+              <a:t>11/2/21</a:t>
             </a:fld>
             <a:endParaRPr lang="en-US"/>
           </a:p>
@@ -17674,7 +21029,7 @@
           <a:p>
             <a:fld id="{FA504883-DD2C-8046-A0FC-F2BBEA5B9BFD}" type="datetimeFigureOut">
               <a:rPr lang="en-US" smtClean="0"/>
-              <a:t>10/10/21</a:t>
+              <a:t>11/2/21</a:t>
             </a:fld>
             <a:endParaRPr lang="en-US"/>
           </a:p>
@@ -17792,7 +21147,7 @@
           <a:p>
             <a:fld id="{FA504883-DD2C-8046-A0FC-F2BBEA5B9BFD}" type="datetimeFigureOut">
               <a:rPr lang="en-US" smtClean="0"/>
-              <a:t>10/10/21</a:t>
+              <a:t>11/2/21</a:t>
             </a:fld>
             <a:endParaRPr lang="en-US"/>
           </a:p>
@@ -17887,7 +21242,7 @@
           <a:p>
             <a:fld id="{FA504883-DD2C-8046-A0FC-F2BBEA5B9BFD}" type="datetimeFigureOut">
               <a:rPr lang="en-US" smtClean="0"/>
-              <a:t>10/10/21</a:t>
+              <a:t>11/2/21</a:t>
             </a:fld>
             <a:endParaRPr lang="en-US"/>
           </a:p>
@@ -18164,7 +21519,7 @@
           <a:p>
             <a:fld id="{FA504883-DD2C-8046-A0FC-F2BBEA5B9BFD}" type="datetimeFigureOut">
               <a:rPr lang="en-US" smtClean="0"/>
-              <a:t>10/10/21</a:t>
+              <a:t>11/2/21</a:t>
             </a:fld>
             <a:endParaRPr lang="en-US"/>
           </a:p>
@@ -18421,7 +21776,7 @@
           <a:p>
             <a:fld id="{FA504883-DD2C-8046-A0FC-F2BBEA5B9BFD}" type="datetimeFigureOut">
               <a:rPr lang="en-US" smtClean="0"/>
-              <a:t>10/10/21</a:t>
+              <a:t>11/2/21</a:t>
             </a:fld>
             <a:endParaRPr lang="en-US"/>
           </a:p>
@@ -18634,7 +21989,7 @@
           <a:p>
             <a:fld id="{FA504883-DD2C-8046-A0FC-F2BBEA5B9BFD}" type="datetimeFigureOut">
               <a:rPr lang="en-US" smtClean="0"/>
-              <a:t>10/10/21</a:t>
+              <a:t>11/2/21</a:t>
             </a:fld>
             <a:endParaRPr lang="en-US"/>
           </a:p>
@@ -19101,6 +22456,66 @@
       </p:grpSpPr>
       <p:graphicFrame>
         <p:nvGraphicFramePr>
+          <p:cNvPr id="3" name="Content Placeholder 3">
+            <a:extLst>
+              <a:ext uri="{FF2B5EF4-FFF2-40B4-BE49-F238E27FC236}">
+                <a16:creationId xmlns:a16="http://schemas.microsoft.com/office/drawing/2014/main" id="{1AC5E032-E642-1C41-A793-C2B1B3687FD3}"/>
+              </a:ext>
+            </a:extLst>
+          </p:cNvPr>
+          <p:cNvGraphicFramePr>
+            <a:graphicFrameLocks/>
+          </p:cNvGraphicFramePr>
+          <p:nvPr>
+            <p:extLst>
+              <p:ext uri="{D42A27DB-BD31-4B8C-83A1-F6EECF244321}">
+                <p14:modId xmlns:p14="http://schemas.microsoft.com/office/powerpoint/2010/main" val="3790420028"/>
+              </p:ext>
+            </p:extLst>
+          </p:nvPr>
+        </p:nvGraphicFramePr>
+        <p:xfrm>
+          <a:off x="3616411" y="3700677"/>
+          <a:ext cx="17151178" cy="8702675"/>
+        </p:xfrm>
+        <a:graphic>
+          <a:graphicData uri="http://schemas.openxmlformats.org/drawingml/2006/diagram">
+            <dgm:relIds xmlns:dgm="http://schemas.openxmlformats.org/drawingml/2006/diagram" xmlns:r="http://schemas.openxmlformats.org/officeDocument/2006/relationships" r:dm="rId2" r:lo="rId3" r:qs="rId4" r:cs="rId5"/>
+          </a:graphicData>
+        </a:graphic>
+      </p:graphicFrame>
+    </p:spTree>
+    <p:extLst>
+      <p:ext uri="{BB962C8B-B14F-4D97-AF65-F5344CB8AC3E}">
+        <p14:creationId xmlns:p14="http://schemas.microsoft.com/office/powerpoint/2010/main" val="4274798235"/>
+      </p:ext>
+    </p:extLst>
+  </p:cSld>
+  <p:clrMapOvr>
+    <a:masterClrMapping/>
+  </p:clrMapOvr>
+</p:sld>
+</file>
+
+<file path=ppt/slides/slide3.xml><?xml version="1.0" encoding="utf-8"?>
+<p:sld xmlns:a="http://schemas.openxmlformats.org/drawingml/2006/main" xmlns:r="http://schemas.openxmlformats.org/officeDocument/2006/relationships" xmlns:p="http://schemas.openxmlformats.org/presentationml/2006/main">
+  <p:cSld>
+    <p:spTree>
+      <p:nvGrpSpPr>
+        <p:cNvPr id="1" name=""/>
+        <p:cNvGrpSpPr/>
+        <p:nvPr/>
+      </p:nvGrpSpPr>
+      <p:grpSpPr>
+        <a:xfrm>
+          <a:off x="0" y="0"/>
+          <a:ext cx="0" cy="0"/>
+          <a:chOff x="0" y="0"/>
+          <a:chExt cx="0" cy="0"/>
+        </a:xfrm>
+      </p:grpSpPr>
+      <p:graphicFrame>
+        <p:nvGraphicFramePr>
           <p:cNvPr id="4" name="Content Placeholder 3">
             <a:extLst>
               <a:ext uri="{FF2B5EF4-FFF2-40B4-BE49-F238E27FC236}">
@@ -19143,7 +22558,7 @@
 </p:sld>
 </file>
 
-<file path=ppt/slides/slide3.xml><?xml version="1.0" encoding="utf-8"?>
+<file path=ppt/slides/slide4.xml><?xml version="1.0" encoding="utf-8"?>
 <p:sld xmlns:a="http://schemas.openxmlformats.org/drawingml/2006/main" xmlns:r="http://schemas.openxmlformats.org/officeDocument/2006/relationships" xmlns:p="http://schemas.openxmlformats.org/presentationml/2006/main">
   <p:cSld>
     <p:spTree>
@@ -19203,7 +22618,7 @@
 </p:sld>
 </file>
 
-<file path=ppt/slides/slide4.xml><?xml version="1.0" encoding="utf-8"?>
+<file path=ppt/slides/slide5.xml><?xml version="1.0" encoding="utf-8"?>
 <p:sld xmlns:a="http://schemas.openxmlformats.org/drawingml/2006/main" xmlns:r="http://schemas.openxmlformats.org/officeDocument/2006/relationships" xmlns:p="http://schemas.openxmlformats.org/presentationml/2006/main">
   <p:cSld>
     <p:spTree>
@@ -19255,6 +22670,1020 @@
     <p:extLst>
       <p:ext uri="{BB962C8B-B14F-4D97-AF65-F5344CB8AC3E}">
         <p14:creationId xmlns:p14="http://schemas.microsoft.com/office/powerpoint/2010/main" val="1662436209"/>
+      </p:ext>
+    </p:extLst>
+  </p:cSld>
+  <p:clrMapOvr>
+    <a:masterClrMapping/>
+  </p:clrMapOvr>
+</p:sld>
+</file>
+
+<file path=ppt/slides/slide6.xml><?xml version="1.0" encoding="utf-8"?>
+<p:sld xmlns:a="http://schemas.openxmlformats.org/drawingml/2006/main" xmlns:r="http://schemas.openxmlformats.org/officeDocument/2006/relationships" xmlns:p="http://schemas.openxmlformats.org/presentationml/2006/main">
+  <p:cSld>
+    <p:spTree>
+      <p:nvGrpSpPr>
+        <p:cNvPr id="1" name=""/>
+        <p:cNvGrpSpPr/>
+        <p:nvPr/>
+      </p:nvGrpSpPr>
+      <p:grpSpPr>
+        <a:xfrm>
+          <a:off x="0" y="0"/>
+          <a:ext cx="0" cy="0"/>
+          <a:chOff x="0" y="0"/>
+          <a:chExt cx="0" cy="0"/>
+        </a:xfrm>
+      </p:grpSpPr>
+      <p:grpSp>
+        <p:nvGrpSpPr>
+          <p:cNvPr id="27" name="Group 26">
+            <a:extLst>
+              <a:ext uri="{FF2B5EF4-FFF2-40B4-BE49-F238E27FC236}">
+                <a16:creationId xmlns:a16="http://schemas.microsoft.com/office/drawing/2014/main" id="{CDBCA43D-732D-4347-A33B-AF2D5F0DFADB}"/>
+              </a:ext>
+            </a:extLst>
+          </p:cNvPr>
+          <p:cNvGrpSpPr/>
+          <p:nvPr/>
+        </p:nvGrpSpPr>
+        <p:grpSpPr>
+          <a:xfrm>
+            <a:off x="3551273" y="808075"/>
+            <a:ext cx="19463023" cy="12418827"/>
+            <a:chOff x="3551273" y="808075"/>
+            <a:chExt cx="19463023" cy="12418827"/>
+          </a:xfrm>
+        </p:grpSpPr>
+        <p:sp>
+          <p:nvSpPr>
+            <p:cNvPr id="4" name="Cube 3">
+              <a:extLst>
+                <a:ext uri="{FF2B5EF4-FFF2-40B4-BE49-F238E27FC236}">
+                  <a16:creationId xmlns:a16="http://schemas.microsoft.com/office/drawing/2014/main" id="{795991B4-DF01-9F49-9CD5-1A48062B01BA}"/>
+                </a:ext>
+              </a:extLst>
+            </p:cNvPr>
+            <p:cNvSpPr/>
+            <p:nvPr/>
+          </p:nvSpPr>
+          <p:spPr>
+            <a:xfrm>
+              <a:off x="3551273" y="808075"/>
+              <a:ext cx="18521917" cy="12418827"/>
+            </a:xfrm>
+            <a:prstGeom prst="cube">
+              <a:avLst/>
+            </a:prstGeom>
+            <a:solidFill>
+              <a:schemeClr val="accent2">
+                <a:lumMod val="40000"/>
+                <a:lumOff val="60000"/>
+                <a:alpha val="16273"/>
+              </a:schemeClr>
+            </a:solidFill>
+            <a:ln w="76200">
+              <a:solidFill>
+                <a:schemeClr val="tx1"/>
+              </a:solidFill>
+            </a:ln>
+            <a:effectLst>
+              <a:outerShdw blurRad="50800" dist="38100" dir="2700000" algn="tl" rotWithShape="0">
+                <a:prstClr val="black">
+                  <a:alpha val="40000"/>
+                </a:prstClr>
+              </a:outerShdw>
+            </a:effectLst>
+          </p:spPr>
+          <p:style>
+            <a:lnRef idx="2">
+              <a:schemeClr val="accent1">
+                <a:shade val="50000"/>
+              </a:schemeClr>
+            </a:lnRef>
+            <a:fillRef idx="1">
+              <a:schemeClr val="accent1"/>
+            </a:fillRef>
+            <a:effectRef idx="0">
+              <a:schemeClr val="accent1"/>
+            </a:effectRef>
+            <a:fontRef idx="minor">
+              <a:schemeClr val="lt1"/>
+            </a:fontRef>
+          </p:style>
+          <p:txBody>
+            <a:bodyPr rtlCol="0" anchor="ctr"/>
+            <a:lstStyle/>
+            <a:p>
+              <a:pPr algn="ctr"/>
+              <a:endParaRPr lang="en-US" dirty="0"/>
+            </a:p>
+          </p:txBody>
+        </p:sp>
+        <p:sp>
+          <p:nvSpPr>
+            <p:cNvPr id="5" name="Cube 4">
+              <a:extLst>
+                <a:ext uri="{FF2B5EF4-FFF2-40B4-BE49-F238E27FC236}">
+                  <a16:creationId xmlns:a16="http://schemas.microsoft.com/office/drawing/2014/main" id="{1F5F8095-19EE-6249-9663-D97847C7BC53}"/>
+                </a:ext>
+              </a:extLst>
+            </p:cNvPr>
+            <p:cNvSpPr/>
+            <p:nvPr/>
+          </p:nvSpPr>
+          <p:spPr>
+            <a:xfrm>
+              <a:off x="7084159" y="1831673"/>
+              <a:ext cx="7442790" cy="6188149"/>
+            </a:xfrm>
+            <a:prstGeom prst="cube">
+              <a:avLst/>
+            </a:prstGeom>
+            <a:solidFill>
+              <a:schemeClr val="accent1">
+                <a:alpha val="18000"/>
+              </a:schemeClr>
+            </a:solidFill>
+            <a:ln w="57150">
+              <a:solidFill>
+                <a:schemeClr val="accent1">
+                  <a:lumMod val="50000"/>
+                </a:schemeClr>
+              </a:solidFill>
+              <a:prstDash val="dash"/>
+            </a:ln>
+          </p:spPr>
+          <p:style>
+            <a:lnRef idx="2">
+              <a:schemeClr val="accent1">
+                <a:shade val="50000"/>
+              </a:schemeClr>
+            </a:lnRef>
+            <a:fillRef idx="1">
+              <a:schemeClr val="accent1"/>
+            </a:fillRef>
+            <a:effectRef idx="0">
+              <a:schemeClr val="accent1"/>
+            </a:effectRef>
+            <a:fontRef idx="minor">
+              <a:schemeClr val="lt1"/>
+            </a:fontRef>
+          </p:style>
+          <p:txBody>
+            <a:bodyPr rtlCol="0" anchor="ctr"/>
+            <a:lstStyle/>
+            <a:p>
+              <a:pPr algn="ctr"/>
+              <a:endParaRPr lang="en-US" dirty="0"/>
+            </a:p>
+          </p:txBody>
+        </p:sp>
+        <p:sp>
+          <p:nvSpPr>
+            <p:cNvPr id="6" name="Oval 5">
+              <a:extLst>
+                <a:ext uri="{FF2B5EF4-FFF2-40B4-BE49-F238E27FC236}">
+                  <a16:creationId xmlns:a16="http://schemas.microsoft.com/office/drawing/2014/main" id="{4E8CF88D-BEFC-9148-AD2B-E12335EF8790}"/>
+                </a:ext>
+              </a:extLst>
+            </p:cNvPr>
+            <p:cNvSpPr/>
+            <p:nvPr/>
+          </p:nvSpPr>
+          <p:spPr>
+            <a:xfrm rot="19786174">
+              <a:off x="8690614" y="8380853"/>
+              <a:ext cx="14323682" cy="2125362"/>
+            </a:xfrm>
+            <a:prstGeom prst="ellipse">
+              <a:avLst/>
+            </a:prstGeom>
+            <a:solidFill>
+              <a:schemeClr val="accent6">
+                <a:lumMod val="75000"/>
+                <a:alpha val="29873"/>
+              </a:schemeClr>
+            </a:solidFill>
+          </p:spPr>
+          <p:style>
+            <a:lnRef idx="2">
+              <a:schemeClr val="accent1">
+                <a:shade val="50000"/>
+              </a:schemeClr>
+            </a:lnRef>
+            <a:fillRef idx="1">
+              <a:schemeClr val="accent1"/>
+            </a:fillRef>
+            <a:effectRef idx="0">
+              <a:schemeClr val="accent1"/>
+            </a:effectRef>
+            <a:fontRef idx="minor">
+              <a:schemeClr val="lt1"/>
+            </a:fontRef>
+          </p:style>
+          <p:txBody>
+            <a:bodyPr rtlCol="0" anchor="ctr"/>
+            <a:lstStyle/>
+            <a:p>
+              <a:pPr algn="ctr"/>
+              <a:endParaRPr lang="en-US"/>
+            </a:p>
+          </p:txBody>
+        </p:sp>
+        <p:cxnSp>
+          <p:nvCxnSpPr>
+            <p:cNvPr id="8" name="Straight Connector 7">
+              <a:extLst>
+                <a:ext uri="{FF2B5EF4-FFF2-40B4-BE49-F238E27FC236}">
+                  <a16:creationId xmlns:a16="http://schemas.microsoft.com/office/drawing/2014/main" id="{B6DE2394-5BE4-F54B-9AA6-EA9FAD2E902C}"/>
+                </a:ext>
+              </a:extLst>
+            </p:cNvPr>
+            <p:cNvCxnSpPr>
+              <a:cxnSpLocks/>
+              <a:endCxn id="20" idx="0"/>
+            </p:cNvCxnSpPr>
+            <p:nvPr/>
+          </p:nvCxnSpPr>
+          <p:spPr>
+            <a:xfrm>
+              <a:off x="13213854" y="7678838"/>
+              <a:ext cx="1463569" cy="2181853"/>
+            </a:xfrm>
+            <a:prstGeom prst="line">
+              <a:avLst/>
+            </a:prstGeom>
+            <a:ln w="57150">
+              <a:solidFill>
+                <a:srgbClr val="FF0000"/>
+              </a:solidFill>
+            </a:ln>
+          </p:spPr>
+          <p:style>
+            <a:lnRef idx="1">
+              <a:schemeClr val="accent1"/>
+            </a:lnRef>
+            <a:fillRef idx="0">
+              <a:schemeClr val="accent1"/>
+            </a:fillRef>
+            <a:effectRef idx="0">
+              <a:schemeClr val="accent1"/>
+            </a:effectRef>
+            <a:fontRef idx="minor">
+              <a:schemeClr val="tx1"/>
+            </a:fontRef>
+          </p:style>
+        </p:cxnSp>
+        <p:cxnSp>
+          <p:nvCxnSpPr>
+            <p:cNvPr id="9" name="Straight Connector 8">
+              <a:extLst>
+                <a:ext uri="{FF2B5EF4-FFF2-40B4-BE49-F238E27FC236}">
+                  <a16:creationId xmlns:a16="http://schemas.microsoft.com/office/drawing/2014/main" id="{63B9282C-4EF7-CC46-B10C-08F305D98DE1}"/>
+                </a:ext>
+              </a:extLst>
+            </p:cNvPr>
+            <p:cNvCxnSpPr>
+              <a:cxnSpLocks/>
+              <a:stCxn id="6" idx="2"/>
+            </p:cNvCxnSpPr>
+            <p:nvPr/>
+          </p:nvCxnSpPr>
+          <p:spPr>
+            <a:xfrm flipV="1">
+              <a:off x="9664571" y="9984262"/>
+              <a:ext cx="5015259" cy="3065108"/>
+            </a:xfrm>
+            <a:prstGeom prst="line">
+              <a:avLst/>
+            </a:prstGeom>
+            <a:ln w="28575">
+              <a:solidFill>
+                <a:srgbClr val="FF0000"/>
+              </a:solidFill>
+              <a:prstDash val="sysDot"/>
+            </a:ln>
+          </p:spPr>
+          <p:style>
+            <a:lnRef idx="1">
+              <a:schemeClr val="accent1"/>
+            </a:lnRef>
+            <a:fillRef idx="0">
+              <a:schemeClr val="accent1"/>
+            </a:fillRef>
+            <a:effectRef idx="0">
+              <a:schemeClr val="accent1"/>
+            </a:effectRef>
+            <a:fontRef idx="minor">
+              <a:schemeClr val="tx1"/>
+            </a:fontRef>
+          </p:style>
+        </p:cxnSp>
+        <mc:AlternateContent xmlns:mc="http://schemas.openxmlformats.org/markup-compatibility/2006">
+          <mc:Choice xmlns:a14="http://schemas.microsoft.com/office/drawing/2010/main" Requires="a14">
+            <p:sp>
+              <p:nvSpPr>
+                <p:cNvPr id="13" name="TextBox 12">
+                  <a:extLst>
+                    <a:ext uri="{FF2B5EF4-FFF2-40B4-BE49-F238E27FC236}">
+                      <a16:creationId xmlns:a16="http://schemas.microsoft.com/office/drawing/2014/main" id="{30C5ADD4-5730-D141-8E28-A22525E7085F}"/>
+                    </a:ext>
+                  </a:extLst>
+                </p:cNvPr>
+                <p:cNvSpPr txBox="1"/>
+                <p:nvPr/>
+              </p:nvSpPr>
+              <p:spPr>
+                <a:xfrm>
+                  <a:off x="3640121" y="4123012"/>
+                  <a:ext cx="1309816" cy="1202765"/>
+                </a:xfrm>
+                <a:prstGeom prst="rect">
+                  <a:avLst/>
+                </a:prstGeom>
+                <a:noFill/>
+              </p:spPr>
+              <p:txBody>
+                <a:bodyPr wrap="square" lIns="0" tIns="0" rIns="0" bIns="0" rtlCol="0">
+                  <a:spAutoFit/>
+                </a:bodyPr>
+                <a:lstStyle/>
+                <a:p>
+                  <a14:m>
+                    <m:oMathPara xmlns:m="http://schemas.openxmlformats.org/officeDocument/2006/math">
+                      <m:oMathParaPr>
+                        <m:jc m:val="centerGroup"/>
+                      </m:oMathParaPr>
+                      <m:oMath xmlns:m="http://schemas.openxmlformats.org/officeDocument/2006/math">
+                        <m:r>
+                          <a:rPr lang="en-US" sz="8000" b="1" i="0" smtClean="0">
+                            <a:latin typeface="Cambria Math" panose="02040503050406030204" pitchFamily="18" charset="0"/>
+                          </a:rPr>
+                          <m:t>𝐆</m:t>
+                        </m:r>
+                        <m:r>
+                          <a:rPr lang="en-US" sz="8000" b="1" i="0" baseline="-25000" smtClean="0">
+                            <a:latin typeface="Cambria Math" panose="02040503050406030204" pitchFamily="18" charset="0"/>
+                          </a:rPr>
+                          <m:t>𝚯</m:t>
+                        </m:r>
+                      </m:oMath>
+                    </m:oMathPara>
+                  </a14:m>
+                  <a:endParaRPr lang="en-US" sz="8000" b="1" baseline="-25000" dirty="0"/>
+                </a:p>
+              </p:txBody>
+            </p:sp>
+          </mc:Choice>
+          <mc:Fallback>
+            <p:sp>
+              <p:nvSpPr>
+                <p:cNvPr id="13" name="TextBox 12">
+                  <a:extLst>
+                    <a:ext uri="{FF2B5EF4-FFF2-40B4-BE49-F238E27FC236}">
+                      <a16:creationId xmlns:a16="http://schemas.microsoft.com/office/drawing/2014/main" id="{30C5ADD4-5730-D141-8E28-A22525E7085F}"/>
+                    </a:ext>
+                  </a:extLst>
+                </p:cNvPr>
+                <p:cNvSpPr txBox="1">
+                  <a:spLocks noRot="1" noChangeAspect="1" noMove="1" noResize="1" noEditPoints="1" noAdjustHandles="1" noChangeArrowheads="1" noChangeShapeType="1" noTextEdit="1"/>
+                </p:cNvSpPr>
+                <p:nvPr/>
+              </p:nvSpPr>
+              <p:spPr>
+                <a:xfrm>
+                  <a:off x="3640121" y="4123012"/>
+                  <a:ext cx="1309816" cy="1202765"/>
+                </a:xfrm>
+                <a:prstGeom prst="rect">
+                  <a:avLst/>
+                </a:prstGeom>
+                <a:blipFill>
+                  <a:blip r:embed="rId2"/>
+                  <a:stretch>
+                    <a:fillRect l="-21154" r="-12500" b="-18750"/>
+                  </a:stretch>
+                </a:blipFill>
+              </p:spPr>
+              <p:txBody>
+                <a:bodyPr/>
+                <a:lstStyle/>
+                <a:p>
+                  <a:r>
+                    <a:rPr lang="en-US">
+                      <a:noFill/>
+                    </a:rPr>
+                    <a:t> </a:t>
+                  </a:r>
+                </a:p>
+              </p:txBody>
+            </p:sp>
+          </mc:Fallback>
+        </mc:AlternateContent>
+        <mc:AlternateContent xmlns:mc="http://schemas.openxmlformats.org/markup-compatibility/2006">
+          <mc:Choice xmlns:a14="http://schemas.microsoft.com/office/drawing/2010/main" Requires="a14">
+            <p:sp>
+              <p:nvSpPr>
+                <p:cNvPr id="16" name="TextBox 15">
+                  <a:extLst>
+                    <a:ext uri="{FF2B5EF4-FFF2-40B4-BE49-F238E27FC236}">
+                      <a16:creationId xmlns:a16="http://schemas.microsoft.com/office/drawing/2014/main" id="{DFBD9BEB-1949-1B4C-B485-0F0B261F09F8}"/>
+                    </a:ext>
+                  </a:extLst>
+                </p:cNvPr>
+                <p:cNvSpPr txBox="1"/>
+                <p:nvPr/>
+              </p:nvSpPr>
+              <p:spPr>
+                <a:xfrm>
+                  <a:off x="17085076" y="7838336"/>
+                  <a:ext cx="1141606" cy="1082476"/>
+                </a:xfrm>
+                <a:prstGeom prst="rect">
+                  <a:avLst/>
+                </a:prstGeom>
+                <a:noFill/>
+              </p:spPr>
+              <p:txBody>
+                <a:bodyPr wrap="square" lIns="0" tIns="0" rIns="0" bIns="0" rtlCol="0">
+                  <a:spAutoFit/>
+                </a:bodyPr>
+                <a:lstStyle/>
+                <a:p>
+                  <a14:m>
+                    <m:oMathPara xmlns:m="http://schemas.openxmlformats.org/officeDocument/2006/math">
+                      <m:oMathParaPr>
+                        <m:jc m:val="centerGroup"/>
+                      </m:oMathParaPr>
+                      <m:oMath xmlns:m="http://schemas.openxmlformats.org/officeDocument/2006/math">
+                        <m:sSubSup>
+                          <m:sSubSupPr>
+                            <m:ctrlPr>
+                              <a:rPr lang="en-US" sz="7200" b="1" smtClean="0">
+                                <a:latin typeface="Cambria Math" panose="02040503050406030204" pitchFamily="18" charset="0"/>
+                              </a:rPr>
+                            </m:ctrlPr>
+                          </m:sSubSupPr>
+                          <m:e>
+                            <m:r>
+                              <a:rPr lang="en-US" sz="7200" b="1" i="0" smtClean="0">
+                                <a:latin typeface="Cambria Math" panose="02040503050406030204" pitchFamily="18" charset="0"/>
+                              </a:rPr>
+                              <m:t>𝐆</m:t>
+                            </m:r>
+                          </m:e>
+                          <m:sub>
+                            <m:r>
+                              <a:rPr lang="en-US" sz="7200" b="1" i="0" baseline="-25000">
+                                <a:latin typeface="Cambria Math" panose="02040503050406030204" pitchFamily="18" charset="0"/>
+                              </a:rPr>
+                              <m:t>𝚯</m:t>
+                            </m:r>
+                          </m:sub>
+                          <m:sup>
+                            <m:r>
+                              <a:rPr lang="en-US" sz="7200" b="1" i="0" smtClean="0">
+                                <a:latin typeface="Cambria Math" panose="02040503050406030204" pitchFamily="18" charset="0"/>
+                              </a:rPr>
+                              <m:t>∗</m:t>
+                            </m:r>
+                          </m:sup>
+                        </m:sSubSup>
+                      </m:oMath>
+                    </m:oMathPara>
+                  </a14:m>
+                  <a:endParaRPr lang="en-US" sz="7200" b="1" baseline="-25000" dirty="0"/>
+                </a:p>
+              </p:txBody>
+            </p:sp>
+          </mc:Choice>
+          <mc:Fallback>
+            <p:sp>
+              <p:nvSpPr>
+                <p:cNvPr id="16" name="TextBox 15">
+                  <a:extLst>
+                    <a:ext uri="{FF2B5EF4-FFF2-40B4-BE49-F238E27FC236}">
+                      <a16:creationId xmlns:a16="http://schemas.microsoft.com/office/drawing/2014/main" id="{DFBD9BEB-1949-1B4C-B485-0F0B261F09F8}"/>
+                    </a:ext>
+                  </a:extLst>
+                </p:cNvPr>
+                <p:cNvSpPr txBox="1">
+                  <a:spLocks noRot="1" noChangeAspect="1" noMove="1" noResize="1" noEditPoints="1" noAdjustHandles="1" noChangeArrowheads="1" noChangeShapeType="1" noTextEdit="1"/>
+                </p:cNvSpPr>
+                <p:nvPr/>
+              </p:nvSpPr>
+              <p:spPr>
+                <a:xfrm>
+                  <a:off x="17085076" y="7838336"/>
+                  <a:ext cx="1141606" cy="1082476"/>
+                </a:xfrm>
+                <a:prstGeom prst="rect">
+                  <a:avLst/>
+                </a:prstGeom>
+                <a:blipFill>
+                  <a:blip r:embed="rId3"/>
+                  <a:stretch>
+                    <a:fillRect l="-20879" r="-3297" b="-32558"/>
+                  </a:stretch>
+                </a:blipFill>
+              </p:spPr>
+              <p:txBody>
+                <a:bodyPr/>
+                <a:lstStyle/>
+                <a:p>
+                  <a:r>
+                    <a:rPr lang="en-US">
+                      <a:noFill/>
+                    </a:rPr>
+                    <a:t> </a:t>
+                  </a:r>
+                </a:p>
+              </p:txBody>
+            </p:sp>
+          </mc:Fallback>
+        </mc:AlternateContent>
+        <mc:AlternateContent xmlns:mc="http://schemas.openxmlformats.org/markup-compatibility/2006">
+          <mc:Choice xmlns:a14="http://schemas.microsoft.com/office/drawing/2010/main" Requires="a14">
+            <p:sp>
+              <p:nvSpPr>
+                <p:cNvPr id="17" name="TextBox 16">
+                  <a:extLst>
+                    <a:ext uri="{FF2B5EF4-FFF2-40B4-BE49-F238E27FC236}">
+                      <a16:creationId xmlns:a16="http://schemas.microsoft.com/office/drawing/2014/main" id="{4B4962D0-0D5C-1447-B5AA-0C83C7998C13}"/>
+                    </a:ext>
+                  </a:extLst>
+                </p:cNvPr>
+                <p:cNvSpPr txBox="1"/>
+                <p:nvPr/>
+              </p:nvSpPr>
+              <p:spPr>
+                <a:xfrm>
+                  <a:off x="7317530" y="6396100"/>
+                  <a:ext cx="1309816" cy="1242776"/>
+                </a:xfrm>
+                <a:prstGeom prst="rect">
+                  <a:avLst/>
+                </a:prstGeom>
+                <a:noFill/>
+              </p:spPr>
+              <p:txBody>
+                <a:bodyPr wrap="square" lIns="0" tIns="0" rIns="0" bIns="0" rtlCol="0">
+                  <a:spAutoFit/>
+                </a:bodyPr>
+                <a:lstStyle/>
+                <a:p>
+                  <a14:m>
+                    <m:oMathPara xmlns:m="http://schemas.openxmlformats.org/officeDocument/2006/math">
+                      <m:oMathParaPr>
+                        <m:jc m:val="centerGroup"/>
+                      </m:oMathParaPr>
+                      <m:oMath xmlns:m="http://schemas.openxmlformats.org/officeDocument/2006/math">
+                        <m:sSubSup>
+                          <m:sSubSupPr>
+                            <m:ctrlPr>
+                              <a:rPr lang="en-US" sz="7200" b="1" smtClean="0">
+                                <a:latin typeface="Cambria Math" panose="02040503050406030204" pitchFamily="18" charset="0"/>
+                              </a:rPr>
+                            </m:ctrlPr>
+                          </m:sSubSupPr>
+                          <m:e>
+                            <m:r>
+                              <a:rPr lang="en-US" sz="7200" b="1" i="0" smtClean="0">
+                                <a:latin typeface="Cambria Math" panose="02040503050406030204" pitchFamily="18" charset="0"/>
+                              </a:rPr>
+                              <m:t>𝐆</m:t>
+                            </m:r>
+                          </m:e>
+                          <m:sub>
+                            <m:r>
+                              <a:rPr lang="en-US" sz="7200" b="1" i="0" baseline="-25000">
+                                <a:latin typeface="Cambria Math" panose="02040503050406030204" pitchFamily="18" charset="0"/>
+                              </a:rPr>
+                              <m:t>𝚯</m:t>
+                            </m:r>
+                          </m:sub>
+                          <m:sup>
+                            <m:r>
+                              <a:rPr lang="en-US" sz="7200" b="1" i="0" smtClean="0">
+                                <a:latin typeface="Cambria Math" panose="02040503050406030204" pitchFamily="18" charset="0"/>
+                              </a:rPr>
+                              <m:t>†</m:t>
+                            </m:r>
+                          </m:sup>
+                        </m:sSubSup>
+                      </m:oMath>
+                    </m:oMathPara>
+                  </a14:m>
+                  <a:endParaRPr lang="en-US" sz="7200" b="1" baseline="-25000" dirty="0"/>
+                </a:p>
+              </p:txBody>
+            </p:sp>
+          </mc:Choice>
+          <mc:Fallback>
+            <p:sp>
+              <p:nvSpPr>
+                <p:cNvPr id="17" name="TextBox 16">
+                  <a:extLst>
+                    <a:ext uri="{FF2B5EF4-FFF2-40B4-BE49-F238E27FC236}">
+                      <a16:creationId xmlns:a16="http://schemas.microsoft.com/office/drawing/2014/main" id="{4B4962D0-0D5C-1447-B5AA-0C83C7998C13}"/>
+                    </a:ext>
+                  </a:extLst>
+                </p:cNvPr>
+                <p:cNvSpPr txBox="1">
+                  <a:spLocks noRot="1" noChangeAspect="1" noMove="1" noResize="1" noEditPoints="1" noAdjustHandles="1" noChangeArrowheads="1" noChangeShapeType="1" noTextEdit="1"/>
+                </p:cNvSpPr>
+                <p:nvPr/>
+              </p:nvSpPr>
+              <p:spPr>
+                <a:xfrm>
+                  <a:off x="7317530" y="6396100"/>
+                  <a:ext cx="1309816" cy="1242776"/>
+                </a:xfrm>
+                <a:prstGeom prst="rect">
+                  <a:avLst/>
+                </a:prstGeom>
+                <a:blipFill>
+                  <a:blip r:embed="rId4"/>
+                  <a:stretch>
+                    <a:fillRect l="-14423" r="-7692" b="-27273"/>
+                  </a:stretch>
+                </a:blipFill>
+              </p:spPr>
+              <p:txBody>
+                <a:bodyPr/>
+                <a:lstStyle/>
+                <a:p>
+                  <a:r>
+                    <a:rPr lang="en-US">
+                      <a:noFill/>
+                    </a:rPr>
+                    <a:t> </a:t>
+                  </a:r>
+                </a:p>
+              </p:txBody>
+            </p:sp>
+          </mc:Fallback>
+        </mc:AlternateContent>
+        <mc:AlternateContent xmlns:mc="http://schemas.openxmlformats.org/markup-compatibility/2006">
+          <mc:Choice xmlns:a14="http://schemas.microsoft.com/office/drawing/2010/main" Requires="a14">
+            <p:sp>
+              <p:nvSpPr>
+                <p:cNvPr id="18" name="TextBox 17">
+                  <a:extLst>
+                    <a:ext uri="{FF2B5EF4-FFF2-40B4-BE49-F238E27FC236}">
+                      <a16:creationId xmlns:a16="http://schemas.microsoft.com/office/drawing/2014/main" id="{77D00AD8-2325-FA4B-9274-856EDA838A69}"/>
+                    </a:ext>
+                  </a:extLst>
+                </p:cNvPr>
+                <p:cNvSpPr txBox="1"/>
+                <p:nvPr/>
+              </p:nvSpPr>
+              <p:spPr>
+                <a:xfrm>
+                  <a:off x="9495738" y="4724395"/>
+                  <a:ext cx="1309816" cy="1014188"/>
+                </a:xfrm>
+                <a:prstGeom prst="rect">
+                  <a:avLst/>
+                </a:prstGeom>
+                <a:noFill/>
+              </p:spPr>
+              <p:txBody>
+                <a:bodyPr wrap="square" lIns="0" tIns="0" rIns="0" bIns="0" rtlCol="0">
+                  <a:spAutoFit/>
+                </a:bodyPr>
+                <a:lstStyle/>
+                <a:p>
+                  <a14:m>
+                    <m:oMathPara xmlns:m="http://schemas.openxmlformats.org/officeDocument/2006/math">
+                      <m:oMathParaPr>
+                        <m:jc m:val="centerGroup"/>
+                      </m:oMathParaPr>
+                      <m:oMath xmlns:m="http://schemas.openxmlformats.org/officeDocument/2006/math">
+                        <m:sSubSup>
+                          <m:sSubSupPr>
+                            <m:ctrlPr>
+                              <a:rPr lang="en-US" sz="5400" i="1">
+                                <a:latin typeface="Cambria Math" panose="02040503050406030204" pitchFamily="18" charset="0"/>
+                              </a:rPr>
+                            </m:ctrlPr>
+                          </m:sSubSupPr>
+                          <m:e>
+                            <m:r>
+                              <a:rPr lang="en-US" sz="5400" i="1">
+                                <a:latin typeface="Cambria Math" panose="02040503050406030204" pitchFamily="18" charset="0"/>
+                              </a:rPr>
+                              <m:t>𝐷</m:t>
+                            </m:r>
+                            <m:r>
+                              <a:rPr lang="en-US" sz="5400" i="1">
+                                <a:latin typeface="Cambria Math" panose="02040503050406030204" pitchFamily="18" charset="0"/>
+                              </a:rPr>
+                              <m:t>∼</m:t>
+                            </m:r>
+                            <m:r>
+                              <a:rPr lang="en-US" sz="5400" i="1">
+                                <a:latin typeface="Cambria Math" panose="02040503050406030204" pitchFamily="18" charset="0"/>
+                              </a:rPr>
+                              <m:t>𝐺</m:t>
+                            </m:r>
+                          </m:e>
+                          <m:sub/>
+                          <m:sup>
+                            <m:r>
+                              <a:rPr lang="en-US" sz="5400" i="1">
+                                <a:latin typeface="Cambria Math" panose="02040503050406030204" pitchFamily="18" charset="0"/>
+                              </a:rPr>
+                              <m:t>†</m:t>
+                            </m:r>
+                          </m:sup>
+                        </m:sSubSup>
+                      </m:oMath>
+                    </m:oMathPara>
+                  </a14:m>
+                  <a:endParaRPr lang="en-US" sz="5400" baseline="-25000" dirty="0"/>
+                </a:p>
+              </p:txBody>
+            </p:sp>
+          </mc:Choice>
+          <mc:Fallback>
+            <p:sp>
+              <p:nvSpPr>
+                <p:cNvPr id="18" name="TextBox 17">
+                  <a:extLst>
+                    <a:ext uri="{FF2B5EF4-FFF2-40B4-BE49-F238E27FC236}">
+                      <a16:creationId xmlns:a16="http://schemas.microsoft.com/office/drawing/2014/main" id="{77D00AD8-2325-FA4B-9274-856EDA838A69}"/>
+                    </a:ext>
+                  </a:extLst>
+                </p:cNvPr>
+                <p:cNvSpPr txBox="1">
+                  <a:spLocks noRot="1" noChangeAspect="1" noMove="1" noResize="1" noEditPoints="1" noAdjustHandles="1" noChangeArrowheads="1" noChangeShapeType="1" noTextEdit="1"/>
+                </p:cNvSpPr>
+                <p:nvPr/>
+              </p:nvSpPr>
+              <p:spPr>
+                <a:xfrm>
+                  <a:off x="9495738" y="4724395"/>
+                  <a:ext cx="1309816" cy="1014188"/>
+                </a:xfrm>
+                <a:prstGeom prst="rect">
+                  <a:avLst/>
+                </a:prstGeom>
+                <a:blipFill>
+                  <a:blip r:embed="rId5"/>
+                  <a:stretch>
+                    <a:fillRect l="-17143" t="-1250" r="-76190"/>
+                  </a:stretch>
+                </a:blipFill>
+              </p:spPr>
+              <p:txBody>
+                <a:bodyPr/>
+                <a:lstStyle/>
+                <a:p>
+                  <a:r>
+                    <a:rPr lang="en-US">
+                      <a:noFill/>
+                    </a:rPr>
+                    <a:t> </a:t>
+                  </a:r>
+                </a:p>
+              </p:txBody>
+            </p:sp>
+          </mc:Fallback>
+        </mc:AlternateContent>
+        <mc:AlternateContent xmlns:mc="http://schemas.openxmlformats.org/markup-compatibility/2006">
+          <mc:Choice xmlns:a14="http://schemas.microsoft.com/office/drawing/2010/main" Requires="a14">
+            <p:sp>
+              <p:nvSpPr>
+                <p:cNvPr id="19" name="TextBox 18">
+                  <a:extLst>
+                    <a:ext uri="{FF2B5EF4-FFF2-40B4-BE49-F238E27FC236}">
+                      <a16:creationId xmlns:a16="http://schemas.microsoft.com/office/drawing/2014/main" id="{7FB18B45-F784-7249-BD21-202F49EFD12D}"/>
+                    </a:ext>
+                  </a:extLst>
+                </p:cNvPr>
+                <p:cNvSpPr txBox="1"/>
+                <p:nvPr/>
+              </p:nvSpPr>
+              <p:spPr>
+                <a:xfrm>
+                  <a:off x="14825399" y="9379013"/>
+                  <a:ext cx="1141606" cy="836447"/>
+                </a:xfrm>
+                <a:prstGeom prst="rect">
+                  <a:avLst/>
+                </a:prstGeom>
+                <a:noFill/>
+              </p:spPr>
+              <p:txBody>
+                <a:bodyPr wrap="square" lIns="0" tIns="0" rIns="0" bIns="0" rtlCol="0">
+                  <a:spAutoFit/>
+                </a:bodyPr>
+                <a:lstStyle/>
+                <a:p>
+                  <a14:m>
+                    <m:oMathPara xmlns:m="http://schemas.openxmlformats.org/officeDocument/2006/math">
+                      <m:oMathParaPr>
+                        <m:jc m:val="centerGroup"/>
+                      </m:oMathParaPr>
+                      <m:oMath xmlns:m="http://schemas.openxmlformats.org/officeDocument/2006/math">
+                        <m:sSubSup>
+                          <m:sSubSupPr>
+                            <m:ctrlPr>
+                              <a:rPr lang="en-US" sz="5400" i="1" smtClean="0">
+                                <a:latin typeface="Cambria Math" panose="02040503050406030204" pitchFamily="18" charset="0"/>
+                              </a:rPr>
+                            </m:ctrlPr>
+                          </m:sSubSupPr>
+                          <m:e>
+                            <m:r>
+                              <a:rPr lang="en-US" sz="5400" b="0" i="1" smtClean="0">
+                                <a:latin typeface="Cambria Math" panose="02040503050406030204" pitchFamily="18" charset="0"/>
+                              </a:rPr>
+                              <m:t>𝐺</m:t>
+                            </m:r>
+                          </m:e>
+                          <m:sub>
+                            <m:r>
+                              <a:rPr lang="en-US" sz="5400" b="0" i="1" smtClean="0">
+                                <a:latin typeface="Cambria Math" panose="02040503050406030204" pitchFamily="18" charset="0"/>
+                              </a:rPr>
+                              <m:t>𝜃</m:t>
+                            </m:r>
+                          </m:sub>
+                          <m:sup>
+                            <m:r>
+                              <a:rPr lang="en-US" sz="5400" b="0" i="1" smtClean="0">
+                                <a:latin typeface="Cambria Math" panose="02040503050406030204" pitchFamily="18" charset="0"/>
+                              </a:rPr>
+                              <m:t>∗</m:t>
+                            </m:r>
+                          </m:sup>
+                        </m:sSubSup>
+                      </m:oMath>
+                    </m:oMathPara>
+                  </a14:m>
+                  <a:endParaRPr lang="en-US" sz="5400" baseline="-25000" dirty="0"/>
+                </a:p>
+              </p:txBody>
+            </p:sp>
+          </mc:Choice>
+          <mc:Fallback>
+            <p:sp>
+              <p:nvSpPr>
+                <p:cNvPr id="19" name="TextBox 18">
+                  <a:extLst>
+                    <a:ext uri="{FF2B5EF4-FFF2-40B4-BE49-F238E27FC236}">
+                      <a16:creationId xmlns:a16="http://schemas.microsoft.com/office/drawing/2014/main" id="{7FB18B45-F784-7249-BD21-202F49EFD12D}"/>
+                    </a:ext>
+                  </a:extLst>
+                </p:cNvPr>
+                <p:cNvSpPr txBox="1">
+                  <a:spLocks noRot="1" noChangeAspect="1" noMove="1" noResize="1" noEditPoints="1" noAdjustHandles="1" noChangeArrowheads="1" noChangeShapeType="1" noTextEdit="1"/>
+                </p:cNvSpPr>
+                <p:nvPr/>
+              </p:nvSpPr>
+              <p:spPr>
+                <a:xfrm>
+                  <a:off x="14825399" y="9379013"/>
+                  <a:ext cx="1141606" cy="836447"/>
+                </a:xfrm>
+                <a:prstGeom prst="rect">
+                  <a:avLst/>
+                </a:prstGeom>
+                <a:blipFill>
+                  <a:blip r:embed="rId6"/>
+                  <a:stretch>
+                    <a:fillRect l="-4396" b="-20896"/>
+                  </a:stretch>
+                </a:blipFill>
+              </p:spPr>
+              <p:txBody>
+                <a:bodyPr/>
+                <a:lstStyle/>
+                <a:p>
+                  <a:r>
+                    <a:rPr lang="en-US">
+                      <a:noFill/>
+                    </a:rPr>
+                    <a:t> </a:t>
+                  </a:r>
+                </a:p>
+              </p:txBody>
+            </p:sp>
+          </mc:Fallback>
+        </mc:AlternateContent>
+        <p:sp>
+          <p:nvSpPr>
+            <p:cNvPr id="20" name="Oval 19">
+              <a:extLst>
+                <a:ext uri="{FF2B5EF4-FFF2-40B4-BE49-F238E27FC236}">
+                  <a16:creationId xmlns:a16="http://schemas.microsoft.com/office/drawing/2014/main" id="{BA4AA0AE-99F8-D642-A647-735FBD58048C}"/>
+                </a:ext>
+              </a:extLst>
+            </p:cNvPr>
+            <p:cNvSpPr/>
+            <p:nvPr/>
+          </p:nvSpPr>
+          <p:spPr>
+            <a:xfrm flipH="1">
+              <a:off x="14586307" y="9860691"/>
+              <a:ext cx="182233" cy="209084"/>
+            </a:xfrm>
+            <a:prstGeom prst="ellipse">
+              <a:avLst/>
+            </a:prstGeom>
+            <a:solidFill>
+              <a:schemeClr val="tx1"/>
+            </a:solidFill>
+            <a:ln>
+              <a:noFill/>
+            </a:ln>
+          </p:spPr>
+          <p:style>
+            <a:lnRef idx="2">
+              <a:schemeClr val="accent1">
+                <a:shade val="50000"/>
+              </a:schemeClr>
+            </a:lnRef>
+            <a:fillRef idx="1">
+              <a:schemeClr val="accent1"/>
+            </a:fillRef>
+            <a:effectRef idx="0">
+              <a:schemeClr val="accent1"/>
+            </a:effectRef>
+            <a:fontRef idx="minor">
+              <a:schemeClr val="lt1"/>
+            </a:fontRef>
+          </p:style>
+          <p:txBody>
+            <a:bodyPr rtlCol="0" anchor="ctr"/>
+            <a:lstStyle/>
+            <a:p>
+              <a:pPr algn="ctr"/>
+              <a:endParaRPr lang="en-US"/>
+            </a:p>
+          </p:txBody>
+        </p:sp>
+        <p:sp>
+          <p:nvSpPr>
+            <p:cNvPr id="26" name="Oval 25">
+              <a:extLst>
+                <a:ext uri="{FF2B5EF4-FFF2-40B4-BE49-F238E27FC236}">
+                  <a16:creationId xmlns:a16="http://schemas.microsoft.com/office/drawing/2014/main" id="{8C9D7415-FA9B-4D4E-89E0-F1FD427A7FAA}"/>
+                </a:ext>
+              </a:extLst>
+            </p:cNvPr>
+            <p:cNvSpPr/>
+            <p:nvPr/>
+          </p:nvSpPr>
+          <p:spPr>
+            <a:xfrm flipH="1">
+              <a:off x="11958242" y="5234966"/>
+              <a:ext cx="182233" cy="209084"/>
+            </a:xfrm>
+            <a:prstGeom prst="ellipse">
+              <a:avLst/>
+            </a:prstGeom>
+            <a:solidFill>
+              <a:schemeClr val="tx1"/>
+            </a:solidFill>
+            <a:ln>
+              <a:noFill/>
+            </a:ln>
+          </p:spPr>
+          <p:style>
+            <a:lnRef idx="2">
+              <a:schemeClr val="accent1">
+                <a:shade val="50000"/>
+              </a:schemeClr>
+            </a:lnRef>
+            <a:fillRef idx="1">
+              <a:schemeClr val="accent1"/>
+            </a:fillRef>
+            <a:effectRef idx="0">
+              <a:schemeClr val="accent1"/>
+            </a:effectRef>
+            <a:fontRef idx="minor">
+              <a:schemeClr val="lt1"/>
+            </a:fontRef>
+          </p:style>
+          <p:txBody>
+            <a:bodyPr rtlCol="0" anchor="ctr"/>
+            <a:lstStyle/>
+            <a:p>
+              <a:pPr algn="ctr"/>
+              <a:endParaRPr lang="en-US"/>
+            </a:p>
+          </p:txBody>
+        </p:sp>
+      </p:grpSp>
+    </p:spTree>
+    <p:extLst>
+      <p:ext uri="{BB962C8B-B14F-4D97-AF65-F5344CB8AC3E}">
+        <p14:creationId xmlns:p14="http://schemas.microsoft.com/office/powerpoint/2010/main" val="2375087876"/>
       </p:ext>
     </p:extLst>
   </p:cSld>

--- a/aim2/Presentation2.pptx
+++ b/aim2/Presentation2.pptx
@@ -11,6 +11,7 @@
     <p:sldId id="262" r:id="rId5"/>
     <p:sldId id="261" r:id="rId6"/>
     <p:sldId id="265" r:id="rId7"/>
+    <p:sldId id="266" r:id="rId8"/>
   </p:sldIdLst>
   <p:sldSz cx="24384000" cy="13716000"/>
   <p:notesSz cx="6858000" cy="9144000"/>
@@ -19664,7 +19665,7 @@
           <a:p>
             <a:fld id="{FA504883-DD2C-8046-A0FC-F2BBEA5B9BFD}" type="datetimeFigureOut">
               <a:rPr lang="en-US" smtClean="0"/>
-              <a:t>11/2/21</a:t>
+              <a:t>11/15/21</a:t>
             </a:fld>
             <a:endParaRPr lang="en-US"/>
           </a:p>
@@ -19834,7 +19835,7 @@
           <a:p>
             <a:fld id="{FA504883-DD2C-8046-A0FC-F2BBEA5B9BFD}" type="datetimeFigureOut">
               <a:rPr lang="en-US" smtClean="0"/>
-              <a:t>11/2/21</a:t>
+              <a:t>11/15/21</a:t>
             </a:fld>
             <a:endParaRPr lang="en-US"/>
           </a:p>
@@ -20014,7 +20015,7 @@
           <a:p>
             <a:fld id="{FA504883-DD2C-8046-A0FC-F2BBEA5B9BFD}" type="datetimeFigureOut">
               <a:rPr lang="en-US" smtClean="0"/>
-              <a:t>11/2/21</a:t>
+              <a:t>11/15/21</a:t>
             </a:fld>
             <a:endParaRPr lang="en-US"/>
           </a:p>
@@ -20184,7 +20185,7 @@
           <a:p>
             <a:fld id="{FA504883-DD2C-8046-A0FC-F2BBEA5B9BFD}" type="datetimeFigureOut">
               <a:rPr lang="en-US" smtClean="0"/>
-              <a:t>11/2/21</a:t>
+              <a:t>11/15/21</a:t>
             </a:fld>
             <a:endParaRPr lang="en-US"/>
           </a:p>
@@ -20430,7 +20431,7 @@
           <a:p>
             <a:fld id="{FA504883-DD2C-8046-A0FC-F2BBEA5B9BFD}" type="datetimeFigureOut">
               <a:rPr lang="en-US" smtClean="0"/>
-              <a:t>11/2/21</a:t>
+              <a:t>11/15/21</a:t>
             </a:fld>
             <a:endParaRPr lang="en-US"/>
           </a:p>
@@ -20662,7 +20663,7 @@
           <a:p>
             <a:fld id="{FA504883-DD2C-8046-A0FC-F2BBEA5B9BFD}" type="datetimeFigureOut">
               <a:rPr lang="en-US" smtClean="0"/>
-              <a:t>11/2/21</a:t>
+              <a:t>11/15/21</a:t>
             </a:fld>
             <a:endParaRPr lang="en-US"/>
           </a:p>
@@ -21029,7 +21030,7 @@
           <a:p>
             <a:fld id="{FA504883-DD2C-8046-A0FC-F2BBEA5B9BFD}" type="datetimeFigureOut">
               <a:rPr lang="en-US" smtClean="0"/>
-              <a:t>11/2/21</a:t>
+              <a:t>11/15/21</a:t>
             </a:fld>
             <a:endParaRPr lang="en-US"/>
           </a:p>
@@ -21147,7 +21148,7 @@
           <a:p>
             <a:fld id="{FA504883-DD2C-8046-A0FC-F2BBEA5B9BFD}" type="datetimeFigureOut">
               <a:rPr lang="en-US" smtClean="0"/>
-              <a:t>11/2/21</a:t>
+              <a:t>11/15/21</a:t>
             </a:fld>
             <a:endParaRPr lang="en-US"/>
           </a:p>
@@ -21242,7 +21243,7 @@
           <a:p>
             <a:fld id="{FA504883-DD2C-8046-A0FC-F2BBEA5B9BFD}" type="datetimeFigureOut">
               <a:rPr lang="en-US" smtClean="0"/>
-              <a:t>11/2/21</a:t>
+              <a:t>11/15/21</a:t>
             </a:fld>
             <a:endParaRPr lang="en-US"/>
           </a:p>
@@ -21519,7 +21520,7 @@
           <a:p>
             <a:fld id="{FA504883-DD2C-8046-A0FC-F2BBEA5B9BFD}" type="datetimeFigureOut">
               <a:rPr lang="en-US" smtClean="0"/>
-              <a:t>11/2/21</a:t>
+              <a:t>11/15/21</a:t>
             </a:fld>
             <a:endParaRPr lang="en-US"/>
           </a:p>
@@ -21776,7 +21777,7 @@
           <a:p>
             <a:fld id="{FA504883-DD2C-8046-A0FC-F2BBEA5B9BFD}" type="datetimeFigureOut">
               <a:rPr lang="en-US" smtClean="0"/>
-              <a:t>11/2/21</a:t>
+              <a:t>11/15/21</a:t>
             </a:fld>
             <a:endParaRPr lang="en-US"/>
           </a:p>
@@ -21989,7 +21990,7 @@
           <a:p>
             <a:fld id="{FA504883-DD2C-8046-A0FC-F2BBEA5B9BFD}" type="datetimeFigureOut">
               <a:rPr lang="en-US" smtClean="0"/>
-              <a:t>11/2/21</a:t>
+              <a:t>11/15/21</a:t>
             </a:fld>
             <a:endParaRPr lang="en-US"/>
           </a:p>
@@ -22981,8 +22982,8 @@
             </a:fontRef>
           </p:style>
         </p:cxnSp>
-        <mc:AlternateContent xmlns:mc="http://schemas.openxmlformats.org/markup-compatibility/2006">
-          <mc:Choice xmlns:a14="http://schemas.microsoft.com/office/drawing/2010/main" Requires="a14">
+        <mc:AlternateContent xmlns:mc="http://schemas.openxmlformats.org/markup-compatibility/2006" xmlns:a14="http://schemas.microsoft.com/office/drawing/2010/main">
+          <mc:Choice Requires="a14">
             <p:sp>
               <p:nvSpPr>
                 <p:cNvPr id="13" name="TextBox 12">
@@ -23011,6 +23012,7 @@
                 </a:bodyPr>
                 <a:lstStyle/>
                 <a:p>
+                  <a:pPr/>
                   <a14:m>
                     <m:oMathPara xmlns:m="http://schemas.openxmlformats.org/officeDocument/2006/math">
                       <m:oMathParaPr>
@@ -23037,7 +23039,7 @@
               </p:txBody>
             </p:sp>
           </mc:Choice>
-          <mc:Fallback>
+          <mc:Fallback xmlns="">
             <p:sp>
               <p:nvSpPr>
                 <p:cNvPr id="13" name="TextBox 12">
@@ -23082,8 +23084,8 @@
             </p:sp>
           </mc:Fallback>
         </mc:AlternateContent>
-        <mc:AlternateContent xmlns:mc="http://schemas.openxmlformats.org/markup-compatibility/2006">
-          <mc:Choice xmlns:a14="http://schemas.microsoft.com/office/drawing/2010/main" Requires="a14">
+        <mc:AlternateContent xmlns:mc="http://schemas.openxmlformats.org/markup-compatibility/2006" xmlns:a14="http://schemas.microsoft.com/office/drawing/2010/main">
+          <mc:Choice Requires="a14">
             <p:sp>
               <p:nvSpPr>
                 <p:cNvPr id="16" name="TextBox 15">
@@ -23112,6 +23114,7 @@
                 </a:bodyPr>
                 <a:lstStyle/>
                 <a:p>
+                  <a:pPr/>
                   <a14:m>
                     <m:oMathPara xmlns:m="http://schemas.openxmlformats.org/officeDocument/2006/math">
                       <m:oMathParaPr>
@@ -23121,7 +23124,7 @@
                         <m:sSubSup>
                           <m:sSubSupPr>
                             <m:ctrlPr>
-                              <a:rPr lang="en-US" sz="7200" b="1" smtClean="0">
+                              <a:rPr lang="en-US" sz="7200" b="1" i="1" smtClean="0">
                                 <a:latin typeface="Cambria Math" panose="02040503050406030204" pitchFamily="18" charset="0"/>
                               </a:rPr>
                             </m:ctrlPr>
@@ -23159,7 +23162,7 @@
               </p:txBody>
             </p:sp>
           </mc:Choice>
-          <mc:Fallback>
+          <mc:Fallback xmlns="">
             <p:sp>
               <p:nvSpPr>
                 <p:cNvPr id="16" name="TextBox 15">
@@ -23204,8 +23207,8 @@
             </p:sp>
           </mc:Fallback>
         </mc:AlternateContent>
-        <mc:AlternateContent xmlns:mc="http://schemas.openxmlformats.org/markup-compatibility/2006">
-          <mc:Choice xmlns:a14="http://schemas.microsoft.com/office/drawing/2010/main" Requires="a14">
+        <mc:AlternateContent xmlns:mc="http://schemas.openxmlformats.org/markup-compatibility/2006" xmlns:a14="http://schemas.microsoft.com/office/drawing/2010/main">
+          <mc:Choice Requires="a14">
             <p:sp>
               <p:nvSpPr>
                 <p:cNvPr id="17" name="TextBox 16">
@@ -23234,6 +23237,7 @@
                 </a:bodyPr>
                 <a:lstStyle/>
                 <a:p>
+                  <a:pPr/>
                   <a14:m>
                     <m:oMathPara xmlns:m="http://schemas.openxmlformats.org/officeDocument/2006/math">
                       <m:oMathParaPr>
@@ -23243,7 +23247,7 @@
                         <m:sSubSup>
                           <m:sSubSupPr>
                             <m:ctrlPr>
-                              <a:rPr lang="en-US" sz="7200" b="1" smtClean="0">
+                              <a:rPr lang="en-US" sz="7200" b="1" i="1" smtClean="0">
                                 <a:latin typeface="Cambria Math" panose="02040503050406030204" pitchFamily="18" charset="0"/>
                               </a:rPr>
                             </m:ctrlPr>
@@ -23281,7 +23285,7 @@
               </p:txBody>
             </p:sp>
           </mc:Choice>
-          <mc:Fallback>
+          <mc:Fallback xmlns="">
             <p:sp>
               <p:nvSpPr>
                 <p:cNvPr id="17" name="TextBox 16">
@@ -23326,8 +23330,8 @@
             </p:sp>
           </mc:Fallback>
         </mc:AlternateContent>
-        <mc:AlternateContent xmlns:mc="http://schemas.openxmlformats.org/markup-compatibility/2006">
-          <mc:Choice xmlns:a14="http://schemas.microsoft.com/office/drawing/2010/main" Requires="a14">
+        <mc:AlternateContent xmlns:mc="http://schemas.openxmlformats.org/markup-compatibility/2006" xmlns:a14="http://schemas.microsoft.com/office/drawing/2010/main">
+          <mc:Choice Requires="a14">
             <p:sp>
               <p:nvSpPr>
                 <p:cNvPr id="18" name="TextBox 17">
@@ -23356,6 +23360,7 @@
                 </a:bodyPr>
                 <a:lstStyle/>
                 <a:p>
+                  <a:pPr/>
                   <a14:m>
                     <m:oMathPara xmlns:m="http://schemas.openxmlformats.org/officeDocument/2006/math">
                       <m:oMathParaPr>
@@ -23408,7 +23413,7 @@
               </p:txBody>
             </p:sp>
           </mc:Choice>
-          <mc:Fallback>
+          <mc:Fallback xmlns="">
             <p:sp>
               <p:nvSpPr>
                 <p:cNvPr id="18" name="TextBox 17">
@@ -23453,8 +23458,8 @@
             </p:sp>
           </mc:Fallback>
         </mc:AlternateContent>
-        <mc:AlternateContent xmlns:mc="http://schemas.openxmlformats.org/markup-compatibility/2006">
-          <mc:Choice xmlns:a14="http://schemas.microsoft.com/office/drawing/2010/main" Requires="a14">
+        <mc:AlternateContent xmlns:mc="http://schemas.openxmlformats.org/markup-compatibility/2006" xmlns:a14="http://schemas.microsoft.com/office/drawing/2010/main">
+          <mc:Choice Requires="a14">
             <p:sp>
               <p:nvSpPr>
                 <p:cNvPr id="19" name="TextBox 18">
@@ -23483,6 +23488,7 @@
                 </a:bodyPr>
                 <a:lstStyle/>
                 <a:p>
+                  <a:pPr/>
                   <a14:m>
                     <m:oMathPara xmlns:m="http://schemas.openxmlformats.org/officeDocument/2006/math">
                       <m:oMathParaPr>
@@ -23530,7 +23536,7 @@
               </p:txBody>
             </p:sp>
           </mc:Choice>
-          <mc:Fallback>
+          <mc:Fallback xmlns="">
             <p:sp>
               <p:nvSpPr>
                 <p:cNvPr id="19" name="TextBox 18">
@@ -23684,6 +23690,908 @@
     <p:extLst>
       <p:ext uri="{BB962C8B-B14F-4D97-AF65-F5344CB8AC3E}">
         <p14:creationId xmlns:p14="http://schemas.microsoft.com/office/powerpoint/2010/main" val="2375087876"/>
+      </p:ext>
+    </p:extLst>
+  </p:cSld>
+  <p:clrMapOvr>
+    <a:masterClrMapping/>
+  </p:clrMapOvr>
+</p:sld>
+</file>
+
+<file path=ppt/slides/slide7.xml><?xml version="1.0" encoding="utf-8"?>
+<p:sld xmlns:a="http://schemas.openxmlformats.org/drawingml/2006/main" xmlns:r="http://schemas.openxmlformats.org/officeDocument/2006/relationships" xmlns:p="http://schemas.openxmlformats.org/presentationml/2006/main">
+  <p:cSld>
+    <p:spTree>
+      <p:nvGrpSpPr>
+        <p:cNvPr id="1" name=""/>
+        <p:cNvGrpSpPr/>
+        <p:nvPr/>
+      </p:nvGrpSpPr>
+      <p:grpSpPr>
+        <a:xfrm>
+          <a:off x="0" y="0"/>
+          <a:ext cx="0" cy="0"/>
+          <a:chOff x="0" y="0"/>
+          <a:chExt cx="0" cy="0"/>
+        </a:xfrm>
+      </p:grpSpPr>
+      <p:sp>
+        <p:nvSpPr>
+          <p:cNvPr id="4" name="Rectangle 3">
+            <a:extLst>
+              <a:ext uri="{FF2B5EF4-FFF2-40B4-BE49-F238E27FC236}">
+                <a16:creationId xmlns:a16="http://schemas.microsoft.com/office/drawing/2014/main" id="{3174F941-3013-994F-A998-7D6B79F9462E}"/>
+              </a:ext>
+            </a:extLst>
+          </p:cNvPr>
+          <p:cNvSpPr/>
+          <p:nvPr/>
+        </p:nvSpPr>
+        <p:spPr>
+          <a:xfrm rot="5400000">
+            <a:off x="3285461" y="6071190"/>
+            <a:ext cx="10090298" cy="1775637"/>
+          </a:xfrm>
+          <a:prstGeom prst="rect">
+            <a:avLst/>
+          </a:prstGeom>
+          <a:solidFill>
+            <a:schemeClr val="accent4">
+              <a:lumMod val="50000"/>
+            </a:schemeClr>
+          </a:solidFill>
+        </p:spPr>
+        <p:style>
+          <a:lnRef idx="2">
+            <a:schemeClr val="accent1">
+              <a:shade val="50000"/>
+            </a:schemeClr>
+          </a:lnRef>
+          <a:fillRef idx="1">
+            <a:schemeClr val="accent1"/>
+          </a:fillRef>
+          <a:effectRef idx="0">
+            <a:schemeClr val="accent1"/>
+          </a:effectRef>
+          <a:fontRef idx="minor">
+            <a:schemeClr val="lt1"/>
+          </a:fontRef>
+        </p:style>
+        <p:txBody>
+          <a:bodyPr rtlCol="0" anchor="ctr"/>
+          <a:lstStyle/>
+          <a:p>
+            <a:pPr algn="ctr"/>
+            <a:r>
+              <a:rPr lang="en-US" sz="6000" dirty="0"/>
+              <a:t>ENCODER</a:t>
+            </a:r>
+          </a:p>
+        </p:txBody>
+      </p:sp>
+      <p:sp>
+        <p:nvSpPr>
+          <p:cNvPr id="5" name="Rectangle 4">
+            <a:extLst>
+              <a:ext uri="{FF2B5EF4-FFF2-40B4-BE49-F238E27FC236}">
+                <a16:creationId xmlns:a16="http://schemas.microsoft.com/office/drawing/2014/main" id="{F5706F8D-2D66-754F-AA1A-E4EA71C75E26}"/>
+              </a:ext>
+            </a:extLst>
+          </p:cNvPr>
+          <p:cNvSpPr/>
+          <p:nvPr/>
+        </p:nvSpPr>
+        <p:spPr>
+          <a:xfrm rot="5400000">
+            <a:off x="12730719" y="6071191"/>
+            <a:ext cx="10090298" cy="1775637"/>
+          </a:xfrm>
+          <a:prstGeom prst="rect">
+            <a:avLst/>
+          </a:prstGeom>
+          <a:solidFill>
+            <a:schemeClr val="accent5">
+              <a:lumMod val="50000"/>
+            </a:schemeClr>
+          </a:solidFill>
+        </p:spPr>
+        <p:style>
+          <a:lnRef idx="2">
+            <a:schemeClr val="accent1">
+              <a:shade val="50000"/>
+            </a:schemeClr>
+          </a:lnRef>
+          <a:fillRef idx="1">
+            <a:schemeClr val="accent1"/>
+          </a:fillRef>
+          <a:effectRef idx="0">
+            <a:schemeClr val="accent1"/>
+          </a:effectRef>
+          <a:fontRef idx="minor">
+            <a:schemeClr val="lt1"/>
+          </a:fontRef>
+        </p:style>
+        <p:txBody>
+          <a:bodyPr rtlCol="0" anchor="ctr"/>
+          <a:lstStyle/>
+          <a:p>
+            <a:pPr algn="ctr"/>
+            <a:r>
+              <a:rPr lang="en-US" sz="6000" dirty="0"/>
+              <a:t>DECODER</a:t>
+            </a:r>
+          </a:p>
+        </p:txBody>
+      </p:sp>
+      <p:sp>
+        <p:nvSpPr>
+          <p:cNvPr id="6" name="TextBox 5">
+            <a:extLst>
+              <a:ext uri="{FF2B5EF4-FFF2-40B4-BE49-F238E27FC236}">
+                <a16:creationId xmlns:a16="http://schemas.microsoft.com/office/drawing/2014/main" id="{1937FAAB-A594-1248-9AD6-4C964D41DBFE}"/>
+              </a:ext>
+            </a:extLst>
+          </p:cNvPr>
+          <p:cNvSpPr txBox="1"/>
+          <p:nvPr/>
+        </p:nvSpPr>
+        <p:spPr>
+          <a:xfrm>
+            <a:off x="4444408" y="6451177"/>
+            <a:ext cx="630301" cy="1015663"/>
+          </a:xfrm>
+          <a:prstGeom prst="rect">
+            <a:avLst/>
+          </a:prstGeom>
+          <a:noFill/>
+        </p:spPr>
+        <p:txBody>
+          <a:bodyPr wrap="none" rtlCol="0">
+            <a:spAutoFit/>
+          </a:bodyPr>
+          <a:lstStyle/>
+          <a:p>
+            <a:r>
+              <a:rPr lang="en-US" sz="6000" dirty="0"/>
+              <a:t>A</a:t>
+            </a:r>
+          </a:p>
+        </p:txBody>
+      </p:sp>
+      <p:sp>
+        <p:nvSpPr>
+          <p:cNvPr id="7" name="TextBox 6">
+            <a:extLst>
+              <a:ext uri="{FF2B5EF4-FFF2-40B4-BE49-F238E27FC236}">
+                <a16:creationId xmlns:a16="http://schemas.microsoft.com/office/drawing/2014/main" id="{9C6F1D89-093B-DB46-ADFC-3199246C2D69}"/>
+              </a:ext>
+            </a:extLst>
+          </p:cNvPr>
+          <p:cNvSpPr txBox="1"/>
+          <p:nvPr/>
+        </p:nvSpPr>
+        <p:spPr>
+          <a:xfrm>
+            <a:off x="4444408" y="12371740"/>
+            <a:ext cx="603050" cy="1015663"/>
+          </a:xfrm>
+          <a:prstGeom prst="rect">
+            <a:avLst/>
+          </a:prstGeom>
+          <a:noFill/>
+        </p:spPr>
+        <p:txBody>
+          <a:bodyPr wrap="none" rtlCol="0">
+            <a:spAutoFit/>
+          </a:bodyPr>
+          <a:lstStyle/>
+          <a:p>
+            <a:r>
+              <a:rPr lang="en-US" sz="6000" dirty="0"/>
+              <a:t>B</a:t>
+            </a:r>
+          </a:p>
+        </p:txBody>
+      </p:sp>
+      <p:cxnSp>
+        <p:nvCxnSpPr>
+          <p:cNvPr id="9" name="Straight Arrow Connector 8">
+            <a:extLst>
+              <a:ext uri="{FF2B5EF4-FFF2-40B4-BE49-F238E27FC236}">
+                <a16:creationId xmlns:a16="http://schemas.microsoft.com/office/drawing/2014/main" id="{7957FB1E-B8FF-C340-9468-2A5EA7CCCA83}"/>
+              </a:ext>
+            </a:extLst>
+          </p:cNvPr>
+          <p:cNvCxnSpPr>
+            <a:stCxn id="6" idx="3"/>
+            <a:endCxn id="4" idx="2"/>
+          </p:cNvCxnSpPr>
+          <p:nvPr/>
+        </p:nvCxnSpPr>
+        <p:spPr>
+          <a:xfrm>
+            <a:off x="5074709" y="6959009"/>
+            <a:ext cx="2368083" cy="0"/>
+          </a:xfrm>
+          <a:prstGeom prst="straightConnector1">
+            <a:avLst/>
+          </a:prstGeom>
+          <a:ln w="95250">
+            <a:solidFill>
+              <a:schemeClr val="tx1"/>
+            </a:solidFill>
+            <a:tailEnd type="triangle"/>
+          </a:ln>
+        </p:spPr>
+        <p:style>
+          <a:lnRef idx="1">
+            <a:schemeClr val="accent1"/>
+          </a:lnRef>
+          <a:fillRef idx="0">
+            <a:schemeClr val="accent1"/>
+          </a:fillRef>
+          <a:effectRef idx="0">
+            <a:schemeClr val="accent1"/>
+          </a:effectRef>
+          <a:fontRef idx="minor">
+            <a:schemeClr val="tx1"/>
+          </a:fontRef>
+        </p:style>
+      </p:cxnSp>
+      <mc:AlternateContent xmlns:mc="http://schemas.openxmlformats.org/markup-compatibility/2006">
+        <mc:Choice xmlns:a14="http://schemas.microsoft.com/office/drawing/2010/main" Requires="a14">
+          <p:sp>
+            <p:nvSpPr>
+              <p:cNvPr id="13" name="TextBox 12">
+                <a:extLst>
+                  <a:ext uri="{FF2B5EF4-FFF2-40B4-BE49-F238E27FC236}">
+                    <a16:creationId xmlns:a16="http://schemas.microsoft.com/office/drawing/2014/main" id="{27BFDB41-577B-6A4E-9D93-869671F96AF1}"/>
+                  </a:ext>
+                </a:extLst>
+              </p:cNvPr>
+              <p:cNvSpPr txBox="1"/>
+              <p:nvPr/>
+            </p:nvSpPr>
+            <p:spPr>
+              <a:xfrm>
+                <a:off x="10746730" y="6588682"/>
+                <a:ext cx="839781" cy="740652"/>
+              </a:xfrm>
+              <a:prstGeom prst="rect">
+                <a:avLst/>
+              </a:prstGeom>
+              <a:noFill/>
+            </p:spPr>
+            <p:txBody>
+              <a:bodyPr wrap="none" lIns="0" tIns="0" rIns="0" bIns="0" rtlCol="0">
+                <a:spAutoFit/>
+              </a:bodyPr>
+              <a:lstStyle/>
+              <a:p>
+                <a14:m>
+                  <m:oMathPara xmlns:m="http://schemas.openxmlformats.org/officeDocument/2006/math">
+                    <m:oMathParaPr>
+                      <m:jc m:val="centerGroup"/>
+                    </m:oMathParaPr>
+                    <m:oMath xmlns:m="http://schemas.openxmlformats.org/officeDocument/2006/math">
+                      <m:sSup>
+                        <m:sSupPr>
+                          <m:ctrlPr>
+                            <a:rPr lang="en-US" sz="4800" b="0" i="1" smtClean="0">
+                              <a:latin typeface="Cambria Math" panose="02040503050406030204" pitchFamily="18" charset="0"/>
+                            </a:rPr>
+                          </m:ctrlPr>
+                        </m:sSupPr>
+                        <m:e>
+                          <m:r>
+                            <a:rPr lang="en-US" sz="4800" b="0" i="1" smtClean="0">
+                              <a:latin typeface="Cambria Math" panose="02040503050406030204" pitchFamily="18" charset="0"/>
+                            </a:rPr>
+                            <m:t>𝜇</m:t>
+                          </m:r>
+                        </m:e>
+                        <m:sup>
+                          <m:r>
+                            <a:rPr lang="en-US" sz="4800" b="0" i="1" smtClean="0">
+                              <a:latin typeface="Cambria Math" panose="02040503050406030204" pitchFamily="18" charset="0"/>
+                            </a:rPr>
+                            <m:t>𝐴</m:t>
+                          </m:r>
+                        </m:sup>
+                      </m:sSup>
+                    </m:oMath>
+                  </m:oMathPara>
+                </a14:m>
+                <a:endParaRPr lang="en-US" sz="4800" dirty="0"/>
+              </a:p>
+            </p:txBody>
+          </p:sp>
+        </mc:Choice>
+        <mc:Fallback>
+          <p:sp>
+            <p:nvSpPr>
+              <p:cNvPr id="13" name="TextBox 12">
+                <a:extLst>
+                  <a:ext uri="{FF2B5EF4-FFF2-40B4-BE49-F238E27FC236}">
+                    <a16:creationId xmlns:a16="http://schemas.microsoft.com/office/drawing/2014/main" id="{27BFDB41-577B-6A4E-9D93-869671F96AF1}"/>
+                  </a:ext>
+                </a:extLst>
+              </p:cNvPr>
+              <p:cNvSpPr txBox="1">
+                <a:spLocks noRot="1" noChangeAspect="1" noMove="1" noResize="1" noEditPoints="1" noAdjustHandles="1" noChangeArrowheads="1" noChangeShapeType="1" noTextEdit="1"/>
+              </p:cNvSpPr>
+              <p:nvPr/>
+            </p:nvSpPr>
+            <p:spPr>
+              <a:xfrm>
+                <a:off x="10746730" y="6588682"/>
+                <a:ext cx="839781" cy="740652"/>
+              </a:xfrm>
+              <a:prstGeom prst="rect">
+                <a:avLst/>
+              </a:prstGeom>
+              <a:blipFill>
+                <a:blip r:embed="rId2"/>
+                <a:stretch>
+                  <a:fillRect l="-14925" r="-4478" b="-22034"/>
+                </a:stretch>
+              </a:blipFill>
+            </p:spPr>
+            <p:txBody>
+              <a:bodyPr/>
+              <a:lstStyle/>
+              <a:p>
+                <a:r>
+                  <a:rPr lang="en-US">
+                    <a:noFill/>
+                  </a:rPr>
+                  <a:t> </a:t>
+                </a:r>
+              </a:p>
+            </p:txBody>
+          </p:sp>
+        </mc:Fallback>
+      </mc:AlternateContent>
+      <mc:AlternateContent xmlns:mc="http://schemas.openxmlformats.org/markup-compatibility/2006">
+        <mc:Choice xmlns:a14="http://schemas.microsoft.com/office/drawing/2010/main" Requires="a14">
+          <p:sp>
+            <p:nvSpPr>
+              <p:cNvPr id="14" name="TextBox 13">
+                <a:extLst>
+                  <a:ext uri="{FF2B5EF4-FFF2-40B4-BE49-F238E27FC236}">
+                    <a16:creationId xmlns:a16="http://schemas.microsoft.com/office/drawing/2014/main" id="{50C67221-F93C-8742-8C52-9806EA38DD9A}"/>
+                  </a:ext>
+                </a:extLst>
+              </p:cNvPr>
+              <p:cNvSpPr txBox="1"/>
+              <p:nvPr/>
+            </p:nvSpPr>
+            <p:spPr>
+              <a:xfrm>
+                <a:off x="10746730" y="7850327"/>
+                <a:ext cx="841192" cy="740652"/>
+              </a:xfrm>
+              <a:prstGeom prst="rect">
+                <a:avLst/>
+              </a:prstGeom>
+              <a:noFill/>
+            </p:spPr>
+            <p:txBody>
+              <a:bodyPr wrap="none" lIns="0" tIns="0" rIns="0" bIns="0" rtlCol="0">
+                <a:spAutoFit/>
+              </a:bodyPr>
+              <a:lstStyle/>
+              <a:p>
+                <a14:m>
+                  <m:oMathPara xmlns:m="http://schemas.openxmlformats.org/officeDocument/2006/math">
+                    <m:oMathParaPr>
+                      <m:jc m:val="centerGroup"/>
+                    </m:oMathParaPr>
+                    <m:oMath xmlns:m="http://schemas.openxmlformats.org/officeDocument/2006/math">
+                      <m:sSup>
+                        <m:sSupPr>
+                          <m:ctrlPr>
+                            <a:rPr lang="en-US" sz="4800" b="0" i="1" smtClean="0">
+                              <a:latin typeface="Cambria Math" panose="02040503050406030204" pitchFamily="18" charset="0"/>
+                            </a:rPr>
+                          </m:ctrlPr>
+                        </m:sSupPr>
+                        <m:e>
+                          <m:r>
+                            <m:rPr>
+                              <m:sty m:val="p"/>
+                            </m:rPr>
+                            <a:rPr lang="en-US" sz="4800" b="0" i="0" smtClean="0">
+                              <a:latin typeface="Cambria Math" panose="02040503050406030204" pitchFamily="18" charset="0"/>
+                            </a:rPr>
+                            <m:t>Σ</m:t>
+                          </m:r>
+                        </m:e>
+                        <m:sup>
+                          <m:r>
+                            <a:rPr lang="en-US" sz="4800" b="0" i="1" smtClean="0">
+                              <a:latin typeface="Cambria Math" panose="02040503050406030204" pitchFamily="18" charset="0"/>
+                            </a:rPr>
+                            <m:t>𝐴</m:t>
+                          </m:r>
+                        </m:sup>
+                      </m:sSup>
+                    </m:oMath>
+                  </m:oMathPara>
+                </a14:m>
+                <a:endParaRPr lang="en-US" sz="4800" dirty="0"/>
+              </a:p>
+            </p:txBody>
+          </p:sp>
+        </mc:Choice>
+        <mc:Fallback>
+          <p:sp>
+            <p:nvSpPr>
+              <p:cNvPr id="14" name="TextBox 13">
+                <a:extLst>
+                  <a:ext uri="{FF2B5EF4-FFF2-40B4-BE49-F238E27FC236}">
+                    <a16:creationId xmlns:a16="http://schemas.microsoft.com/office/drawing/2014/main" id="{50C67221-F93C-8742-8C52-9806EA38DD9A}"/>
+                  </a:ext>
+                </a:extLst>
+              </p:cNvPr>
+              <p:cNvSpPr txBox="1">
+                <a:spLocks noRot="1" noChangeAspect="1" noMove="1" noResize="1" noEditPoints="1" noAdjustHandles="1" noChangeArrowheads="1" noChangeShapeType="1" noTextEdit="1"/>
+              </p:cNvSpPr>
+              <p:nvPr/>
+            </p:nvSpPr>
+            <p:spPr>
+              <a:xfrm>
+                <a:off x="10746730" y="7850327"/>
+                <a:ext cx="841192" cy="740652"/>
+              </a:xfrm>
+              <a:prstGeom prst="rect">
+                <a:avLst/>
+              </a:prstGeom>
+              <a:blipFill>
+                <a:blip r:embed="rId3"/>
+                <a:stretch>
+                  <a:fillRect l="-16418" t="-1695" r="-4478" b="-6780"/>
+                </a:stretch>
+              </a:blipFill>
+            </p:spPr>
+            <p:txBody>
+              <a:bodyPr/>
+              <a:lstStyle/>
+              <a:p>
+                <a:r>
+                  <a:rPr lang="en-US">
+                    <a:noFill/>
+                  </a:rPr>
+                  <a:t> </a:t>
+                </a:r>
+              </a:p>
+            </p:txBody>
+          </p:sp>
+        </mc:Fallback>
+      </mc:AlternateContent>
+      <p:sp>
+        <p:nvSpPr>
+          <p:cNvPr id="16" name="TextBox 15">
+            <a:extLst>
+              <a:ext uri="{FF2B5EF4-FFF2-40B4-BE49-F238E27FC236}">
+                <a16:creationId xmlns:a16="http://schemas.microsoft.com/office/drawing/2014/main" id="{FAC27EE2-FDD9-9E42-9BAB-44BE8E79AE7C}"/>
+              </a:ext>
+            </a:extLst>
+          </p:cNvPr>
+          <p:cNvSpPr txBox="1"/>
+          <p:nvPr/>
+        </p:nvSpPr>
+        <p:spPr>
+          <a:xfrm>
+            <a:off x="13816806" y="6451176"/>
+            <a:ext cx="603050" cy="1015663"/>
+          </a:xfrm>
+          <a:prstGeom prst="rect">
+            <a:avLst/>
+          </a:prstGeom>
+          <a:noFill/>
+        </p:spPr>
+        <p:txBody>
+          <a:bodyPr wrap="none" rtlCol="0">
+            <a:spAutoFit/>
+          </a:bodyPr>
+          <a:lstStyle/>
+          <a:p>
+            <a:r>
+              <a:rPr lang="en-US" sz="6000" dirty="0"/>
+              <a:t>R</a:t>
+            </a:r>
+          </a:p>
+        </p:txBody>
+      </p:sp>
+      <p:cxnSp>
+        <p:nvCxnSpPr>
+          <p:cNvPr id="17" name="Straight Arrow Connector 16">
+            <a:extLst>
+              <a:ext uri="{FF2B5EF4-FFF2-40B4-BE49-F238E27FC236}">
+                <a16:creationId xmlns:a16="http://schemas.microsoft.com/office/drawing/2014/main" id="{C4D7C1B3-AA17-A74A-8C35-592144C1CE28}"/>
+              </a:ext>
+            </a:extLst>
+          </p:cNvPr>
+          <p:cNvCxnSpPr>
+            <a:cxnSpLocks/>
+            <a:stCxn id="4" idx="0"/>
+            <a:endCxn id="13" idx="1"/>
+          </p:cNvCxnSpPr>
+          <p:nvPr/>
+        </p:nvCxnSpPr>
+        <p:spPr>
+          <a:xfrm flipV="1">
+            <a:off x="9218429" y="6959008"/>
+            <a:ext cx="1528301" cy="1"/>
+          </a:xfrm>
+          <a:prstGeom prst="straightConnector1">
+            <a:avLst/>
+          </a:prstGeom>
+          <a:ln w="95250">
+            <a:solidFill>
+              <a:schemeClr val="tx1"/>
+            </a:solidFill>
+            <a:tailEnd type="triangle"/>
+          </a:ln>
+        </p:spPr>
+        <p:style>
+          <a:lnRef idx="1">
+            <a:schemeClr val="accent1"/>
+          </a:lnRef>
+          <a:fillRef idx="0">
+            <a:schemeClr val="accent1"/>
+          </a:fillRef>
+          <a:effectRef idx="0">
+            <a:schemeClr val="accent1"/>
+          </a:effectRef>
+          <a:fontRef idx="minor">
+            <a:schemeClr val="tx1"/>
+          </a:fontRef>
+        </p:style>
+      </p:cxnSp>
+      <p:cxnSp>
+        <p:nvCxnSpPr>
+          <p:cNvPr id="20" name="Straight Arrow Connector 19">
+            <a:extLst>
+              <a:ext uri="{FF2B5EF4-FFF2-40B4-BE49-F238E27FC236}">
+                <a16:creationId xmlns:a16="http://schemas.microsoft.com/office/drawing/2014/main" id="{A8DC3B40-8F8F-5E47-BF3F-929BEB0620D0}"/>
+              </a:ext>
+            </a:extLst>
+          </p:cNvPr>
+          <p:cNvCxnSpPr>
+            <a:cxnSpLocks/>
+            <a:stCxn id="13" idx="3"/>
+            <a:endCxn id="16" idx="1"/>
+          </p:cNvCxnSpPr>
+          <p:nvPr/>
+        </p:nvCxnSpPr>
+        <p:spPr>
+          <a:xfrm>
+            <a:off x="11586511" y="6959008"/>
+            <a:ext cx="2230295" cy="0"/>
+          </a:xfrm>
+          <a:prstGeom prst="straightConnector1">
+            <a:avLst/>
+          </a:prstGeom>
+          <a:ln w="95250">
+            <a:solidFill>
+              <a:schemeClr val="tx1"/>
+            </a:solidFill>
+            <a:prstDash val="dash"/>
+            <a:tailEnd type="triangle"/>
+          </a:ln>
+        </p:spPr>
+        <p:style>
+          <a:lnRef idx="1">
+            <a:schemeClr val="accent1"/>
+          </a:lnRef>
+          <a:fillRef idx="0">
+            <a:schemeClr val="accent1"/>
+          </a:fillRef>
+          <a:effectRef idx="0">
+            <a:schemeClr val="accent1"/>
+          </a:effectRef>
+          <a:fontRef idx="minor">
+            <a:schemeClr val="tx1"/>
+          </a:fontRef>
+        </p:style>
+      </p:cxnSp>
+      <p:cxnSp>
+        <p:nvCxnSpPr>
+          <p:cNvPr id="23" name="Straight Arrow Connector 22">
+            <a:extLst>
+              <a:ext uri="{FF2B5EF4-FFF2-40B4-BE49-F238E27FC236}">
+                <a16:creationId xmlns:a16="http://schemas.microsoft.com/office/drawing/2014/main" id="{80F7DA91-45E4-CA4D-B92A-C3965FDE76C6}"/>
+              </a:ext>
+            </a:extLst>
+          </p:cNvPr>
+          <p:cNvCxnSpPr>
+            <a:cxnSpLocks/>
+            <a:stCxn id="16" idx="3"/>
+            <a:endCxn id="5" idx="2"/>
+          </p:cNvCxnSpPr>
+          <p:nvPr/>
+        </p:nvCxnSpPr>
+        <p:spPr>
+          <a:xfrm>
+            <a:off x="14419856" y="6959008"/>
+            <a:ext cx="2468194" cy="2"/>
+          </a:xfrm>
+          <a:prstGeom prst="straightConnector1">
+            <a:avLst/>
+          </a:prstGeom>
+          <a:ln w="95250">
+            <a:solidFill>
+              <a:schemeClr val="tx1"/>
+            </a:solidFill>
+            <a:tailEnd type="triangle"/>
+          </a:ln>
+        </p:spPr>
+        <p:style>
+          <a:lnRef idx="1">
+            <a:schemeClr val="accent1"/>
+          </a:lnRef>
+          <a:fillRef idx="0">
+            <a:schemeClr val="accent1"/>
+          </a:fillRef>
+          <a:effectRef idx="0">
+            <a:schemeClr val="accent1"/>
+          </a:effectRef>
+          <a:fontRef idx="minor">
+            <a:schemeClr val="tx1"/>
+          </a:fontRef>
+        </p:style>
+      </p:cxnSp>
+      <p:cxnSp>
+        <p:nvCxnSpPr>
+          <p:cNvPr id="26" name="Straight Arrow Connector 25">
+            <a:extLst>
+              <a:ext uri="{FF2B5EF4-FFF2-40B4-BE49-F238E27FC236}">
+                <a16:creationId xmlns:a16="http://schemas.microsoft.com/office/drawing/2014/main" id="{95E0F4A9-7C58-0148-A7FD-5CE45F991B78}"/>
+              </a:ext>
+            </a:extLst>
+          </p:cNvPr>
+          <p:cNvCxnSpPr>
+            <a:cxnSpLocks/>
+            <a:stCxn id="5" idx="0"/>
+            <a:endCxn id="29" idx="1"/>
+          </p:cNvCxnSpPr>
+          <p:nvPr/>
+        </p:nvCxnSpPr>
+        <p:spPr>
+          <a:xfrm flipV="1">
+            <a:off x="18663687" y="6959007"/>
+            <a:ext cx="2468193" cy="3"/>
+          </a:xfrm>
+          <a:prstGeom prst="straightConnector1">
+            <a:avLst/>
+          </a:prstGeom>
+          <a:ln w="95250">
+            <a:solidFill>
+              <a:schemeClr val="tx1"/>
+            </a:solidFill>
+            <a:tailEnd type="triangle"/>
+          </a:ln>
+        </p:spPr>
+        <p:style>
+          <a:lnRef idx="1">
+            <a:schemeClr val="accent1"/>
+          </a:lnRef>
+          <a:fillRef idx="0">
+            <a:schemeClr val="accent1"/>
+          </a:fillRef>
+          <a:effectRef idx="0">
+            <a:schemeClr val="accent1"/>
+          </a:effectRef>
+          <a:fontRef idx="minor">
+            <a:schemeClr val="tx1"/>
+          </a:fontRef>
+        </p:style>
+      </p:cxnSp>
+      <p:sp>
+        <p:nvSpPr>
+          <p:cNvPr id="29" name="TextBox 28">
+            <a:extLst>
+              <a:ext uri="{FF2B5EF4-FFF2-40B4-BE49-F238E27FC236}">
+                <a16:creationId xmlns:a16="http://schemas.microsoft.com/office/drawing/2014/main" id="{720D5292-BCA8-6143-8F58-45AF0336AB15}"/>
+              </a:ext>
+            </a:extLst>
+          </p:cNvPr>
+          <p:cNvSpPr txBox="1"/>
+          <p:nvPr/>
+        </p:nvSpPr>
+        <p:spPr>
+          <a:xfrm>
+            <a:off x="21131880" y="6451175"/>
+            <a:ext cx="800219" cy="1015663"/>
+          </a:xfrm>
+          <a:prstGeom prst="rect">
+            <a:avLst/>
+          </a:prstGeom>
+          <a:noFill/>
+        </p:spPr>
+        <p:txBody>
+          <a:bodyPr wrap="none" rtlCol="0">
+            <a:spAutoFit/>
+          </a:bodyPr>
+          <a:lstStyle/>
+          <a:p>
+            <a:r>
+              <a:rPr lang="en-US" sz="6000" dirty="0"/>
+              <a:t>A’</a:t>
+            </a:r>
+          </a:p>
+        </p:txBody>
+      </p:sp>
+      <p:cxnSp>
+        <p:nvCxnSpPr>
+          <p:cNvPr id="32" name="Elbow Connector 31">
+            <a:extLst>
+              <a:ext uri="{FF2B5EF4-FFF2-40B4-BE49-F238E27FC236}">
+                <a16:creationId xmlns:a16="http://schemas.microsoft.com/office/drawing/2014/main" id="{5F7DCE2C-57F2-5D40-91E9-B5E6ADD93211}"/>
+              </a:ext>
+            </a:extLst>
+          </p:cNvPr>
+          <p:cNvCxnSpPr>
+            <a:stCxn id="7" idx="3"/>
+            <a:endCxn id="5" idx="3"/>
+          </p:cNvCxnSpPr>
+          <p:nvPr/>
+        </p:nvCxnSpPr>
+        <p:spPr>
+          <a:xfrm flipV="1">
+            <a:off x="5047458" y="12004159"/>
+            <a:ext cx="12728410" cy="875413"/>
+          </a:xfrm>
+          <a:prstGeom prst="bentConnector2">
+            <a:avLst/>
+          </a:prstGeom>
+          <a:ln w="95250">
+            <a:solidFill>
+              <a:schemeClr val="tx1"/>
+            </a:solidFill>
+            <a:tailEnd type="triangle"/>
+          </a:ln>
+        </p:spPr>
+        <p:style>
+          <a:lnRef idx="1">
+            <a:schemeClr val="accent1"/>
+          </a:lnRef>
+          <a:fillRef idx="0">
+            <a:schemeClr val="accent1"/>
+          </a:fillRef>
+          <a:effectRef idx="0">
+            <a:schemeClr val="accent1"/>
+          </a:effectRef>
+          <a:fontRef idx="minor">
+            <a:schemeClr val="tx1"/>
+          </a:fontRef>
+        </p:style>
+      </p:cxnSp>
+      <p:cxnSp>
+        <p:nvCxnSpPr>
+          <p:cNvPr id="34" name="Elbow Connector 33">
+            <a:extLst>
+              <a:ext uri="{FF2B5EF4-FFF2-40B4-BE49-F238E27FC236}">
+                <a16:creationId xmlns:a16="http://schemas.microsoft.com/office/drawing/2014/main" id="{B1DA7A6D-C95F-9E4A-84DA-99BCF341D17B}"/>
+              </a:ext>
+            </a:extLst>
+          </p:cNvPr>
+          <p:cNvCxnSpPr>
+            <a:stCxn id="14" idx="3"/>
+            <a:endCxn id="16" idx="1"/>
+          </p:cNvCxnSpPr>
+          <p:nvPr/>
+        </p:nvCxnSpPr>
+        <p:spPr>
+          <a:xfrm flipV="1">
+            <a:off x="11587922" y="6959008"/>
+            <a:ext cx="2228884" cy="1261645"/>
+          </a:xfrm>
+          <a:prstGeom prst="bentConnector3">
+            <a:avLst/>
+          </a:prstGeom>
+          <a:ln w="95250">
+            <a:solidFill>
+              <a:schemeClr val="tx1"/>
+            </a:solidFill>
+            <a:prstDash val="dash"/>
+            <a:tailEnd type="triangle"/>
+          </a:ln>
+        </p:spPr>
+        <p:style>
+          <a:lnRef idx="1">
+            <a:schemeClr val="accent1"/>
+          </a:lnRef>
+          <a:fillRef idx="0">
+            <a:schemeClr val="accent1"/>
+          </a:fillRef>
+          <a:effectRef idx="0">
+            <a:schemeClr val="accent1"/>
+          </a:effectRef>
+          <a:fontRef idx="minor">
+            <a:schemeClr val="tx1"/>
+          </a:fontRef>
+        </p:style>
+      </p:cxnSp>
+      <p:sp>
+        <p:nvSpPr>
+          <p:cNvPr id="35" name="TextBox 34">
+            <a:extLst>
+              <a:ext uri="{FF2B5EF4-FFF2-40B4-BE49-F238E27FC236}">
+                <a16:creationId xmlns:a16="http://schemas.microsoft.com/office/drawing/2014/main" id="{8DA3E4BF-629B-D64B-A7AC-6A5BE6D78DF6}"/>
+              </a:ext>
+            </a:extLst>
+          </p:cNvPr>
+          <p:cNvSpPr txBox="1"/>
+          <p:nvPr/>
+        </p:nvSpPr>
+        <p:spPr>
+          <a:xfrm>
+            <a:off x="11936627" y="6326661"/>
+            <a:ext cx="1334530" cy="523220"/>
+          </a:xfrm>
+          <a:prstGeom prst="rect">
+            <a:avLst/>
+          </a:prstGeom>
+          <a:noFill/>
+        </p:spPr>
+        <p:txBody>
+          <a:bodyPr wrap="square" rtlCol="0">
+            <a:spAutoFit/>
+          </a:bodyPr>
+          <a:lstStyle/>
+          <a:p>
+            <a:pPr algn="ctr"/>
+            <a:r>
+              <a:rPr lang="en-US" sz="2800" i="1" dirty="0"/>
+              <a:t>sample</a:t>
+            </a:r>
+          </a:p>
+        </p:txBody>
+      </p:sp>
+      <p:sp>
+        <p:nvSpPr>
+          <p:cNvPr id="36" name="TextBox 35">
+            <a:extLst>
+              <a:ext uri="{FF2B5EF4-FFF2-40B4-BE49-F238E27FC236}">
+                <a16:creationId xmlns:a16="http://schemas.microsoft.com/office/drawing/2014/main" id="{020370BA-8185-A54D-BB30-3CA602A7554C}"/>
+              </a:ext>
+            </a:extLst>
+          </p:cNvPr>
+          <p:cNvSpPr txBox="1"/>
+          <p:nvPr/>
+        </p:nvSpPr>
+        <p:spPr>
+          <a:xfrm>
+            <a:off x="10030259" y="438875"/>
+            <a:ext cx="6333511" cy="769441"/>
+          </a:xfrm>
+          <a:prstGeom prst="rect">
+            <a:avLst/>
+          </a:prstGeom>
+          <a:noFill/>
+        </p:spPr>
+        <p:txBody>
+          <a:bodyPr wrap="square" rtlCol="0">
+            <a:spAutoFit/>
+          </a:bodyPr>
+          <a:lstStyle/>
+          <a:p>
+            <a:pPr algn="ctr"/>
+            <a:r>
+              <a:rPr lang="en-US" sz="4400" dirty="0"/>
+              <a:t>Learning P(A|B)</a:t>
+            </a:r>
+          </a:p>
+        </p:txBody>
+      </p:sp>
+    </p:spTree>
+    <p:extLst>
+      <p:ext uri="{BB962C8B-B14F-4D97-AF65-F5344CB8AC3E}">
+        <p14:creationId xmlns:p14="http://schemas.microsoft.com/office/powerpoint/2010/main" val="140867100"/>
       </p:ext>
     </p:extLst>
   </p:cSld>

--- a/aim2/Presentation2.pptx
+++ b/aim2/Presentation2.pptx
@@ -12,6 +12,8 @@
     <p:sldId id="261" r:id="rId6"/>
     <p:sldId id="265" r:id="rId7"/>
     <p:sldId id="266" r:id="rId8"/>
+    <p:sldId id="267" r:id="rId9"/>
+    <p:sldId id="268" r:id="rId10"/>
   </p:sldIdLst>
   <p:sldSz cx="24384000" cy="13716000"/>
   <p:notesSz cx="6858000" cy="9144000"/>
@@ -19665,7 +19667,7 @@
           <a:p>
             <a:fld id="{FA504883-DD2C-8046-A0FC-F2BBEA5B9BFD}" type="datetimeFigureOut">
               <a:rPr lang="en-US" smtClean="0"/>
-              <a:t>11/15/21</a:t>
+              <a:t>10/5/22</a:t>
             </a:fld>
             <a:endParaRPr lang="en-US"/>
           </a:p>
@@ -19835,7 +19837,7 @@
           <a:p>
             <a:fld id="{FA504883-DD2C-8046-A0FC-F2BBEA5B9BFD}" type="datetimeFigureOut">
               <a:rPr lang="en-US" smtClean="0"/>
-              <a:t>11/15/21</a:t>
+              <a:t>10/5/22</a:t>
             </a:fld>
             <a:endParaRPr lang="en-US"/>
           </a:p>
@@ -20015,7 +20017,7 @@
           <a:p>
             <a:fld id="{FA504883-DD2C-8046-A0FC-F2BBEA5B9BFD}" type="datetimeFigureOut">
               <a:rPr lang="en-US" smtClean="0"/>
-              <a:t>11/15/21</a:t>
+              <a:t>10/5/22</a:t>
             </a:fld>
             <a:endParaRPr lang="en-US"/>
           </a:p>
@@ -20185,7 +20187,7 @@
           <a:p>
             <a:fld id="{FA504883-DD2C-8046-A0FC-F2BBEA5B9BFD}" type="datetimeFigureOut">
               <a:rPr lang="en-US" smtClean="0"/>
-              <a:t>11/15/21</a:t>
+              <a:t>10/5/22</a:t>
             </a:fld>
             <a:endParaRPr lang="en-US"/>
           </a:p>
@@ -20431,7 +20433,7 @@
           <a:p>
             <a:fld id="{FA504883-DD2C-8046-A0FC-F2BBEA5B9BFD}" type="datetimeFigureOut">
               <a:rPr lang="en-US" smtClean="0"/>
-              <a:t>11/15/21</a:t>
+              <a:t>10/5/22</a:t>
             </a:fld>
             <a:endParaRPr lang="en-US"/>
           </a:p>
@@ -20663,7 +20665,7 @@
           <a:p>
             <a:fld id="{FA504883-DD2C-8046-A0FC-F2BBEA5B9BFD}" type="datetimeFigureOut">
               <a:rPr lang="en-US" smtClean="0"/>
-              <a:t>11/15/21</a:t>
+              <a:t>10/5/22</a:t>
             </a:fld>
             <a:endParaRPr lang="en-US"/>
           </a:p>
@@ -21030,7 +21032,7 @@
           <a:p>
             <a:fld id="{FA504883-DD2C-8046-A0FC-F2BBEA5B9BFD}" type="datetimeFigureOut">
               <a:rPr lang="en-US" smtClean="0"/>
-              <a:t>11/15/21</a:t>
+              <a:t>10/5/22</a:t>
             </a:fld>
             <a:endParaRPr lang="en-US"/>
           </a:p>
@@ -21148,7 +21150,7 @@
           <a:p>
             <a:fld id="{FA504883-DD2C-8046-A0FC-F2BBEA5B9BFD}" type="datetimeFigureOut">
               <a:rPr lang="en-US" smtClean="0"/>
-              <a:t>11/15/21</a:t>
+              <a:t>10/5/22</a:t>
             </a:fld>
             <a:endParaRPr lang="en-US"/>
           </a:p>
@@ -21243,7 +21245,7 @@
           <a:p>
             <a:fld id="{FA504883-DD2C-8046-A0FC-F2BBEA5B9BFD}" type="datetimeFigureOut">
               <a:rPr lang="en-US" smtClean="0"/>
-              <a:t>11/15/21</a:t>
+              <a:t>10/5/22</a:t>
             </a:fld>
             <a:endParaRPr lang="en-US"/>
           </a:p>
@@ -21520,7 +21522,7 @@
           <a:p>
             <a:fld id="{FA504883-DD2C-8046-A0FC-F2BBEA5B9BFD}" type="datetimeFigureOut">
               <a:rPr lang="en-US" smtClean="0"/>
-              <a:t>11/15/21</a:t>
+              <a:t>10/5/22</a:t>
             </a:fld>
             <a:endParaRPr lang="en-US"/>
           </a:p>
@@ -21777,7 +21779,7 @@
           <a:p>
             <a:fld id="{FA504883-DD2C-8046-A0FC-F2BBEA5B9BFD}" type="datetimeFigureOut">
               <a:rPr lang="en-US" smtClean="0"/>
-              <a:t>11/15/21</a:t>
+              <a:t>10/5/22</a:t>
             </a:fld>
             <a:endParaRPr lang="en-US"/>
           </a:p>
@@ -21990,7 +21992,7 @@
           <a:p>
             <a:fld id="{FA504883-DD2C-8046-A0FC-F2BBEA5B9BFD}" type="datetimeFigureOut">
               <a:rPr lang="en-US" smtClean="0"/>
-              <a:t>11/15/21</a:t>
+              <a:t>10/5/22</a:t>
             </a:fld>
             <a:endParaRPr lang="en-US"/>
           </a:p>
@@ -23939,8 +23941,8 @@
           </a:fontRef>
         </p:style>
       </p:cxnSp>
-      <mc:AlternateContent xmlns:mc="http://schemas.openxmlformats.org/markup-compatibility/2006">
-        <mc:Choice xmlns:a14="http://schemas.microsoft.com/office/drawing/2010/main" Requires="a14">
+      <mc:AlternateContent xmlns:mc="http://schemas.openxmlformats.org/markup-compatibility/2006" xmlns:a14="http://schemas.microsoft.com/office/drawing/2010/main">
+        <mc:Choice Requires="a14">
           <p:sp>
             <p:nvSpPr>
               <p:cNvPr id="13" name="TextBox 12">
@@ -23969,6 +23971,7 @@
               </a:bodyPr>
               <a:lstStyle/>
               <a:p>
+                <a:pPr/>
                 <a14:m>
                   <m:oMathPara xmlns:m="http://schemas.openxmlformats.org/officeDocument/2006/math">
                     <m:oMathParaPr>
@@ -24008,7 +24011,7 @@
             </p:txBody>
           </p:sp>
         </mc:Choice>
-        <mc:Fallback>
+        <mc:Fallback xmlns="">
           <p:sp>
             <p:nvSpPr>
               <p:cNvPr id="13" name="TextBox 12">
@@ -24053,8 +24056,8 @@
           </p:sp>
         </mc:Fallback>
       </mc:AlternateContent>
-      <mc:AlternateContent xmlns:mc="http://schemas.openxmlformats.org/markup-compatibility/2006">
-        <mc:Choice xmlns:a14="http://schemas.microsoft.com/office/drawing/2010/main" Requires="a14">
+      <mc:AlternateContent xmlns:mc="http://schemas.openxmlformats.org/markup-compatibility/2006" xmlns:a14="http://schemas.microsoft.com/office/drawing/2010/main">
+        <mc:Choice Requires="a14">
           <p:sp>
             <p:nvSpPr>
               <p:cNvPr id="14" name="TextBox 13">
@@ -24083,6 +24086,7 @@
               </a:bodyPr>
               <a:lstStyle/>
               <a:p>
+                <a:pPr/>
                 <a14:m>
                   <m:oMathPara xmlns:m="http://schemas.openxmlformats.org/officeDocument/2006/math">
                     <m:oMathParaPr>
@@ -24125,7 +24129,7 @@
             </p:txBody>
           </p:sp>
         </mc:Choice>
-        <mc:Fallback>
+        <mc:Fallback xmlns="">
           <p:sp>
             <p:nvSpPr>
               <p:cNvPr id="14" name="TextBox 13">
@@ -24601,6 +24605,2793 @@
 </p:sld>
 </file>
 
+<file path=ppt/slides/slide8.xml><?xml version="1.0" encoding="utf-8"?>
+<p:sld xmlns:a="http://schemas.openxmlformats.org/drawingml/2006/main" xmlns:r="http://schemas.openxmlformats.org/officeDocument/2006/relationships" xmlns:p="http://schemas.openxmlformats.org/presentationml/2006/main">
+  <p:cSld>
+    <p:spTree>
+      <p:nvGrpSpPr>
+        <p:cNvPr id="1" name=""/>
+        <p:cNvGrpSpPr/>
+        <p:nvPr/>
+      </p:nvGrpSpPr>
+      <p:grpSpPr>
+        <a:xfrm>
+          <a:off x="0" y="0"/>
+          <a:ext cx="0" cy="0"/>
+          <a:chOff x="0" y="0"/>
+          <a:chExt cx="0" cy="0"/>
+        </a:xfrm>
+      </p:grpSpPr>
+      <p:grpSp>
+        <p:nvGrpSpPr>
+          <p:cNvPr id="45" name="Group 44">
+            <a:extLst>
+              <a:ext uri="{FF2B5EF4-FFF2-40B4-BE49-F238E27FC236}">
+                <a16:creationId xmlns:a16="http://schemas.microsoft.com/office/drawing/2014/main" id="{D84F9430-DDFD-787C-A8E6-C8497BBA1B92}"/>
+              </a:ext>
+            </a:extLst>
+          </p:cNvPr>
+          <p:cNvGrpSpPr/>
+          <p:nvPr/>
+        </p:nvGrpSpPr>
+        <p:grpSpPr>
+          <a:xfrm>
+            <a:off x="2594347" y="2105247"/>
+            <a:ext cx="20722233" cy="9484020"/>
+            <a:chOff x="2594347" y="2105247"/>
+            <a:chExt cx="20722233" cy="9484020"/>
+          </a:xfrm>
+        </p:grpSpPr>
+        <p:sp>
+          <p:nvSpPr>
+            <p:cNvPr id="4" name="Rectangle 3">
+              <a:extLst>
+                <a:ext uri="{FF2B5EF4-FFF2-40B4-BE49-F238E27FC236}">
+                  <a16:creationId xmlns:a16="http://schemas.microsoft.com/office/drawing/2014/main" id="{5823CD6E-C60C-B8B3-0674-815E5558EB96}"/>
+                </a:ext>
+              </a:extLst>
+            </p:cNvPr>
+            <p:cNvSpPr/>
+            <p:nvPr/>
+          </p:nvSpPr>
+          <p:spPr>
+            <a:xfrm>
+              <a:off x="5677786" y="7527851"/>
+              <a:ext cx="1743740" cy="1743740"/>
+            </a:xfrm>
+            <a:prstGeom prst="rect">
+              <a:avLst/>
+            </a:prstGeom>
+            <a:noFill/>
+            <a:ln w="50800">
+              <a:solidFill>
+                <a:schemeClr val="accent1">
+                  <a:lumMod val="50000"/>
+                </a:schemeClr>
+              </a:solidFill>
+            </a:ln>
+          </p:spPr>
+          <p:style>
+            <a:lnRef idx="2">
+              <a:schemeClr val="accent1">
+                <a:shade val="50000"/>
+              </a:schemeClr>
+            </a:lnRef>
+            <a:fillRef idx="1">
+              <a:schemeClr val="accent1"/>
+            </a:fillRef>
+            <a:effectRef idx="0">
+              <a:schemeClr val="accent1"/>
+            </a:effectRef>
+            <a:fontRef idx="minor">
+              <a:schemeClr val="lt1"/>
+            </a:fontRef>
+          </p:style>
+          <p:txBody>
+            <a:bodyPr rtlCol="0" anchor="ctr"/>
+            <a:lstStyle/>
+            <a:p>
+              <a:pPr algn="ctr"/>
+              <a:r>
+                <a:rPr lang="en-US" sz="4400" dirty="0">
+                  <a:solidFill>
+                    <a:schemeClr val="tx1"/>
+                  </a:solidFill>
+                </a:rPr>
+                <a:t>X</a:t>
+              </a:r>
+              <a:r>
+                <a:rPr lang="en-US" sz="4400" baseline="-25000" dirty="0">
+                  <a:solidFill>
+                    <a:schemeClr val="tx1"/>
+                  </a:solidFill>
+                </a:rPr>
+                <a:t> i,-t</a:t>
+              </a:r>
+              <a:r>
+                <a:rPr lang="en-US" sz="4400" baseline="-53000" dirty="0">
+                  <a:solidFill>
+                    <a:schemeClr val="tx1"/>
+                  </a:solidFill>
+                </a:rPr>
+                <a:t>0</a:t>
+              </a:r>
+              <a:endParaRPr lang="en-US" sz="4400" dirty="0">
+                <a:solidFill>
+                  <a:schemeClr val="tx1"/>
+                </a:solidFill>
+              </a:endParaRPr>
+            </a:p>
+          </p:txBody>
+        </p:sp>
+        <p:sp>
+          <p:nvSpPr>
+            <p:cNvPr id="5" name="Rectangle 4">
+              <a:extLst>
+                <a:ext uri="{FF2B5EF4-FFF2-40B4-BE49-F238E27FC236}">
+                  <a16:creationId xmlns:a16="http://schemas.microsoft.com/office/drawing/2014/main" id="{51160FDD-AEFF-476B-9771-C8B356509229}"/>
+                </a:ext>
+              </a:extLst>
+            </p:cNvPr>
+            <p:cNvSpPr/>
+            <p:nvPr/>
+          </p:nvSpPr>
+          <p:spPr>
+            <a:xfrm>
+              <a:off x="12192000" y="7527851"/>
+              <a:ext cx="1743740" cy="1743740"/>
+            </a:xfrm>
+            <a:prstGeom prst="rect">
+              <a:avLst/>
+            </a:prstGeom>
+            <a:noFill/>
+            <a:ln w="50800">
+              <a:solidFill>
+                <a:schemeClr val="accent1">
+                  <a:lumMod val="50000"/>
+                </a:schemeClr>
+              </a:solidFill>
+            </a:ln>
+          </p:spPr>
+          <p:style>
+            <a:lnRef idx="2">
+              <a:schemeClr val="accent1">
+                <a:shade val="50000"/>
+              </a:schemeClr>
+            </a:lnRef>
+            <a:fillRef idx="1">
+              <a:schemeClr val="accent1"/>
+            </a:fillRef>
+            <a:effectRef idx="0">
+              <a:schemeClr val="accent1"/>
+            </a:effectRef>
+            <a:fontRef idx="minor">
+              <a:schemeClr val="lt1"/>
+            </a:fontRef>
+          </p:style>
+          <p:txBody>
+            <a:bodyPr rtlCol="0" anchor="ctr"/>
+            <a:lstStyle/>
+            <a:p>
+              <a:pPr algn="ctr"/>
+              <a:r>
+                <a:rPr lang="en-US" sz="4400" dirty="0">
+                  <a:solidFill>
+                    <a:schemeClr val="tx1"/>
+                  </a:solidFill>
+                </a:rPr>
+                <a:t>Z</a:t>
+              </a:r>
+              <a:r>
+                <a:rPr lang="en-US" sz="4400" baseline="-25000" dirty="0">
+                  <a:solidFill>
+                    <a:schemeClr val="tx1"/>
+                  </a:solidFill>
+                </a:rPr>
+                <a:t>i</a:t>
+              </a:r>
+              <a:endParaRPr lang="en-US" sz="4400" dirty="0">
+                <a:solidFill>
+                  <a:schemeClr val="tx1"/>
+                </a:solidFill>
+              </a:endParaRPr>
+            </a:p>
+          </p:txBody>
+        </p:sp>
+        <p:sp>
+          <p:nvSpPr>
+            <p:cNvPr id="6" name="Rectangle 5">
+              <a:extLst>
+                <a:ext uri="{FF2B5EF4-FFF2-40B4-BE49-F238E27FC236}">
+                  <a16:creationId xmlns:a16="http://schemas.microsoft.com/office/drawing/2014/main" id="{78292775-4B4C-DF0E-1A1D-9861C01623A0}"/>
+                </a:ext>
+              </a:extLst>
+            </p:cNvPr>
+            <p:cNvSpPr/>
+            <p:nvPr/>
+          </p:nvSpPr>
+          <p:spPr>
+            <a:xfrm>
+              <a:off x="19755291" y="7527851"/>
+              <a:ext cx="1743740" cy="1743740"/>
+            </a:xfrm>
+            <a:prstGeom prst="rect">
+              <a:avLst/>
+            </a:prstGeom>
+            <a:noFill/>
+            <a:ln w="50800">
+              <a:solidFill>
+                <a:schemeClr val="accent1">
+                  <a:lumMod val="50000"/>
+                </a:schemeClr>
+              </a:solidFill>
+            </a:ln>
+          </p:spPr>
+          <p:style>
+            <a:lnRef idx="2">
+              <a:schemeClr val="accent1">
+                <a:shade val="50000"/>
+              </a:schemeClr>
+            </a:lnRef>
+            <a:fillRef idx="1">
+              <a:schemeClr val="accent1"/>
+            </a:fillRef>
+            <a:effectRef idx="0">
+              <a:schemeClr val="accent1"/>
+            </a:effectRef>
+            <a:fontRef idx="minor">
+              <a:schemeClr val="lt1"/>
+            </a:fontRef>
+          </p:style>
+          <p:txBody>
+            <a:bodyPr rtlCol="0" anchor="ctr"/>
+            <a:lstStyle/>
+            <a:p>
+              <a:pPr algn="ctr"/>
+              <a:r>
+                <a:rPr lang="en-US" sz="4400" dirty="0">
+                  <a:solidFill>
+                    <a:schemeClr val="tx1"/>
+                  </a:solidFill>
+                </a:rPr>
+                <a:t>Y</a:t>
+              </a:r>
+              <a:r>
+                <a:rPr lang="en-US" sz="4400" baseline="-25000" dirty="0">
+                  <a:solidFill>
+                    <a:schemeClr val="tx1"/>
+                  </a:solidFill>
+                </a:rPr>
+                <a:t> i,+t</a:t>
+              </a:r>
+              <a:r>
+                <a:rPr lang="en-US" sz="4400" baseline="-53000" dirty="0">
+                  <a:solidFill>
+                    <a:schemeClr val="tx1"/>
+                  </a:solidFill>
+                </a:rPr>
+                <a:t>0</a:t>
+              </a:r>
+              <a:endParaRPr lang="en-US" sz="4400" dirty="0">
+                <a:solidFill>
+                  <a:schemeClr val="tx1"/>
+                </a:solidFill>
+              </a:endParaRPr>
+            </a:p>
+          </p:txBody>
+        </p:sp>
+        <p:sp>
+          <p:nvSpPr>
+            <p:cNvPr id="7" name="Oval 6">
+              <a:extLst>
+                <a:ext uri="{FF2B5EF4-FFF2-40B4-BE49-F238E27FC236}">
+                  <a16:creationId xmlns:a16="http://schemas.microsoft.com/office/drawing/2014/main" id="{71D3CAC5-BF46-C278-A180-EAC694507F5C}"/>
+                </a:ext>
+              </a:extLst>
+            </p:cNvPr>
+            <p:cNvSpPr/>
+            <p:nvPr/>
+          </p:nvSpPr>
+          <p:spPr>
+            <a:xfrm>
+              <a:off x="8548579" y="2105247"/>
+              <a:ext cx="1743740" cy="1743740"/>
+            </a:xfrm>
+            <a:prstGeom prst="ellipse">
+              <a:avLst/>
+            </a:prstGeom>
+            <a:noFill/>
+            <a:ln w="50800">
+              <a:solidFill>
+                <a:schemeClr val="accent1">
+                  <a:lumMod val="50000"/>
+                </a:schemeClr>
+              </a:solidFill>
+            </a:ln>
+          </p:spPr>
+          <p:style>
+            <a:lnRef idx="2">
+              <a:schemeClr val="accent1">
+                <a:shade val="50000"/>
+              </a:schemeClr>
+            </a:lnRef>
+            <a:fillRef idx="1">
+              <a:schemeClr val="accent1"/>
+            </a:fillRef>
+            <a:effectRef idx="0">
+              <a:schemeClr val="accent1"/>
+            </a:effectRef>
+            <a:fontRef idx="minor">
+              <a:schemeClr val="lt1"/>
+            </a:fontRef>
+          </p:style>
+          <p:txBody>
+            <a:bodyPr rtlCol="0" anchor="ctr"/>
+            <a:lstStyle/>
+            <a:p>
+              <a:pPr algn="ctr"/>
+              <a:r>
+                <a:rPr lang="en-US" sz="4400" dirty="0" err="1">
+                  <a:solidFill>
+                    <a:schemeClr val="tx1"/>
+                  </a:solidFill>
+                </a:rPr>
+                <a:t>μ</a:t>
+              </a:r>
+              <a:r>
+                <a:rPr lang="en-US" sz="4400" baseline="-25000" dirty="0" err="1">
+                  <a:solidFill>
+                    <a:schemeClr val="tx1"/>
+                  </a:solidFill>
+                </a:rPr>
+                <a:t>i</a:t>
+              </a:r>
+              <a:endParaRPr lang="en-US" sz="4400" dirty="0">
+                <a:solidFill>
+                  <a:schemeClr val="tx1"/>
+                </a:solidFill>
+              </a:endParaRPr>
+            </a:p>
+          </p:txBody>
+        </p:sp>
+        <p:sp>
+          <p:nvSpPr>
+            <p:cNvPr id="8" name="Oval 7">
+              <a:extLst>
+                <a:ext uri="{FF2B5EF4-FFF2-40B4-BE49-F238E27FC236}">
+                  <a16:creationId xmlns:a16="http://schemas.microsoft.com/office/drawing/2014/main" id="{C096EFD0-63EB-DCEC-659B-99A069B086E1}"/>
+                </a:ext>
+              </a:extLst>
+            </p:cNvPr>
+            <p:cNvSpPr/>
+            <p:nvPr/>
+          </p:nvSpPr>
+          <p:spPr>
+            <a:xfrm>
+              <a:off x="2594347" y="2105247"/>
+              <a:ext cx="1743740" cy="1743740"/>
+            </a:xfrm>
+            <a:prstGeom prst="ellipse">
+              <a:avLst/>
+            </a:prstGeom>
+            <a:noFill/>
+            <a:ln w="50800">
+              <a:solidFill>
+                <a:schemeClr val="accent1">
+                  <a:lumMod val="50000"/>
+                </a:schemeClr>
+              </a:solidFill>
+            </a:ln>
+          </p:spPr>
+          <p:style>
+            <a:lnRef idx="2">
+              <a:schemeClr val="accent1">
+                <a:shade val="50000"/>
+              </a:schemeClr>
+            </a:lnRef>
+            <a:fillRef idx="1">
+              <a:schemeClr val="accent1"/>
+            </a:fillRef>
+            <a:effectRef idx="0">
+              <a:schemeClr val="accent1"/>
+            </a:effectRef>
+            <a:fontRef idx="minor">
+              <a:schemeClr val="lt1"/>
+            </a:fontRef>
+          </p:style>
+          <p:txBody>
+            <a:bodyPr rtlCol="0" anchor="ctr"/>
+            <a:lstStyle/>
+            <a:p>
+              <a:pPr algn="ctr"/>
+              <a:r>
+                <a:rPr lang="en-US" sz="4400" dirty="0">
+                  <a:solidFill>
+                    <a:schemeClr val="tx1"/>
+                  </a:solidFill>
+                </a:rPr>
+                <a:t>δ</a:t>
+              </a:r>
+              <a:r>
+                <a:rPr lang="en-US" sz="4400" baseline="-25000" dirty="0">
+                  <a:solidFill>
+                    <a:schemeClr val="tx1"/>
+                  </a:solidFill>
+                </a:rPr>
+                <a:t>-t</a:t>
+              </a:r>
+              <a:r>
+                <a:rPr lang="en-US" sz="4400" baseline="-53000" dirty="0">
+                  <a:solidFill>
+                    <a:schemeClr val="tx1"/>
+                  </a:solidFill>
+                </a:rPr>
+                <a:t>0</a:t>
+              </a:r>
+            </a:p>
+          </p:txBody>
+        </p:sp>
+        <p:sp>
+          <p:nvSpPr>
+            <p:cNvPr id="9" name="Oval 8">
+              <a:extLst>
+                <a:ext uri="{FF2B5EF4-FFF2-40B4-BE49-F238E27FC236}">
+                  <a16:creationId xmlns:a16="http://schemas.microsoft.com/office/drawing/2014/main" id="{60F248C3-0D97-A3F8-E6F9-B96C0313B027}"/>
+                </a:ext>
+              </a:extLst>
+            </p:cNvPr>
+            <p:cNvSpPr/>
+            <p:nvPr/>
+          </p:nvSpPr>
+          <p:spPr>
+            <a:xfrm>
+              <a:off x="5571463" y="2105247"/>
+              <a:ext cx="1743740" cy="1743740"/>
+            </a:xfrm>
+            <a:prstGeom prst="ellipse">
+              <a:avLst/>
+            </a:prstGeom>
+            <a:noFill/>
+            <a:ln w="50800">
+              <a:solidFill>
+                <a:schemeClr val="accent1">
+                  <a:lumMod val="50000"/>
+                </a:schemeClr>
+              </a:solidFill>
+            </a:ln>
+          </p:spPr>
+          <p:style>
+            <a:lnRef idx="2">
+              <a:schemeClr val="accent1">
+                <a:shade val="50000"/>
+              </a:schemeClr>
+            </a:lnRef>
+            <a:fillRef idx="1">
+              <a:schemeClr val="accent1"/>
+            </a:fillRef>
+            <a:effectRef idx="0">
+              <a:schemeClr val="accent1"/>
+            </a:effectRef>
+            <a:fontRef idx="minor">
+              <a:schemeClr val="lt1"/>
+            </a:fontRef>
+          </p:style>
+          <p:txBody>
+            <a:bodyPr rtlCol="0" anchor="ctr"/>
+            <a:lstStyle/>
+            <a:p>
+              <a:pPr algn="ctr"/>
+              <a:r>
+                <a:rPr lang="en-US" sz="4400" dirty="0" err="1">
+                  <a:solidFill>
+                    <a:schemeClr val="tx1"/>
+                  </a:solidFill>
+                </a:rPr>
+                <a:t>λ</a:t>
+              </a:r>
+              <a:r>
+                <a:rPr lang="en-US" sz="4400" baseline="-25000" dirty="0">
+                  <a:solidFill>
+                    <a:schemeClr val="tx1"/>
+                  </a:solidFill>
+                </a:rPr>
+                <a:t> -t</a:t>
+              </a:r>
+              <a:r>
+                <a:rPr lang="en-US" sz="4400" baseline="-53000" dirty="0">
+                  <a:solidFill>
+                    <a:schemeClr val="tx1"/>
+                  </a:solidFill>
+                </a:rPr>
+                <a:t>0</a:t>
+              </a:r>
+              <a:endParaRPr lang="en-US" sz="4400" dirty="0">
+                <a:solidFill>
+                  <a:schemeClr val="tx1"/>
+                </a:solidFill>
+              </a:endParaRPr>
+            </a:p>
+          </p:txBody>
+        </p:sp>
+        <p:sp>
+          <p:nvSpPr>
+            <p:cNvPr id="10" name="Oval 9">
+              <a:extLst>
+                <a:ext uri="{FF2B5EF4-FFF2-40B4-BE49-F238E27FC236}">
+                  <a16:creationId xmlns:a16="http://schemas.microsoft.com/office/drawing/2014/main" id="{4E2B09F4-42BB-2259-F123-7CBC8ED24ACA}"/>
+                </a:ext>
+              </a:extLst>
+            </p:cNvPr>
+            <p:cNvSpPr/>
+            <p:nvPr/>
+          </p:nvSpPr>
+          <p:spPr>
+            <a:xfrm>
+              <a:off x="14768624" y="2105248"/>
+              <a:ext cx="1743740" cy="1743740"/>
+            </a:xfrm>
+            <a:prstGeom prst="ellipse">
+              <a:avLst/>
+            </a:prstGeom>
+            <a:noFill/>
+            <a:ln w="50800">
+              <a:solidFill>
+                <a:schemeClr val="accent1">
+                  <a:lumMod val="50000"/>
+                </a:schemeClr>
+              </a:solidFill>
+            </a:ln>
+          </p:spPr>
+          <p:style>
+            <a:lnRef idx="2">
+              <a:schemeClr val="accent1">
+                <a:shade val="50000"/>
+              </a:schemeClr>
+            </a:lnRef>
+            <a:fillRef idx="1">
+              <a:schemeClr val="accent1"/>
+            </a:fillRef>
+            <a:effectRef idx="0">
+              <a:schemeClr val="accent1"/>
+            </a:effectRef>
+            <a:fontRef idx="minor">
+              <a:schemeClr val="lt1"/>
+            </a:fontRef>
+          </p:style>
+          <p:txBody>
+            <a:bodyPr rtlCol="0" anchor="ctr"/>
+            <a:lstStyle/>
+            <a:p>
+              <a:pPr algn="ctr"/>
+              <a:r>
+                <a:rPr lang="en-US" sz="4400" dirty="0" err="1">
+                  <a:solidFill>
+                    <a:schemeClr val="tx1"/>
+                  </a:solidFill>
+                </a:rPr>
+                <a:t>δ</a:t>
+              </a:r>
+              <a:r>
+                <a:rPr lang="en-US" sz="4400" baseline="-25000" dirty="0">
+                  <a:solidFill>
+                    <a:schemeClr val="tx1"/>
+                  </a:solidFill>
+                </a:rPr>
+                <a:t> +t</a:t>
+              </a:r>
+              <a:r>
+                <a:rPr lang="en-US" sz="4400" baseline="-53000" dirty="0">
+                  <a:solidFill>
+                    <a:schemeClr val="tx1"/>
+                  </a:solidFill>
+                </a:rPr>
+                <a:t>0</a:t>
+              </a:r>
+              <a:endParaRPr lang="en-US" sz="4400" dirty="0">
+                <a:solidFill>
+                  <a:schemeClr val="tx1"/>
+                </a:solidFill>
+              </a:endParaRPr>
+            </a:p>
+          </p:txBody>
+        </p:sp>
+        <p:sp>
+          <p:nvSpPr>
+            <p:cNvPr id="11" name="Oval 10">
+              <a:extLst>
+                <a:ext uri="{FF2B5EF4-FFF2-40B4-BE49-F238E27FC236}">
+                  <a16:creationId xmlns:a16="http://schemas.microsoft.com/office/drawing/2014/main" id="{11A91BA9-15EB-6B16-9226-B72DB669F372}"/>
+                </a:ext>
+              </a:extLst>
+            </p:cNvPr>
+            <p:cNvSpPr/>
+            <p:nvPr/>
+          </p:nvSpPr>
+          <p:spPr>
+            <a:xfrm>
+              <a:off x="17299172" y="2105247"/>
+              <a:ext cx="1743740" cy="1743740"/>
+            </a:xfrm>
+            <a:prstGeom prst="ellipse">
+              <a:avLst/>
+            </a:prstGeom>
+            <a:noFill/>
+            <a:ln w="50800">
+              <a:solidFill>
+                <a:schemeClr val="accent1">
+                  <a:lumMod val="50000"/>
+                </a:schemeClr>
+              </a:solidFill>
+            </a:ln>
+          </p:spPr>
+          <p:style>
+            <a:lnRef idx="2">
+              <a:schemeClr val="accent1">
+                <a:shade val="50000"/>
+              </a:schemeClr>
+            </a:lnRef>
+            <a:fillRef idx="1">
+              <a:schemeClr val="accent1"/>
+            </a:fillRef>
+            <a:effectRef idx="0">
+              <a:schemeClr val="accent1"/>
+            </a:effectRef>
+            <a:fontRef idx="minor">
+              <a:schemeClr val="lt1"/>
+            </a:fontRef>
+          </p:style>
+          <p:txBody>
+            <a:bodyPr rtlCol="0" anchor="ctr"/>
+            <a:lstStyle/>
+            <a:p>
+              <a:pPr algn="ctr"/>
+              <a:r>
+                <a:rPr lang="en-US" sz="4400" dirty="0" err="1">
+                  <a:solidFill>
+                    <a:schemeClr val="tx1"/>
+                  </a:solidFill>
+                </a:rPr>
+                <a:t>λ</a:t>
+              </a:r>
+              <a:r>
+                <a:rPr lang="en-US" sz="4400" baseline="-25000" dirty="0">
+                  <a:solidFill>
+                    <a:schemeClr val="tx1"/>
+                  </a:solidFill>
+                </a:rPr>
+                <a:t> +t</a:t>
+              </a:r>
+              <a:r>
+                <a:rPr lang="en-US" sz="4400" baseline="-53000" dirty="0">
+                  <a:solidFill>
+                    <a:schemeClr val="tx1"/>
+                  </a:solidFill>
+                </a:rPr>
+                <a:t>0</a:t>
+              </a:r>
+              <a:endParaRPr lang="en-US" sz="4400" dirty="0">
+                <a:solidFill>
+                  <a:schemeClr val="tx1"/>
+                </a:solidFill>
+              </a:endParaRPr>
+            </a:p>
+          </p:txBody>
+        </p:sp>
+        <p:sp>
+          <p:nvSpPr>
+            <p:cNvPr id="12" name="Oval 11">
+              <a:extLst>
+                <a:ext uri="{FF2B5EF4-FFF2-40B4-BE49-F238E27FC236}">
+                  <a16:creationId xmlns:a16="http://schemas.microsoft.com/office/drawing/2014/main" id="{6F557374-1D7D-D040-5BD6-E6114F891AB6}"/>
+                </a:ext>
+              </a:extLst>
+            </p:cNvPr>
+            <p:cNvSpPr/>
+            <p:nvPr/>
+          </p:nvSpPr>
+          <p:spPr>
+            <a:xfrm>
+              <a:off x="19680864" y="2105247"/>
+              <a:ext cx="1743740" cy="1743740"/>
+            </a:xfrm>
+            <a:prstGeom prst="ellipse">
+              <a:avLst/>
+            </a:prstGeom>
+            <a:noFill/>
+            <a:ln w="50800">
+              <a:solidFill>
+                <a:schemeClr val="accent1">
+                  <a:lumMod val="50000"/>
+                </a:schemeClr>
+              </a:solidFill>
+            </a:ln>
+          </p:spPr>
+          <p:style>
+            <a:lnRef idx="2">
+              <a:schemeClr val="accent1">
+                <a:shade val="50000"/>
+              </a:schemeClr>
+            </a:lnRef>
+            <a:fillRef idx="1">
+              <a:schemeClr val="accent1"/>
+            </a:fillRef>
+            <a:effectRef idx="0">
+              <a:schemeClr val="accent1"/>
+            </a:effectRef>
+            <a:fontRef idx="minor">
+              <a:schemeClr val="lt1"/>
+            </a:fontRef>
+          </p:style>
+          <p:txBody>
+            <a:bodyPr rtlCol="0" anchor="ctr"/>
+            <a:lstStyle/>
+            <a:p>
+              <a:pPr algn="ctr"/>
+              <a:r>
+                <a:rPr lang="en-US" sz="4000" dirty="0">
+                  <a:solidFill>
+                    <a:schemeClr val="tx1"/>
+                  </a:solidFill>
+                </a:rPr>
+                <a:t>α</a:t>
+              </a:r>
+              <a:r>
+                <a:rPr lang="en-US" sz="4000" baseline="-25000" dirty="0" err="1">
+                  <a:solidFill>
+                    <a:schemeClr val="tx1"/>
+                  </a:solidFill>
+                </a:rPr>
+                <a:t>i</a:t>
+              </a:r>
+              <a:r>
+                <a:rPr lang="en-US" sz="4000" baseline="-25000" dirty="0">
+                  <a:solidFill>
+                    <a:schemeClr val="tx1"/>
+                  </a:solidFill>
+                </a:rPr>
+                <a:t>, +t</a:t>
+              </a:r>
+              <a:r>
+                <a:rPr lang="en-US" sz="4000" baseline="-53000" dirty="0">
+                  <a:solidFill>
+                    <a:schemeClr val="tx1"/>
+                  </a:solidFill>
+                </a:rPr>
+                <a:t>0</a:t>
+              </a:r>
+              <a:endParaRPr lang="en-US" sz="4000" dirty="0">
+                <a:solidFill>
+                  <a:schemeClr val="tx1"/>
+                </a:solidFill>
+              </a:endParaRPr>
+            </a:p>
+          </p:txBody>
+        </p:sp>
+        <p:cxnSp>
+          <p:nvCxnSpPr>
+            <p:cNvPr id="14" name="Straight Arrow Connector 13">
+              <a:extLst>
+                <a:ext uri="{FF2B5EF4-FFF2-40B4-BE49-F238E27FC236}">
+                  <a16:creationId xmlns:a16="http://schemas.microsoft.com/office/drawing/2014/main" id="{11FD92DA-FBF7-653B-8775-7B21D349438E}"/>
+                </a:ext>
+              </a:extLst>
+            </p:cNvPr>
+            <p:cNvCxnSpPr>
+              <a:cxnSpLocks/>
+              <a:stCxn id="7" idx="5"/>
+              <a:endCxn id="5" idx="0"/>
+            </p:cNvCxnSpPr>
+            <p:nvPr/>
+          </p:nvCxnSpPr>
+          <p:spPr>
+            <a:xfrm>
+              <a:off x="10036954" y="3593622"/>
+              <a:ext cx="3026916" cy="3934229"/>
+            </a:xfrm>
+            <a:prstGeom prst="straightConnector1">
+              <a:avLst/>
+            </a:prstGeom>
+            <a:ln w="50800" cap="rnd">
+              <a:solidFill>
+                <a:schemeClr val="accent1">
+                  <a:lumMod val="50000"/>
+                </a:schemeClr>
+              </a:solidFill>
+              <a:headEnd w="lg" len="lg"/>
+              <a:tailEnd type="triangle" w="lg" len="lg"/>
+            </a:ln>
+          </p:spPr>
+          <p:style>
+            <a:lnRef idx="1">
+              <a:schemeClr val="accent1"/>
+            </a:lnRef>
+            <a:fillRef idx="0">
+              <a:schemeClr val="accent1"/>
+            </a:fillRef>
+            <a:effectRef idx="0">
+              <a:schemeClr val="accent1"/>
+            </a:effectRef>
+            <a:fontRef idx="minor">
+              <a:schemeClr val="tx1"/>
+            </a:fontRef>
+          </p:style>
+        </p:cxnSp>
+        <p:cxnSp>
+          <p:nvCxnSpPr>
+            <p:cNvPr id="16" name="Straight Arrow Connector 15">
+              <a:extLst>
+                <a:ext uri="{FF2B5EF4-FFF2-40B4-BE49-F238E27FC236}">
+                  <a16:creationId xmlns:a16="http://schemas.microsoft.com/office/drawing/2014/main" id="{1E0808B2-59DD-BC8B-9C1A-DD4D473DF5CE}"/>
+                </a:ext>
+              </a:extLst>
+            </p:cNvPr>
+            <p:cNvCxnSpPr>
+              <a:stCxn id="7" idx="3"/>
+              <a:endCxn id="4" idx="0"/>
+            </p:cNvCxnSpPr>
+            <p:nvPr/>
+          </p:nvCxnSpPr>
+          <p:spPr>
+            <a:xfrm flipH="1">
+              <a:off x="6549656" y="3593622"/>
+              <a:ext cx="2254288" cy="3934229"/>
+            </a:xfrm>
+            <a:prstGeom prst="straightConnector1">
+              <a:avLst/>
+            </a:prstGeom>
+            <a:ln w="50800" cap="rnd">
+              <a:solidFill>
+                <a:schemeClr val="accent1">
+                  <a:lumMod val="50000"/>
+                </a:schemeClr>
+              </a:solidFill>
+              <a:headEnd w="lg" len="lg"/>
+              <a:tailEnd type="triangle" w="lg" len="lg"/>
+            </a:ln>
+          </p:spPr>
+          <p:style>
+            <a:lnRef idx="1">
+              <a:schemeClr val="accent1"/>
+            </a:lnRef>
+            <a:fillRef idx="0">
+              <a:schemeClr val="accent1"/>
+            </a:fillRef>
+            <a:effectRef idx="0">
+              <a:schemeClr val="accent1"/>
+            </a:effectRef>
+            <a:fontRef idx="minor">
+              <a:schemeClr val="tx1"/>
+            </a:fontRef>
+          </p:style>
+        </p:cxnSp>
+        <p:cxnSp>
+          <p:nvCxnSpPr>
+            <p:cNvPr id="18" name="Straight Arrow Connector 17">
+              <a:extLst>
+                <a:ext uri="{FF2B5EF4-FFF2-40B4-BE49-F238E27FC236}">
+                  <a16:creationId xmlns:a16="http://schemas.microsoft.com/office/drawing/2014/main" id="{BAFE2ABB-A927-CE04-0552-EA32414F7160}"/>
+                </a:ext>
+              </a:extLst>
+            </p:cNvPr>
+            <p:cNvCxnSpPr>
+              <a:cxnSpLocks/>
+              <a:endCxn id="6" idx="0"/>
+            </p:cNvCxnSpPr>
+            <p:nvPr/>
+          </p:nvCxnSpPr>
+          <p:spPr>
+            <a:xfrm>
+              <a:off x="10292319" y="2977117"/>
+              <a:ext cx="10334842" cy="4550734"/>
+            </a:xfrm>
+            <a:prstGeom prst="straightConnector1">
+              <a:avLst/>
+            </a:prstGeom>
+            <a:ln w="50800" cap="rnd">
+              <a:solidFill>
+                <a:schemeClr val="accent1">
+                  <a:lumMod val="50000"/>
+                </a:schemeClr>
+              </a:solidFill>
+              <a:headEnd w="lg" len="lg"/>
+              <a:tailEnd type="triangle" w="lg" len="lg"/>
+            </a:ln>
+          </p:spPr>
+          <p:style>
+            <a:lnRef idx="1">
+              <a:schemeClr val="accent1"/>
+            </a:lnRef>
+            <a:fillRef idx="0">
+              <a:schemeClr val="accent1"/>
+            </a:fillRef>
+            <a:effectRef idx="0">
+              <a:schemeClr val="accent1"/>
+            </a:effectRef>
+            <a:fontRef idx="minor">
+              <a:schemeClr val="tx1"/>
+            </a:fontRef>
+          </p:style>
+        </p:cxnSp>
+        <p:cxnSp>
+          <p:nvCxnSpPr>
+            <p:cNvPr id="20" name="Straight Arrow Connector 19">
+              <a:extLst>
+                <a:ext uri="{FF2B5EF4-FFF2-40B4-BE49-F238E27FC236}">
+                  <a16:creationId xmlns:a16="http://schemas.microsoft.com/office/drawing/2014/main" id="{4334219A-02C4-B256-BF55-0D227CE7FAAA}"/>
+                </a:ext>
+              </a:extLst>
+            </p:cNvPr>
+            <p:cNvCxnSpPr>
+              <a:stCxn id="10" idx="4"/>
+              <a:endCxn id="6" idx="0"/>
+            </p:cNvCxnSpPr>
+            <p:nvPr/>
+          </p:nvCxnSpPr>
+          <p:spPr>
+            <a:xfrm>
+              <a:off x="15640494" y="3848988"/>
+              <a:ext cx="4986667" cy="3678863"/>
+            </a:xfrm>
+            <a:prstGeom prst="straightConnector1">
+              <a:avLst/>
+            </a:prstGeom>
+            <a:ln w="50800" cap="rnd">
+              <a:solidFill>
+                <a:schemeClr val="accent1">
+                  <a:lumMod val="50000"/>
+                </a:schemeClr>
+              </a:solidFill>
+              <a:headEnd w="lg" len="lg"/>
+              <a:tailEnd type="triangle" w="lg" len="lg"/>
+            </a:ln>
+          </p:spPr>
+          <p:style>
+            <a:lnRef idx="1">
+              <a:schemeClr val="accent1"/>
+            </a:lnRef>
+            <a:fillRef idx="0">
+              <a:schemeClr val="accent1"/>
+            </a:fillRef>
+            <a:effectRef idx="0">
+              <a:schemeClr val="accent1"/>
+            </a:effectRef>
+            <a:fontRef idx="minor">
+              <a:schemeClr val="tx1"/>
+            </a:fontRef>
+          </p:style>
+        </p:cxnSp>
+        <p:cxnSp>
+          <p:nvCxnSpPr>
+            <p:cNvPr id="22" name="Straight Arrow Connector 21">
+              <a:extLst>
+                <a:ext uri="{FF2B5EF4-FFF2-40B4-BE49-F238E27FC236}">
+                  <a16:creationId xmlns:a16="http://schemas.microsoft.com/office/drawing/2014/main" id="{027F8CAA-9A2D-3F08-9211-5F9BE5AB5BE5}"/>
+                </a:ext>
+              </a:extLst>
+            </p:cNvPr>
+            <p:cNvCxnSpPr>
+              <a:stCxn id="11" idx="4"/>
+            </p:cNvCxnSpPr>
+            <p:nvPr/>
+          </p:nvCxnSpPr>
+          <p:spPr>
+            <a:xfrm>
+              <a:off x="18171042" y="3848987"/>
+              <a:ext cx="2381692" cy="3678864"/>
+            </a:xfrm>
+            <a:prstGeom prst="straightConnector1">
+              <a:avLst/>
+            </a:prstGeom>
+            <a:ln w="50800" cap="rnd">
+              <a:solidFill>
+                <a:schemeClr val="accent1">
+                  <a:lumMod val="50000"/>
+                </a:schemeClr>
+              </a:solidFill>
+              <a:headEnd w="lg" len="lg"/>
+              <a:tailEnd type="triangle" w="lg" len="lg"/>
+            </a:ln>
+          </p:spPr>
+          <p:style>
+            <a:lnRef idx="1">
+              <a:schemeClr val="accent1"/>
+            </a:lnRef>
+            <a:fillRef idx="0">
+              <a:schemeClr val="accent1"/>
+            </a:fillRef>
+            <a:effectRef idx="0">
+              <a:schemeClr val="accent1"/>
+            </a:effectRef>
+            <a:fontRef idx="minor">
+              <a:schemeClr val="tx1"/>
+            </a:fontRef>
+          </p:style>
+        </p:cxnSp>
+        <p:cxnSp>
+          <p:nvCxnSpPr>
+            <p:cNvPr id="24" name="Straight Arrow Connector 23">
+              <a:extLst>
+                <a:ext uri="{FF2B5EF4-FFF2-40B4-BE49-F238E27FC236}">
+                  <a16:creationId xmlns:a16="http://schemas.microsoft.com/office/drawing/2014/main" id="{CA8F6547-AF2E-1B81-2A5D-F30C1ED5CE5E}"/>
+                </a:ext>
+              </a:extLst>
+            </p:cNvPr>
+            <p:cNvCxnSpPr>
+              <a:cxnSpLocks/>
+              <a:stCxn id="12" idx="4"/>
+              <a:endCxn id="6" idx="0"/>
+            </p:cNvCxnSpPr>
+            <p:nvPr/>
+          </p:nvCxnSpPr>
+          <p:spPr>
+            <a:xfrm>
+              <a:off x="20552734" y="3848987"/>
+              <a:ext cx="74427" cy="3678864"/>
+            </a:xfrm>
+            <a:prstGeom prst="straightConnector1">
+              <a:avLst/>
+            </a:prstGeom>
+            <a:ln w="50800" cap="rnd">
+              <a:solidFill>
+                <a:schemeClr val="accent1">
+                  <a:lumMod val="50000"/>
+                </a:schemeClr>
+              </a:solidFill>
+              <a:headEnd w="lg" len="lg"/>
+              <a:tailEnd type="triangle" w="lg" len="lg"/>
+            </a:ln>
+          </p:spPr>
+          <p:style>
+            <a:lnRef idx="1">
+              <a:schemeClr val="accent1"/>
+            </a:lnRef>
+            <a:fillRef idx="0">
+              <a:schemeClr val="accent1"/>
+            </a:fillRef>
+            <a:effectRef idx="0">
+              <a:schemeClr val="accent1"/>
+            </a:effectRef>
+            <a:fontRef idx="minor">
+              <a:schemeClr val="tx1"/>
+            </a:fontRef>
+          </p:style>
+        </p:cxnSp>
+        <p:cxnSp>
+          <p:nvCxnSpPr>
+            <p:cNvPr id="28" name="Straight Arrow Connector 27">
+              <a:extLst>
+                <a:ext uri="{FF2B5EF4-FFF2-40B4-BE49-F238E27FC236}">
+                  <a16:creationId xmlns:a16="http://schemas.microsoft.com/office/drawing/2014/main" id="{FCAF28E0-4B0C-7C95-9F73-DE72C6A2ED68}"/>
+                </a:ext>
+              </a:extLst>
+            </p:cNvPr>
+            <p:cNvCxnSpPr>
+              <a:stCxn id="9" idx="4"/>
+              <a:endCxn id="4" idx="0"/>
+            </p:cNvCxnSpPr>
+            <p:nvPr/>
+          </p:nvCxnSpPr>
+          <p:spPr>
+            <a:xfrm>
+              <a:off x="6443333" y="3848987"/>
+              <a:ext cx="106323" cy="3678864"/>
+            </a:xfrm>
+            <a:prstGeom prst="straightConnector1">
+              <a:avLst/>
+            </a:prstGeom>
+            <a:ln w="50800" cap="rnd">
+              <a:solidFill>
+                <a:schemeClr val="accent1">
+                  <a:lumMod val="50000"/>
+                </a:schemeClr>
+              </a:solidFill>
+              <a:headEnd w="lg" len="lg"/>
+              <a:tailEnd type="triangle" w="lg" len="lg"/>
+            </a:ln>
+          </p:spPr>
+          <p:style>
+            <a:lnRef idx="1">
+              <a:schemeClr val="accent1"/>
+            </a:lnRef>
+            <a:fillRef idx="0">
+              <a:schemeClr val="accent1"/>
+            </a:fillRef>
+            <a:effectRef idx="0">
+              <a:schemeClr val="accent1"/>
+            </a:effectRef>
+            <a:fontRef idx="minor">
+              <a:schemeClr val="tx1"/>
+            </a:fontRef>
+          </p:style>
+        </p:cxnSp>
+        <p:cxnSp>
+          <p:nvCxnSpPr>
+            <p:cNvPr id="30" name="Straight Arrow Connector 29">
+              <a:extLst>
+                <a:ext uri="{FF2B5EF4-FFF2-40B4-BE49-F238E27FC236}">
+                  <a16:creationId xmlns:a16="http://schemas.microsoft.com/office/drawing/2014/main" id="{D9ACF7C6-03D7-A476-F0A4-F9EE8FCFB381}"/>
+                </a:ext>
+              </a:extLst>
+            </p:cNvPr>
+            <p:cNvCxnSpPr>
+              <a:endCxn id="4" idx="0"/>
+            </p:cNvCxnSpPr>
+            <p:nvPr/>
+          </p:nvCxnSpPr>
+          <p:spPr>
+            <a:xfrm>
+              <a:off x="4125433" y="3593622"/>
+              <a:ext cx="2424223" cy="3934229"/>
+            </a:xfrm>
+            <a:prstGeom prst="straightConnector1">
+              <a:avLst/>
+            </a:prstGeom>
+            <a:ln w="50800" cap="rnd">
+              <a:solidFill>
+                <a:schemeClr val="accent1">
+                  <a:lumMod val="50000"/>
+                </a:schemeClr>
+              </a:solidFill>
+              <a:headEnd w="lg" len="lg"/>
+              <a:tailEnd type="triangle" w="lg" len="lg"/>
+            </a:ln>
+          </p:spPr>
+          <p:style>
+            <a:lnRef idx="1">
+              <a:schemeClr val="accent1"/>
+            </a:lnRef>
+            <a:fillRef idx="0">
+              <a:schemeClr val="accent1"/>
+            </a:fillRef>
+            <a:effectRef idx="0">
+              <a:schemeClr val="accent1"/>
+            </a:effectRef>
+            <a:fontRef idx="minor">
+              <a:schemeClr val="tx1"/>
+            </a:fontRef>
+          </p:style>
+        </p:cxnSp>
+        <p:cxnSp>
+          <p:nvCxnSpPr>
+            <p:cNvPr id="37" name="Straight Arrow Connector 36">
+              <a:extLst>
+                <a:ext uri="{FF2B5EF4-FFF2-40B4-BE49-F238E27FC236}">
+                  <a16:creationId xmlns:a16="http://schemas.microsoft.com/office/drawing/2014/main" id="{0C1EAA2A-AFFF-72EC-A666-AF2D4275DFC2}"/>
+                </a:ext>
+              </a:extLst>
+            </p:cNvPr>
+            <p:cNvCxnSpPr>
+              <a:cxnSpLocks/>
+              <a:stCxn id="5" idx="3"/>
+              <a:endCxn id="6" idx="1"/>
+            </p:cNvCxnSpPr>
+            <p:nvPr/>
+          </p:nvCxnSpPr>
+          <p:spPr>
+            <a:xfrm>
+              <a:off x="13935740" y="8399721"/>
+              <a:ext cx="5819551" cy="0"/>
+            </a:xfrm>
+            <a:prstGeom prst="straightConnector1">
+              <a:avLst/>
+            </a:prstGeom>
+            <a:ln w="50800" cap="rnd">
+              <a:solidFill>
+                <a:schemeClr val="accent1">
+                  <a:lumMod val="50000"/>
+                </a:schemeClr>
+              </a:solidFill>
+              <a:headEnd w="lg" len="lg"/>
+              <a:tailEnd type="triangle" w="lg" len="lg"/>
+            </a:ln>
+          </p:spPr>
+          <p:style>
+            <a:lnRef idx="1">
+              <a:schemeClr val="accent1"/>
+            </a:lnRef>
+            <a:fillRef idx="0">
+              <a:schemeClr val="accent1"/>
+            </a:fillRef>
+            <a:effectRef idx="0">
+              <a:schemeClr val="accent1"/>
+            </a:effectRef>
+            <a:fontRef idx="minor">
+              <a:schemeClr val="tx1"/>
+            </a:fontRef>
+          </p:style>
+        </p:cxnSp>
+        <p:sp>
+          <p:nvSpPr>
+            <p:cNvPr id="44" name="TextBox 43">
+              <a:extLst>
+                <a:ext uri="{FF2B5EF4-FFF2-40B4-BE49-F238E27FC236}">
+                  <a16:creationId xmlns:a16="http://schemas.microsoft.com/office/drawing/2014/main" id="{F6F9209D-92F5-9077-97EA-98675C5441D4}"/>
+                </a:ext>
+              </a:extLst>
+            </p:cNvPr>
+            <p:cNvSpPr txBox="1"/>
+            <p:nvPr/>
+          </p:nvSpPr>
+          <p:spPr>
+            <a:xfrm>
+              <a:off x="23131849" y="11219935"/>
+              <a:ext cx="184731" cy="369332"/>
+            </a:xfrm>
+            <a:prstGeom prst="rect">
+              <a:avLst/>
+            </a:prstGeom>
+            <a:noFill/>
+          </p:spPr>
+          <p:txBody>
+            <a:bodyPr wrap="none" rtlCol="0">
+              <a:spAutoFit/>
+            </a:bodyPr>
+            <a:lstStyle/>
+            <a:p>
+              <a:endParaRPr lang="en-US" dirty="0"/>
+            </a:p>
+          </p:txBody>
+        </p:sp>
+      </p:grpSp>
+    </p:spTree>
+    <p:extLst>
+      <p:ext uri="{BB962C8B-B14F-4D97-AF65-F5344CB8AC3E}">
+        <p14:creationId xmlns:p14="http://schemas.microsoft.com/office/powerpoint/2010/main" val="1273369439"/>
+      </p:ext>
+    </p:extLst>
+  </p:cSld>
+  <p:clrMapOvr>
+    <a:masterClrMapping/>
+  </p:clrMapOvr>
+</p:sld>
+</file>
+
+<file path=ppt/slides/slide9.xml><?xml version="1.0" encoding="utf-8"?>
+<p:sld xmlns:a="http://schemas.openxmlformats.org/drawingml/2006/main" xmlns:r="http://schemas.openxmlformats.org/officeDocument/2006/relationships" xmlns:p="http://schemas.openxmlformats.org/presentationml/2006/main">
+  <p:cSld>
+    <p:spTree>
+      <p:nvGrpSpPr>
+        <p:cNvPr id="1" name=""/>
+        <p:cNvGrpSpPr/>
+        <p:nvPr/>
+      </p:nvGrpSpPr>
+      <p:grpSpPr>
+        <a:xfrm>
+          <a:off x="0" y="0"/>
+          <a:ext cx="0" cy="0"/>
+          <a:chOff x="0" y="0"/>
+          <a:chExt cx="0" cy="0"/>
+        </a:xfrm>
+      </p:grpSpPr>
+      <p:sp>
+        <p:nvSpPr>
+          <p:cNvPr id="5" name="Double Bracket 4">
+            <a:extLst>
+              <a:ext uri="{FF2B5EF4-FFF2-40B4-BE49-F238E27FC236}">
+                <a16:creationId xmlns:a16="http://schemas.microsoft.com/office/drawing/2014/main" id="{B588F5B6-49B2-9F4F-3B32-7753CFE55C48}"/>
+              </a:ext>
+            </a:extLst>
+          </p:cNvPr>
+          <p:cNvSpPr/>
+          <p:nvPr/>
+        </p:nvSpPr>
+        <p:spPr>
+          <a:xfrm>
+            <a:off x="5103627" y="2083981"/>
+            <a:ext cx="8888819" cy="8888819"/>
+          </a:xfrm>
+          <a:prstGeom prst="bracketPair">
+            <a:avLst/>
+          </a:prstGeom>
+          <a:ln w="76200">
+            <a:solidFill>
+              <a:schemeClr val="tx1"/>
+            </a:solidFill>
+          </a:ln>
+        </p:spPr>
+        <p:style>
+          <a:lnRef idx="1">
+            <a:schemeClr val="accent1"/>
+          </a:lnRef>
+          <a:fillRef idx="0">
+            <a:schemeClr val="accent1"/>
+          </a:fillRef>
+          <a:effectRef idx="0">
+            <a:schemeClr val="accent1"/>
+          </a:effectRef>
+          <a:fontRef idx="minor">
+            <a:schemeClr val="tx1"/>
+          </a:fontRef>
+        </p:style>
+        <p:txBody>
+          <a:bodyPr rtlCol="0" anchor="ctr"/>
+          <a:lstStyle/>
+          <a:p>
+            <a:pPr algn="ctr"/>
+            <a:endParaRPr lang="en-US"/>
+          </a:p>
+        </p:txBody>
+      </p:sp>
+      <p:graphicFrame>
+        <p:nvGraphicFramePr>
+          <p:cNvPr id="9" name="Table 9">
+            <a:extLst>
+              <a:ext uri="{FF2B5EF4-FFF2-40B4-BE49-F238E27FC236}">
+                <a16:creationId xmlns:a16="http://schemas.microsoft.com/office/drawing/2014/main" id="{27B244DD-B1C3-8C81-E9BE-0ACACFC8449C}"/>
+              </a:ext>
+            </a:extLst>
+          </p:cNvPr>
+          <p:cNvGraphicFramePr>
+            <a:graphicFrameLocks noGrp="1"/>
+          </p:cNvGraphicFramePr>
+          <p:nvPr>
+            <p:extLst>
+              <p:ext uri="{D42A27DB-BD31-4B8C-83A1-F6EECF244321}">
+                <p14:modId xmlns:p14="http://schemas.microsoft.com/office/powerpoint/2010/main" val="801368207"/>
+              </p:ext>
+            </p:extLst>
+          </p:nvPr>
+        </p:nvGraphicFramePr>
+        <p:xfrm>
+          <a:off x="5892799" y="2743199"/>
+          <a:ext cx="6299196" cy="6356720"/>
+        </p:xfrm>
+        <a:graphic>
+          <a:graphicData uri="http://schemas.openxmlformats.org/drawingml/2006/table">
+            <a:tbl>
+              <a:tblPr firstRow="1" bandRow="1">
+                <a:tableStyleId>{5C22544A-7EE6-4342-B048-85BDC9FD1C3A}</a:tableStyleId>
+              </a:tblPr>
+              <a:tblGrid>
+                <a:gridCol w="1574799">
+                  <a:extLst>
+                    <a:ext uri="{9D8B030D-6E8A-4147-A177-3AD203B41FA5}">
+                      <a16:colId xmlns:a16="http://schemas.microsoft.com/office/drawing/2014/main" val="3182877558"/>
+                    </a:ext>
+                  </a:extLst>
+                </a:gridCol>
+                <a:gridCol w="1574799">
+                  <a:extLst>
+                    <a:ext uri="{9D8B030D-6E8A-4147-A177-3AD203B41FA5}">
+                      <a16:colId xmlns:a16="http://schemas.microsoft.com/office/drawing/2014/main" val="3404769859"/>
+                    </a:ext>
+                  </a:extLst>
+                </a:gridCol>
+                <a:gridCol w="1574799">
+                  <a:extLst>
+                    <a:ext uri="{9D8B030D-6E8A-4147-A177-3AD203B41FA5}">
+                      <a16:colId xmlns:a16="http://schemas.microsoft.com/office/drawing/2014/main" val="3789822758"/>
+                    </a:ext>
+                  </a:extLst>
+                </a:gridCol>
+                <a:gridCol w="1574799">
+                  <a:extLst>
+                    <a:ext uri="{9D8B030D-6E8A-4147-A177-3AD203B41FA5}">
+                      <a16:colId xmlns:a16="http://schemas.microsoft.com/office/drawing/2014/main" val="3067403067"/>
+                    </a:ext>
+                  </a:extLst>
+                </a:gridCol>
+              </a:tblGrid>
+              <a:tr h="1575484">
+                <a:tc>
+                  <a:txBody>
+                    <a:bodyPr/>
+                    <a:lstStyle/>
+                    <a:p>
+                      <a:pPr algn="ctr"/>
+                      <a:r>
+                        <a:rPr lang="en-US" sz="6000" b="1" dirty="0">
+                          <a:solidFill>
+                            <a:schemeClr val="tx1"/>
+                          </a:solidFill>
+                        </a:rPr>
+                        <a:t>0</a:t>
+                      </a:r>
+                    </a:p>
+                  </a:txBody>
+                  <a:tcPr marL="106268" marR="106268" marT="53134" marB="53134" anchor="ctr">
+                    <a:lnL w="12700" cap="flat" cmpd="sng" algn="ctr">
+                      <a:noFill/>
+                      <a:prstDash val="solid"/>
+                      <a:round/>
+                      <a:headEnd type="none" w="med" len="med"/>
+                      <a:tailEnd type="none" w="med" len="med"/>
+                    </a:lnL>
+                    <a:lnR w="12700" cap="flat" cmpd="sng" algn="ctr">
+                      <a:noFill/>
+                      <a:prstDash val="solid"/>
+                      <a:round/>
+                      <a:headEnd type="none" w="med" len="med"/>
+                      <a:tailEnd type="none" w="med" len="med"/>
+                    </a:lnR>
+                    <a:lnT w="12700" cap="flat" cmpd="sng" algn="ctr">
+                      <a:noFill/>
+                      <a:prstDash val="solid"/>
+                      <a:round/>
+                      <a:headEnd type="none" w="med" len="med"/>
+                      <a:tailEnd type="none" w="med" len="med"/>
+                    </a:lnT>
+                    <a:lnB w="12700" cap="flat" cmpd="sng" algn="ctr">
+                      <a:noFill/>
+                      <a:prstDash val="solid"/>
+                      <a:round/>
+                      <a:headEnd type="none" w="med" len="med"/>
+                      <a:tailEnd type="none" w="med" len="med"/>
+                    </a:lnB>
+                    <a:lnTlToBr w="12700" cmpd="sng">
+                      <a:noFill/>
+                      <a:prstDash val="solid"/>
+                    </a:lnTlToBr>
+                    <a:lnBlToTr w="12700" cmpd="sng">
+                      <a:noFill/>
+                      <a:prstDash val="solid"/>
+                    </a:lnBlToTr>
+                    <a:noFill/>
+                  </a:tcPr>
+                </a:tc>
+                <a:tc>
+                  <a:txBody>
+                    <a:bodyPr/>
+                    <a:lstStyle/>
+                    <a:p>
+                      <a:pPr algn="ctr"/>
+                      <a:r>
+                        <a:rPr lang="en-US" sz="6000" b="1" dirty="0">
+                          <a:solidFill>
+                            <a:schemeClr val="tx1"/>
+                          </a:solidFill>
+                        </a:rPr>
+                        <a:t>…</a:t>
+                      </a:r>
+                    </a:p>
+                  </a:txBody>
+                  <a:tcPr marL="106268" marR="106268" marT="53134" marB="53134" anchor="ctr">
+                    <a:lnL w="12700" cap="flat" cmpd="sng" algn="ctr">
+                      <a:noFill/>
+                      <a:prstDash val="solid"/>
+                      <a:round/>
+                      <a:headEnd type="none" w="med" len="med"/>
+                      <a:tailEnd type="none" w="med" len="med"/>
+                    </a:lnL>
+                    <a:lnR w="12700" cap="flat" cmpd="sng" algn="ctr">
+                      <a:noFill/>
+                      <a:prstDash val="solid"/>
+                      <a:round/>
+                      <a:headEnd type="none" w="med" len="med"/>
+                      <a:tailEnd type="none" w="med" len="med"/>
+                    </a:lnR>
+                    <a:lnT w="12700" cap="flat" cmpd="sng" algn="ctr">
+                      <a:noFill/>
+                      <a:prstDash val="solid"/>
+                      <a:round/>
+                      <a:headEnd type="none" w="med" len="med"/>
+                      <a:tailEnd type="none" w="med" len="med"/>
+                    </a:lnT>
+                    <a:lnB w="12700" cap="flat" cmpd="sng" algn="ctr">
+                      <a:noFill/>
+                      <a:prstDash val="solid"/>
+                      <a:round/>
+                      <a:headEnd type="none" w="med" len="med"/>
+                      <a:tailEnd type="none" w="med" len="med"/>
+                    </a:lnB>
+                    <a:lnTlToBr w="12700" cmpd="sng">
+                      <a:noFill/>
+                      <a:prstDash val="solid"/>
+                    </a:lnTlToBr>
+                    <a:lnBlToTr w="12700" cmpd="sng">
+                      <a:noFill/>
+                      <a:prstDash val="solid"/>
+                    </a:lnBlToTr>
+                    <a:noFill/>
+                  </a:tcPr>
+                </a:tc>
+                <a:tc>
+                  <a:txBody>
+                    <a:bodyPr/>
+                    <a:lstStyle/>
+                    <a:p>
+                      <a:pPr marL="0" marR="0" lvl="0" indent="0" algn="ctr" defTabSz="1828800" rtl="0" eaLnBrk="1" fontAlgn="auto" latinLnBrk="0" hangingPunct="1">
+                        <a:lnSpc>
+                          <a:spcPct val="100000"/>
+                        </a:lnSpc>
+                        <a:spcBef>
+                          <a:spcPts val="0"/>
+                        </a:spcBef>
+                        <a:spcAft>
+                          <a:spcPts val="0"/>
+                        </a:spcAft>
+                        <a:buClrTx/>
+                        <a:buSzTx/>
+                        <a:buFontTx/>
+                        <a:buNone/>
+                        <a:tabLst/>
+                        <a:defRPr/>
+                      </a:pPr>
+                      <a:r>
+                        <a:rPr lang="en-US" sz="6000" b="1" dirty="0">
+                          <a:solidFill>
+                            <a:schemeClr val="tx1"/>
+                          </a:solidFill>
+                        </a:rPr>
+                        <a:t>β</a:t>
+                      </a:r>
+                      <a:r>
+                        <a:rPr lang="en-US" sz="6000" b="1" baseline="-25000" dirty="0">
+                          <a:solidFill>
+                            <a:schemeClr val="tx1"/>
+                          </a:solidFill>
+                        </a:rPr>
+                        <a:t>j-1</a:t>
+                      </a:r>
+                    </a:p>
+                  </a:txBody>
+                  <a:tcPr marL="106268" marR="106268" marT="53134" marB="53134" anchor="ctr">
+                    <a:lnL w="12700" cap="flat" cmpd="sng" algn="ctr">
+                      <a:noFill/>
+                      <a:prstDash val="solid"/>
+                      <a:round/>
+                      <a:headEnd type="none" w="med" len="med"/>
+                      <a:tailEnd type="none" w="med" len="med"/>
+                    </a:lnL>
+                    <a:lnR w="12700" cap="flat" cmpd="sng" algn="ctr">
+                      <a:noFill/>
+                      <a:prstDash val="solid"/>
+                      <a:round/>
+                      <a:headEnd type="none" w="med" len="med"/>
+                      <a:tailEnd type="none" w="med" len="med"/>
+                    </a:lnR>
+                    <a:lnT w="12700" cap="flat" cmpd="sng" algn="ctr">
+                      <a:noFill/>
+                      <a:prstDash val="solid"/>
+                      <a:round/>
+                      <a:headEnd type="none" w="med" len="med"/>
+                      <a:tailEnd type="none" w="med" len="med"/>
+                    </a:lnT>
+                    <a:lnB w="12700" cap="flat" cmpd="sng" algn="ctr">
+                      <a:noFill/>
+                      <a:prstDash val="solid"/>
+                      <a:round/>
+                      <a:headEnd type="none" w="med" len="med"/>
+                      <a:tailEnd type="none" w="med" len="med"/>
+                    </a:lnB>
+                    <a:lnTlToBr w="12700" cmpd="sng">
+                      <a:noFill/>
+                      <a:prstDash val="solid"/>
+                    </a:lnTlToBr>
+                    <a:lnBlToTr w="12700" cmpd="sng">
+                      <a:noFill/>
+                      <a:prstDash val="solid"/>
+                    </a:lnBlToTr>
+                    <a:noFill/>
+                  </a:tcPr>
+                </a:tc>
+                <a:tc>
+                  <a:txBody>
+                    <a:bodyPr/>
+                    <a:lstStyle/>
+                    <a:p>
+                      <a:pPr algn="ctr"/>
+                      <a:r>
+                        <a:rPr lang="en-US" sz="6000" b="1" dirty="0">
+                          <a:solidFill>
+                            <a:schemeClr val="tx1"/>
+                          </a:solidFill>
+                        </a:rPr>
+                        <a:t>β</a:t>
+                      </a:r>
+                      <a:r>
+                        <a:rPr lang="en-US" sz="6000" b="1" baseline="-25000" dirty="0">
+                          <a:solidFill>
+                            <a:schemeClr val="tx1"/>
+                          </a:solidFill>
+                        </a:rPr>
+                        <a:t>j</a:t>
+                      </a:r>
+                    </a:p>
+                  </a:txBody>
+                  <a:tcPr marL="106268" marR="106268" marT="53134" marB="53134" anchor="ctr">
+                    <a:lnL w="12700" cap="flat" cmpd="sng" algn="ctr">
+                      <a:noFill/>
+                      <a:prstDash val="solid"/>
+                      <a:round/>
+                      <a:headEnd type="none" w="med" len="med"/>
+                      <a:tailEnd type="none" w="med" len="med"/>
+                    </a:lnL>
+                    <a:lnR w="12700" cap="flat" cmpd="sng" algn="ctr">
+                      <a:noFill/>
+                      <a:prstDash val="solid"/>
+                      <a:round/>
+                      <a:headEnd type="none" w="med" len="med"/>
+                      <a:tailEnd type="none" w="med" len="med"/>
+                    </a:lnR>
+                    <a:lnT w="12700" cap="flat" cmpd="sng" algn="ctr">
+                      <a:noFill/>
+                      <a:prstDash val="solid"/>
+                      <a:round/>
+                      <a:headEnd type="none" w="med" len="med"/>
+                      <a:tailEnd type="none" w="med" len="med"/>
+                    </a:lnT>
+                    <a:lnB w="12700" cap="flat" cmpd="sng" algn="ctr">
+                      <a:noFill/>
+                      <a:prstDash val="solid"/>
+                      <a:round/>
+                      <a:headEnd type="none" w="med" len="med"/>
+                      <a:tailEnd type="none" w="med" len="med"/>
+                    </a:lnB>
+                    <a:lnTlToBr w="12700" cmpd="sng">
+                      <a:noFill/>
+                      <a:prstDash val="solid"/>
+                    </a:lnTlToBr>
+                    <a:lnBlToTr w="12700" cmpd="sng">
+                      <a:noFill/>
+                      <a:prstDash val="solid"/>
+                    </a:lnBlToTr>
+                    <a:noFill/>
+                  </a:tcPr>
+                </a:tc>
+                <a:extLst>
+                  <a:ext uri="{0D108BD9-81ED-4DB2-BD59-A6C34878D82A}">
+                    <a16:rowId xmlns:a16="http://schemas.microsoft.com/office/drawing/2014/main" val="3766228800"/>
+                  </a:ext>
+                </a:extLst>
+              </a:tr>
+              <a:tr h="1575484">
+                <a:tc>
+                  <a:txBody>
+                    <a:bodyPr/>
+                    <a:lstStyle/>
+                    <a:p>
+                      <a:pPr algn="ctr"/>
+                      <a:r>
+                        <a:rPr lang="en-US" sz="6000" b="1" dirty="0">
+                          <a:solidFill>
+                            <a:schemeClr val="tx1"/>
+                          </a:solidFill>
+                        </a:rPr>
+                        <a:t>1</a:t>
+                      </a:r>
+                    </a:p>
+                  </a:txBody>
+                  <a:tcPr marL="106268" marR="106268" marT="53134" marB="53134" anchor="ctr">
+                    <a:lnL w="12700" cap="flat" cmpd="sng" algn="ctr">
+                      <a:noFill/>
+                      <a:prstDash val="solid"/>
+                      <a:round/>
+                      <a:headEnd type="none" w="med" len="med"/>
+                      <a:tailEnd type="none" w="med" len="med"/>
+                    </a:lnL>
+                    <a:lnR w="12700" cap="flat" cmpd="sng" algn="ctr">
+                      <a:noFill/>
+                      <a:prstDash val="solid"/>
+                      <a:round/>
+                      <a:headEnd type="none" w="med" len="med"/>
+                      <a:tailEnd type="none" w="med" len="med"/>
+                    </a:lnR>
+                    <a:lnT w="12700" cap="flat" cmpd="sng" algn="ctr">
+                      <a:noFill/>
+                      <a:prstDash val="solid"/>
+                      <a:round/>
+                      <a:headEnd type="none" w="med" len="med"/>
+                      <a:tailEnd type="none" w="med" len="med"/>
+                    </a:lnT>
+                    <a:lnB w="12700" cap="flat" cmpd="sng" algn="ctr">
+                      <a:noFill/>
+                      <a:prstDash val="solid"/>
+                      <a:round/>
+                      <a:headEnd type="none" w="med" len="med"/>
+                      <a:tailEnd type="none" w="med" len="med"/>
+                    </a:lnB>
+                    <a:lnTlToBr w="12700" cmpd="sng">
+                      <a:noFill/>
+                      <a:prstDash val="solid"/>
+                    </a:lnTlToBr>
+                    <a:lnBlToTr w="12700" cmpd="sng">
+                      <a:noFill/>
+                      <a:prstDash val="solid"/>
+                    </a:lnBlToTr>
+                    <a:noFill/>
+                  </a:tcPr>
+                </a:tc>
+                <a:tc>
+                  <a:txBody>
+                    <a:bodyPr/>
+                    <a:lstStyle/>
+                    <a:p>
+                      <a:pPr algn="ctr"/>
+                      <a:r>
+                        <a:rPr lang="en-US" sz="6000" b="1" dirty="0">
+                          <a:solidFill>
+                            <a:schemeClr val="tx1"/>
+                          </a:solidFill>
+                        </a:rPr>
+                        <a:t>0</a:t>
+                      </a:r>
+                    </a:p>
+                  </a:txBody>
+                  <a:tcPr marL="106268" marR="106268" marT="53134" marB="53134" anchor="ctr">
+                    <a:lnL w="12700" cap="flat" cmpd="sng" algn="ctr">
+                      <a:noFill/>
+                      <a:prstDash val="solid"/>
+                      <a:round/>
+                      <a:headEnd type="none" w="med" len="med"/>
+                      <a:tailEnd type="none" w="med" len="med"/>
+                    </a:lnL>
+                    <a:lnR w="12700" cap="flat" cmpd="sng" algn="ctr">
+                      <a:noFill/>
+                      <a:prstDash val="solid"/>
+                      <a:round/>
+                      <a:headEnd type="none" w="med" len="med"/>
+                      <a:tailEnd type="none" w="med" len="med"/>
+                    </a:lnR>
+                    <a:lnT w="12700" cap="flat" cmpd="sng" algn="ctr">
+                      <a:noFill/>
+                      <a:prstDash val="solid"/>
+                      <a:round/>
+                      <a:headEnd type="none" w="med" len="med"/>
+                      <a:tailEnd type="none" w="med" len="med"/>
+                    </a:lnT>
+                    <a:lnB w="12700" cap="flat" cmpd="sng" algn="ctr">
+                      <a:noFill/>
+                      <a:prstDash val="solid"/>
+                      <a:round/>
+                      <a:headEnd type="none" w="med" len="med"/>
+                      <a:tailEnd type="none" w="med" len="med"/>
+                    </a:lnB>
+                    <a:lnTlToBr w="12700" cmpd="sng">
+                      <a:noFill/>
+                      <a:prstDash val="solid"/>
+                    </a:lnTlToBr>
+                    <a:lnBlToTr w="12700" cmpd="sng">
+                      <a:noFill/>
+                      <a:prstDash val="solid"/>
+                    </a:lnBlToTr>
+                    <a:noFill/>
+                  </a:tcPr>
+                </a:tc>
+                <a:tc>
+                  <a:txBody>
+                    <a:bodyPr/>
+                    <a:lstStyle/>
+                    <a:p>
+                      <a:pPr marL="0" marR="0" lvl="0" indent="0" algn="ctr" defTabSz="1828800" rtl="0" eaLnBrk="1" fontAlgn="auto" latinLnBrk="0" hangingPunct="1">
+                        <a:lnSpc>
+                          <a:spcPct val="100000"/>
+                        </a:lnSpc>
+                        <a:spcBef>
+                          <a:spcPts val="0"/>
+                        </a:spcBef>
+                        <a:spcAft>
+                          <a:spcPts val="0"/>
+                        </a:spcAft>
+                        <a:buClrTx/>
+                        <a:buSzTx/>
+                        <a:buFontTx/>
+                        <a:buNone/>
+                        <a:tabLst/>
+                        <a:defRPr/>
+                      </a:pPr>
+                      <a:r>
+                        <a:rPr lang="en-US" sz="6000" b="1" dirty="0">
+                          <a:solidFill>
+                            <a:schemeClr val="tx1"/>
+                          </a:solidFill>
+                        </a:rPr>
+                        <a:t>-β</a:t>
+                      </a:r>
+                      <a:r>
+                        <a:rPr lang="en-US" sz="6000" b="1" baseline="-25000" dirty="0">
+                          <a:solidFill>
+                            <a:schemeClr val="tx1"/>
+                          </a:solidFill>
+                        </a:rPr>
+                        <a:t>j-1</a:t>
+                      </a:r>
+                    </a:p>
+                  </a:txBody>
+                  <a:tcPr marL="106268" marR="106268" marT="53134" marB="53134" anchor="ctr">
+                    <a:lnL w="12700" cap="flat" cmpd="sng" algn="ctr">
+                      <a:noFill/>
+                      <a:prstDash val="solid"/>
+                      <a:round/>
+                      <a:headEnd type="none" w="med" len="med"/>
+                      <a:tailEnd type="none" w="med" len="med"/>
+                    </a:lnL>
+                    <a:lnR w="12700" cap="flat" cmpd="sng" algn="ctr">
+                      <a:noFill/>
+                      <a:prstDash val="solid"/>
+                      <a:round/>
+                      <a:headEnd type="none" w="med" len="med"/>
+                      <a:tailEnd type="none" w="med" len="med"/>
+                    </a:lnR>
+                    <a:lnT w="12700" cap="flat" cmpd="sng" algn="ctr">
+                      <a:noFill/>
+                      <a:prstDash val="solid"/>
+                      <a:round/>
+                      <a:headEnd type="none" w="med" len="med"/>
+                      <a:tailEnd type="none" w="med" len="med"/>
+                    </a:lnT>
+                    <a:lnB w="12700" cap="flat" cmpd="sng" algn="ctr">
+                      <a:noFill/>
+                      <a:prstDash val="solid"/>
+                      <a:round/>
+                      <a:headEnd type="none" w="med" len="med"/>
+                      <a:tailEnd type="none" w="med" len="med"/>
+                    </a:lnB>
+                    <a:lnTlToBr w="12700" cmpd="sng">
+                      <a:noFill/>
+                      <a:prstDash val="solid"/>
+                    </a:lnTlToBr>
+                    <a:lnBlToTr w="12700" cmpd="sng">
+                      <a:noFill/>
+                      <a:prstDash val="solid"/>
+                    </a:lnBlToTr>
+                    <a:noFill/>
+                  </a:tcPr>
+                </a:tc>
+                <a:tc>
+                  <a:txBody>
+                    <a:bodyPr/>
+                    <a:lstStyle/>
+                    <a:p>
+                      <a:pPr marL="0" marR="0" lvl="0" indent="0" algn="ctr" defTabSz="1828800" rtl="0" eaLnBrk="1" fontAlgn="auto" latinLnBrk="0" hangingPunct="1">
+                        <a:lnSpc>
+                          <a:spcPct val="100000"/>
+                        </a:lnSpc>
+                        <a:spcBef>
+                          <a:spcPts val="0"/>
+                        </a:spcBef>
+                        <a:spcAft>
+                          <a:spcPts val="0"/>
+                        </a:spcAft>
+                        <a:buClrTx/>
+                        <a:buSzTx/>
+                        <a:buFontTx/>
+                        <a:buNone/>
+                        <a:tabLst/>
+                        <a:defRPr/>
+                      </a:pPr>
+                      <a:r>
+                        <a:rPr lang="en-US" sz="6000" b="1" dirty="0">
+                          <a:solidFill>
+                            <a:schemeClr val="tx1"/>
+                          </a:solidFill>
+                        </a:rPr>
+                        <a:t>-β</a:t>
+                      </a:r>
+                      <a:r>
+                        <a:rPr lang="en-US" sz="6000" b="1" baseline="-25000" dirty="0">
+                          <a:solidFill>
+                            <a:schemeClr val="tx1"/>
+                          </a:solidFill>
+                        </a:rPr>
+                        <a:t>j</a:t>
+                      </a:r>
+                    </a:p>
+                  </a:txBody>
+                  <a:tcPr marL="106268" marR="106268" marT="53134" marB="53134" anchor="ctr">
+                    <a:lnL w="12700" cap="flat" cmpd="sng" algn="ctr">
+                      <a:noFill/>
+                      <a:prstDash val="solid"/>
+                      <a:round/>
+                      <a:headEnd type="none" w="med" len="med"/>
+                      <a:tailEnd type="none" w="med" len="med"/>
+                    </a:lnL>
+                    <a:lnR w="12700" cap="flat" cmpd="sng" algn="ctr">
+                      <a:noFill/>
+                      <a:prstDash val="solid"/>
+                      <a:round/>
+                      <a:headEnd type="none" w="med" len="med"/>
+                      <a:tailEnd type="none" w="med" len="med"/>
+                    </a:lnR>
+                    <a:lnT w="12700" cap="flat" cmpd="sng" algn="ctr">
+                      <a:noFill/>
+                      <a:prstDash val="solid"/>
+                      <a:round/>
+                      <a:headEnd type="none" w="med" len="med"/>
+                      <a:tailEnd type="none" w="med" len="med"/>
+                    </a:lnT>
+                    <a:lnB w="12700" cap="flat" cmpd="sng" algn="ctr">
+                      <a:noFill/>
+                      <a:prstDash val="solid"/>
+                      <a:round/>
+                      <a:headEnd type="none" w="med" len="med"/>
+                      <a:tailEnd type="none" w="med" len="med"/>
+                    </a:lnB>
+                    <a:lnTlToBr w="12700" cmpd="sng">
+                      <a:noFill/>
+                      <a:prstDash val="solid"/>
+                    </a:lnTlToBr>
+                    <a:lnBlToTr w="12700" cmpd="sng">
+                      <a:noFill/>
+                      <a:prstDash val="solid"/>
+                    </a:lnBlToTr>
+                    <a:noFill/>
+                  </a:tcPr>
+                </a:tc>
+                <a:extLst>
+                  <a:ext uri="{0D108BD9-81ED-4DB2-BD59-A6C34878D82A}">
+                    <a16:rowId xmlns:a16="http://schemas.microsoft.com/office/drawing/2014/main" val="1520994403"/>
+                  </a:ext>
+                </a:extLst>
+              </a:tr>
+              <a:tr h="1575484">
+                <a:tc>
+                  <a:txBody>
+                    <a:bodyPr/>
+                    <a:lstStyle/>
+                    <a:p>
+                      <a:pPr algn="ctr"/>
+                      <a:r>
+                        <a:rPr lang="en-US" sz="6000" b="1" dirty="0">
+                          <a:solidFill>
+                            <a:schemeClr val="tx1"/>
+                          </a:solidFill>
+                        </a:rPr>
+                        <a:t>1</a:t>
+                      </a:r>
+                    </a:p>
+                  </a:txBody>
+                  <a:tcPr marL="106268" marR="106268" marT="53134" marB="53134" anchor="ctr">
+                    <a:lnL w="12700" cap="flat" cmpd="sng" algn="ctr">
+                      <a:noFill/>
+                      <a:prstDash val="solid"/>
+                      <a:round/>
+                      <a:headEnd type="none" w="med" len="med"/>
+                      <a:tailEnd type="none" w="med" len="med"/>
+                    </a:lnL>
+                    <a:lnR w="12700" cap="flat" cmpd="sng" algn="ctr">
+                      <a:noFill/>
+                      <a:prstDash val="solid"/>
+                      <a:round/>
+                      <a:headEnd type="none" w="med" len="med"/>
+                      <a:tailEnd type="none" w="med" len="med"/>
+                    </a:lnR>
+                    <a:lnT w="12700" cap="flat" cmpd="sng" algn="ctr">
+                      <a:noFill/>
+                      <a:prstDash val="solid"/>
+                      <a:round/>
+                      <a:headEnd type="none" w="med" len="med"/>
+                      <a:tailEnd type="none" w="med" len="med"/>
+                    </a:lnT>
+                    <a:lnB w="12700" cap="flat" cmpd="sng" algn="ctr">
+                      <a:noFill/>
+                      <a:prstDash val="solid"/>
+                      <a:round/>
+                      <a:headEnd type="none" w="med" len="med"/>
+                      <a:tailEnd type="none" w="med" len="med"/>
+                    </a:lnB>
+                    <a:lnTlToBr w="12700" cmpd="sng">
+                      <a:noFill/>
+                      <a:prstDash val="solid"/>
+                    </a:lnTlToBr>
+                    <a:lnBlToTr w="12700" cmpd="sng">
+                      <a:noFill/>
+                      <a:prstDash val="solid"/>
+                    </a:lnBlToTr>
+                    <a:noFill/>
+                  </a:tcPr>
+                </a:tc>
+                <a:tc>
+                  <a:txBody>
+                    <a:bodyPr/>
+                    <a:lstStyle/>
+                    <a:p>
+                      <a:pPr algn="ctr"/>
+                      <a:r>
+                        <a:rPr lang="en-US" sz="6000" b="1" dirty="0">
+                          <a:solidFill>
+                            <a:schemeClr val="tx1"/>
+                          </a:solidFill>
+                        </a:rPr>
+                        <a:t>…</a:t>
+                      </a:r>
+                    </a:p>
+                  </a:txBody>
+                  <a:tcPr marL="106268" marR="106268" marT="53134" marB="53134" anchor="ctr">
+                    <a:lnL w="12700" cap="flat" cmpd="sng" algn="ctr">
+                      <a:noFill/>
+                      <a:prstDash val="solid"/>
+                      <a:round/>
+                      <a:headEnd type="none" w="med" len="med"/>
+                      <a:tailEnd type="none" w="med" len="med"/>
+                    </a:lnL>
+                    <a:lnR w="12700" cap="flat" cmpd="sng" algn="ctr">
+                      <a:noFill/>
+                      <a:prstDash val="solid"/>
+                      <a:round/>
+                      <a:headEnd type="none" w="med" len="med"/>
+                      <a:tailEnd type="none" w="med" len="med"/>
+                    </a:lnR>
+                    <a:lnT w="12700" cap="flat" cmpd="sng" algn="ctr">
+                      <a:noFill/>
+                      <a:prstDash val="solid"/>
+                      <a:round/>
+                      <a:headEnd type="none" w="med" len="med"/>
+                      <a:tailEnd type="none" w="med" len="med"/>
+                    </a:lnT>
+                    <a:lnB w="12700" cap="flat" cmpd="sng" algn="ctr">
+                      <a:noFill/>
+                      <a:prstDash val="solid"/>
+                      <a:round/>
+                      <a:headEnd type="none" w="med" len="med"/>
+                      <a:tailEnd type="none" w="med" len="med"/>
+                    </a:lnB>
+                    <a:lnTlToBr w="12700" cmpd="sng">
+                      <a:noFill/>
+                      <a:prstDash val="solid"/>
+                    </a:lnTlToBr>
+                    <a:lnBlToTr w="12700" cmpd="sng">
+                      <a:noFill/>
+                      <a:prstDash val="solid"/>
+                    </a:lnBlToTr>
+                    <a:noFill/>
+                  </a:tcPr>
+                </a:tc>
+                <a:tc>
+                  <a:txBody>
+                    <a:bodyPr/>
+                    <a:lstStyle/>
+                    <a:p>
+                      <a:pPr algn="ctr"/>
+                      <a:r>
+                        <a:rPr lang="en-US" sz="6000" b="1" dirty="0">
+                          <a:solidFill>
+                            <a:schemeClr val="tx1"/>
+                          </a:solidFill>
+                        </a:rPr>
+                        <a:t>0</a:t>
+                      </a:r>
+                    </a:p>
+                  </a:txBody>
+                  <a:tcPr marL="106268" marR="106268" marT="53134" marB="53134" anchor="ctr">
+                    <a:lnL w="12700" cap="flat" cmpd="sng" algn="ctr">
+                      <a:noFill/>
+                      <a:prstDash val="solid"/>
+                      <a:round/>
+                      <a:headEnd type="none" w="med" len="med"/>
+                      <a:tailEnd type="none" w="med" len="med"/>
+                    </a:lnL>
+                    <a:lnR w="12700" cap="flat" cmpd="sng" algn="ctr">
+                      <a:noFill/>
+                      <a:prstDash val="solid"/>
+                      <a:round/>
+                      <a:headEnd type="none" w="med" len="med"/>
+                      <a:tailEnd type="none" w="med" len="med"/>
+                    </a:lnR>
+                    <a:lnT w="12700" cap="flat" cmpd="sng" algn="ctr">
+                      <a:noFill/>
+                      <a:prstDash val="solid"/>
+                      <a:round/>
+                      <a:headEnd type="none" w="med" len="med"/>
+                      <a:tailEnd type="none" w="med" len="med"/>
+                    </a:lnT>
+                    <a:lnB w="12700" cap="flat" cmpd="sng" algn="ctr">
+                      <a:noFill/>
+                      <a:prstDash val="solid"/>
+                      <a:round/>
+                      <a:headEnd type="none" w="med" len="med"/>
+                      <a:tailEnd type="none" w="med" len="med"/>
+                    </a:lnB>
+                    <a:lnTlToBr w="12700" cmpd="sng">
+                      <a:noFill/>
+                      <a:prstDash val="solid"/>
+                    </a:lnTlToBr>
+                    <a:lnBlToTr w="12700" cmpd="sng">
+                      <a:noFill/>
+                      <a:prstDash val="solid"/>
+                    </a:lnBlToTr>
+                    <a:noFill/>
+                  </a:tcPr>
+                </a:tc>
+                <a:tc>
+                  <a:txBody>
+                    <a:bodyPr/>
+                    <a:lstStyle/>
+                    <a:p>
+                      <a:pPr algn="ctr"/>
+                      <a:r>
+                        <a:rPr lang="en-US" sz="6000" b="1" dirty="0">
+                          <a:solidFill>
+                            <a:schemeClr val="tx1"/>
+                          </a:solidFill>
+                        </a:rPr>
+                        <a:t>-β</a:t>
+                      </a:r>
+                      <a:r>
+                        <a:rPr lang="en-US" sz="6000" b="1" baseline="-25000" dirty="0">
+                          <a:solidFill>
+                            <a:schemeClr val="tx1"/>
+                          </a:solidFill>
+                        </a:rPr>
+                        <a:t>j</a:t>
+                      </a:r>
+                      <a:endParaRPr lang="en-US" sz="6000" dirty="0">
+                        <a:solidFill>
+                          <a:schemeClr val="tx1"/>
+                        </a:solidFill>
+                      </a:endParaRPr>
+                    </a:p>
+                  </a:txBody>
+                  <a:tcPr marL="106268" marR="106268" marT="53134" marB="53134" anchor="ctr">
+                    <a:lnL w="12700" cap="flat" cmpd="sng" algn="ctr">
+                      <a:noFill/>
+                      <a:prstDash val="solid"/>
+                      <a:round/>
+                      <a:headEnd type="none" w="med" len="med"/>
+                      <a:tailEnd type="none" w="med" len="med"/>
+                    </a:lnL>
+                    <a:lnR w="12700" cap="flat" cmpd="sng" algn="ctr">
+                      <a:noFill/>
+                      <a:prstDash val="solid"/>
+                      <a:round/>
+                      <a:headEnd type="none" w="med" len="med"/>
+                      <a:tailEnd type="none" w="med" len="med"/>
+                    </a:lnR>
+                    <a:lnT w="12700" cap="flat" cmpd="sng" algn="ctr">
+                      <a:noFill/>
+                      <a:prstDash val="solid"/>
+                      <a:round/>
+                      <a:headEnd type="none" w="med" len="med"/>
+                      <a:tailEnd type="none" w="med" len="med"/>
+                    </a:lnT>
+                    <a:lnB w="12700" cap="flat" cmpd="sng" algn="ctr">
+                      <a:noFill/>
+                      <a:prstDash val="solid"/>
+                      <a:round/>
+                      <a:headEnd type="none" w="med" len="med"/>
+                      <a:tailEnd type="none" w="med" len="med"/>
+                    </a:lnB>
+                    <a:lnTlToBr w="12700" cmpd="sng">
+                      <a:noFill/>
+                      <a:prstDash val="solid"/>
+                    </a:lnTlToBr>
+                    <a:lnBlToTr w="12700" cmpd="sng">
+                      <a:noFill/>
+                      <a:prstDash val="solid"/>
+                    </a:lnBlToTr>
+                    <a:noFill/>
+                  </a:tcPr>
+                </a:tc>
+                <a:extLst>
+                  <a:ext uri="{0D108BD9-81ED-4DB2-BD59-A6C34878D82A}">
+                    <a16:rowId xmlns:a16="http://schemas.microsoft.com/office/drawing/2014/main" val="1495207459"/>
+                  </a:ext>
+                </a:extLst>
+              </a:tr>
+              <a:tr h="1575484">
+                <a:tc>
+                  <a:txBody>
+                    <a:bodyPr/>
+                    <a:lstStyle/>
+                    <a:p>
+                      <a:pPr algn="ctr"/>
+                      <a:endParaRPr lang="en-US" sz="6000">
+                        <a:solidFill>
+                          <a:schemeClr val="tx1"/>
+                        </a:solidFill>
+                      </a:endParaRPr>
+                    </a:p>
+                  </a:txBody>
+                  <a:tcPr marL="106268" marR="106268" marT="53134" marB="53134" anchor="ctr">
+                    <a:lnL w="12700" cap="flat" cmpd="sng" algn="ctr">
+                      <a:noFill/>
+                      <a:prstDash val="solid"/>
+                      <a:round/>
+                      <a:headEnd type="none" w="med" len="med"/>
+                      <a:tailEnd type="none" w="med" len="med"/>
+                    </a:lnL>
+                    <a:lnR w="12700" cap="flat" cmpd="sng" algn="ctr">
+                      <a:noFill/>
+                      <a:prstDash val="solid"/>
+                      <a:round/>
+                      <a:headEnd type="none" w="med" len="med"/>
+                      <a:tailEnd type="none" w="med" len="med"/>
+                    </a:lnR>
+                    <a:lnT w="12700" cap="flat" cmpd="sng" algn="ctr">
+                      <a:noFill/>
+                      <a:prstDash val="solid"/>
+                      <a:round/>
+                      <a:headEnd type="none" w="med" len="med"/>
+                      <a:tailEnd type="none" w="med" len="med"/>
+                    </a:lnT>
+                    <a:lnB w="12700" cap="flat" cmpd="sng" algn="ctr">
+                      <a:noFill/>
+                      <a:prstDash val="solid"/>
+                      <a:round/>
+                      <a:headEnd type="none" w="med" len="med"/>
+                      <a:tailEnd type="none" w="med" len="med"/>
+                    </a:lnB>
+                    <a:lnTlToBr w="12700" cmpd="sng">
+                      <a:noFill/>
+                      <a:prstDash val="solid"/>
+                    </a:lnTlToBr>
+                    <a:lnBlToTr w="12700" cmpd="sng">
+                      <a:noFill/>
+                      <a:prstDash val="solid"/>
+                    </a:lnBlToTr>
+                    <a:noFill/>
+                  </a:tcPr>
+                </a:tc>
+                <a:tc>
+                  <a:txBody>
+                    <a:bodyPr/>
+                    <a:lstStyle/>
+                    <a:p>
+                      <a:pPr algn="ctr"/>
+                      <a:endParaRPr lang="en-US" sz="6000">
+                        <a:solidFill>
+                          <a:schemeClr val="tx1"/>
+                        </a:solidFill>
+                      </a:endParaRPr>
+                    </a:p>
+                  </a:txBody>
+                  <a:tcPr marL="106268" marR="106268" marT="53134" marB="53134" anchor="ctr">
+                    <a:lnL w="12700" cap="flat" cmpd="sng" algn="ctr">
+                      <a:noFill/>
+                      <a:prstDash val="solid"/>
+                      <a:round/>
+                      <a:headEnd type="none" w="med" len="med"/>
+                      <a:tailEnd type="none" w="med" len="med"/>
+                    </a:lnL>
+                    <a:lnR w="12700" cap="flat" cmpd="sng" algn="ctr">
+                      <a:noFill/>
+                      <a:prstDash val="solid"/>
+                      <a:round/>
+                      <a:headEnd type="none" w="med" len="med"/>
+                      <a:tailEnd type="none" w="med" len="med"/>
+                    </a:lnR>
+                    <a:lnT w="12700" cap="flat" cmpd="sng" algn="ctr">
+                      <a:noFill/>
+                      <a:prstDash val="solid"/>
+                      <a:round/>
+                      <a:headEnd type="none" w="med" len="med"/>
+                      <a:tailEnd type="none" w="med" len="med"/>
+                    </a:lnT>
+                    <a:lnB w="12700" cap="flat" cmpd="sng" algn="ctr">
+                      <a:noFill/>
+                      <a:prstDash val="solid"/>
+                      <a:round/>
+                      <a:headEnd type="none" w="med" len="med"/>
+                      <a:tailEnd type="none" w="med" len="med"/>
+                    </a:lnB>
+                    <a:lnTlToBr w="12700" cmpd="sng">
+                      <a:noFill/>
+                      <a:prstDash val="solid"/>
+                    </a:lnTlToBr>
+                    <a:lnBlToTr w="12700" cmpd="sng">
+                      <a:noFill/>
+                      <a:prstDash val="solid"/>
+                    </a:lnBlToTr>
+                    <a:noFill/>
+                  </a:tcPr>
+                </a:tc>
+                <a:tc>
+                  <a:txBody>
+                    <a:bodyPr/>
+                    <a:lstStyle/>
+                    <a:p>
+                      <a:pPr marL="0" marR="0" lvl="0" indent="0" algn="ctr" defTabSz="1828800" rtl="0" eaLnBrk="1" fontAlgn="auto" latinLnBrk="0" hangingPunct="1">
+                        <a:lnSpc>
+                          <a:spcPct val="100000"/>
+                        </a:lnSpc>
+                        <a:spcBef>
+                          <a:spcPts val="0"/>
+                        </a:spcBef>
+                        <a:spcAft>
+                          <a:spcPts val="0"/>
+                        </a:spcAft>
+                        <a:buClrTx/>
+                        <a:buSzTx/>
+                        <a:buFontTx/>
+                        <a:buNone/>
+                        <a:tabLst/>
+                        <a:defRPr/>
+                      </a:pPr>
+                      <a:r>
+                        <a:rPr lang="en-US" sz="6000" b="1" dirty="0">
+                          <a:solidFill>
+                            <a:schemeClr val="tx1"/>
+                          </a:solidFill>
+                        </a:rPr>
+                        <a:t>-β</a:t>
+                      </a:r>
+                      <a:r>
+                        <a:rPr lang="en-US" sz="6000" b="1" baseline="-25000" dirty="0">
+                          <a:solidFill>
+                            <a:schemeClr val="tx1"/>
+                          </a:solidFill>
+                        </a:rPr>
+                        <a:t>j-1</a:t>
+                      </a:r>
+                    </a:p>
+                    <a:p>
+                      <a:pPr marL="0" marR="0" lvl="0" indent="0" algn="ctr" defTabSz="1828800" rtl="0" eaLnBrk="1" fontAlgn="auto" latinLnBrk="0" hangingPunct="1">
+                        <a:lnSpc>
+                          <a:spcPct val="100000"/>
+                        </a:lnSpc>
+                        <a:spcBef>
+                          <a:spcPts val="0"/>
+                        </a:spcBef>
+                        <a:spcAft>
+                          <a:spcPts val="0"/>
+                        </a:spcAft>
+                        <a:buClrTx/>
+                        <a:buSzTx/>
+                        <a:buFontTx/>
+                        <a:buNone/>
+                        <a:tabLst/>
+                        <a:defRPr/>
+                      </a:pPr>
+                      <a:endParaRPr lang="en-US" sz="6000" b="1" baseline="-25000" dirty="0">
+                        <a:solidFill>
+                          <a:schemeClr val="tx1"/>
+                        </a:solidFill>
+                      </a:endParaRPr>
+                    </a:p>
+                  </a:txBody>
+                  <a:tcPr marL="106268" marR="106268" marT="53134" marB="53134" anchor="ctr">
+                    <a:lnL w="12700" cap="flat" cmpd="sng" algn="ctr">
+                      <a:noFill/>
+                      <a:prstDash val="solid"/>
+                      <a:round/>
+                      <a:headEnd type="none" w="med" len="med"/>
+                      <a:tailEnd type="none" w="med" len="med"/>
+                    </a:lnL>
+                    <a:lnR w="12700" cap="flat" cmpd="sng" algn="ctr">
+                      <a:noFill/>
+                      <a:prstDash val="solid"/>
+                      <a:round/>
+                      <a:headEnd type="none" w="med" len="med"/>
+                      <a:tailEnd type="none" w="med" len="med"/>
+                    </a:lnR>
+                    <a:lnT w="12700" cap="flat" cmpd="sng" algn="ctr">
+                      <a:noFill/>
+                      <a:prstDash val="solid"/>
+                      <a:round/>
+                      <a:headEnd type="none" w="med" len="med"/>
+                      <a:tailEnd type="none" w="med" len="med"/>
+                    </a:lnT>
+                    <a:lnB w="12700" cap="flat" cmpd="sng" algn="ctr">
+                      <a:noFill/>
+                      <a:prstDash val="solid"/>
+                      <a:round/>
+                      <a:headEnd type="none" w="med" len="med"/>
+                      <a:tailEnd type="none" w="med" len="med"/>
+                    </a:lnB>
+                    <a:lnTlToBr w="12700" cmpd="sng">
+                      <a:noFill/>
+                      <a:prstDash val="solid"/>
+                    </a:lnTlToBr>
+                    <a:lnBlToTr w="12700" cmpd="sng">
+                      <a:noFill/>
+                      <a:prstDash val="solid"/>
+                    </a:lnBlToTr>
+                    <a:noFill/>
+                  </a:tcPr>
+                </a:tc>
+                <a:tc>
+                  <a:txBody>
+                    <a:bodyPr/>
+                    <a:lstStyle/>
+                    <a:p>
+                      <a:pPr algn="ctr"/>
+                      <a:endParaRPr lang="en-US" sz="6000" dirty="0">
+                        <a:solidFill>
+                          <a:schemeClr val="tx1"/>
+                        </a:solidFill>
+                      </a:endParaRPr>
+                    </a:p>
+                  </a:txBody>
+                  <a:tcPr marL="106268" marR="106268" marT="53134" marB="53134" anchor="ctr">
+                    <a:lnL w="12700" cap="flat" cmpd="sng" algn="ctr">
+                      <a:noFill/>
+                      <a:prstDash val="solid"/>
+                      <a:round/>
+                      <a:headEnd type="none" w="med" len="med"/>
+                      <a:tailEnd type="none" w="med" len="med"/>
+                    </a:lnL>
+                    <a:lnR w="12700" cap="flat" cmpd="sng" algn="ctr">
+                      <a:noFill/>
+                      <a:prstDash val="solid"/>
+                      <a:round/>
+                      <a:headEnd type="none" w="med" len="med"/>
+                      <a:tailEnd type="none" w="med" len="med"/>
+                    </a:lnR>
+                    <a:lnT w="12700" cap="flat" cmpd="sng" algn="ctr">
+                      <a:noFill/>
+                      <a:prstDash val="solid"/>
+                      <a:round/>
+                      <a:headEnd type="none" w="med" len="med"/>
+                      <a:tailEnd type="none" w="med" len="med"/>
+                    </a:lnT>
+                    <a:lnB w="12700" cap="flat" cmpd="sng" algn="ctr">
+                      <a:noFill/>
+                      <a:prstDash val="solid"/>
+                      <a:round/>
+                      <a:headEnd type="none" w="med" len="med"/>
+                      <a:tailEnd type="none" w="med" len="med"/>
+                    </a:lnB>
+                    <a:lnTlToBr w="12700" cmpd="sng">
+                      <a:noFill/>
+                      <a:prstDash val="solid"/>
+                    </a:lnTlToBr>
+                    <a:lnBlToTr w="12700" cmpd="sng">
+                      <a:noFill/>
+                      <a:prstDash val="solid"/>
+                    </a:lnBlToTr>
+                    <a:noFill/>
+                  </a:tcPr>
+                </a:tc>
+                <a:extLst>
+                  <a:ext uri="{0D108BD9-81ED-4DB2-BD59-A6C34878D82A}">
+                    <a16:rowId xmlns:a16="http://schemas.microsoft.com/office/drawing/2014/main" val="30465258"/>
+                  </a:ext>
+                </a:extLst>
+              </a:tr>
+            </a:tbl>
+          </a:graphicData>
+        </a:graphic>
+      </p:graphicFrame>
+      <p:cxnSp>
+        <p:nvCxnSpPr>
+          <p:cNvPr id="11" name="Straight Connector 10">
+            <a:extLst>
+              <a:ext uri="{FF2B5EF4-FFF2-40B4-BE49-F238E27FC236}">
+                <a16:creationId xmlns:a16="http://schemas.microsoft.com/office/drawing/2014/main" id="{35A9BA25-DC80-5670-3F78-34514E9004E3}"/>
+              </a:ext>
+            </a:extLst>
+          </p:cNvPr>
+          <p:cNvCxnSpPr>
+            <a:cxnSpLocks/>
+          </p:cNvCxnSpPr>
+          <p:nvPr/>
+        </p:nvCxnSpPr>
+        <p:spPr>
+          <a:xfrm>
+            <a:off x="10717619" y="7506586"/>
+            <a:ext cx="2530548" cy="2530548"/>
+          </a:xfrm>
+          <a:prstGeom prst="line">
+            <a:avLst/>
+          </a:prstGeom>
+          <a:ln w="76200">
+            <a:solidFill>
+              <a:schemeClr val="tx1"/>
+            </a:solidFill>
+            <a:prstDash val="sysDot"/>
+          </a:ln>
+        </p:spPr>
+        <p:style>
+          <a:lnRef idx="1">
+            <a:schemeClr val="accent1"/>
+          </a:lnRef>
+          <a:fillRef idx="0">
+            <a:schemeClr val="accent1"/>
+          </a:fillRef>
+          <a:effectRef idx="0">
+            <a:schemeClr val="accent1"/>
+          </a:effectRef>
+          <a:fontRef idx="minor">
+            <a:schemeClr val="tx1"/>
+          </a:fontRef>
+        </p:style>
+      </p:cxnSp>
+      <p:cxnSp>
+        <p:nvCxnSpPr>
+          <p:cNvPr id="13" name="Straight Connector 12">
+            <a:extLst>
+              <a:ext uri="{FF2B5EF4-FFF2-40B4-BE49-F238E27FC236}">
+                <a16:creationId xmlns:a16="http://schemas.microsoft.com/office/drawing/2014/main" id="{FF33D8FE-349A-CB30-4F42-84B7B37B5ECD}"/>
+              </a:ext>
+            </a:extLst>
+          </p:cNvPr>
+          <p:cNvCxnSpPr>
+            <a:cxnSpLocks/>
+          </p:cNvCxnSpPr>
+          <p:nvPr/>
+        </p:nvCxnSpPr>
+        <p:spPr>
+          <a:xfrm>
+            <a:off x="9888280" y="9101469"/>
+            <a:ext cx="0" cy="1318438"/>
+          </a:xfrm>
+          <a:prstGeom prst="line">
+            <a:avLst/>
+          </a:prstGeom>
+          <a:ln w="76200">
+            <a:solidFill>
+              <a:schemeClr val="tx1"/>
+            </a:solidFill>
+            <a:prstDash val="sysDot"/>
+          </a:ln>
+        </p:spPr>
+        <p:style>
+          <a:lnRef idx="1">
+            <a:schemeClr val="accent1"/>
+          </a:lnRef>
+          <a:fillRef idx="0">
+            <a:schemeClr val="accent1"/>
+          </a:fillRef>
+          <a:effectRef idx="0">
+            <a:schemeClr val="accent1"/>
+          </a:effectRef>
+          <a:fontRef idx="minor">
+            <a:schemeClr val="tx1"/>
+          </a:fontRef>
+        </p:style>
+      </p:cxnSp>
+      <p:cxnSp>
+        <p:nvCxnSpPr>
+          <p:cNvPr id="17" name="Straight Connector 16">
+            <a:extLst>
+              <a:ext uri="{FF2B5EF4-FFF2-40B4-BE49-F238E27FC236}">
+                <a16:creationId xmlns:a16="http://schemas.microsoft.com/office/drawing/2014/main" id="{99368268-4480-9A91-87A9-3E1012248AC8}"/>
+              </a:ext>
+            </a:extLst>
+          </p:cNvPr>
+          <p:cNvCxnSpPr>
+            <a:cxnSpLocks/>
+          </p:cNvCxnSpPr>
+          <p:nvPr/>
+        </p:nvCxnSpPr>
+        <p:spPr>
+          <a:xfrm>
+            <a:off x="6744586" y="7783033"/>
+            <a:ext cx="0" cy="2636874"/>
+          </a:xfrm>
+          <a:prstGeom prst="line">
+            <a:avLst/>
+          </a:prstGeom>
+          <a:ln w="76200">
+            <a:solidFill>
+              <a:schemeClr val="tx1"/>
+            </a:solidFill>
+            <a:prstDash val="sysDot"/>
+          </a:ln>
+        </p:spPr>
+        <p:style>
+          <a:lnRef idx="1">
+            <a:schemeClr val="accent1"/>
+          </a:lnRef>
+          <a:fillRef idx="0">
+            <a:schemeClr val="accent1"/>
+          </a:fillRef>
+          <a:effectRef idx="0">
+            <a:schemeClr val="accent1"/>
+          </a:effectRef>
+          <a:fontRef idx="minor">
+            <a:schemeClr val="tx1"/>
+          </a:fontRef>
+        </p:style>
+      </p:cxnSp>
+      <p:cxnSp>
+        <p:nvCxnSpPr>
+          <p:cNvPr id="20" name="Straight Connector 19">
+            <a:extLst>
+              <a:ext uri="{FF2B5EF4-FFF2-40B4-BE49-F238E27FC236}">
+                <a16:creationId xmlns:a16="http://schemas.microsoft.com/office/drawing/2014/main" id="{500FA9A9-A7DB-EF09-5CBA-0C54E0E82D8D}"/>
+              </a:ext>
+            </a:extLst>
+          </p:cNvPr>
+          <p:cNvCxnSpPr>
+            <a:cxnSpLocks/>
+          </p:cNvCxnSpPr>
+          <p:nvPr/>
+        </p:nvCxnSpPr>
+        <p:spPr>
+          <a:xfrm>
+            <a:off x="12191995" y="5146155"/>
+            <a:ext cx="1226292" cy="0"/>
+          </a:xfrm>
+          <a:prstGeom prst="line">
+            <a:avLst/>
+          </a:prstGeom>
+          <a:ln w="76200">
+            <a:solidFill>
+              <a:schemeClr val="tx1"/>
+            </a:solidFill>
+            <a:prstDash val="sysDot"/>
+          </a:ln>
+        </p:spPr>
+        <p:style>
+          <a:lnRef idx="1">
+            <a:schemeClr val="accent1"/>
+          </a:lnRef>
+          <a:fillRef idx="0">
+            <a:schemeClr val="accent1"/>
+          </a:fillRef>
+          <a:effectRef idx="0">
+            <a:schemeClr val="accent1"/>
+          </a:effectRef>
+          <a:fontRef idx="minor">
+            <a:schemeClr val="tx1"/>
+          </a:fontRef>
+        </p:style>
+      </p:cxnSp>
+      <p:cxnSp>
+        <p:nvCxnSpPr>
+          <p:cNvPr id="23" name="Straight Connector 22">
+            <a:extLst>
+              <a:ext uri="{FF2B5EF4-FFF2-40B4-BE49-F238E27FC236}">
+                <a16:creationId xmlns:a16="http://schemas.microsoft.com/office/drawing/2014/main" id="{FA154B85-BB89-65EC-D4F8-1FFB7E9978AF}"/>
+              </a:ext>
+            </a:extLst>
+          </p:cNvPr>
+          <p:cNvCxnSpPr>
+            <a:cxnSpLocks/>
+          </p:cNvCxnSpPr>
+          <p:nvPr/>
+        </p:nvCxnSpPr>
+        <p:spPr>
+          <a:xfrm>
+            <a:off x="12191995" y="3724937"/>
+            <a:ext cx="1226292" cy="0"/>
+          </a:xfrm>
+          <a:prstGeom prst="line">
+            <a:avLst/>
+          </a:prstGeom>
+          <a:ln w="76200">
+            <a:solidFill>
+              <a:schemeClr val="tx1"/>
+            </a:solidFill>
+            <a:prstDash val="sysDot"/>
+          </a:ln>
+        </p:spPr>
+        <p:style>
+          <a:lnRef idx="1">
+            <a:schemeClr val="accent1"/>
+          </a:lnRef>
+          <a:fillRef idx="0">
+            <a:schemeClr val="accent1"/>
+          </a:fillRef>
+          <a:effectRef idx="0">
+            <a:schemeClr val="accent1"/>
+          </a:effectRef>
+          <a:fontRef idx="minor">
+            <a:schemeClr val="tx1"/>
+          </a:fontRef>
+        </p:style>
+      </p:cxnSp>
+      <p:cxnSp>
+        <p:nvCxnSpPr>
+          <p:cNvPr id="31" name="Straight Connector 30">
+            <a:extLst>
+              <a:ext uri="{FF2B5EF4-FFF2-40B4-BE49-F238E27FC236}">
+                <a16:creationId xmlns:a16="http://schemas.microsoft.com/office/drawing/2014/main" id="{367C08B1-01D1-6ADC-EA57-BC1096DBCB7D}"/>
+              </a:ext>
+            </a:extLst>
+          </p:cNvPr>
+          <p:cNvCxnSpPr>
+            <a:cxnSpLocks/>
+          </p:cNvCxnSpPr>
+          <p:nvPr/>
+        </p:nvCxnSpPr>
+        <p:spPr>
+          <a:xfrm>
+            <a:off x="12191995" y="6797746"/>
+            <a:ext cx="1226292" cy="0"/>
+          </a:xfrm>
+          <a:prstGeom prst="line">
+            <a:avLst/>
+          </a:prstGeom>
+          <a:ln w="76200">
+            <a:solidFill>
+              <a:schemeClr val="tx1"/>
+            </a:solidFill>
+            <a:prstDash val="sysDot"/>
+          </a:ln>
+        </p:spPr>
+        <p:style>
+          <a:lnRef idx="1">
+            <a:schemeClr val="accent1"/>
+          </a:lnRef>
+          <a:fillRef idx="0">
+            <a:schemeClr val="accent1"/>
+          </a:fillRef>
+          <a:effectRef idx="0">
+            <a:schemeClr val="accent1"/>
+          </a:effectRef>
+          <a:fontRef idx="minor">
+            <a:schemeClr val="tx1"/>
+          </a:fontRef>
+        </p:style>
+      </p:cxnSp>
+      <p:cxnSp>
+        <p:nvCxnSpPr>
+          <p:cNvPr id="32" name="Straight Connector 31">
+            <a:extLst>
+              <a:ext uri="{FF2B5EF4-FFF2-40B4-BE49-F238E27FC236}">
+                <a16:creationId xmlns:a16="http://schemas.microsoft.com/office/drawing/2014/main" id="{49E5F1AA-5FB3-F864-A552-D7DC9EF71AB3}"/>
+              </a:ext>
+            </a:extLst>
+          </p:cNvPr>
+          <p:cNvCxnSpPr>
+            <a:cxnSpLocks/>
+          </p:cNvCxnSpPr>
+          <p:nvPr/>
+        </p:nvCxnSpPr>
+        <p:spPr>
+          <a:xfrm>
+            <a:off x="8279218" y="7783033"/>
+            <a:ext cx="0" cy="2636874"/>
+          </a:xfrm>
+          <a:prstGeom prst="line">
+            <a:avLst/>
+          </a:prstGeom>
+          <a:ln w="76200">
+            <a:solidFill>
+              <a:schemeClr val="tx1"/>
+            </a:solidFill>
+            <a:prstDash val="sysDot"/>
+          </a:ln>
+        </p:spPr>
+        <p:style>
+          <a:lnRef idx="1">
+            <a:schemeClr val="accent1"/>
+          </a:lnRef>
+          <a:fillRef idx="0">
+            <a:schemeClr val="accent1"/>
+          </a:fillRef>
+          <a:effectRef idx="0">
+            <a:schemeClr val="accent1"/>
+          </a:effectRef>
+          <a:fontRef idx="minor">
+            <a:schemeClr val="tx1"/>
+          </a:fontRef>
+        </p:style>
+      </p:cxnSp>
+      <p:sp>
+        <p:nvSpPr>
+          <p:cNvPr id="33" name="TextBox 32">
+            <a:extLst>
+              <a:ext uri="{FF2B5EF4-FFF2-40B4-BE49-F238E27FC236}">
+                <a16:creationId xmlns:a16="http://schemas.microsoft.com/office/drawing/2014/main" id="{6BE3DFE8-06DC-A2FD-1539-70B9E51BF21F}"/>
+              </a:ext>
+            </a:extLst>
+          </p:cNvPr>
+          <p:cNvSpPr txBox="1"/>
+          <p:nvPr/>
+        </p:nvSpPr>
+        <p:spPr>
+          <a:xfrm>
+            <a:off x="3040911" y="5928225"/>
+            <a:ext cx="1625595" cy="1446550"/>
+          </a:xfrm>
+          <a:prstGeom prst="rect">
+            <a:avLst/>
+          </a:prstGeom>
+          <a:noFill/>
+        </p:spPr>
+        <p:txBody>
+          <a:bodyPr wrap="square" rtlCol="0">
+            <a:spAutoFit/>
+          </a:bodyPr>
+          <a:lstStyle/>
+          <a:p>
+            <a:r>
+              <a:rPr lang="en-US" sz="8800" b="1" dirty="0"/>
+              <a:t>B</a:t>
+            </a:r>
+            <a:r>
+              <a:rPr lang="en-US" sz="8800" dirty="0"/>
+              <a:t> = </a:t>
+            </a:r>
+          </a:p>
+        </p:txBody>
+      </p:sp>
+    </p:spTree>
+    <p:extLst>
+      <p:ext uri="{BB962C8B-B14F-4D97-AF65-F5344CB8AC3E}">
+        <p14:creationId xmlns:p14="http://schemas.microsoft.com/office/powerpoint/2010/main" val="3083055974"/>
+      </p:ext>
+    </p:extLst>
+  </p:cSld>
+  <p:clrMapOvr>
+    <a:masterClrMapping/>
+  </p:clrMapOvr>
+</p:sld>
+</file>
+
 <file path=ppt/theme/theme1.xml><?xml version="1.0" encoding="utf-8"?>
 <a:theme xmlns:a="http://schemas.openxmlformats.org/drawingml/2006/main" name="Office Theme">
   <a:themeElements>

--- a/aim2/Presentation2.pptx
+++ b/aim2/Presentation2.pptx
@@ -14,6 +14,7 @@
     <p:sldId id="266" r:id="rId8"/>
     <p:sldId id="267" r:id="rId9"/>
     <p:sldId id="268" r:id="rId10"/>
+    <p:sldId id="269" r:id="rId11"/>
   </p:sldIdLst>
   <p:sldSz cx="24384000" cy="13716000"/>
   <p:notesSz cx="6858000" cy="9144000"/>
@@ -19667,7 +19668,7 @@
           <a:p>
             <a:fld id="{FA504883-DD2C-8046-A0FC-F2BBEA5B9BFD}" type="datetimeFigureOut">
               <a:rPr lang="en-US" smtClean="0"/>
-              <a:t>10/5/22</a:t>
+              <a:t>1/23/23</a:t>
             </a:fld>
             <a:endParaRPr lang="en-US"/>
           </a:p>
@@ -19837,7 +19838,7 @@
           <a:p>
             <a:fld id="{FA504883-DD2C-8046-A0FC-F2BBEA5B9BFD}" type="datetimeFigureOut">
               <a:rPr lang="en-US" smtClean="0"/>
-              <a:t>10/5/22</a:t>
+              <a:t>1/23/23</a:t>
             </a:fld>
             <a:endParaRPr lang="en-US"/>
           </a:p>
@@ -20017,7 +20018,7 @@
           <a:p>
             <a:fld id="{FA504883-DD2C-8046-A0FC-F2BBEA5B9BFD}" type="datetimeFigureOut">
               <a:rPr lang="en-US" smtClean="0"/>
-              <a:t>10/5/22</a:t>
+              <a:t>1/23/23</a:t>
             </a:fld>
             <a:endParaRPr lang="en-US"/>
           </a:p>
@@ -20187,7 +20188,7 @@
           <a:p>
             <a:fld id="{FA504883-DD2C-8046-A0FC-F2BBEA5B9BFD}" type="datetimeFigureOut">
               <a:rPr lang="en-US" smtClean="0"/>
-              <a:t>10/5/22</a:t>
+              <a:t>1/23/23</a:t>
             </a:fld>
             <a:endParaRPr lang="en-US"/>
           </a:p>
@@ -20433,7 +20434,7 @@
           <a:p>
             <a:fld id="{FA504883-DD2C-8046-A0FC-F2BBEA5B9BFD}" type="datetimeFigureOut">
               <a:rPr lang="en-US" smtClean="0"/>
-              <a:t>10/5/22</a:t>
+              <a:t>1/23/23</a:t>
             </a:fld>
             <a:endParaRPr lang="en-US"/>
           </a:p>
@@ -20665,7 +20666,7 @@
           <a:p>
             <a:fld id="{FA504883-DD2C-8046-A0FC-F2BBEA5B9BFD}" type="datetimeFigureOut">
               <a:rPr lang="en-US" smtClean="0"/>
-              <a:t>10/5/22</a:t>
+              <a:t>1/23/23</a:t>
             </a:fld>
             <a:endParaRPr lang="en-US"/>
           </a:p>
@@ -21032,7 +21033,7 @@
           <a:p>
             <a:fld id="{FA504883-DD2C-8046-A0FC-F2BBEA5B9BFD}" type="datetimeFigureOut">
               <a:rPr lang="en-US" smtClean="0"/>
-              <a:t>10/5/22</a:t>
+              <a:t>1/23/23</a:t>
             </a:fld>
             <a:endParaRPr lang="en-US"/>
           </a:p>
@@ -21150,7 +21151,7 @@
           <a:p>
             <a:fld id="{FA504883-DD2C-8046-A0FC-F2BBEA5B9BFD}" type="datetimeFigureOut">
               <a:rPr lang="en-US" smtClean="0"/>
-              <a:t>10/5/22</a:t>
+              <a:t>1/23/23</a:t>
             </a:fld>
             <a:endParaRPr lang="en-US"/>
           </a:p>
@@ -21245,7 +21246,7 @@
           <a:p>
             <a:fld id="{FA504883-DD2C-8046-A0FC-F2BBEA5B9BFD}" type="datetimeFigureOut">
               <a:rPr lang="en-US" smtClean="0"/>
-              <a:t>10/5/22</a:t>
+              <a:t>1/23/23</a:t>
             </a:fld>
             <a:endParaRPr lang="en-US"/>
           </a:p>
@@ -21522,7 +21523,7 @@
           <a:p>
             <a:fld id="{FA504883-DD2C-8046-A0FC-F2BBEA5B9BFD}" type="datetimeFigureOut">
               <a:rPr lang="en-US" smtClean="0"/>
-              <a:t>10/5/22</a:t>
+              <a:t>1/23/23</a:t>
             </a:fld>
             <a:endParaRPr lang="en-US"/>
           </a:p>
@@ -21779,7 +21780,7 @@
           <a:p>
             <a:fld id="{FA504883-DD2C-8046-A0FC-F2BBEA5B9BFD}" type="datetimeFigureOut">
               <a:rPr lang="en-US" smtClean="0"/>
-              <a:t>10/5/22</a:t>
+              <a:t>1/23/23</a:t>
             </a:fld>
             <a:endParaRPr lang="en-US"/>
           </a:p>
@@ -21992,7 +21993,7 @@
           <a:p>
             <a:fld id="{FA504883-DD2C-8046-A0FC-F2BBEA5B9BFD}" type="datetimeFigureOut">
               <a:rPr lang="en-US" smtClean="0"/>
-              <a:t>10/5/22</a:t>
+              <a:t>1/23/23</a:t>
             </a:fld>
             <a:endParaRPr lang="en-US"/>
           </a:p>
@@ -22431,6 +22432,1610 @@
     <p:extLst>
       <p:ext uri="{BB962C8B-B14F-4D97-AF65-F5344CB8AC3E}">
         <p14:creationId xmlns:p14="http://schemas.microsoft.com/office/powerpoint/2010/main" val="1605094326"/>
+      </p:ext>
+    </p:extLst>
+  </p:cSld>
+  <p:clrMapOvr>
+    <a:masterClrMapping/>
+  </p:clrMapOvr>
+</p:sld>
+</file>
+
+<file path=ppt/slides/slide10.xml><?xml version="1.0" encoding="utf-8"?>
+<p:sld xmlns:a="http://schemas.openxmlformats.org/drawingml/2006/main" xmlns:r="http://schemas.openxmlformats.org/officeDocument/2006/relationships" xmlns:p="http://schemas.openxmlformats.org/presentationml/2006/main">
+  <p:cSld>
+    <p:spTree>
+      <p:nvGrpSpPr>
+        <p:cNvPr id="1" name=""/>
+        <p:cNvGrpSpPr/>
+        <p:nvPr/>
+      </p:nvGrpSpPr>
+      <p:grpSpPr>
+        <a:xfrm>
+          <a:off x="0" y="0"/>
+          <a:ext cx="0" cy="0"/>
+          <a:chOff x="0" y="0"/>
+          <a:chExt cx="0" cy="0"/>
+        </a:xfrm>
+      </p:grpSpPr>
+      <p:sp>
+        <p:nvSpPr>
+          <p:cNvPr id="38" name="Rectangle 37">
+            <a:extLst>
+              <a:ext uri="{FF2B5EF4-FFF2-40B4-BE49-F238E27FC236}">
+                <a16:creationId xmlns:a16="http://schemas.microsoft.com/office/drawing/2014/main" id="{DC4B2024-0CA6-C3E9-EF2B-079A4A02F4A2}"/>
+              </a:ext>
+            </a:extLst>
+          </p:cNvPr>
+          <p:cNvSpPr/>
+          <p:nvPr/>
+        </p:nvSpPr>
+        <p:spPr>
+          <a:xfrm>
+            <a:off x="3193784" y="1136822"/>
+            <a:ext cx="8106033" cy="3586367"/>
+          </a:xfrm>
+          <a:prstGeom prst="rect">
+            <a:avLst/>
+          </a:prstGeom>
+          <a:solidFill>
+            <a:schemeClr val="bg2">
+              <a:lumMod val="90000"/>
+            </a:schemeClr>
+          </a:solidFill>
+        </p:spPr>
+        <p:style>
+          <a:lnRef idx="2">
+            <a:schemeClr val="accent1">
+              <a:shade val="50000"/>
+            </a:schemeClr>
+          </a:lnRef>
+          <a:fillRef idx="1">
+            <a:schemeClr val="accent1"/>
+          </a:fillRef>
+          <a:effectRef idx="0">
+            <a:schemeClr val="accent1"/>
+          </a:effectRef>
+          <a:fontRef idx="minor">
+            <a:schemeClr val="lt1"/>
+          </a:fontRef>
+        </p:style>
+        <p:txBody>
+          <a:bodyPr rtlCol="0" anchor="ctr"/>
+          <a:lstStyle/>
+          <a:p>
+            <a:pPr algn="ctr"/>
+            <a:endParaRPr lang="en-US"/>
+          </a:p>
+        </p:txBody>
+      </p:sp>
+      <p:sp>
+        <p:nvSpPr>
+          <p:cNvPr id="39" name="Rectangle 38">
+            <a:extLst>
+              <a:ext uri="{FF2B5EF4-FFF2-40B4-BE49-F238E27FC236}">
+                <a16:creationId xmlns:a16="http://schemas.microsoft.com/office/drawing/2014/main" id="{A2C04B4E-3084-3811-C76B-959A16925913}"/>
+              </a:ext>
+            </a:extLst>
+          </p:cNvPr>
+          <p:cNvSpPr/>
+          <p:nvPr/>
+        </p:nvSpPr>
+        <p:spPr>
+          <a:xfrm>
+            <a:off x="4802078" y="4989002"/>
+            <a:ext cx="8106033" cy="3315262"/>
+          </a:xfrm>
+          <a:prstGeom prst="rect">
+            <a:avLst/>
+          </a:prstGeom>
+          <a:solidFill>
+            <a:schemeClr val="bg2">
+              <a:lumMod val="90000"/>
+            </a:schemeClr>
+          </a:solidFill>
+        </p:spPr>
+        <p:style>
+          <a:lnRef idx="2">
+            <a:schemeClr val="accent1">
+              <a:shade val="50000"/>
+            </a:schemeClr>
+          </a:lnRef>
+          <a:fillRef idx="1">
+            <a:schemeClr val="accent1"/>
+          </a:fillRef>
+          <a:effectRef idx="0">
+            <a:schemeClr val="accent1"/>
+          </a:effectRef>
+          <a:fontRef idx="minor">
+            <a:schemeClr val="lt1"/>
+          </a:fontRef>
+        </p:style>
+        <p:txBody>
+          <a:bodyPr rtlCol="0" anchor="ctr"/>
+          <a:lstStyle/>
+          <a:p>
+            <a:pPr algn="ctr"/>
+            <a:endParaRPr lang="en-US"/>
+          </a:p>
+        </p:txBody>
+      </p:sp>
+      <p:sp>
+        <p:nvSpPr>
+          <p:cNvPr id="40" name="Rectangle 39">
+            <a:extLst>
+              <a:ext uri="{FF2B5EF4-FFF2-40B4-BE49-F238E27FC236}">
+                <a16:creationId xmlns:a16="http://schemas.microsoft.com/office/drawing/2014/main" id="{C072619D-299E-1620-3B2A-74267DB37A59}"/>
+              </a:ext>
+            </a:extLst>
+          </p:cNvPr>
+          <p:cNvSpPr/>
+          <p:nvPr/>
+        </p:nvSpPr>
+        <p:spPr>
+          <a:xfrm>
+            <a:off x="13197209" y="7274680"/>
+            <a:ext cx="8811515" cy="4884369"/>
+          </a:xfrm>
+          <a:prstGeom prst="rect">
+            <a:avLst/>
+          </a:prstGeom>
+          <a:solidFill>
+            <a:schemeClr val="bg2">
+              <a:lumMod val="90000"/>
+            </a:schemeClr>
+          </a:solidFill>
+        </p:spPr>
+        <p:style>
+          <a:lnRef idx="2">
+            <a:schemeClr val="accent1">
+              <a:shade val="50000"/>
+            </a:schemeClr>
+          </a:lnRef>
+          <a:fillRef idx="1">
+            <a:schemeClr val="accent1"/>
+          </a:fillRef>
+          <a:effectRef idx="0">
+            <a:schemeClr val="accent1"/>
+          </a:effectRef>
+          <a:fontRef idx="minor">
+            <a:schemeClr val="lt1"/>
+          </a:fontRef>
+        </p:style>
+        <p:txBody>
+          <a:bodyPr rtlCol="0" anchor="ctr"/>
+          <a:lstStyle/>
+          <a:p>
+            <a:pPr algn="ctr"/>
+            <a:endParaRPr lang="en-US"/>
+          </a:p>
+        </p:txBody>
+      </p:sp>
+      <p:sp>
+        <p:nvSpPr>
+          <p:cNvPr id="4" name="Rectangle 3">
+            <a:extLst>
+              <a:ext uri="{FF2B5EF4-FFF2-40B4-BE49-F238E27FC236}">
+                <a16:creationId xmlns:a16="http://schemas.microsoft.com/office/drawing/2014/main" id="{7F3D3CF0-37FF-BD4E-9456-E7DF94EE858A}"/>
+              </a:ext>
+            </a:extLst>
+          </p:cNvPr>
+          <p:cNvSpPr/>
+          <p:nvPr/>
+        </p:nvSpPr>
+        <p:spPr>
+          <a:xfrm>
+            <a:off x="467833" y="531628"/>
+            <a:ext cx="1169581" cy="1765005"/>
+          </a:xfrm>
+          <a:prstGeom prst="rect">
+            <a:avLst/>
+          </a:prstGeom>
+        </p:spPr>
+        <p:style>
+          <a:lnRef idx="2">
+            <a:schemeClr val="accent1">
+              <a:shade val="50000"/>
+            </a:schemeClr>
+          </a:lnRef>
+          <a:fillRef idx="1">
+            <a:schemeClr val="accent1"/>
+          </a:fillRef>
+          <a:effectRef idx="0">
+            <a:schemeClr val="accent1"/>
+          </a:effectRef>
+          <a:fontRef idx="minor">
+            <a:schemeClr val="lt1"/>
+          </a:fontRef>
+        </p:style>
+        <p:txBody>
+          <a:bodyPr rtlCol="0" anchor="ctr"/>
+          <a:lstStyle/>
+          <a:p>
+            <a:pPr algn="ctr"/>
+            <a:r>
+              <a:rPr lang="en-US" sz="4000" dirty="0"/>
+              <a:t>X</a:t>
+            </a:r>
+          </a:p>
+        </p:txBody>
+      </p:sp>
+      <p:sp>
+        <p:nvSpPr>
+          <p:cNvPr id="5" name="Rectangle 4">
+            <a:extLst>
+              <a:ext uri="{FF2B5EF4-FFF2-40B4-BE49-F238E27FC236}">
+                <a16:creationId xmlns:a16="http://schemas.microsoft.com/office/drawing/2014/main" id="{89C6132E-60FD-CFCD-4D55-FAA2D15684E6}"/>
+              </a:ext>
+            </a:extLst>
+          </p:cNvPr>
+          <p:cNvSpPr/>
+          <p:nvPr/>
+        </p:nvSpPr>
+        <p:spPr>
+          <a:xfrm>
+            <a:off x="467832" y="2296633"/>
+            <a:ext cx="1169581" cy="1765005"/>
+          </a:xfrm>
+          <a:prstGeom prst="rect">
+            <a:avLst/>
+          </a:prstGeom>
+          <a:solidFill>
+            <a:schemeClr val="accent2"/>
+          </a:solidFill>
+        </p:spPr>
+        <p:style>
+          <a:lnRef idx="2">
+            <a:schemeClr val="accent1">
+              <a:shade val="50000"/>
+            </a:schemeClr>
+          </a:lnRef>
+          <a:fillRef idx="1">
+            <a:schemeClr val="accent1"/>
+          </a:fillRef>
+          <a:effectRef idx="0">
+            <a:schemeClr val="accent1"/>
+          </a:effectRef>
+          <a:fontRef idx="minor">
+            <a:schemeClr val="lt1"/>
+          </a:fontRef>
+        </p:style>
+        <p:txBody>
+          <a:bodyPr rtlCol="0" anchor="ctr"/>
+          <a:lstStyle/>
+          <a:p>
+            <a:pPr algn="ctr"/>
+            <a:r>
+              <a:rPr lang="en-US" sz="4000" dirty="0"/>
+              <a:t>Y</a:t>
+            </a:r>
+          </a:p>
+        </p:txBody>
+      </p:sp>
+      <p:sp>
+        <p:nvSpPr>
+          <p:cNvPr id="6" name="Rectangle 5">
+            <a:extLst>
+              <a:ext uri="{FF2B5EF4-FFF2-40B4-BE49-F238E27FC236}">
+                <a16:creationId xmlns:a16="http://schemas.microsoft.com/office/drawing/2014/main" id="{4011DF49-E75D-B0F7-AF3D-97330F4C0496}"/>
+              </a:ext>
+            </a:extLst>
+          </p:cNvPr>
+          <p:cNvSpPr/>
+          <p:nvPr/>
+        </p:nvSpPr>
+        <p:spPr>
+          <a:xfrm>
+            <a:off x="467831" y="4061638"/>
+            <a:ext cx="1169581" cy="1765005"/>
+          </a:xfrm>
+          <a:prstGeom prst="rect">
+            <a:avLst/>
+          </a:prstGeom>
+          <a:solidFill>
+            <a:schemeClr val="accent6">
+              <a:lumMod val="75000"/>
+            </a:schemeClr>
+          </a:solidFill>
+        </p:spPr>
+        <p:style>
+          <a:lnRef idx="2">
+            <a:schemeClr val="accent1">
+              <a:shade val="50000"/>
+            </a:schemeClr>
+          </a:lnRef>
+          <a:fillRef idx="1">
+            <a:schemeClr val="accent1"/>
+          </a:fillRef>
+          <a:effectRef idx="0">
+            <a:schemeClr val="accent1"/>
+          </a:effectRef>
+          <a:fontRef idx="minor">
+            <a:schemeClr val="lt1"/>
+          </a:fontRef>
+        </p:style>
+        <p:txBody>
+          <a:bodyPr rtlCol="0" anchor="ctr"/>
+          <a:lstStyle/>
+          <a:p>
+            <a:pPr algn="ctr"/>
+            <a:r>
+              <a:rPr lang="en-US" sz="4000" dirty="0"/>
+              <a:t>T</a:t>
+            </a:r>
+          </a:p>
+        </p:txBody>
+      </p:sp>
+      <p:sp>
+        <p:nvSpPr>
+          <p:cNvPr id="7" name="Rectangle 6">
+            <a:extLst>
+              <a:ext uri="{FF2B5EF4-FFF2-40B4-BE49-F238E27FC236}">
+                <a16:creationId xmlns:a16="http://schemas.microsoft.com/office/drawing/2014/main" id="{FEB208B8-7040-FE4A-EC7A-323AD4799DCC}"/>
+              </a:ext>
+            </a:extLst>
+          </p:cNvPr>
+          <p:cNvSpPr/>
+          <p:nvPr/>
+        </p:nvSpPr>
+        <p:spPr>
+          <a:xfrm>
+            <a:off x="6077220" y="2359724"/>
+            <a:ext cx="1169581" cy="1765005"/>
+          </a:xfrm>
+          <a:prstGeom prst="rect">
+            <a:avLst/>
+          </a:prstGeom>
+        </p:spPr>
+        <p:style>
+          <a:lnRef idx="2">
+            <a:schemeClr val="accent1">
+              <a:shade val="50000"/>
+            </a:schemeClr>
+          </a:lnRef>
+          <a:fillRef idx="1">
+            <a:schemeClr val="accent1"/>
+          </a:fillRef>
+          <a:effectRef idx="0">
+            <a:schemeClr val="accent1"/>
+          </a:effectRef>
+          <a:fontRef idx="minor">
+            <a:schemeClr val="lt1"/>
+          </a:fontRef>
+        </p:style>
+        <p:txBody>
+          <a:bodyPr rtlCol="0" anchor="ctr"/>
+          <a:lstStyle/>
+          <a:p>
+            <a:pPr algn="ctr"/>
+            <a:r>
+              <a:rPr lang="en-US" sz="4000" dirty="0"/>
+              <a:t>X</a:t>
+            </a:r>
+          </a:p>
+        </p:txBody>
+      </p:sp>
+      <p:sp>
+        <p:nvSpPr>
+          <p:cNvPr id="8" name="Rectangle 7">
+            <a:extLst>
+              <a:ext uri="{FF2B5EF4-FFF2-40B4-BE49-F238E27FC236}">
+                <a16:creationId xmlns:a16="http://schemas.microsoft.com/office/drawing/2014/main" id="{35B4CBC1-5400-6A8D-9808-3E2E9C2D2BBC}"/>
+              </a:ext>
+            </a:extLst>
+          </p:cNvPr>
+          <p:cNvSpPr/>
+          <p:nvPr/>
+        </p:nvSpPr>
+        <p:spPr>
+          <a:xfrm>
+            <a:off x="3716791" y="2359724"/>
+            <a:ext cx="1169581" cy="1765005"/>
+          </a:xfrm>
+          <a:prstGeom prst="rect">
+            <a:avLst/>
+          </a:prstGeom>
+          <a:solidFill>
+            <a:schemeClr val="accent2"/>
+          </a:solidFill>
+        </p:spPr>
+        <p:style>
+          <a:lnRef idx="2">
+            <a:schemeClr val="accent1">
+              <a:shade val="50000"/>
+            </a:schemeClr>
+          </a:lnRef>
+          <a:fillRef idx="1">
+            <a:schemeClr val="accent1"/>
+          </a:fillRef>
+          <a:effectRef idx="0">
+            <a:schemeClr val="accent1"/>
+          </a:effectRef>
+          <a:fontRef idx="minor">
+            <a:schemeClr val="lt1"/>
+          </a:fontRef>
+        </p:style>
+        <p:txBody>
+          <a:bodyPr rtlCol="0" anchor="ctr"/>
+          <a:lstStyle/>
+          <a:p>
+            <a:pPr algn="ctr"/>
+            <a:r>
+              <a:rPr lang="en-US" sz="4000" dirty="0"/>
+              <a:t>Y</a:t>
+            </a:r>
+          </a:p>
+        </p:txBody>
+      </p:sp>
+      <p:sp>
+        <p:nvSpPr>
+          <p:cNvPr id="9" name="Rectangle 8">
+            <a:extLst>
+              <a:ext uri="{FF2B5EF4-FFF2-40B4-BE49-F238E27FC236}">
+                <a16:creationId xmlns:a16="http://schemas.microsoft.com/office/drawing/2014/main" id="{570C3881-EB1E-4BFA-DEDB-233F7B97144E}"/>
+              </a:ext>
+            </a:extLst>
+          </p:cNvPr>
+          <p:cNvSpPr/>
+          <p:nvPr/>
+        </p:nvSpPr>
+        <p:spPr>
+          <a:xfrm>
+            <a:off x="5338788" y="6047343"/>
+            <a:ext cx="1169581" cy="1765005"/>
+          </a:xfrm>
+          <a:prstGeom prst="rect">
+            <a:avLst/>
+          </a:prstGeom>
+          <a:solidFill>
+            <a:schemeClr val="accent6">
+              <a:lumMod val="75000"/>
+            </a:schemeClr>
+          </a:solidFill>
+        </p:spPr>
+        <p:style>
+          <a:lnRef idx="2">
+            <a:schemeClr val="accent1">
+              <a:shade val="50000"/>
+            </a:schemeClr>
+          </a:lnRef>
+          <a:fillRef idx="1">
+            <a:schemeClr val="accent1"/>
+          </a:fillRef>
+          <a:effectRef idx="0">
+            <a:schemeClr val="accent1"/>
+          </a:effectRef>
+          <a:fontRef idx="minor">
+            <a:schemeClr val="lt1"/>
+          </a:fontRef>
+        </p:style>
+        <p:txBody>
+          <a:bodyPr rtlCol="0" anchor="ctr"/>
+          <a:lstStyle/>
+          <a:p>
+            <a:pPr algn="ctr"/>
+            <a:r>
+              <a:rPr lang="en-US" sz="4000" dirty="0"/>
+              <a:t>T</a:t>
+            </a:r>
+          </a:p>
+        </p:txBody>
+      </p:sp>
+      <p:sp>
+        <p:nvSpPr>
+          <p:cNvPr id="10" name="Rectangle 9">
+            <a:extLst>
+              <a:ext uri="{FF2B5EF4-FFF2-40B4-BE49-F238E27FC236}">
+                <a16:creationId xmlns:a16="http://schemas.microsoft.com/office/drawing/2014/main" id="{8C2A7A95-9A70-7D57-D71A-6243BB7C58E5}"/>
+              </a:ext>
+            </a:extLst>
+          </p:cNvPr>
+          <p:cNvSpPr/>
+          <p:nvPr/>
+        </p:nvSpPr>
+        <p:spPr>
+          <a:xfrm>
+            <a:off x="7699217" y="6047342"/>
+            <a:ext cx="1169581" cy="1765005"/>
+          </a:xfrm>
+          <a:prstGeom prst="rect">
+            <a:avLst/>
+          </a:prstGeom>
+        </p:spPr>
+        <p:style>
+          <a:lnRef idx="2">
+            <a:schemeClr val="accent1">
+              <a:shade val="50000"/>
+            </a:schemeClr>
+          </a:lnRef>
+          <a:fillRef idx="1">
+            <a:schemeClr val="accent1"/>
+          </a:fillRef>
+          <a:effectRef idx="0">
+            <a:schemeClr val="accent1"/>
+          </a:effectRef>
+          <a:fontRef idx="minor">
+            <a:schemeClr val="lt1"/>
+          </a:fontRef>
+        </p:style>
+        <p:txBody>
+          <a:bodyPr rtlCol="0" anchor="ctr"/>
+          <a:lstStyle/>
+          <a:p>
+            <a:pPr algn="ctr"/>
+            <a:r>
+              <a:rPr lang="en-US" sz="4000" dirty="0"/>
+              <a:t>X</a:t>
+            </a:r>
+          </a:p>
+        </p:txBody>
+      </p:sp>
+      <p:sp>
+        <p:nvSpPr>
+          <p:cNvPr id="11" name="Left Arrow 10">
+            <a:extLst>
+              <a:ext uri="{FF2B5EF4-FFF2-40B4-BE49-F238E27FC236}">
+                <a16:creationId xmlns:a16="http://schemas.microsoft.com/office/drawing/2014/main" id="{1905D8FB-6DA1-3975-7353-325FA97764D4}"/>
+              </a:ext>
+            </a:extLst>
+          </p:cNvPr>
+          <p:cNvSpPr/>
+          <p:nvPr/>
+        </p:nvSpPr>
+        <p:spPr>
+          <a:xfrm>
+            <a:off x="4886372" y="2625537"/>
+            <a:ext cx="1190848" cy="1233376"/>
+          </a:xfrm>
+          <a:prstGeom prst="leftArrow">
+            <a:avLst>
+              <a:gd name="adj1" fmla="val 50000"/>
+              <a:gd name="adj2" fmla="val 50000"/>
+            </a:avLst>
+          </a:prstGeom>
+          <a:solidFill>
+            <a:schemeClr val="accent4">
+              <a:lumMod val="20000"/>
+              <a:lumOff val="80000"/>
+            </a:schemeClr>
+          </a:solidFill>
+        </p:spPr>
+        <p:style>
+          <a:lnRef idx="2">
+            <a:schemeClr val="accent1">
+              <a:shade val="50000"/>
+            </a:schemeClr>
+          </a:lnRef>
+          <a:fillRef idx="1">
+            <a:schemeClr val="accent1"/>
+          </a:fillRef>
+          <a:effectRef idx="0">
+            <a:schemeClr val="accent1"/>
+          </a:effectRef>
+          <a:fontRef idx="minor">
+            <a:schemeClr val="lt1"/>
+          </a:fontRef>
+        </p:style>
+        <p:txBody>
+          <a:bodyPr rtlCol="0" anchor="ctr"/>
+          <a:lstStyle/>
+          <a:p>
+            <a:pPr algn="ctr"/>
+            <a:r>
+              <a:rPr lang="en-US" dirty="0">
+                <a:ln>
+                  <a:solidFill>
+                    <a:sysClr val="windowText" lastClr="000000"/>
+                  </a:solidFill>
+                </a:ln>
+              </a:rPr>
+              <a:t>GNN</a:t>
+            </a:r>
+          </a:p>
+          <a:p>
+            <a:pPr algn="ctr"/>
+            <a:r>
+              <a:rPr lang="en-US" dirty="0">
+                <a:ln>
+                  <a:solidFill>
+                    <a:sysClr val="windowText" lastClr="000000"/>
+                  </a:solidFill>
+                </a:ln>
+              </a:rPr>
+              <a:t>regress</a:t>
+            </a:r>
+          </a:p>
+        </p:txBody>
+      </p:sp>
+      <p:sp>
+        <p:nvSpPr>
+          <p:cNvPr id="14" name="Rectangle 13">
+            <a:extLst>
+              <a:ext uri="{FF2B5EF4-FFF2-40B4-BE49-F238E27FC236}">
+                <a16:creationId xmlns:a16="http://schemas.microsoft.com/office/drawing/2014/main" id="{577604A9-C592-8267-164A-F19A607E7BA5}"/>
+              </a:ext>
+            </a:extLst>
+          </p:cNvPr>
+          <p:cNvSpPr/>
+          <p:nvPr/>
+        </p:nvSpPr>
+        <p:spPr>
+          <a:xfrm>
+            <a:off x="9461921" y="2359723"/>
+            <a:ext cx="1169581" cy="1765005"/>
+          </a:xfrm>
+          <a:prstGeom prst="rect">
+            <a:avLst/>
+          </a:prstGeom>
+          <a:solidFill>
+            <a:schemeClr val="accent2">
+              <a:lumMod val="40000"/>
+              <a:lumOff val="60000"/>
+            </a:schemeClr>
+          </a:solidFill>
+        </p:spPr>
+        <p:style>
+          <a:lnRef idx="2">
+            <a:schemeClr val="accent1">
+              <a:shade val="50000"/>
+            </a:schemeClr>
+          </a:lnRef>
+          <a:fillRef idx="1">
+            <a:schemeClr val="accent1"/>
+          </a:fillRef>
+          <a:effectRef idx="0">
+            <a:schemeClr val="accent1"/>
+          </a:effectRef>
+          <a:fontRef idx="minor">
+            <a:schemeClr val="lt1"/>
+          </a:fontRef>
+        </p:style>
+        <p:txBody>
+          <a:bodyPr rtlCol="0" anchor="ctr"/>
+          <a:lstStyle/>
+          <a:p>
+            <a:pPr algn="ctr"/>
+            <a:r>
+              <a:rPr lang="en-US" sz="4000" dirty="0" err="1">
+                <a:solidFill>
+                  <a:schemeClr val="tx1"/>
+                </a:solidFill>
+              </a:rPr>
+              <a:t>ε</a:t>
+            </a:r>
+            <a:r>
+              <a:rPr lang="en-US" sz="4000" baseline="-25000" dirty="0" err="1">
+                <a:solidFill>
+                  <a:schemeClr val="tx1"/>
+                </a:solidFill>
+              </a:rPr>
+              <a:t>Y</a:t>
+            </a:r>
+            <a:endParaRPr lang="en-US" sz="4000" baseline="-25000" dirty="0">
+              <a:solidFill>
+                <a:schemeClr val="tx1"/>
+              </a:solidFill>
+            </a:endParaRPr>
+          </a:p>
+        </p:txBody>
+      </p:sp>
+      <p:sp>
+        <p:nvSpPr>
+          <p:cNvPr id="15" name="Rectangle 14">
+            <a:extLst>
+              <a:ext uri="{FF2B5EF4-FFF2-40B4-BE49-F238E27FC236}">
+                <a16:creationId xmlns:a16="http://schemas.microsoft.com/office/drawing/2014/main" id="{19152C46-E5BC-B9D5-1F9A-FD45D10D4105}"/>
+              </a:ext>
+            </a:extLst>
+          </p:cNvPr>
+          <p:cNvSpPr/>
+          <p:nvPr/>
+        </p:nvSpPr>
+        <p:spPr>
+          <a:xfrm>
+            <a:off x="11083917" y="6047341"/>
+            <a:ext cx="1169581" cy="1765005"/>
+          </a:xfrm>
+          <a:prstGeom prst="rect">
+            <a:avLst/>
+          </a:prstGeom>
+          <a:solidFill>
+            <a:schemeClr val="accent6">
+              <a:lumMod val="40000"/>
+              <a:lumOff val="60000"/>
+            </a:schemeClr>
+          </a:solidFill>
+        </p:spPr>
+        <p:style>
+          <a:lnRef idx="2">
+            <a:schemeClr val="accent1">
+              <a:shade val="50000"/>
+            </a:schemeClr>
+          </a:lnRef>
+          <a:fillRef idx="1">
+            <a:schemeClr val="accent1"/>
+          </a:fillRef>
+          <a:effectRef idx="0">
+            <a:schemeClr val="accent1"/>
+          </a:effectRef>
+          <a:fontRef idx="minor">
+            <a:schemeClr val="lt1"/>
+          </a:fontRef>
+        </p:style>
+        <p:txBody>
+          <a:bodyPr rtlCol="0" anchor="ctr"/>
+          <a:lstStyle/>
+          <a:p>
+            <a:pPr algn="ctr"/>
+            <a:r>
+              <a:rPr lang="en-US" sz="4000" dirty="0" err="1">
+                <a:solidFill>
+                  <a:schemeClr val="tx1"/>
+                </a:solidFill>
+              </a:rPr>
+              <a:t>ε</a:t>
+            </a:r>
+            <a:r>
+              <a:rPr lang="en-US" sz="4000" baseline="-25000" dirty="0" err="1">
+                <a:solidFill>
+                  <a:schemeClr val="tx1"/>
+                </a:solidFill>
+              </a:rPr>
+              <a:t>T</a:t>
+            </a:r>
+            <a:endParaRPr lang="en-US" sz="4000" baseline="-25000" dirty="0">
+              <a:solidFill>
+                <a:schemeClr val="tx1"/>
+              </a:solidFill>
+            </a:endParaRPr>
+          </a:p>
+        </p:txBody>
+      </p:sp>
+      <p:sp>
+        <p:nvSpPr>
+          <p:cNvPr id="16" name="Rectangle 15">
+            <a:extLst>
+              <a:ext uri="{FF2B5EF4-FFF2-40B4-BE49-F238E27FC236}">
+                <a16:creationId xmlns:a16="http://schemas.microsoft.com/office/drawing/2014/main" id="{CF78B7F1-8168-6395-7C1A-3C6663E9EE0B}"/>
+              </a:ext>
+            </a:extLst>
+          </p:cNvPr>
+          <p:cNvSpPr/>
+          <p:nvPr/>
+        </p:nvSpPr>
+        <p:spPr>
+          <a:xfrm>
+            <a:off x="13459678" y="9186766"/>
+            <a:ext cx="1169581" cy="1765005"/>
+          </a:xfrm>
+          <a:prstGeom prst="rect">
+            <a:avLst/>
+          </a:prstGeom>
+          <a:solidFill>
+            <a:schemeClr val="accent2">
+              <a:lumMod val="40000"/>
+              <a:lumOff val="60000"/>
+            </a:schemeClr>
+          </a:solidFill>
+        </p:spPr>
+        <p:style>
+          <a:lnRef idx="2">
+            <a:schemeClr val="accent1">
+              <a:shade val="50000"/>
+            </a:schemeClr>
+          </a:lnRef>
+          <a:fillRef idx="1">
+            <a:schemeClr val="accent1"/>
+          </a:fillRef>
+          <a:effectRef idx="0">
+            <a:schemeClr val="accent1"/>
+          </a:effectRef>
+          <a:fontRef idx="minor">
+            <a:schemeClr val="lt1"/>
+          </a:fontRef>
+        </p:style>
+        <p:txBody>
+          <a:bodyPr rtlCol="0" anchor="ctr"/>
+          <a:lstStyle/>
+          <a:p>
+            <a:pPr algn="ctr"/>
+            <a:r>
+              <a:rPr lang="en-US" sz="4000" dirty="0" err="1">
+                <a:solidFill>
+                  <a:schemeClr val="tx1"/>
+                </a:solidFill>
+              </a:rPr>
+              <a:t>ε</a:t>
+            </a:r>
+            <a:r>
+              <a:rPr lang="en-US" sz="4000" baseline="-25000" dirty="0" err="1">
+                <a:solidFill>
+                  <a:schemeClr val="tx1"/>
+                </a:solidFill>
+              </a:rPr>
+              <a:t>Y</a:t>
+            </a:r>
+            <a:endParaRPr lang="en-US" sz="4000" baseline="-25000" dirty="0">
+              <a:solidFill>
+                <a:schemeClr val="tx1"/>
+              </a:solidFill>
+            </a:endParaRPr>
+          </a:p>
+        </p:txBody>
+      </p:sp>
+      <p:sp>
+        <p:nvSpPr>
+          <p:cNvPr id="17" name="Rectangle 16">
+            <a:extLst>
+              <a:ext uri="{FF2B5EF4-FFF2-40B4-BE49-F238E27FC236}">
+                <a16:creationId xmlns:a16="http://schemas.microsoft.com/office/drawing/2014/main" id="{F5EB03AE-511B-E64C-908F-68132B32FFE6}"/>
+              </a:ext>
+            </a:extLst>
+          </p:cNvPr>
+          <p:cNvSpPr/>
+          <p:nvPr/>
+        </p:nvSpPr>
+        <p:spPr>
+          <a:xfrm>
+            <a:off x="15820108" y="8304263"/>
+            <a:ext cx="1169581" cy="1765005"/>
+          </a:xfrm>
+          <a:prstGeom prst="rect">
+            <a:avLst/>
+          </a:prstGeom>
+          <a:solidFill>
+            <a:schemeClr val="accent6">
+              <a:lumMod val="40000"/>
+              <a:lumOff val="60000"/>
+            </a:schemeClr>
+          </a:solidFill>
+        </p:spPr>
+        <p:style>
+          <a:lnRef idx="2">
+            <a:schemeClr val="accent1">
+              <a:shade val="50000"/>
+            </a:schemeClr>
+          </a:lnRef>
+          <a:fillRef idx="1">
+            <a:schemeClr val="accent1"/>
+          </a:fillRef>
+          <a:effectRef idx="0">
+            <a:schemeClr val="accent1"/>
+          </a:effectRef>
+          <a:fontRef idx="minor">
+            <a:schemeClr val="lt1"/>
+          </a:fontRef>
+        </p:style>
+        <p:txBody>
+          <a:bodyPr rtlCol="0" anchor="ctr"/>
+          <a:lstStyle/>
+          <a:p>
+            <a:pPr algn="ctr"/>
+            <a:r>
+              <a:rPr lang="en-US" sz="4000" dirty="0" err="1">
+                <a:solidFill>
+                  <a:schemeClr val="tx1"/>
+                </a:solidFill>
+              </a:rPr>
+              <a:t>ε</a:t>
+            </a:r>
+            <a:r>
+              <a:rPr lang="en-US" sz="4000" baseline="-25000" dirty="0" err="1">
+                <a:solidFill>
+                  <a:schemeClr val="tx1"/>
+                </a:solidFill>
+              </a:rPr>
+              <a:t>T</a:t>
+            </a:r>
+            <a:endParaRPr lang="en-US" sz="4000" baseline="-25000" dirty="0">
+              <a:solidFill>
+                <a:schemeClr val="tx1"/>
+              </a:solidFill>
+            </a:endParaRPr>
+          </a:p>
+        </p:txBody>
+      </p:sp>
+      <p:sp>
+        <p:nvSpPr>
+          <p:cNvPr id="19" name="Left Arrow 18">
+            <a:extLst>
+              <a:ext uri="{FF2B5EF4-FFF2-40B4-BE49-F238E27FC236}">
+                <a16:creationId xmlns:a16="http://schemas.microsoft.com/office/drawing/2014/main" id="{E2F1C4AA-C3FF-1215-7E93-A9D9B8FFF206}"/>
+              </a:ext>
+            </a:extLst>
+          </p:cNvPr>
+          <p:cNvSpPr/>
+          <p:nvPr/>
+        </p:nvSpPr>
+        <p:spPr>
+          <a:xfrm>
+            <a:off x="6508369" y="6313155"/>
+            <a:ext cx="1190848" cy="1233376"/>
+          </a:xfrm>
+          <a:prstGeom prst="leftArrow">
+            <a:avLst>
+              <a:gd name="adj1" fmla="val 50000"/>
+              <a:gd name="adj2" fmla="val 50000"/>
+            </a:avLst>
+          </a:prstGeom>
+          <a:solidFill>
+            <a:schemeClr val="accent4">
+              <a:lumMod val="20000"/>
+              <a:lumOff val="80000"/>
+            </a:schemeClr>
+          </a:solidFill>
+        </p:spPr>
+        <p:style>
+          <a:lnRef idx="2">
+            <a:schemeClr val="accent1">
+              <a:shade val="50000"/>
+            </a:schemeClr>
+          </a:lnRef>
+          <a:fillRef idx="1">
+            <a:schemeClr val="accent1"/>
+          </a:fillRef>
+          <a:effectRef idx="0">
+            <a:schemeClr val="accent1"/>
+          </a:effectRef>
+          <a:fontRef idx="minor">
+            <a:schemeClr val="lt1"/>
+          </a:fontRef>
+        </p:style>
+        <p:txBody>
+          <a:bodyPr rtlCol="0" anchor="ctr"/>
+          <a:lstStyle/>
+          <a:p>
+            <a:pPr algn="ctr"/>
+            <a:r>
+              <a:rPr lang="en-US" dirty="0">
+                <a:ln>
+                  <a:solidFill>
+                    <a:sysClr val="windowText" lastClr="000000"/>
+                  </a:solidFill>
+                </a:ln>
+              </a:rPr>
+              <a:t>GNN</a:t>
+            </a:r>
+          </a:p>
+          <a:p>
+            <a:pPr algn="ctr"/>
+            <a:r>
+              <a:rPr lang="en-US" dirty="0">
+                <a:ln>
+                  <a:solidFill>
+                    <a:sysClr val="windowText" lastClr="000000"/>
+                  </a:solidFill>
+                </a:ln>
+              </a:rPr>
+              <a:t>regress</a:t>
+            </a:r>
+          </a:p>
+        </p:txBody>
+      </p:sp>
+      <p:sp>
+        <p:nvSpPr>
+          <p:cNvPr id="20" name="Left Arrow 19">
+            <a:extLst>
+              <a:ext uri="{FF2B5EF4-FFF2-40B4-BE49-F238E27FC236}">
+                <a16:creationId xmlns:a16="http://schemas.microsoft.com/office/drawing/2014/main" id="{FE3613BF-B9F2-EFCC-8C28-6518B5D787F4}"/>
+              </a:ext>
+            </a:extLst>
+          </p:cNvPr>
+          <p:cNvSpPr/>
+          <p:nvPr/>
+        </p:nvSpPr>
+        <p:spPr>
+          <a:xfrm>
+            <a:off x="14629259" y="9565990"/>
+            <a:ext cx="1190848" cy="1233376"/>
+          </a:xfrm>
+          <a:prstGeom prst="leftArrow">
+            <a:avLst>
+              <a:gd name="adj1" fmla="val 50000"/>
+              <a:gd name="adj2" fmla="val 50000"/>
+            </a:avLst>
+          </a:prstGeom>
+          <a:solidFill>
+            <a:schemeClr val="accent4">
+              <a:lumMod val="20000"/>
+              <a:lumOff val="80000"/>
+            </a:schemeClr>
+          </a:solidFill>
+        </p:spPr>
+        <p:style>
+          <a:lnRef idx="2">
+            <a:schemeClr val="accent1">
+              <a:shade val="50000"/>
+            </a:schemeClr>
+          </a:lnRef>
+          <a:fillRef idx="1">
+            <a:schemeClr val="accent1"/>
+          </a:fillRef>
+          <a:effectRef idx="0">
+            <a:schemeClr val="accent1"/>
+          </a:effectRef>
+          <a:fontRef idx="minor">
+            <a:schemeClr val="lt1"/>
+          </a:fontRef>
+        </p:style>
+        <p:txBody>
+          <a:bodyPr rtlCol="0" anchor="ctr"/>
+          <a:lstStyle/>
+          <a:p>
+            <a:pPr algn="ctr"/>
+            <a:r>
+              <a:rPr lang="en-US" dirty="0">
+                <a:ln>
+                  <a:solidFill>
+                    <a:sysClr val="windowText" lastClr="000000"/>
+                  </a:solidFill>
+                </a:ln>
+              </a:rPr>
+              <a:t>GNN</a:t>
+            </a:r>
+          </a:p>
+          <a:p>
+            <a:pPr algn="ctr"/>
+            <a:r>
+              <a:rPr lang="en-US" dirty="0">
+                <a:ln>
+                  <a:solidFill>
+                    <a:sysClr val="windowText" lastClr="000000"/>
+                  </a:solidFill>
+                </a:ln>
+              </a:rPr>
+              <a:t>regress</a:t>
+            </a:r>
+          </a:p>
+        </p:txBody>
+      </p:sp>
+      <p:sp>
+        <p:nvSpPr>
+          <p:cNvPr id="22" name="Rectangle 21">
+            <a:extLst>
+              <a:ext uri="{FF2B5EF4-FFF2-40B4-BE49-F238E27FC236}">
+                <a16:creationId xmlns:a16="http://schemas.microsoft.com/office/drawing/2014/main" id="{B295B120-23FB-8648-0CE3-40C101D9AB28}"/>
+              </a:ext>
+            </a:extLst>
+          </p:cNvPr>
+          <p:cNvSpPr/>
+          <p:nvPr/>
+        </p:nvSpPr>
+        <p:spPr>
+          <a:xfrm>
+            <a:off x="15820107" y="10069268"/>
+            <a:ext cx="1169581" cy="1765005"/>
+          </a:xfrm>
+          <a:prstGeom prst="rect">
+            <a:avLst/>
+          </a:prstGeom>
+        </p:spPr>
+        <p:style>
+          <a:lnRef idx="2">
+            <a:schemeClr val="accent1">
+              <a:shade val="50000"/>
+            </a:schemeClr>
+          </a:lnRef>
+          <a:fillRef idx="1">
+            <a:schemeClr val="accent1"/>
+          </a:fillRef>
+          <a:effectRef idx="0">
+            <a:schemeClr val="accent1"/>
+          </a:effectRef>
+          <a:fontRef idx="minor">
+            <a:schemeClr val="lt1"/>
+          </a:fontRef>
+        </p:style>
+        <p:txBody>
+          <a:bodyPr rtlCol="0" anchor="ctr"/>
+          <a:lstStyle/>
+          <a:p>
+            <a:pPr algn="ctr"/>
+            <a:r>
+              <a:rPr lang="en-US" sz="4000" dirty="0"/>
+              <a:t>X</a:t>
+            </a:r>
+          </a:p>
+        </p:txBody>
+      </p:sp>
+      <p:sp>
+        <p:nvSpPr>
+          <p:cNvPr id="26" name="Rectangle 25">
+            <a:extLst>
+              <a:ext uri="{FF2B5EF4-FFF2-40B4-BE49-F238E27FC236}">
+                <a16:creationId xmlns:a16="http://schemas.microsoft.com/office/drawing/2014/main" id="{B1D4BFBE-E707-3161-F801-1C418D165FDB}"/>
+              </a:ext>
+            </a:extLst>
+          </p:cNvPr>
+          <p:cNvSpPr/>
+          <p:nvPr/>
+        </p:nvSpPr>
+        <p:spPr>
+          <a:xfrm>
+            <a:off x="19966800" y="9186765"/>
+            <a:ext cx="1648046" cy="1765005"/>
+          </a:xfrm>
+          <a:prstGeom prst="rect">
+            <a:avLst/>
+          </a:prstGeom>
+          <a:solidFill>
+            <a:schemeClr val="accent4">
+              <a:lumMod val="40000"/>
+              <a:lumOff val="60000"/>
+            </a:schemeClr>
+          </a:solidFill>
+        </p:spPr>
+        <p:style>
+          <a:lnRef idx="2">
+            <a:schemeClr val="accent1">
+              <a:shade val="50000"/>
+            </a:schemeClr>
+          </a:lnRef>
+          <a:fillRef idx="1">
+            <a:schemeClr val="accent1"/>
+          </a:fillRef>
+          <a:effectRef idx="0">
+            <a:schemeClr val="accent1"/>
+          </a:effectRef>
+          <a:fontRef idx="minor">
+            <a:schemeClr val="lt1"/>
+          </a:fontRef>
+        </p:style>
+        <p:txBody>
+          <a:bodyPr rtlCol="0" anchor="ctr"/>
+          <a:lstStyle/>
+          <a:p>
+            <a:pPr algn="ctr"/>
+            <a:r>
+              <a:rPr lang="en-US" sz="4000" dirty="0">
+                <a:solidFill>
+                  <a:schemeClr val="tx1"/>
+                </a:solidFill>
+              </a:rPr>
+              <a:t>TE</a:t>
+            </a:r>
+          </a:p>
+          <a:p>
+            <a:pPr algn="ctr"/>
+            <a:r>
+              <a:rPr lang="en-US" sz="4000" baseline="-25000" dirty="0">
+                <a:solidFill>
+                  <a:schemeClr val="tx1"/>
+                </a:solidFill>
+              </a:rPr>
+              <a:t>+ Spillover</a:t>
+            </a:r>
+          </a:p>
+        </p:txBody>
+      </p:sp>
+      <p:sp>
+        <p:nvSpPr>
+          <p:cNvPr id="27" name="TextBox 26">
+            <a:extLst>
+              <a:ext uri="{FF2B5EF4-FFF2-40B4-BE49-F238E27FC236}">
+                <a16:creationId xmlns:a16="http://schemas.microsoft.com/office/drawing/2014/main" id="{E6B386E2-99EF-60A8-A960-AE75C4C93C78}"/>
+              </a:ext>
+            </a:extLst>
+          </p:cNvPr>
+          <p:cNvSpPr txBox="1"/>
+          <p:nvPr/>
+        </p:nvSpPr>
+        <p:spPr>
+          <a:xfrm>
+            <a:off x="4757620" y="1344064"/>
+            <a:ext cx="1399357" cy="584775"/>
+          </a:xfrm>
+          <a:prstGeom prst="rect">
+            <a:avLst/>
+          </a:prstGeom>
+          <a:noFill/>
+          <a:ln>
+            <a:solidFill>
+              <a:schemeClr val="tx1"/>
+            </a:solidFill>
+          </a:ln>
+        </p:spPr>
+        <p:txBody>
+          <a:bodyPr wrap="none" rtlCol="0">
+            <a:spAutoFit/>
+          </a:bodyPr>
+          <a:lstStyle/>
+          <a:p>
+            <a:r>
+              <a:rPr lang="en-US" sz="3200" dirty="0"/>
+              <a:t>Stage 1</a:t>
+            </a:r>
+          </a:p>
+        </p:txBody>
+      </p:sp>
+      <p:sp>
+        <p:nvSpPr>
+          <p:cNvPr id="28" name="TextBox 27">
+            <a:extLst>
+              <a:ext uri="{FF2B5EF4-FFF2-40B4-BE49-F238E27FC236}">
+                <a16:creationId xmlns:a16="http://schemas.microsoft.com/office/drawing/2014/main" id="{02A512E5-C1E4-5AF1-0A98-DE55518A7568}"/>
+              </a:ext>
+            </a:extLst>
+          </p:cNvPr>
+          <p:cNvSpPr txBox="1"/>
+          <p:nvPr/>
+        </p:nvSpPr>
+        <p:spPr>
+          <a:xfrm>
+            <a:off x="6404114" y="5196750"/>
+            <a:ext cx="1399357" cy="584775"/>
+          </a:xfrm>
+          <a:prstGeom prst="rect">
+            <a:avLst/>
+          </a:prstGeom>
+          <a:noFill/>
+          <a:ln>
+            <a:solidFill>
+              <a:schemeClr val="tx1"/>
+            </a:solidFill>
+          </a:ln>
+        </p:spPr>
+        <p:txBody>
+          <a:bodyPr wrap="none" rtlCol="0">
+            <a:spAutoFit/>
+          </a:bodyPr>
+          <a:lstStyle/>
+          <a:p>
+            <a:r>
+              <a:rPr lang="en-US" sz="3200" dirty="0"/>
+              <a:t>Stage 2</a:t>
+            </a:r>
+          </a:p>
+        </p:txBody>
+      </p:sp>
+      <p:sp>
+        <p:nvSpPr>
+          <p:cNvPr id="29" name="TextBox 28">
+            <a:extLst>
+              <a:ext uri="{FF2B5EF4-FFF2-40B4-BE49-F238E27FC236}">
+                <a16:creationId xmlns:a16="http://schemas.microsoft.com/office/drawing/2014/main" id="{8D04D791-5471-BAA3-D736-9CBB28373FB4}"/>
+              </a:ext>
+            </a:extLst>
+          </p:cNvPr>
+          <p:cNvSpPr txBox="1"/>
+          <p:nvPr/>
+        </p:nvSpPr>
+        <p:spPr>
+          <a:xfrm>
+            <a:off x="14291086" y="7540495"/>
+            <a:ext cx="1399357" cy="584775"/>
+          </a:xfrm>
+          <a:prstGeom prst="rect">
+            <a:avLst/>
+          </a:prstGeom>
+          <a:noFill/>
+          <a:ln>
+            <a:solidFill>
+              <a:schemeClr val="tx1"/>
+            </a:solidFill>
+          </a:ln>
+        </p:spPr>
+        <p:txBody>
+          <a:bodyPr wrap="none" rtlCol="0">
+            <a:spAutoFit/>
+          </a:bodyPr>
+          <a:lstStyle/>
+          <a:p>
+            <a:r>
+              <a:rPr lang="en-US" sz="3200" dirty="0"/>
+              <a:t>Stage 3</a:t>
+            </a:r>
+          </a:p>
+        </p:txBody>
+      </p:sp>
+      <p:cxnSp>
+        <p:nvCxnSpPr>
+          <p:cNvPr id="31" name="Straight Arrow Connector 30">
+            <a:extLst>
+              <a:ext uri="{FF2B5EF4-FFF2-40B4-BE49-F238E27FC236}">
+                <a16:creationId xmlns:a16="http://schemas.microsoft.com/office/drawing/2014/main" id="{14BD656E-1FB0-9FCE-F850-F8214EEF33D6}"/>
+              </a:ext>
+            </a:extLst>
+          </p:cNvPr>
+          <p:cNvCxnSpPr>
+            <a:cxnSpLocks/>
+            <a:endCxn id="14" idx="1"/>
+          </p:cNvCxnSpPr>
+          <p:nvPr/>
+        </p:nvCxnSpPr>
+        <p:spPr>
+          <a:xfrm>
+            <a:off x="7633590" y="3242226"/>
+            <a:ext cx="1828331" cy="0"/>
+          </a:xfrm>
+          <a:prstGeom prst="straightConnector1">
+            <a:avLst/>
+          </a:prstGeom>
+          <a:ln w="69850">
+            <a:tailEnd type="triangle" w="lg" len="lg"/>
+          </a:ln>
+        </p:spPr>
+        <p:style>
+          <a:lnRef idx="1">
+            <a:schemeClr val="dk1"/>
+          </a:lnRef>
+          <a:fillRef idx="0">
+            <a:schemeClr val="dk1"/>
+          </a:fillRef>
+          <a:effectRef idx="0">
+            <a:schemeClr val="dk1"/>
+          </a:effectRef>
+          <a:fontRef idx="minor">
+            <a:schemeClr val="tx1"/>
+          </a:fontRef>
+        </p:style>
+      </p:cxnSp>
+      <p:cxnSp>
+        <p:nvCxnSpPr>
+          <p:cNvPr id="32" name="Straight Arrow Connector 31">
+            <a:extLst>
+              <a:ext uri="{FF2B5EF4-FFF2-40B4-BE49-F238E27FC236}">
+                <a16:creationId xmlns:a16="http://schemas.microsoft.com/office/drawing/2014/main" id="{2A484860-E493-2BCA-F701-D290AE5FF666}"/>
+              </a:ext>
+            </a:extLst>
+          </p:cNvPr>
+          <p:cNvCxnSpPr>
+            <a:cxnSpLocks/>
+          </p:cNvCxnSpPr>
+          <p:nvPr/>
+        </p:nvCxnSpPr>
+        <p:spPr>
+          <a:xfrm>
+            <a:off x="9283216" y="6929842"/>
+            <a:ext cx="1786999" cy="0"/>
+          </a:xfrm>
+          <a:prstGeom prst="straightConnector1">
+            <a:avLst/>
+          </a:prstGeom>
+          <a:ln w="69850">
+            <a:tailEnd type="triangle" w="lg" len="lg"/>
+          </a:ln>
+        </p:spPr>
+        <p:style>
+          <a:lnRef idx="1">
+            <a:schemeClr val="dk1"/>
+          </a:lnRef>
+          <a:fillRef idx="0">
+            <a:schemeClr val="dk1"/>
+          </a:fillRef>
+          <a:effectRef idx="0">
+            <a:schemeClr val="dk1"/>
+          </a:effectRef>
+          <a:fontRef idx="minor">
+            <a:schemeClr val="tx1"/>
+          </a:fontRef>
+        </p:style>
+      </p:cxnSp>
+      <p:cxnSp>
+        <p:nvCxnSpPr>
+          <p:cNvPr id="33" name="Straight Arrow Connector 32">
+            <a:extLst>
+              <a:ext uri="{FF2B5EF4-FFF2-40B4-BE49-F238E27FC236}">
+                <a16:creationId xmlns:a16="http://schemas.microsoft.com/office/drawing/2014/main" id="{A231A8D1-D706-50A8-A0EC-695804366FF1}"/>
+              </a:ext>
+            </a:extLst>
+          </p:cNvPr>
+          <p:cNvCxnSpPr>
+            <a:cxnSpLocks/>
+          </p:cNvCxnSpPr>
+          <p:nvPr/>
+        </p:nvCxnSpPr>
+        <p:spPr>
+          <a:xfrm flipV="1">
+            <a:off x="17769016" y="10069267"/>
+            <a:ext cx="2197783" cy="1"/>
+          </a:xfrm>
+          <a:prstGeom prst="straightConnector1">
+            <a:avLst/>
+          </a:prstGeom>
+          <a:ln w="69850">
+            <a:tailEnd type="triangle" w="lg" len="lg"/>
+          </a:ln>
+        </p:spPr>
+        <p:style>
+          <a:lnRef idx="1">
+            <a:schemeClr val="dk1"/>
+          </a:lnRef>
+          <a:fillRef idx="0">
+            <a:schemeClr val="dk1"/>
+          </a:fillRef>
+          <a:effectRef idx="0">
+            <a:schemeClr val="dk1"/>
+          </a:effectRef>
+          <a:fontRef idx="minor">
+            <a:schemeClr val="tx1"/>
+          </a:fontRef>
+        </p:style>
+      </p:cxnSp>
+      <p:sp>
+        <p:nvSpPr>
+          <p:cNvPr id="37" name="Left Brace 36">
+            <a:extLst>
+              <a:ext uri="{FF2B5EF4-FFF2-40B4-BE49-F238E27FC236}">
+                <a16:creationId xmlns:a16="http://schemas.microsoft.com/office/drawing/2014/main" id="{3632D5B1-762A-F924-A041-414F9F0DF8A5}"/>
+              </a:ext>
+            </a:extLst>
+          </p:cNvPr>
+          <p:cNvSpPr/>
+          <p:nvPr/>
+        </p:nvSpPr>
+        <p:spPr>
+          <a:xfrm rot="10800000">
+            <a:off x="2209552" y="746296"/>
+            <a:ext cx="593124" cy="5029195"/>
+          </a:xfrm>
+          <a:prstGeom prst="leftBrace">
+            <a:avLst/>
+          </a:prstGeom>
+          <a:ln w="57150"/>
+        </p:spPr>
+        <p:style>
+          <a:lnRef idx="1">
+            <a:schemeClr val="dk1"/>
+          </a:lnRef>
+          <a:fillRef idx="0">
+            <a:schemeClr val="dk1"/>
+          </a:fillRef>
+          <a:effectRef idx="0">
+            <a:schemeClr val="dk1"/>
+          </a:effectRef>
+          <a:fontRef idx="minor">
+            <a:schemeClr val="tx1"/>
+          </a:fontRef>
+        </p:style>
+        <p:txBody>
+          <a:bodyPr rtlCol="0" anchor="ctr"/>
+          <a:lstStyle/>
+          <a:p>
+            <a:pPr algn="ctr"/>
+            <a:endParaRPr lang="en-US"/>
+          </a:p>
+        </p:txBody>
+      </p:sp>
+      <p:sp>
+        <p:nvSpPr>
+          <p:cNvPr id="43" name="Left Brace 42">
+            <a:extLst>
+              <a:ext uri="{FF2B5EF4-FFF2-40B4-BE49-F238E27FC236}">
+                <a16:creationId xmlns:a16="http://schemas.microsoft.com/office/drawing/2014/main" id="{A0AB5C74-D9A6-36A0-6F50-D20A005E7243}"/>
+              </a:ext>
+            </a:extLst>
+          </p:cNvPr>
+          <p:cNvSpPr/>
+          <p:nvPr/>
+        </p:nvSpPr>
+        <p:spPr>
+          <a:xfrm rot="10800000">
+            <a:off x="7432831" y="2539565"/>
+            <a:ext cx="165738" cy="1405319"/>
+          </a:xfrm>
+          <a:prstGeom prst="leftBrace">
+            <a:avLst/>
+          </a:prstGeom>
+          <a:ln w="57150"/>
+        </p:spPr>
+        <p:style>
+          <a:lnRef idx="1">
+            <a:schemeClr val="dk1"/>
+          </a:lnRef>
+          <a:fillRef idx="0">
+            <a:schemeClr val="dk1"/>
+          </a:fillRef>
+          <a:effectRef idx="0">
+            <a:schemeClr val="dk1"/>
+          </a:effectRef>
+          <a:fontRef idx="minor">
+            <a:schemeClr val="tx1"/>
+          </a:fontRef>
+        </p:style>
+        <p:txBody>
+          <a:bodyPr rtlCol="0" anchor="ctr"/>
+          <a:lstStyle/>
+          <a:p>
+            <a:pPr algn="ctr"/>
+            <a:endParaRPr lang="en-US"/>
+          </a:p>
+        </p:txBody>
+      </p:sp>
+      <p:sp>
+        <p:nvSpPr>
+          <p:cNvPr id="44" name="Left Brace 43">
+            <a:extLst>
+              <a:ext uri="{FF2B5EF4-FFF2-40B4-BE49-F238E27FC236}">
+                <a16:creationId xmlns:a16="http://schemas.microsoft.com/office/drawing/2014/main" id="{9792E1F7-3953-BEF7-E989-DB14E288D3CC}"/>
+              </a:ext>
+            </a:extLst>
+          </p:cNvPr>
+          <p:cNvSpPr/>
+          <p:nvPr/>
+        </p:nvSpPr>
+        <p:spPr>
+          <a:xfrm rot="10800000">
+            <a:off x="9068050" y="6226010"/>
+            <a:ext cx="165738" cy="1405319"/>
+          </a:xfrm>
+          <a:prstGeom prst="leftBrace">
+            <a:avLst/>
+          </a:prstGeom>
+          <a:ln w="57150"/>
+        </p:spPr>
+        <p:style>
+          <a:lnRef idx="1">
+            <a:schemeClr val="dk1"/>
+          </a:lnRef>
+          <a:fillRef idx="0">
+            <a:schemeClr val="dk1"/>
+          </a:fillRef>
+          <a:effectRef idx="0">
+            <a:schemeClr val="dk1"/>
+          </a:effectRef>
+          <a:fontRef idx="minor">
+            <a:schemeClr val="tx1"/>
+          </a:fontRef>
+        </p:style>
+        <p:txBody>
+          <a:bodyPr rtlCol="0" anchor="ctr"/>
+          <a:lstStyle/>
+          <a:p>
+            <a:pPr algn="ctr"/>
+            <a:endParaRPr lang="en-US"/>
+          </a:p>
+        </p:txBody>
+      </p:sp>
+      <p:sp>
+        <p:nvSpPr>
+          <p:cNvPr id="47" name="Left Brace 46">
+            <a:extLst>
+              <a:ext uri="{FF2B5EF4-FFF2-40B4-BE49-F238E27FC236}">
+                <a16:creationId xmlns:a16="http://schemas.microsoft.com/office/drawing/2014/main" id="{D3BC86BD-A11F-E810-FE2A-CB351E44CD28}"/>
+              </a:ext>
+            </a:extLst>
+          </p:cNvPr>
+          <p:cNvSpPr/>
+          <p:nvPr/>
+        </p:nvSpPr>
+        <p:spPr>
+          <a:xfrm rot="10800000">
+            <a:off x="17227443" y="8311544"/>
+            <a:ext cx="350807" cy="3522717"/>
+          </a:xfrm>
+          <a:prstGeom prst="leftBrace">
+            <a:avLst/>
+          </a:prstGeom>
+          <a:ln w="57150"/>
+        </p:spPr>
+        <p:style>
+          <a:lnRef idx="1">
+            <a:schemeClr val="dk1"/>
+          </a:lnRef>
+          <a:fillRef idx="0">
+            <a:schemeClr val="dk1"/>
+          </a:fillRef>
+          <a:effectRef idx="0">
+            <a:schemeClr val="dk1"/>
+          </a:effectRef>
+          <a:fontRef idx="minor">
+            <a:schemeClr val="tx1"/>
+          </a:fontRef>
+        </p:style>
+        <p:txBody>
+          <a:bodyPr rtlCol="0" anchor="ctr"/>
+          <a:lstStyle/>
+          <a:p>
+            <a:pPr algn="ctr"/>
+            <a:endParaRPr lang="en-US"/>
+          </a:p>
+        </p:txBody>
+      </p:sp>
+    </p:spTree>
+    <p:extLst>
+      <p:ext uri="{BB962C8B-B14F-4D97-AF65-F5344CB8AC3E}">
+        <p14:creationId xmlns:p14="http://schemas.microsoft.com/office/powerpoint/2010/main" val="2953911092"/>
       </p:ext>
     </p:extLst>
   </p:cSld>
